--- a/三下/資訊系統專題/資訊系統專題/無人商店架構圖.pptx
+++ b/三下/資訊系統專題/資訊系統專題/無人商店架構圖.pptx
@@ -210,7 +210,7 @@
           <a:p>
             <a:fld id="{C354F58A-DC15-4339-B4BB-CC730081D1D4}" type="datetimeFigureOut">
               <a:rPr lang="zh-TW" altLang="en-US" smtClean="0"/>
-              <a:t>2019/6/3</a:t>
+              <a:t>2019/10/22</a:t>
             </a:fld>
             <a:endParaRPr lang="zh-TW" altLang="en-US"/>
           </a:p>
@@ -740,7 +740,7 @@
           <a:p>
             <a:fld id="{5BBEAD13-0566-4C6C-97E7-55F17F24B09F}" type="datetimeFigureOut">
               <a:rPr lang="zh-TW" altLang="en-US" smtClean="0"/>
-              <a:t>2019/6/3</a:t>
+              <a:t>2019/10/22</a:t>
             </a:fld>
             <a:endParaRPr lang="zh-TW" altLang="en-US"/>
           </a:p>
@@ -903,7 +903,7 @@
           <a:p>
             <a:fld id="{5BBEAD13-0566-4C6C-97E7-55F17F24B09F}" type="datetimeFigureOut">
               <a:rPr lang="zh-TW" altLang="en-US" smtClean="0"/>
-              <a:t>2019/6/3</a:t>
+              <a:t>2019/10/22</a:t>
             </a:fld>
             <a:endParaRPr lang="zh-TW" altLang="en-US"/>
           </a:p>
@@ -1076,7 +1076,7 @@
           <a:p>
             <a:fld id="{5BBEAD13-0566-4C6C-97E7-55F17F24B09F}" type="datetimeFigureOut">
               <a:rPr lang="zh-TW" altLang="en-US" smtClean="0"/>
-              <a:t>2019/6/3</a:t>
+              <a:t>2019/10/22</a:t>
             </a:fld>
             <a:endParaRPr lang="zh-TW" altLang="en-US"/>
           </a:p>
@@ -1239,7 +1239,7 @@
           <a:p>
             <a:fld id="{5BBEAD13-0566-4C6C-97E7-55F17F24B09F}" type="datetimeFigureOut">
               <a:rPr lang="zh-TW" altLang="en-US" smtClean="0"/>
-              <a:t>2019/6/3</a:t>
+              <a:t>2019/10/22</a:t>
             </a:fld>
             <a:endParaRPr lang="zh-TW" altLang="en-US"/>
           </a:p>
@@ -1479,7 +1479,7 @@
           <a:p>
             <a:fld id="{5BBEAD13-0566-4C6C-97E7-55F17F24B09F}" type="datetimeFigureOut">
               <a:rPr lang="zh-TW" altLang="en-US" smtClean="0"/>
-              <a:t>2019/6/3</a:t>
+              <a:t>2019/10/22</a:t>
             </a:fld>
             <a:endParaRPr lang="zh-TW" altLang="en-US"/>
           </a:p>
@@ -1759,7 +1759,7 @@
           <a:p>
             <a:fld id="{5BBEAD13-0566-4C6C-97E7-55F17F24B09F}" type="datetimeFigureOut">
               <a:rPr lang="zh-TW" altLang="en-US" smtClean="0"/>
-              <a:t>2019/6/3</a:t>
+              <a:t>2019/10/22</a:t>
             </a:fld>
             <a:endParaRPr lang="zh-TW" altLang="en-US"/>
           </a:p>
@@ -2173,7 +2173,7 @@
           <a:p>
             <a:fld id="{5BBEAD13-0566-4C6C-97E7-55F17F24B09F}" type="datetimeFigureOut">
               <a:rPr lang="zh-TW" altLang="en-US" smtClean="0"/>
-              <a:t>2019/6/3</a:t>
+              <a:t>2019/10/22</a:t>
             </a:fld>
             <a:endParaRPr lang="zh-TW" altLang="en-US"/>
           </a:p>
@@ -2285,7 +2285,7 @@
           <a:p>
             <a:fld id="{5BBEAD13-0566-4C6C-97E7-55F17F24B09F}" type="datetimeFigureOut">
               <a:rPr lang="zh-TW" altLang="en-US" smtClean="0"/>
-              <a:t>2019/6/3</a:t>
+              <a:t>2019/10/22</a:t>
             </a:fld>
             <a:endParaRPr lang="zh-TW" altLang="en-US"/>
           </a:p>
@@ -2375,7 +2375,7 @@
           <a:p>
             <a:fld id="{5BBEAD13-0566-4C6C-97E7-55F17F24B09F}" type="datetimeFigureOut">
               <a:rPr lang="zh-TW" altLang="en-US" smtClean="0"/>
-              <a:t>2019/6/3</a:t>
+              <a:t>2019/10/22</a:t>
             </a:fld>
             <a:endParaRPr lang="zh-TW" altLang="en-US"/>
           </a:p>
@@ -2645,7 +2645,7 @@
           <a:p>
             <a:fld id="{5BBEAD13-0566-4C6C-97E7-55F17F24B09F}" type="datetimeFigureOut">
               <a:rPr lang="zh-TW" altLang="en-US" smtClean="0"/>
-              <a:t>2019/6/3</a:t>
+              <a:t>2019/10/22</a:t>
             </a:fld>
             <a:endParaRPr lang="zh-TW" altLang="en-US"/>
           </a:p>
@@ -2892,7 +2892,7 @@
           <a:p>
             <a:fld id="{5BBEAD13-0566-4C6C-97E7-55F17F24B09F}" type="datetimeFigureOut">
               <a:rPr lang="zh-TW" altLang="en-US" smtClean="0"/>
-              <a:t>2019/6/3</a:t>
+              <a:t>2019/10/22</a:t>
             </a:fld>
             <a:endParaRPr lang="zh-TW" altLang="en-US"/>
           </a:p>
@@ -3098,7 +3098,7 @@
           <a:p>
             <a:fld id="{5BBEAD13-0566-4C6C-97E7-55F17F24B09F}" type="datetimeFigureOut">
               <a:rPr lang="zh-TW" altLang="en-US" smtClean="0"/>
-              <a:t>2019/6/3</a:t>
+              <a:t>2019/10/22</a:t>
             </a:fld>
             <a:endParaRPr lang="zh-TW" altLang="en-US"/>
           </a:p>
@@ -3468,12 +3468,813 @@
           <a:chExt cx="0" cy="0"/>
         </a:xfrm>
       </p:grpSpPr>
+      <p:sp>
+        <p:nvSpPr>
+          <p:cNvPr id="29" name="矩形 28">
+            <a:extLst>
+              <a:ext uri="{FF2B5EF4-FFF2-40B4-BE49-F238E27FC236}">
+                <a16:creationId xmlns:a16="http://schemas.microsoft.com/office/drawing/2014/main" id="{2A562E44-B2F2-4FB7-B350-CE15C78090BA}"/>
+              </a:ext>
+            </a:extLst>
+          </p:cNvPr>
+          <p:cNvSpPr/>
+          <p:nvPr/>
+        </p:nvSpPr>
+        <p:spPr>
+          <a:xfrm>
+            <a:off x="781713" y="385184"/>
+            <a:ext cx="7765267" cy="923330"/>
+          </a:xfrm>
+          <a:prstGeom prst="rect">
+            <a:avLst/>
+          </a:prstGeom>
+          <a:noFill/>
+        </p:spPr>
+        <p:txBody>
+          <a:bodyPr wrap="none" lIns="91440" tIns="45720" rIns="91440" bIns="45720">
+            <a:spAutoFit/>
+          </a:bodyPr>
+          <a:lstStyle/>
+          <a:p>
+            <a:pPr algn="ctr"/>
+            <a:r>
+              <a:rPr lang="zh-TW" altLang="en-US" sz="5400" b="0" cap="none" spc="0" dirty="0">
+                <a:ln w="0"/>
+                <a:gradFill>
+                  <a:gsLst>
+                    <a:gs pos="21000">
+                      <a:srgbClr val="53575C"/>
+                    </a:gs>
+                    <a:gs pos="88000">
+                      <a:schemeClr val="accent5">
+                        <a:lumMod val="75000"/>
+                      </a:schemeClr>
+                    </a:gs>
+                  </a:gsLst>
+                  <a:lin ang="5400000"/>
+                </a:gradFill>
+                <a:effectLst/>
+              </a:rPr>
+              <a:t>無人商店之雲端服務框架</a:t>
+            </a:r>
+          </a:p>
+        </p:txBody>
+      </p:sp>
+      <p:sp>
+        <p:nvSpPr>
+          <p:cNvPr id="25" name="雲朵形 24">
+            <a:extLst>
+              <a:ext uri="{FF2B5EF4-FFF2-40B4-BE49-F238E27FC236}">
+                <a16:creationId xmlns:a16="http://schemas.microsoft.com/office/drawing/2014/main" id="{259AD998-16E6-4ABF-9FEC-299198942BCA}"/>
+              </a:ext>
+            </a:extLst>
+          </p:cNvPr>
+          <p:cNvSpPr/>
+          <p:nvPr/>
+        </p:nvSpPr>
+        <p:spPr>
+          <a:xfrm>
+            <a:off x="-900608" y="4663734"/>
+            <a:ext cx="11417937" cy="1469173"/>
+          </a:xfrm>
+          <a:prstGeom prst="cloud">
+            <a:avLst/>
+          </a:prstGeom>
+          <a:pattFill prst="wdUpDiag">
+            <a:fgClr>
+              <a:schemeClr val="accent1"/>
+            </a:fgClr>
+            <a:bgClr>
+              <a:schemeClr val="accent5">
+                <a:lumMod val="75000"/>
+              </a:schemeClr>
+            </a:bgClr>
+          </a:pattFill>
+          <a:ln>
+            <a:noFill/>
+          </a:ln>
+        </p:spPr>
+        <p:style>
+          <a:lnRef idx="2">
+            <a:schemeClr val="accent1">
+              <a:shade val="50000"/>
+            </a:schemeClr>
+          </a:lnRef>
+          <a:fillRef idx="1">
+            <a:schemeClr val="accent1"/>
+          </a:fillRef>
+          <a:effectRef idx="0">
+            <a:schemeClr val="accent1"/>
+          </a:effectRef>
+          <a:fontRef idx="minor">
+            <a:schemeClr val="lt1"/>
+          </a:fontRef>
+        </p:style>
+        <p:txBody>
+          <a:bodyPr rtlCol="0" anchor="ctr"/>
+          <a:lstStyle/>
+          <a:p>
+            <a:pPr algn="ctr"/>
+            <a:endParaRPr lang="zh-TW" altLang="en-US" dirty="0"/>
+          </a:p>
+        </p:txBody>
+      </p:sp>
+      <p:sp>
+        <p:nvSpPr>
+          <p:cNvPr id="4" name="矩形 3">
+            <a:extLst>
+              <a:ext uri="{FF2B5EF4-FFF2-40B4-BE49-F238E27FC236}">
+                <a16:creationId xmlns:a16="http://schemas.microsoft.com/office/drawing/2014/main" id="{3964002A-4543-4A0A-A6BF-4CA67083888C}"/>
+              </a:ext>
+            </a:extLst>
+          </p:cNvPr>
+          <p:cNvSpPr/>
+          <p:nvPr/>
+        </p:nvSpPr>
+        <p:spPr>
+          <a:xfrm>
+            <a:off x="364991" y="4657541"/>
+            <a:ext cx="8743513" cy="663114"/>
+          </a:xfrm>
+          <a:prstGeom prst="rect">
+            <a:avLst/>
+          </a:prstGeom>
+          <a:pattFill prst="narVert">
+            <a:fgClr>
+              <a:srgbClr val="002060"/>
+            </a:fgClr>
+            <a:bgClr>
+              <a:srgbClr val="002060"/>
+            </a:bgClr>
+          </a:pattFill>
+          <a:ln w="9525" cap="flat" cmpd="sng" algn="ctr">
+            <a:solidFill>
+              <a:schemeClr val="tx1"/>
+            </a:solidFill>
+            <a:prstDash val="solid"/>
+            <a:round/>
+            <a:headEnd type="none" w="med" len="med"/>
+            <a:tailEnd type="none" w="med" len="med"/>
+          </a:ln>
+        </p:spPr>
+        <p:style>
+          <a:lnRef idx="0">
+            <a:scrgbClr r="0" g="0" b="0"/>
+          </a:lnRef>
+          <a:fillRef idx="0">
+            <a:scrgbClr r="0" g="0" b="0"/>
+          </a:fillRef>
+          <a:effectRef idx="0">
+            <a:scrgbClr r="0" g="0" b="0"/>
+          </a:effectRef>
+          <a:fontRef idx="minor">
+            <a:schemeClr val="accent3"/>
+          </a:fontRef>
+        </p:style>
+        <p:txBody>
+          <a:bodyPr rot="0" spcFirstLastPara="0" vertOverflow="overflow" horzOverflow="overflow" vert="horz" wrap="square" lIns="91440" tIns="45720" rIns="91440" bIns="45720" numCol="1" spcCol="0" rtlCol="0" fromWordArt="0" anchor="ctr" anchorCtr="0" forceAA="0" compatLnSpc="1">
+            <a:prstTxWarp prst="textNoShape">
+              <a:avLst/>
+            </a:prstTxWarp>
+            <a:noAutofit/>
+          </a:bodyPr>
+          <a:lstStyle/>
+          <a:p>
+            <a:pPr algn="ctr"/>
+            <a:r>
+              <a:rPr lang="zh-TW" altLang="en-US" sz="2400" b="1" dirty="0">
+                <a:ln w="0"/>
+                <a:solidFill>
+                  <a:schemeClr val="bg1"/>
+                </a:solidFill>
+                <a:effectLst>
+                  <a:reflection blurRad="6350" stA="53000" endA="300" endPos="35500" dir="5400000" sy="-90000" algn="bl" rotWithShape="0"/>
+                </a:effectLst>
+                <a:latin typeface="+mj-ea"/>
+                <a:ea typeface="+mj-ea"/>
+              </a:rPr>
+              <a:t>無人商店系統</a:t>
+            </a:r>
+          </a:p>
+        </p:txBody>
+      </p:sp>
+      <p:sp>
+        <p:nvSpPr>
+          <p:cNvPr id="5" name="矩形 4">
+            <a:extLst>
+              <a:ext uri="{FF2B5EF4-FFF2-40B4-BE49-F238E27FC236}">
+                <a16:creationId xmlns:a16="http://schemas.microsoft.com/office/drawing/2014/main" id="{631CD9D3-A850-43B9-898D-9E93467CEA17}"/>
+              </a:ext>
+            </a:extLst>
+          </p:cNvPr>
+          <p:cNvSpPr/>
+          <p:nvPr/>
+        </p:nvSpPr>
+        <p:spPr>
+          <a:xfrm>
+            <a:off x="663233" y="4141786"/>
+            <a:ext cx="2468607" cy="515755"/>
+          </a:xfrm>
+          <a:prstGeom prst="rect">
+            <a:avLst/>
+          </a:prstGeom>
+          <a:noFill/>
+          <a:ln w="9525" cap="flat" cmpd="sng" algn="ctr">
+            <a:solidFill>
+              <a:schemeClr val="accent6"/>
+            </a:solidFill>
+            <a:prstDash val="solid"/>
+            <a:round/>
+            <a:headEnd type="none" w="med" len="med"/>
+            <a:tailEnd type="none" w="med" len="med"/>
+          </a:ln>
+        </p:spPr>
+        <p:style>
+          <a:lnRef idx="0">
+            <a:scrgbClr r="0" g="0" b="0"/>
+          </a:lnRef>
+          <a:fillRef idx="0">
+            <a:scrgbClr r="0" g="0" b="0"/>
+          </a:fillRef>
+          <a:effectRef idx="0">
+            <a:scrgbClr r="0" g="0" b="0"/>
+          </a:effectRef>
+          <a:fontRef idx="minor">
+            <a:schemeClr val="accent6"/>
+          </a:fontRef>
+        </p:style>
+        <p:txBody>
+          <a:bodyPr rot="0" spcFirstLastPara="0" vertOverflow="overflow" horzOverflow="overflow" vert="horz" wrap="square" lIns="91440" tIns="45720" rIns="91440" bIns="45720" numCol="1" spcCol="0" rtlCol="0" fromWordArt="0" anchor="ctr" anchorCtr="0" forceAA="0" compatLnSpc="1">
+            <a:prstTxWarp prst="textNoShape">
+              <a:avLst/>
+            </a:prstTxWarp>
+            <a:noAutofit/>
+          </a:bodyPr>
+          <a:lstStyle/>
+          <a:p>
+            <a:pPr algn="ctr"/>
+            <a:r>
+              <a:rPr lang="zh-TW" altLang="en-US" b="1" dirty="0">
+                <a:solidFill>
+                  <a:schemeClr val="accent6"/>
+                </a:solidFill>
+                <a:latin typeface="微軟正黑體" panose="020B0604030504040204" pitchFamily="34" charset="-120"/>
+                <a:ea typeface="微軟正黑體" panose="020B0604030504040204" pitchFamily="34" charset="-120"/>
+              </a:rPr>
+              <a:t>管理端服務</a:t>
+            </a:r>
+          </a:p>
+        </p:txBody>
+      </p:sp>
+      <p:sp>
+        <p:nvSpPr>
+          <p:cNvPr id="7" name="矩形 6">
+            <a:extLst>
+              <a:ext uri="{FF2B5EF4-FFF2-40B4-BE49-F238E27FC236}">
+                <a16:creationId xmlns:a16="http://schemas.microsoft.com/office/drawing/2014/main" id="{A9455595-E40F-4AF3-9E1E-9E6A778545C0}"/>
+              </a:ext>
+            </a:extLst>
+          </p:cNvPr>
+          <p:cNvSpPr/>
+          <p:nvPr/>
+        </p:nvSpPr>
+        <p:spPr>
+          <a:xfrm>
+            <a:off x="4736416" y="4141786"/>
+            <a:ext cx="1995824" cy="515755"/>
+          </a:xfrm>
+          <a:prstGeom prst="rect">
+            <a:avLst/>
+          </a:prstGeom>
+          <a:noFill/>
+          <a:ln w="9525" cap="flat" cmpd="sng" algn="ctr">
+            <a:solidFill>
+              <a:schemeClr val="accent6"/>
+            </a:solidFill>
+            <a:prstDash val="solid"/>
+            <a:round/>
+            <a:headEnd type="none" w="med" len="med"/>
+            <a:tailEnd type="none" w="med" len="med"/>
+          </a:ln>
+        </p:spPr>
+        <p:style>
+          <a:lnRef idx="0">
+            <a:scrgbClr r="0" g="0" b="0"/>
+          </a:lnRef>
+          <a:fillRef idx="0">
+            <a:scrgbClr r="0" g="0" b="0"/>
+          </a:fillRef>
+          <a:effectRef idx="0">
+            <a:scrgbClr r="0" g="0" b="0"/>
+          </a:effectRef>
+          <a:fontRef idx="minor">
+            <a:schemeClr val="accent6"/>
+          </a:fontRef>
+        </p:style>
+        <p:txBody>
+          <a:bodyPr rot="0" spcFirstLastPara="0" vertOverflow="overflow" horzOverflow="overflow" vert="horz" wrap="square" lIns="91440" tIns="45720" rIns="91440" bIns="45720" numCol="1" spcCol="0" rtlCol="0" fromWordArt="0" anchor="ctr" anchorCtr="0" forceAA="0" compatLnSpc="1">
+            <a:prstTxWarp prst="textNoShape">
+              <a:avLst/>
+            </a:prstTxWarp>
+            <a:noAutofit/>
+          </a:bodyPr>
+          <a:lstStyle/>
+          <a:p>
+            <a:pPr algn="ctr"/>
+            <a:r>
+              <a:rPr lang="zh-TW" altLang="en-US" b="1" dirty="0">
+                <a:latin typeface="微軟正黑體" panose="020B0604030504040204" pitchFamily="34" charset="-120"/>
+                <a:ea typeface="微軟正黑體" panose="020B0604030504040204" pitchFamily="34" charset="-120"/>
+              </a:rPr>
+              <a:t>商店端服務</a:t>
+            </a:r>
+          </a:p>
+        </p:txBody>
+      </p:sp>
+      <p:sp>
+        <p:nvSpPr>
+          <p:cNvPr id="8" name="矩形 7">
+            <a:extLst>
+              <a:ext uri="{FF2B5EF4-FFF2-40B4-BE49-F238E27FC236}">
+                <a16:creationId xmlns:a16="http://schemas.microsoft.com/office/drawing/2014/main" id="{F6F2C94B-2A9E-422E-977A-E11E82296222}"/>
+              </a:ext>
+            </a:extLst>
+          </p:cNvPr>
+          <p:cNvSpPr/>
+          <p:nvPr/>
+        </p:nvSpPr>
+        <p:spPr>
+          <a:xfrm>
+            <a:off x="7092280" y="4135590"/>
+            <a:ext cx="1419887" cy="515755"/>
+          </a:xfrm>
+          <a:prstGeom prst="rect">
+            <a:avLst/>
+          </a:prstGeom>
+          <a:noFill/>
+          <a:ln w="9525" cap="flat" cmpd="sng" algn="ctr">
+            <a:solidFill>
+              <a:schemeClr val="accent6"/>
+            </a:solidFill>
+            <a:prstDash val="solid"/>
+            <a:round/>
+            <a:headEnd type="none" w="med" len="med"/>
+            <a:tailEnd type="none" w="med" len="med"/>
+          </a:ln>
+        </p:spPr>
+        <p:style>
+          <a:lnRef idx="0">
+            <a:scrgbClr r="0" g="0" b="0"/>
+          </a:lnRef>
+          <a:fillRef idx="0">
+            <a:scrgbClr r="0" g="0" b="0"/>
+          </a:fillRef>
+          <a:effectRef idx="0">
+            <a:scrgbClr r="0" g="0" b="0"/>
+          </a:effectRef>
+          <a:fontRef idx="minor">
+            <a:schemeClr val="accent6"/>
+          </a:fontRef>
+        </p:style>
+        <p:txBody>
+          <a:bodyPr rot="0" spcFirstLastPara="0" vertOverflow="overflow" horzOverflow="overflow" vert="horz" wrap="square" lIns="91440" tIns="45720" rIns="91440" bIns="45720" numCol="1" spcCol="0" rtlCol="0" fromWordArt="0" anchor="ctr" anchorCtr="0" forceAA="0" compatLnSpc="1">
+            <a:prstTxWarp prst="textNoShape">
+              <a:avLst/>
+            </a:prstTxWarp>
+            <a:noAutofit/>
+          </a:bodyPr>
+          <a:lstStyle/>
+          <a:p>
+            <a:pPr algn="ctr"/>
+            <a:r>
+              <a:rPr lang="zh-TW" altLang="en-US" sz="1600" b="1" dirty="0">
+                <a:latin typeface="微軟正黑體" panose="020B0604030504040204" pitchFamily="34" charset="-120"/>
+                <a:ea typeface="微軟正黑體" panose="020B0604030504040204" pitchFamily="34" charset="-120"/>
+              </a:rPr>
+              <a:t>使用者手機</a:t>
+            </a:r>
+            <a:r>
+              <a:rPr lang="en-US" altLang="zh-TW" sz="1600" b="1" dirty="0">
+                <a:latin typeface="微軟正黑體" panose="020B0604030504040204" pitchFamily="34" charset="-120"/>
+                <a:ea typeface="微軟正黑體" panose="020B0604030504040204" pitchFamily="34" charset="-120"/>
+              </a:rPr>
+              <a:t>APP</a:t>
+            </a:r>
+            <a:r>
+              <a:rPr lang="zh-TW" altLang="en-US" sz="1600" b="1" dirty="0">
+                <a:latin typeface="微軟正黑體" panose="020B0604030504040204" pitchFamily="34" charset="-120"/>
+                <a:ea typeface="微軟正黑體" panose="020B0604030504040204" pitchFamily="34" charset="-120"/>
+              </a:rPr>
+              <a:t>服務</a:t>
+            </a:r>
+          </a:p>
+        </p:txBody>
+      </p:sp>
+      <p:sp>
+        <p:nvSpPr>
+          <p:cNvPr id="10" name="矩形 9">
+            <a:extLst>
+              <a:ext uri="{FF2B5EF4-FFF2-40B4-BE49-F238E27FC236}">
+                <a16:creationId xmlns:a16="http://schemas.microsoft.com/office/drawing/2014/main" id="{42CD4FAF-D7A4-48A0-877D-29376187F47D}"/>
+              </a:ext>
+            </a:extLst>
+          </p:cNvPr>
+          <p:cNvSpPr/>
+          <p:nvPr/>
+        </p:nvSpPr>
+        <p:spPr>
+          <a:xfrm>
+            <a:off x="745595" y="2146252"/>
+            <a:ext cx="523116" cy="1989341"/>
+          </a:xfrm>
+          <a:prstGeom prst="rect">
+            <a:avLst/>
+          </a:prstGeom>
+          <a:noFill/>
+          <a:ln w="9525" cap="flat" cmpd="sng" algn="ctr">
+            <a:solidFill>
+              <a:schemeClr val="accent5"/>
+            </a:solidFill>
+            <a:prstDash val="solid"/>
+            <a:round/>
+            <a:headEnd type="none" w="med" len="med"/>
+            <a:tailEnd type="none" w="med" len="med"/>
+          </a:ln>
+        </p:spPr>
+        <p:style>
+          <a:lnRef idx="0">
+            <a:scrgbClr r="0" g="0" b="0"/>
+          </a:lnRef>
+          <a:fillRef idx="0">
+            <a:scrgbClr r="0" g="0" b="0"/>
+          </a:fillRef>
+          <a:effectRef idx="0">
+            <a:scrgbClr r="0" g="0" b="0"/>
+          </a:effectRef>
+          <a:fontRef idx="minor">
+            <a:schemeClr val="accent5"/>
+          </a:fontRef>
+        </p:style>
+        <p:txBody>
+          <a:bodyPr rtlCol="0" anchor="ctr"/>
+          <a:lstStyle/>
+          <a:p>
+            <a:pPr algn="ctr"/>
+            <a:r>
+              <a:rPr lang="zh-TW" altLang="en-US" dirty="0"/>
+              <a:t>會員管理</a:t>
+            </a:r>
+          </a:p>
+        </p:txBody>
+      </p:sp>
+      <p:sp>
+        <p:nvSpPr>
+          <p:cNvPr id="11" name="矩形 10">
+            <a:extLst>
+              <a:ext uri="{FF2B5EF4-FFF2-40B4-BE49-F238E27FC236}">
+                <a16:creationId xmlns:a16="http://schemas.microsoft.com/office/drawing/2014/main" id="{4C55EB54-4C79-4E5A-BFB7-53DC859A2640}"/>
+              </a:ext>
+            </a:extLst>
+          </p:cNvPr>
+          <p:cNvSpPr/>
+          <p:nvPr/>
+        </p:nvSpPr>
+        <p:spPr>
+          <a:xfrm>
+            <a:off x="1313947" y="2146251"/>
+            <a:ext cx="523116" cy="1989341"/>
+          </a:xfrm>
+          <a:prstGeom prst="rect">
+            <a:avLst/>
+          </a:prstGeom>
+          <a:noFill/>
+          <a:ln w="9525" cap="flat" cmpd="sng" algn="ctr">
+            <a:solidFill>
+              <a:schemeClr val="accent5"/>
+            </a:solidFill>
+            <a:prstDash val="solid"/>
+            <a:round/>
+            <a:headEnd type="none" w="med" len="med"/>
+            <a:tailEnd type="none" w="med" len="med"/>
+          </a:ln>
+        </p:spPr>
+        <p:style>
+          <a:lnRef idx="0">
+            <a:scrgbClr r="0" g="0" b="0"/>
+          </a:lnRef>
+          <a:fillRef idx="0">
+            <a:scrgbClr r="0" g="0" b="0"/>
+          </a:fillRef>
+          <a:effectRef idx="0">
+            <a:scrgbClr r="0" g="0" b="0"/>
+          </a:effectRef>
+          <a:fontRef idx="minor">
+            <a:schemeClr val="accent5"/>
+          </a:fontRef>
+        </p:style>
+        <p:txBody>
+          <a:bodyPr rtlCol="0" anchor="ctr"/>
+          <a:lstStyle/>
+          <a:p>
+            <a:pPr algn="ctr"/>
+            <a:r>
+              <a:rPr lang="zh-TW" altLang="en-US" dirty="0"/>
+              <a:t>商品管理</a:t>
+            </a:r>
+          </a:p>
+        </p:txBody>
+      </p:sp>
+      <p:sp>
+        <p:nvSpPr>
+          <p:cNvPr id="13" name="矩形 12">
+            <a:extLst>
+              <a:ext uri="{FF2B5EF4-FFF2-40B4-BE49-F238E27FC236}">
+                <a16:creationId xmlns:a16="http://schemas.microsoft.com/office/drawing/2014/main" id="{3CEE7AC4-EF78-4388-847C-FBAEBA01F8AB}"/>
+              </a:ext>
+            </a:extLst>
+          </p:cNvPr>
+          <p:cNvSpPr/>
+          <p:nvPr/>
+        </p:nvSpPr>
+        <p:spPr>
+          <a:xfrm>
+            <a:off x="1882299" y="2146251"/>
+            <a:ext cx="523116" cy="1989341"/>
+          </a:xfrm>
+          <a:prstGeom prst="rect">
+            <a:avLst/>
+          </a:prstGeom>
+          <a:noFill/>
+          <a:ln w="9525" cap="flat" cmpd="sng" algn="ctr">
+            <a:solidFill>
+              <a:schemeClr val="accent5"/>
+            </a:solidFill>
+            <a:prstDash val="solid"/>
+            <a:round/>
+            <a:headEnd type="none" w="med" len="med"/>
+            <a:tailEnd type="none" w="med" len="med"/>
+          </a:ln>
+        </p:spPr>
+        <p:style>
+          <a:lnRef idx="0">
+            <a:scrgbClr r="0" g="0" b="0"/>
+          </a:lnRef>
+          <a:fillRef idx="0">
+            <a:scrgbClr r="0" g="0" b="0"/>
+          </a:fillRef>
+          <a:effectRef idx="0">
+            <a:scrgbClr r="0" g="0" b="0"/>
+          </a:effectRef>
+          <a:fontRef idx="minor">
+            <a:schemeClr val="accent5"/>
+          </a:fontRef>
+        </p:style>
+        <p:txBody>
+          <a:bodyPr rtlCol="0" anchor="ctr"/>
+          <a:lstStyle/>
+          <a:p>
+            <a:pPr algn="ctr"/>
+            <a:r>
+              <a:rPr lang="zh-TW" altLang="en-US" dirty="0"/>
+              <a:t>新增商品</a:t>
+            </a:r>
+          </a:p>
+        </p:txBody>
+      </p:sp>
+      <p:sp>
+        <p:nvSpPr>
+          <p:cNvPr id="14" name="矩形 13">
+            <a:extLst>
+              <a:ext uri="{FF2B5EF4-FFF2-40B4-BE49-F238E27FC236}">
+                <a16:creationId xmlns:a16="http://schemas.microsoft.com/office/drawing/2014/main" id="{B482634A-7412-446A-B31C-CB501243B344}"/>
+              </a:ext>
+            </a:extLst>
+          </p:cNvPr>
+          <p:cNvSpPr/>
+          <p:nvPr/>
+        </p:nvSpPr>
+        <p:spPr>
+          <a:xfrm>
+            <a:off x="2442161" y="2146249"/>
+            <a:ext cx="523116" cy="1989341"/>
+          </a:xfrm>
+          <a:prstGeom prst="rect">
+            <a:avLst/>
+          </a:prstGeom>
+          <a:noFill/>
+          <a:ln w="9525" cap="flat" cmpd="sng" algn="ctr">
+            <a:solidFill>
+              <a:schemeClr val="accent5"/>
+            </a:solidFill>
+            <a:prstDash val="solid"/>
+            <a:round/>
+            <a:headEnd type="none" w="med" len="med"/>
+            <a:tailEnd type="none" w="med" len="med"/>
+          </a:ln>
+        </p:spPr>
+        <p:style>
+          <a:lnRef idx="0">
+            <a:scrgbClr r="0" g="0" b="0"/>
+          </a:lnRef>
+          <a:fillRef idx="0">
+            <a:scrgbClr r="0" g="0" b="0"/>
+          </a:fillRef>
+          <a:effectRef idx="0">
+            <a:scrgbClr r="0" g="0" b="0"/>
+          </a:effectRef>
+          <a:fontRef idx="minor">
+            <a:schemeClr val="accent5"/>
+          </a:fontRef>
+        </p:style>
+        <p:txBody>
+          <a:bodyPr rtlCol="0" anchor="ctr"/>
+          <a:lstStyle/>
+          <a:p>
+            <a:pPr algn="ctr"/>
+            <a:r>
+              <a:rPr lang="zh-TW" altLang="en-US" dirty="0"/>
+              <a:t>交易紀錄</a:t>
+            </a:r>
+          </a:p>
+        </p:txBody>
+      </p:sp>
+      <p:sp>
+        <p:nvSpPr>
+          <p:cNvPr id="16" name="矩形 15">
+            <a:extLst>
+              <a:ext uri="{FF2B5EF4-FFF2-40B4-BE49-F238E27FC236}">
+                <a16:creationId xmlns:a16="http://schemas.microsoft.com/office/drawing/2014/main" id="{258CFD63-B975-4227-A250-BD4B325C0CAB}"/>
+              </a:ext>
+            </a:extLst>
+          </p:cNvPr>
+          <p:cNvSpPr/>
+          <p:nvPr/>
+        </p:nvSpPr>
+        <p:spPr>
+          <a:xfrm>
+            <a:off x="4894929" y="2146248"/>
+            <a:ext cx="523116" cy="1989341"/>
+          </a:xfrm>
+          <a:prstGeom prst="rect">
+            <a:avLst/>
+          </a:prstGeom>
+          <a:noFill/>
+          <a:ln w="9525" cap="flat" cmpd="sng" algn="ctr">
+            <a:solidFill>
+              <a:schemeClr val="accent5"/>
+            </a:solidFill>
+            <a:prstDash val="solid"/>
+            <a:round/>
+            <a:headEnd type="none" w="med" len="med"/>
+            <a:tailEnd type="none" w="med" len="med"/>
+          </a:ln>
+        </p:spPr>
+        <p:style>
+          <a:lnRef idx="0">
+            <a:scrgbClr r="0" g="0" b="0"/>
+          </a:lnRef>
+          <a:fillRef idx="0">
+            <a:scrgbClr r="0" g="0" b="0"/>
+          </a:fillRef>
+          <a:effectRef idx="0">
+            <a:scrgbClr r="0" g="0" b="0"/>
+          </a:effectRef>
+          <a:fontRef idx="minor">
+            <a:schemeClr val="accent5"/>
+          </a:fontRef>
+        </p:style>
+        <p:txBody>
+          <a:bodyPr rtlCol="0" anchor="ctr"/>
+          <a:lstStyle/>
+          <a:p>
+            <a:pPr algn="ctr"/>
+            <a:r>
+              <a:rPr lang="zh-TW" altLang="en-US" dirty="0"/>
+              <a:t>會員折價</a:t>
+            </a:r>
+          </a:p>
+        </p:txBody>
+      </p:sp>
+      <p:sp>
+        <p:nvSpPr>
+          <p:cNvPr id="17" name="矩形 16">
+            <a:extLst>
+              <a:ext uri="{FF2B5EF4-FFF2-40B4-BE49-F238E27FC236}">
+                <a16:creationId xmlns:a16="http://schemas.microsoft.com/office/drawing/2014/main" id="{8C96EF0C-CC8F-45A9-9964-978186BE0BE2}"/>
+              </a:ext>
+            </a:extLst>
+          </p:cNvPr>
+          <p:cNvSpPr/>
+          <p:nvPr/>
+        </p:nvSpPr>
+        <p:spPr>
+          <a:xfrm>
+            <a:off x="5463281" y="2146249"/>
+            <a:ext cx="523116" cy="1989341"/>
+          </a:xfrm>
+          <a:prstGeom prst="rect">
+            <a:avLst/>
+          </a:prstGeom>
+          <a:noFill/>
+          <a:ln w="9525" cap="flat" cmpd="sng" algn="ctr">
+            <a:solidFill>
+              <a:schemeClr val="accent5"/>
+            </a:solidFill>
+            <a:prstDash val="solid"/>
+            <a:round/>
+            <a:headEnd type="none" w="med" len="med"/>
+            <a:tailEnd type="none" w="med" len="med"/>
+          </a:ln>
+        </p:spPr>
+        <p:style>
+          <a:lnRef idx="0">
+            <a:scrgbClr r="0" g="0" b="0"/>
+          </a:lnRef>
+          <a:fillRef idx="0">
+            <a:scrgbClr r="0" g="0" b="0"/>
+          </a:fillRef>
+          <a:effectRef idx="0">
+            <a:scrgbClr r="0" g="0" b="0"/>
+          </a:effectRef>
+          <a:fontRef idx="minor">
+            <a:schemeClr val="accent5"/>
+          </a:fontRef>
+        </p:style>
+        <p:txBody>
+          <a:bodyPr rtlCol="0" anchor="ctr"/>
+          <a:lstStyle/>
+          <a:p>
+            <a:pPr algn="ctr"/>
+            <a:r>
+              <a:rPr lang="zh-TW" altLang="en-US" dirty="0"/>
+              <a:t>計算金額</a:t>
+            </a:r>
+          </a:p>
+        </p:txBody>
+      </p:sp>
+      <p:sp>
+        <p:nvSpPr>
+          <p:cNvPr id="18" name="矩形 17">
+            <a:extLst>
+              <a:ext uri="{FF2B5EF4-FFF2-40B4-BE49-F238E27FC236}">
+                <a16:creationId xmlns:a16="http://schemas.microsoft.com/office/drawing/2014/main" id="{ED6AE475-6C1E-4B4E-A428-FF34553754E0}"/>
+              </a:ext>
+            </a:extLst>
+          </p:cNvPr>
+          <p:cNvSpPr/>
+          <p:nvPr/>
+        </p:nvSpPr>
+        <p:spPr>
+          <a:xfrm>
+            <a:off x="6025613" y="2146249"/>
+            <a:ext cx="523116" cy="1989341"/>
+          </a:xfrm>
+          <a:prstGeom prst="rect">
+            <a:avLst/>
+          </a:prstGeom>
+          <a:noFill/>
+          <a:ln w="9525" cap="flat" cmpd="sng" algn="ctr">
+            <a:solidFill>
+              <a:schemeClr val="accent5"/>
+            </a:solidFill>
+            <a:prstDash val="solid"/>
+            <a:round/>
+            <a:headEnd type="none" w="med" len="med"/>
+            <a:tailEnd type="none" w="med" len="med"/>
+          </a:ln>
+        </p:spPr>
+        <p:style>
+          <a:lnRef idx="0">
+            <a:scrgbClr r="0" g="0" b="0"/>
+          </a:lnRef>
+          <a:fillRef idx="0">
+            <a:scrgbClr r="0" g="0" b="0"/>
+          </a:fillRef>
+          <a:effectRef idx="0">
+            <a:scrgbClr r="0" g="0" b="0"/>
+          </a:effectRef>
+          <a:fontRef idx="minor">
+            <a:schemeClr val="accent5"/>
+          </a:fontRef>
+        </p:style>
+        <p:txBody>
+          <a:bodyPr rtlCol="0" anchor="ctr"/>
+          <a:lstStyle/>
+          <a:p>
+            <a:pPr algn="ctr"/>
+            <a:r>
+              <a:rPr lang="zh-TW" altLang="en-US" dirty="0"/>
+              <a:t>結帳服務</a:t>
+            </a:r>
+          </a:p>
+        </p:txBody>
+      </p:sp>
       <p:grpSp>
         <p:nvGrpSpPr>
-          <p:cNvPr id="2" name="群組 1">
+          <p:cNvPr id="24" name="群組 23">
             <a:extLst>
               <a:ext uri="{FF2B5EF4-FFF2-40B4-BE49-F238E27FC236}">
-                <a16:creationId xmlns:a16="http://schemas.microsoft.com/office/drawing/2014/main" id="{21177E3E-D9BA-46E9-9872-ED414E59C73A}"/>
+                <a16:creationId xmlns:a16="http://schemas.microsoft.com/office/drawing/2014/main" id="{90807631-7145-4380-97D5-27D2A93A25AD}"/>
               </a:ext>
             </a:extLst>
           </p:cNvPr>
@@ -3482,28 +4283,67 @@
         </p:nvGrpSpPr>
         <p:grpSpPr>
           <a:xfrm>
-            <a:off x="-900608" y="415664"/>
-            <a:ext cx="11417937" cy="5747723"/>
-            <a:chOff x="-900608" y="443799"/>
-            <a:chExt cx="11417937" cy="5747723"/>
+            <a:off x="3175381" y="2759310"/>
+            <a:ext cx="1540635" cy="1339379"/>
+            <a:chOff x="-316531" y="2403016"/>
+            <a:chExt cx="2059126" cy="1815688"/>
           </a:xfrm>
         </p:grpSpPr>
-        <p:sp>
-          <p:nvSpPr>
-            <p:cNvPr id="29" name="矩形 28">
+        <p:pic>
+          <p:nvPicPr>
+            <p:cNvPr id="21" name="圖形 20" descr="資料庫">
               <a:extLst>
                 <a:ext uri="{FF2B5EF4-FFF2-40B4-BE49-F238E27FC236}">
-                  <a16:creationId xmlns:a16="http://schemas.microsoft.com/office/drawing/2014/main" id="{2A562E44-B2F2-4FB7-B350-CE15C78090BA}"/>
+                  <a16:creationId xmlns:a16="http://schemas.microsoft.com/office/drawing/2014/main" id="{85C286A6-CCCD-4C38-826F-0CA1E8E2DACB}"/>
                 </a:ext>
               </a:extLst>
             </p:cNvPr>
-            <p:cNvSpPr/>
+            <p:cNvPicPr>
+              <a:picLocks noChangeAspect="1"/>
+            </p:cNvPicPr>
+            <p:nvPr/>
+          </p:nvPicPr>
+          <p:blipFill>
+            <a:blip r:embed="rId2">
+              <a:extLst>
+                <a:ext uri="{28A0092B-C50C-407E-A947-70E740481C1C}">
+                  <a14:useLocalDpi xmlns:a14="http://schemas.microsoft.com/office/drawing/2010/main" val="0"/>
+                </a:ext>
+                <a:ext uri="{96DAC541-7B7A-43D3-8B79-37D633B846F1}">
+                  <asvg:svgBlip xmlns:asvg="http://schemas.microsoft.com/office/drawing/2016/SVG/main" r:embed="rId3"/>
+                </a:ext>
+              </a:extLst>
+            </a:blip>
+            <a:stretch>
+              <a:fillRect/>
+            </a:stretch>
+          </p:blipFill>
+          <p:spPr>
+            <a:xfrm>
+              <a:off x="35889" y="2403016"/>
+              <a:ext cx="1315014" cy="1315014"/>
+            </a:xfrm>
+            <a:prstGeom prst="rect">
+              <a:avLst/>
+            </a:prstGeom>
+          </p:spPr>
+        </p:pic>
+        <p:sp>
+          <p:nvSpPr>
+            <p:cNvPr id="23" name="文字方塊 22">
+              <a:extLst>
+                <a:ext uri="{FF2B5EF4-FFF2-40B4-BE49-F238E27FC236}">
+                  <a16:creationId xmlns:a16="http://schemas.microsoft.com/office/drawing/2014/main" id="{3C4B9858-5870-4434-B378-7DFB6925CA4B}"/>
+                </a:ext>
+              </a:extLst>
+            </p:cNvPr>
+            <p:cNvSpPr txBox="1"/>
             <p:nvPr/>
           </p:nvSpPr>
           <p:spPr>
             <a:xfrm>
-              <a:off x="781713" y="443799"/>
-              <a:ext cx="7765267" cy="923330"/>
+              <a:off x="-316531" y="3718030"/>
+              <a:ext cx="2059126" cy="500674"/>
             </a:xfrm>
             <a:prstGeom prst="rect">
               <a:avLst/>
@@ -3511,224 +4351,8 @@
             <a:noFill/>
           </p:spPr>
           <p:txBody>
-            <a:bodyPr wrap="none" lIns="91440" tIns="45720" rIns="91440" bIns="45720">
+            <a:bodyPr wrap="square" rtlCol="0">
               <a:spAutoFit/>
-            </a:bodyPr>
-            <a:lstStyle/>
-            <a:p>
-              <a:pPr algn="ctr"/>
-              <a:r>
-                <a:rPr lang="zh-TW" altLang="en-US" sz="5400" b="0" cap="none" spc="0" dirty="0">
-                  <a:ln w="0"/>
-                  <a:gradFill>
-                    <a:gsLst>
-                      <a:gs pos="21000">
-                        <a:srgbClr val="53575C"/>
-                      </a:gs>
-                      <a:gs pos="88000">
-                        <a:schemeClr val="accent5">
-                          <a:lumMod val="75000"/>
-                        </a:schemeClr>
-                      </a:gs>
-                    </a:gsLst>
-                    <a:lin ang="5400000"/>
-                  </a:gradFill>
-                  <a:effectLst/>
-                </a:rPr>
-                <a:t>無人商店之雲端服務框架</a:t>
-              </a:r>
-            </a:p>
-          </p:txBody>
-        </p:sp>
-        <p:sp>
-          <p:nvSpPr>
-            <p:cNvPr id="25" name="雲朵形 24">
-              <a:extLst>
-                <a:ext uri="{FF2B5EF4-FFF2-40B4-BE49-F238E27FC236}">
-                  <a16:creationId xmlns:a16="http://schemas.microsoft.com/office/drawing/2014/main" id="{259AD998-16E6-4ABF-9FEC-299198942BCA}"/>
-                </a:ext>
-              </a:extLst>
-            </p:cNvPr>
-            <p:cNvSpPr/>
-            <p:nvPr/>
-          </p:nvSpPr>
-          <p:spPr>
-            <a:xfrm>
-              <a:off x="-900608" y="4722349"/>
-              <a:ext cx="11417937" cy="1469173"/>
-            </a:xfrm>
-            <a:prstGeom prst="cloud">
-              <a:avLst/>
-            </a:prstGeom>
-            <a:pattFill prst="wdUpDiag">
-              <a:fgClr>
-                <a:schemeClr val="accent1"/>
-              </a:fgClr>
-              <a:bgClr>
-                <a:schemeClr val="accent5">
-                  <a:lumMod val="75000"/>
-                </a:schemeClr>
-              </a:bgClr>
-            </a:pattFill>
-            <a:ln>
-              <a:noFill/>
-            </a:ln>
-          </p:spPr>
-          <p:style>
-            <a:lnRef idx="2">
-              <a:schemeClr val="accent1">
-                <a:shade val="50000"/>
-              </a:schemeClr>
-            </a:lnRef>
-            <a:fillRef idx="1">
-              <a:schemeClr val="accent1"/>
-            </a:fillRef>
-            <a:effectRef idx="0">
-              <a:schemeClr val="accent1"/>
-            </a:effectRef>
-            <a:fontRef idx="minor">
-              <a:schemeClr val="lt1"/>
-            </a:fontRef>
-          </p:style>
-          <p:txBody>
-            <a:bodyPr rtlCol="0" anchor="ctr"/>
-            <a:lstStyle/>
-            <a:p>
-              <a:pPr algn="ctr"/>
-              <a:endParaRPr lang="zh-TW" altLang="en-US" dirty="0"/>
-            </a:p>
-          </p:txBody>
-        </p:sp>
-        <p:sp>
-          <p:nvSpPr>
-            <p:cNvPr id="4" name="矩形 3">
-              <a:extLst>
-                <a:ext uri="{FF2B5EF4-FFF2-40B4-BE49-F238E27FC236}">
-                  <a16:creationId xmlns:a16="http://schemas.microsoft.com/office/drawing/2014/main" id="{3964002A-4543-4A0A-A6BF-4CA67083888C}"/>
-                </a:ext>
-              </a:extLst>
-            </p:cNvPr>
-            <p:cNvSpPr/>
-            <p:nvPr/>
-          </p:nvSpPr>
-          <p:spPr>
-            <a:xfrm>
-              <a:off x="364991" y="4716156"/>
-              <a:ext cx="8743513" cy="663114"/>
-            </a:xfrm>
-            <a:prstGeom prst="rect">
-              <a:avLst/>
-            </a:prstGeom>
-            <a:pattFill prst="narVert">
-              <a:fgClr>
-                <a:srgbClr val="002060"/>
-              </a:fgClr>
-              <a:bgClr>
-                <a:srgbClr val="002060"/>
-              </a:bgClr>
-            </a:pattFill>
-            <a:ln w="9525" cap="flat" cmpd="sng" algn="ctr">
-              <a:solidFill>
-                <a:schemeClr val="tx1"/>
-              </a:solidFill>
-              <a:prstDash val="solid"/>
-              <a:round/>
-              <a:headEnd type="none" w="med" len="med"/>
-              <a:tailEnd type="none" w="med" len="med"/>
-            </a:ln>
-          </p:spPr>
-          <p:style>
-            <a:lnRef idx="0">
-              <a:scrgbClr r="0" g="0" b="0"/>
-            </a:lnRef>
-            <a:fillRef idx="0">
-              <a:scrgbClr r="0" g="0" b="0"/>
-            </a:fillRef>
-            <a:effectRef idx="0">
-              <a:scrgbClr r="0" g="0" b="0"/>
-            </a:effectRef>
-            <a:fontRef idx="minor">
-              <a:schemeClr val="accent3"/>
-            </a:fontRef>
-          </p:style>
-          <p:txBody>
-            <a:bodyPr rot="0" spcFirstLastPara="0" vertOverflow="overflow" horzOverflow="overflow" vert="horz" wrap="square" lIns="91440" tIns="45720" rIns="91440" bIns="45720" numCol="1" spcCol="0" rtlCol="0" fromWordArt="0" anchor="ctr" anchorCtr="0" forceAA="0" compatLnSpc="1">
-              <a:prstTxWarp prst="textNoShape">
-                <a:avLst/>
-              </a:prstTxWarp>
-              <a:noAutofit/>
-            </a:bodyPr>
-            <a:lstStyle/>
-            <a:p>
-              <a:pPr algn="ctr"/>
-              <a:r>
-                <a:rPr lang="zh-TW" altLang="en-US" sz="2400" b="1" dirty="0">
-                  <a:ln w="0"/>
-                  <a:solidFill>
-                    <a:schemeClr val="bg1"/>
-                  </a:solidFill>
-                  <a:effectLst>
-                    <a:reflection blurRad="6350" stA="53000" endA="300" endPos="35500" dir="5400000" sy="-90000" algn="bl" rotWithShape="0"/>
-                  </a:effectLst>
-                  <a:latin typeface="+mj-ea"/>
-                  <a:ea typeface="+mj-ea"/>
-                </a:rPr>
-                <a:t>無人商店雲端服務</a:t>
-              </a:r>
-            </a:p>
-          </p:txBody>
-        </p:sp>
-        <p:sp>
-          <p:nvSpPr>
-            <p:cNvPr id="5" name="矩形 4">
-              <a:extLst>
-                <a:ext uri="{FF2B5EF4-FFF2-40B4-BE49-F238E27FC236}">
-                  <a16:creationId xmlns:a16="http://schemas.microsoft.com/office/drawing/2014/main" id="{631CD9D3-A850-43B9-898D-9E93467CEA17}"/>
-                </a:ext>
-              </a:extLst>
-            </p:cNvPr>
-            <p:cNvSpPr/>
-            <p:nvPr/>
-          </p:nvSpPr>
-          <p:spPr>
-            <a:xfrm>
-              <a:off x="364991" y="4200401"/>
-              <a:ext cx="3029031" cy="515755"/>
-            </a:xfrm>
-            <a:prstGeom prst="rect">
-              <a:avLst/>
-            </a:prstGeom>
-            <a:noFill/>
-            <a:ln w="9525" cap="flat" cmpd="sng" algn="ctr">
-              <a:solidFill>
-                <a:schemeClr val="accent6"/>
-              </a:solidFill>
-              <a:prstDash val="solid"/>
-              <a:round/>
-              <a:headEnd type="none" w="med" len="med"/>
-              <a:tailEnd type="none" w="med" len="med"/>
-            </a:ln>
-          </p:spPr>
-          <p:style>
-            <a:lnRef idx="0">
-              <a:scrgbClr r="0" g="0" b="0"/>
-            </a:lnRef>
-            <a:fillRef idx="0">
-              <a:scrgbClr r="0" g="0" b="0"/>
-            </a:fillRef>
-            <a:effectRef idx="0">
-              <a:scrgbClr r="0" g="0" b="0"/>
-            </a:effectRef>
-            <a:fontRef idx="minor">
-              <a:schemeClr val="accent6"/>
-            </a:fontRef>
-          </p:style>
-          <p:txBody>
-            <a:bodyPr rot="0" spcFirstLastPara="0" vertOverflow="overflow" horzOverflow="overflow" vert="horz" wrap="square" lIns="91440" tIns="45720" rIns="91440" bIns="45720" numCol="1" spcCol="0" rtlCol="0" fromWordArt="0" anchor="ctr" anchorCtr="0" forceAA="0" compatLnSpc="1">
-              <a:prstTxWarp prst="textNoShape">
-                <a:avLst/>
-              </a:prstTxWarp>
-              <a:noAutofit/>
             </a:bodyPr>
             <a:lstStyle/>
             <a:p>
@@ -3736,893 +4360,133 @@
               <a:r>
                 <a:rPr lang="zh-TW" altLang="en-US" b="1" dirty="0">
                   <a:solidFill>
-                    <a:schemeClr val="accent6"/>
+                    <a:schemeClr val="tx2"/>
                   </a:solidFill>
                   <a:latin typeface="微軟正黑體" panose="020B0604030504040204" pitchFamily="34" charset="-120"/>
                   <a:ea typeface="微軟正黑體" panose="020B0604030504040204" pitchFamily="34" charset="-120"/>
                 </a:rPr>
-                <a:t>管理端服務</a:t>
+                <a:t>雲端資料庫</a:t>
               </a:r>
             </a:p>
           </p:txBody>
         </p:sp>
-        <p:sp>
-          <p:nvSpPr>
-            <p:cNvPr id="7" name="矩形 6">
-              <a:extLst>
-                <a:ext uri="{FF2B5EF4-FFF2-40B4-BE49-F238E27FC236}">
-                  <a16:creationId xmlns:a16="http://schemas.microsoft.com/office/drawing/2014/main" id="{A9455595-E40F-4AF3-9E1E-9E6A778545C0}"/>
-                </a:ext>
-              </a:extLst>
-            </p:cNvPr>
-            <p:cNvSpPr/>
-            <p:nvPr/>
-          </p:nvSpPr>
-          <p:spPr>
-            <a:xfrm>
-              <a:off x="5127729" y="4200401"/>
-              <a:ext cx="2468607" cy="515755"/>
-            </a:xfrm>
-            <a:prstGeom prst="rect">
-              <a:avLst/>
-            </a:prstGeom>
-            <a:noFill/>
-            <a:ln w="9525" cap="flat" cmpd="sng" algn="ctr">
-              <a:solidFill>
-                <a:schemeClr val="accent6"/>
-              </a:solidFill>
-              <a:prstDash val="solid"/>
-              <a:round/>
-              <a:headEnd type="none" w="med" len="med"/>
-              <a:tailEnd type="none" w="med" len="med"/>
-            </a:ln>
-          </p:spPr>
-          <p:style>
-            <a:lnRef idx="0">
-              <a:scrgbClr r="0" g="0" b="0"/>
-            </a:lnRef>
-            <a:fillRef idx="0">
-              <a:scrgbClr r="0" g="0" b="0"/>
-            </a:fillRef>
-            <a:effectRef idx="0">
-              <a:scrgbClr r="0" g="0" b="0"/>
-            </a:effectRef>
-            <a:fontRef idx="minor">
-              <a:schemeClr val="accent6"/>
-            </a:fontRef>
-          </p:style>
-          <p:txBody>
-            <a:bodyPr rot="0" spcFirstLastPara="0" vertOverflow="overflow" horzOverflow="overflow" vert="horz" wrap="square" lIns="91440" tIns="45720" rIns="91440" bIns="45720" numCol="1" spcCol="0" rtlCol="0" fromWordArt="0" anchor="ctr" anchorCtr="0" forceAA="0" compatLnSpc="1">
-              <a:prstTxWarp prst="textNoShape">
-                <a:avLst/>
-              </a:prstTxWarp>
-              <a:noAutofit/>
-            </a:bodyPr>
-            <a:lstStyle/>
-            <a:p>
-              <a:pPr algn="ctr"/>
-              <a:r>
-                <a:rPr lang="zh-TW" altLang="en-US" b="1" dirty="0">
-                  <a:latin typeface="微軟正黑體" panose="020B0604030504040204" pitchFamily="34" charset="-120"/>
-                  <a:ea typeface="微軟正黑體" panose="020B0604030504040204" pitchFamily="34" charset="-120"/>
-                </a:rPr>
-                <a:t>商店端服務</a:t>
-              </a:r>
-            </a:p>
-          </p:txBody>
-        </p:sp>
-        <p:sp>
-          <p:nvSpPr>
-            <p:cNvPr id="8" name="矩形 7">
-              <a:extLst>
-                <a:ext uri="{FF2B5EF4-FFF2-40B4-BE49-F238E27FC236}">
-                  <a16:creationId xmlns:a16="http://schemas.microsoft.com/office/drawing/2014/main" id="{F6F2C94B-2A9E-422E-977A-E11E82296222}"/>
-                </a:ext>
-              </a:extLst>
-            </p:cNvPr>
-            <p:cNvSpPr/>
-            <p:nvPr/>
-          </p:nvSpPr>
-          <p:spPr>
-            <a:xfrm>
-              <a:off x="7688617" y="4194205"/>
-              <a:ext cx="1419887" cy="515755"/>
-            </a:xfrm>
-            <a:prstGeom prst="rect">
-              <a:avLst/>
-            </a:prstGeom>
-            <a:noFill/>
-            <a:ln w="9525" cap="flat" cmpd="sng" algn="ctr">
-              <a:solidFill>
-                <a:schemeClr val="accent6"/>
-              </a:solidFill>
-              <a:prstDash val="solid"/>
-              <a:round/>
-              <a:headEnd type="none" w="med" len="med"/>
-              <a:tailEnd type="none" w="med" len="med"/>
-            </a:ln>
-          </p:spPr>
-          <p:style>
-            <a:lnRef idx="0">
-              <a:scrgbClr r="0" g="0" b="0"/>
-            </a:lnRef>
-            <a:fillRef idx="0">
-              <a:scrgbClr r="0" g="0" b="0"/>
-            </a:fillRef>
-            <a:effectRef idx="0">
-              <a:scrgbClr r="0" g="0" b="0"/>
-            </a:effectRef>
-            <a:fontRef idx="minor">
-              <a:schemeClr val="accent6"/>
-            </a:fontRef>
-          </p:style>
-          <p:txBody>
-            <a:bodyPr rot="0" spcFirstLastPara="0" vertOverflow="overflow" horzOverflow="overflow" vert="horz" wrap="square" lIns="91440" tIns="45720" rIns="91440" bIns="45720" numCol="1" spcCol="0" rtlCol="0" fromWordArt="0" anchor="ctr" anchorCtr="0" forceAA="0" compatLnSpc="1">
-              <a:prstTxWarp prst="textNoShape">
-                <a:avLst/>
-              </a:prstTxWarp>
-              <a:noAutofit/>
-            </a:bodyPr>
-            <a:lstStyle/>
-            <a:p>
-              <a:pPr algn="ctr"/>
-              <a:r>
-                <a:rPr lang="zh-TW" altLang="en-US" sz="1600" b="1" dirty="0">
-                  <a:latin typeface="微軟正黑體" panose="020B0604030504040204" pitchFamily="34" charset="-120"/>
-                  <a:ea typeface="微軟正黑體" panose="020B0604030504040204" pitchFamily="34" charset="-120"/>
-                </a:rPr>
-                <a:t>使用者手機</a:t>
-              </a:r>
-              <a:r>
-                <a:rPr lang="en-US" altLang="zh-TW" sz="1600" b="1" dirty="0">
-                  <a:latin typeface="微軟正黑體" panose="020B0604030504040204" pitchFamily="34" charset="-120"/>
-                  <a:ea typeface="微軟正黑體" panose="020B0604030504040204" pitchFamily="34" charset="-120"/>
-                </a:rPr>
-                <a:t>API</a:t>
-              </a:r>
-              <a:r>
-                <a:rPr lang="zh-TW" altLang="en-US" sz="1600" b="1" dirty="0">
-                  <a:latin typeface="微軟正黑體" panose="020B0604030504040204" pitchFamily="34" charset="-120"/>
-                  <a:ea typeface="微軟正黑體" panose="020B0604030504040204" pitchFamily="34" charset="-120"/>
-                </a:rPr>
-                <a:t>服務</a:t>
-              </a:r>
-            </a:p>
-          </p:txBody>
-        </p:sp>
-        <p:sp>
-          <p:nvSpPr>
-            <p:cNvPr id="10" name="矩形 9">
-              <a:extLst>
-                <a:ext uri="{FF2B5EF4-FFF2-40B4-BE49-F238E27FC236}">
-                  <a16:creationId xmlns:a16="http://schemas.microsoft.com/office/drawing/2014/main" id="{42CD4FAF-D7A4-48A0-877D-29376187F47D}"/>
-                </a:ext>
-              </a:extLst>
-            </p:cNvPr>
-            <p:cNvSpPr/>
-            <p:nvPr/>
-          </p:nvSpPr>
-          <p:spPr>
-            <a:xfrm>
-              <a:off x="447353" y="2204867"/>
-              <a:ext cx="523116" cy="1989341"/>
-            </a:xfrm>
-            <a:prstGeom prst="rect">
-              <a:avLst/>
-            </a:prstGeom>
-            <a:noFill/>
-            <a:ln w="9525" cap="flat" cmpd="sng" algn="ctr">
-              <a:solidFill>
-                <a:schemeClr val="accent5"/>
-              </a:solidFill>
-              <a:prstDash val="solid"/>
-              <a:round/>
-              <a:headEnd type="none" w="med" len="med"/>
-              <a:tailEnd type="none" w="med" len="med"/>
-            </a:ln>
-          </p:spPr>
-          <p:style>
-            <a:lnRef idx="0">
-              <a:scrgbClr r="0" g="0" b="0"/>
-            </a:lnRef>
-            <a:fillRef idx="0">
-              <a:scrgbClr r="0" g="0" b="0"/>
-            </a:fillRef>
-            <a:effectRef idx="0">
-              <a:scrgbClr r="0" g="0" b="0"/>
-            </a:effectRef>
-            <a:fontRef idx="minor">
+      </p:grpSp>
+      <p:sp>
+        <p:nvSpPr>
+          <p:cNvPr id="30" name="矩形 29">
+            <a:extLst>
+              <a:ext uri="{FF2B5EF4-FFF2-40B4-BE49-F238E27FC236}">
+                <a16:creationId xmlns:a16="http://schemas.microsoft.com/office/drawing/2014/main" id="{664360C8-0E49-4A50-9381-7817A8E785A9}"/>
+              </a:ext>
+            </a:extLst>
+          </p:cNvPr>
+          <p:cNvSpPr/>
+          <p:nvPr/>
+        </p:nvSpPr>
+        <p:spPr>
+          <a:xfrm>
+            <a:off x="7188925" y="2152445"/>
+            <a:ext cx="523116" cy="1989341"/>
+          </a:xfrm>
+          <a:prstGeom prst="rect">
+            <a:avLst/>
+          </a:prstGeom>
+          <a:noFill/>
+          <a:ln w="9525" cap="flat" cmpd="sng" algn="ctr">
+            <a:solidFill>
               <a:schemeClr val="accent5"/>
-            </a:fontRef>
-          </p:style>
-          <p:txBody>
-            <a:bodyPr rtlCol="0" anchor="ctr"/>
-            <a:lstStyle/>
-            <a:p>
-              <a:pPr algn="ctr"/>
-              <a:r>
-                <a:rPr lang="zh-TW" altLang="en-US" dirty="0"/>
-                <a:t>會員管理</a:t>
-              </a:r>
-            </a:p>
-          </p:txBody>
-        </p:sp>
-        <p:sp>
-          <p:nvSpPr>
-            <p:cNvPr id="11" name="矩形 10">
-              <a:extLst>
-                <a:ext uri="{FF2B5EF4-FFF2-40B4-BE49-F238E27FC236}">
-                  <a16:creationId xmlns:a16="http://schemas.microsoft.com/office/drawing/2014/main" id="{4C55EB54-4C79-4E5A-BFB7-53DC859A2640}"/>
-                </a:ext>
-              </a:extLst>
-            </p:cNvPr>
-            <p:cNvSpPr/>
-            <p:nvPr/>
-          </p:nvSpPr>
-          <p:spPr>
-            <a:xfrm>
-              <a:off x="1015705" y="2204866"/>
-              <a:ext cx="523116" cy="1989341"/>
-            </a:xfrm>
-            <a:prstGeom prst="rect">
-              <a:avLst/>
-            </a:prstGeom>
-            <a:noFill/>
-            <a:ln w="9525" cap="flat" cmpd="sng" algn="ctr">
-              <a:solidFill>
-                <a:schemeClr val="accent5"/>
-              </a:solidFill>
-              <a:prstDash val="solid"/>
-              <a:round/>
-              <a:headEnd type="none" w="med" len="med"/>
-              <a:tailEnd type="none" w="med" len="med"/>
-            </a:ln>
-          </p:spPr>
-          <p:style>
-            <a:lnRef idx="0">
-              <a:scrgbClr r="0" g="0" b="0"/>
-            </a:lnRef>
-            <a:fillRef idx="0">
-              <a:scrgbClr r="0" g="0" b="0"/>
-            </a:fillRef>
-            <a:effectRef idx="0">
-              <a:scrgbClr r="0" g="0" b="0"/>
-            </a:effectRef>
-            <a:fontRef idx="minor">
+            </a:solidFill>
+            <a:prstDash val="solid"/>
+            <a:round/>
+            <a:headEnd type="none" w="med" len="med"/>
+            <a:tailEnd type="none" w="med" len="med"/>
+          </a:ln>
+        </p:spPr>
+        <p:style>
+          <a:lnRef idx="0">
+            <a:scrgbClr r="0" g="0" b="0"/>
+          </a:lnRef>
+          <a:fillRef idx="0">
+            <a:scrgbClr r="0" g="0" b="0"/>
+          </a:fillRef>
+          <a:effectRef idx="0">
+            <a:scrgbClr r="0" g="0" b="0"/>
+          </a:effectRef>
+          <a:fontRef idx="minor">
+            <a:schemeClr val="accent5"/>
+          </a:fontRef>
+        </p:style>
+        <p:txBody>
+          <a:bodyPr rtlCol="0" anchor="ctr"/>
+          <a:lstStyle/>
+          <a:p>
+            <a:pPr algn="ctr"/>
+            <a:r>
+              <a:rPr lang="zh-TW" altLang="en-US" dirty="0"/>
+              <a:t>設定服務</a:t>
+            </a:r>
+            <a:endParaRPr lang="en-US" altLang="zh-TW" dirty="0"/>
+          </a:p>
+        </p:txBody>
+      </p:sp>
+      <p:sp>
+        <p:nvSpPr>
+          <p:cNvPr id="31" name="矩形 30">
+            <a:extLst>
+              <a:ext uri="{FF2B5EF4-FFF2-40B4-BE49-F238E27FC236}">
+                <a16:creationId xmlns:a16="http://schemas.microsoft.com/office/drawing/2014/main" id="{BCDCCB73-643B-44EC-9DC3-329B5E4538A9}"/>
+              </a:ext>
+            </a:extLst>
+          </p:cNvPr>
+          <p:cNvSpPr/>
+          <p:nvPr/>
+        </p:nvSpPr>
+        <p:spPr>
+          <a:xfrm>
+            <a:off x="7819990" y="2152445"/>
+            <a:ext cx="523116" cy="1989341"/>
+          </a:xfrm>
+          <a:prstGeom prst="rect">
+            <a:avLst/>
+          </a:prstGeom>
+          <a:noFill/>
+          <a:ln w="9525" cap="flat" cmpd="sng" algn="ctr">
+            <a:solidFill>
               <a:schemeClr val="accent5"/>
-            </a:fontRef>
-          </p:style>
-          <p:txBody>
-            <a:bodyPr rtlCol="0" anchor="ctr"/>
-            <a:lstStyle/>
-            <a:p>
-              <a:pPr algn="ctr"/>
-              <a:r>
-                <a:rPr lang="zh-TW" altLang="en-US" dirty="0"/>
-                <a:t>商品管理</a:t>
-              </a:r>
-            </a:p>
-          </p:txBody>
-        </p:sp>
-        <p:sp>
-          <p:nvSpPr>
-            <p:cNvPr id="13" name="矩形 12">
-              <a:extLst>
-                <a:ext uri="{FF2B5EF4-FFF2-40B4-BE49-F238E27FC236}">
-                  <a16:creationId xmlns:a16="http://schemas.microsoft.com/office/drawing/2014/main" id="{3CEE7AC4-EF78-4388-847C-FBAEBA01F8AB}"/>
-                </a:ext>
-              </a:extLst>
-            </p:cNvPr>
-            <p:cNvSpPr/>
-            <p:nvPr/>
-          </p:nvSpPr>
-          <p:spPr>
-            <a:xfrm>
-              <a:off x="1584057" y="2204866"/>
-              <a:ext cx="523116" cy="1989341"/>
-            </a:xfrm>
-            <a:prstGeom prst="rect">
-              <a:avLst/>
-            </a:prstGeom>
-            <a:noFill/>
-            <a:ln w="9525" cap="flat" cmpd="sng" algn="ctr">
-              <a:solidFill>
-                <a:schemeClr val="accent5"/>
-              </a:solidFill>
-              <a:prstDash val="solid"/>
-              <a:round/>
-              <a:headEnd type="none" w="med" len="med"/>
-              <a:tailEnd type="none" w="med" len="med"/>
-            </a:ln>
-          </p:spPr>
-          <p:style>
-            <a:lnRef idx="0">
-              <a:scrgbClr r="0" g="0" b="0"/>
-            </a:lnRef>
-            <a:fillRef idx="0">
-              <a:scrgbClr r="0" g="0" b="0"/>
-            </a:fillRef>
-            <a:effectRef idx="0">
-              <a:scrgbClr r="0" g="0" b="0"/>
-            </a:effectRef>
-            <a:fontRef idx="minor">
-              <a:schemeClr val="accent5"/>
-            </a:fontRef>
-          </p:style>
-          <p:txBody>
-            <a:bodyPr rtlCol="0" anchor="ctr"/>
-            <a:lstStyle/>
-            <a:p>
-              <a:pPr algn="ctr"/>
-              <a:r>
-                <a:rPr lang="zh-TW" altLang="en-US" dirty="0"/>
-                <a:t>新增商品</a:t>
-              </a:r>
-            </a:p>
-          </p:txBody>
-        </p:sp>
-        <p:sp>
-          <p:nvSpPr>
-            <p:cNvPr id="14" name="矩形 13">
-              <a:extLst>
-                <a:ext uri="{FF2B5EF4-FFF2-40B4-BE49-F238E27FC236}">
-                  <a16:creationId xmlns:a16="http://schemas.microsoft.com/office/drawing/2014/main" id="{B482634A-7412-446A-B31C-CB501243B344}"/>
-                </a:ext>
-              </a:extLst>
-            </p:cNvPr>
-            <p:cNvSpPr/>
-            <p:nvPr/>
-          </p:nvSpPr>
-          <p:spPr>
-            <a:xfrm>
-              <a:off x="2143919" y="2204864"/>
-              <a:ext cx="523116" cy="1989341"/>
-            </a:xfrm>
-            <a:prstGeom prst="rect">
-              <a:avLst/>
-            </a:prstGeom>
-            <a:noFill/>
-            <a:ln w="9525" cap="flat" cmpd="sng" algn="ctr">
-              <a:solidFill>
-                <a:schemeClr val="accent5"/>
-              </a:solidFill>
-              <a:prstDash val="solid"/>
-              <a:round/>
-              <a:headEnd type="none" w="med" len="med"/>
-              <a:tailEnd type="none" w="med" len="med"/>
-            </a:ln>
-          </p:spPr>
-          <p:style>
-            <a:lnRef idx="0">
-              <a:scrgbClr r="0" g="0" b="0"/>
-            </a:lnRef>
-            <a:fillRef idx="0">
-              <a:scrgbClr r="0" g="0" b="0"/>
-            </a:fillRef>
-            <a:effectRef idx="0">
-              <a:scrgbClr r="0" g="0" b="0"/>
-            </a:effectRef>
-            <a:fontRef idx="minor">
-              <a:schemeClr val="accent5"/>
-            </a:fontRef>
-          </p:style>
-          <p:txBody>
-            <a:bodyPr rtlCol="0" anchor="ctr"/>
-            <a:lstStyle/>
-            <a:p>
-              <a:pPr algn="ctr"/>
-              <a:r>
-                <a:rPr lang="zh-TW" altLang="en-US" dirty="0"/>
-                <a:t>交易紀錄</a:t>
-              </a:r>
-            </a:p>
-          </p:txBody>
-        </p:sp>
-        <p:sp>
-          <p:nvSpPr>
-            <p:cNvPr id="15" name="矩形 14">
-              <a:extLst>
-                <a:ext uri="{FF2B5EF4-FFF2-40B4-BE49-F238E27FC236}">
-                  <a16:creationId xmlns:a16="http://schemas.microsoft.com/office/drawing/2014/main" id="{3FABDF08-242A-4FA6-8040-EBA3D080B864}"/>
-                </a:ext>
-              </a:extLst>
-            </p:cNvPr>
-            <p:cNvSpPr/>
-            <p:nvPr/>
-          </p:nvSpPr>
-          <p:spPr>
-            <a:xfrm>
-              <a:off x="2725355" y="2204864"/>
-              <a:ext cx="523116" cy="1989341"/>
-            </a:xfrm>
-            <a:prstGeom prst="rect">
-              <a:avLst/>
-            </a:prstGeom>
-            <a:noFill/>
-            <a:ln w="9525" cap="flat" cmpd="sng" algn="ctr">
-              <a:solidFill>
-                <a:schemeClr val="accent5"/>
-              </a:solidFill>
-              <a:prstDash val="solid"/>
-              <a:round/>
-              <a:headEnd type="none" w="med" len="med"/>
-              <a:tailEnd type="none" w="med" len="med"/>
-            </a:ln>
-          </p:spPr>
-          <p:style>
-            <a:lnRef idx="0">
-              <a:scrgbClr r="0" g="0" b="0"/>
-            </a:lnRef>
-            <a:fillRef idx="0">
-              <a:scrgbClr r="0" g="0" b="0"/>
-            </a:fillRef>
-            <a:effectRef idx="0">
-              <a:scrgbClr r="0" g="0" b="0"/>
-            </a:effectRef>
-            <a:fontRef idx="minor">
-              <a:schemeClr val="accent5"/>
-            </a:fontRef>
-          </p:style>
-          <p:txBody>
-            <a:bodyPr rtlCol="0" anchor="ctr"/>
-            <a:lstStyle/>
-            <a:p>
-              <a:pPr algn="ctr"/>
-              <a:r>
-                <a:rPr lang="zh-TW" altLang="en-US" dirty="0"/>
-                <a:t>查詢商品</a:t>
-              </a:r>
-            </a:p>
-          </p:txBody>
-        </p:sp>
-        <p:sp>
-          <p:nvSpPr>
-            <p:cNvPr id="16" name="矩形 15">
-              <a:extLst>
-                <a:ext uri="{FF2B5EF4-FFF2-40B4-BE49-F238E27FC236}">
-                  <a16:creationId xmlns:a16="http://schemas.microsoft.com/office/drawing/2014/main" id="{258CFD63-B975-4227-A250-BD4B325C0CAB}"/>
-                </a:ext>
-              </a:extLst>
-            </p:cNvPr>
-            <p:cNvSpPr/>
-            <p:nvPr/>
-          </p:nvSpPr>
-          <p:spPr>
-            <a:xfrm>
-              <a:off x="5286243" y="2204863"/>
-              <a:ext cx="523116" cy="1989341"/>
-            </a:xfrm>
-            <a:prstGeom prst="rect">
-              <a:avLst/>
-            </a:prstGeom>
-            <a:noFill/>
-            <a:ln w="9525" cap="flat" cmpd="sng" algn="ctr">
-              <a:solidFill>
-                <a:schemeClr val="accent5"/>
-              </a:solidFill>
-              <a:prstDash val="solid"/>
-              <a:round/>
-              <a:headEnd type="none" w="med" len="med"/>
-              <a:tailEnd type="none" w="med" len="med"/>
-            </a:ln>
-          </p:spPr>
-          <p:style>
-            <a:lnRef idx="0">
-              <a:scrgbClr r="0" g="0" b="0"/>
-            </a:lnRef>
-            <a:fillRef idx="0">
-              <a:scrgbClr r="0" g="0" b="0"/>
-            </a:fillRef>
-            <a:effectRef idx="0">
-              <a:scrgbClr r="0" g="0" b="0"/>
-            </a:effectRef>
-            <a:fontRef idx="minor">
-              <a:schemeClr val="accent5"/>
-            </a:fontRef>
-          </p:style>
-          <p:txBody>
-            <a:bodyPr rtlCol="0" anchor="ctr"/>
-            <a:lstStyle/>
-            <a:p>
-              <a:pPr algn="ctr"/>
-              <a:r>
-                <a:rPr lang="zh-TW" altLang="en-US" dirty="0"/>
-                <a:t>活動折價</a:t>
-              </a:r>
-            </a:p>
-          </p:txBody>
-        </p:sp>
-        <p:sp>
-          <p:nvSpPr>
-            <p:cNvPr id="17" name="矩形 16">
-              <a:extLst>
-                <a:ext uri="{FF2B5EF4-FFF2-40B4-BE49-F238E27FC236}">
-                  <a16:creationId xmlns:a16="http://schemas.microsoft.com/office/drawing/2014/main" id="{8C96EF0C-CC8F-45A9-9964-978186BE0BE2}"/>
-                </a:ext>
-              </a:extLst>
-            </p:cNvPr>
-            <p:cNvSpPr/>
-            <p:nvPr/>
-          </p:nvSpPr>
-          <p:spPr>
-            <a:xfrm>
-              <a:off x="5854595" y="2204864"/>
-              <a:ext cx="523116" cy="1989341"/>
-            </a:xfrm>
-            <a:prstGeom prst="rect">
-              <a:avLst/>
-            </a:prstGeom>
-            <a:noFill/>
-            <a:ln w="9525" cap="flat" cmpd="sng" algn="ctr">
-              <a:solidFill>
-                <a:schemeClr val="accent5"/>
-              </a:solidFill>
-              <a:prstDash val="solid"/>
-              <a:round/>
-              <a:headEnd type="none" w="med" len="med"/>
-              <a:tailEnd type="none" w="med" len="med"/>
-            </a:ln>
-          </p:spPr>
-          <p:style>
-            <a:lnRef idx="0">
-              <a:scrgbClr r="0" g="0" b="0"/>
-            </a:lnRef>
-            <a:fillRef idx="0">
-              <a:scrgbClr r="0" g="0" b="0"/>
-            </a:fillRef>
-            <a:effectRef idx="0">
-              <a:scrgbClr r="0" g="0" b="0"/>
-            </a:effectRef>
-            <a:fontRef idx="minor">
-              <a:schemeClr val="accent5"/>
-            </a:fontRef>
-          </p:style>
-          <p:txBody>
-            <a:bodyPr rtlCol="0" anchor="ctr"/>
-            <a:lstStyle/>
-            <a:p>
-              <a:pPr algn="ctr"/>
-              <a:r>
-                <a:rPr lang="zh-TW" altLang="en-US" dirty="0"/>
-                <a:t>計算金額</a:t>
-              </a:r>
-            </a:p>
-          </p:txBody>
-        </p:sp>
-        <p:sp>
-          <p:nvSpPr>
-            <p:cNvPr id="18" name="矩形 17">
-              <a:extLst>
-                <a:ext uri="{FF2B5EF4-FFF2-40B4-BE49-F238E27FC236}">
-                  <a16:creationId xmlns:a16="http://schemas.microsoft.com/office/drawing/2014/main" id="{ED6AE475-6C1E-4B4E-A428-FF34553754E0}"/>
-                </a:ext>
-              </a:extLst>
-            </p:cNvPr>
-            <p:cNvSpPr/>
-            <p:nvPr/>
-          </p:nvSpPr>
-          <p:spPr>
-            <a:xfrm>
-              <a:off x="6416927" y="2204864"/>
-              <a:ext cx="523116" cy="1989341"/>
-            </a:xfrm>
-            <a:prstGeom prst="rect">
-              <a:avLst/>
-            </a:prstGeom>
-            <a:noFill/>
-            <a:ln w="9525" cap="flat" cmpd="sng" algn="ctr">
-              <a:solidFill>
-                <a:schemeClr val="accent5"/>
-              </a:solidFill>
-              <a:prstDash val="solid"/>
-              <a:round/>
-              <a:headEnd type="none" w="med" len="med"/>
-              <a:tailEnd type="none" w="med" len="med"/>
-            </a:ln>
-          </p:spPr>
-          <p:style>
-            <a:lnRef idx="0">
-              <a:scrgbClr r="0" g="0" b="0"/>
-            </a:lnRef>
-            <a:fillRef idx="0">
-              <a:scrgbClr r="0" g="0" b="0"/>
-            </a:fillRef>
-            <a:effectRef idx="0">
-              <a:scrgbClr r="0" g="0" b="0"/>
-            </a:effectRef>
-            <a:fontRef idx="minor">
-              <a:schemeClr val="accent5"/>
-            </a:fontRef>
-          </p:style>
-          <p:txBody>
-            <a:bodyPr rtlCol="0" anchor="ctr"/>
-            <a:lstStyle/>
-            <a:p>
-              <a:pPr algn="ctr"/>
-              <a:r>
-                <a:rPr lang="zh-TW" altLang="en-US" dirty="0"/>
-                <a:t>結帳服務</a:t>
-              </a:r>
-            </a:p>
-          </p:txBody>
-        </p:sp>
-        <p:sp>
-          <p:nvSpPr>
-            <p:cNvPr id="19" name="矩形 18">
-              <a:extLst>
-                <a:ext uri="{FF2B5EF4-FFF2-40B4-BE49-F238E27FC236}">
-                  <a16:creationId xmlns:a16="http://schemas.microsoft.com/office/drawing/2014/main" id="{DAA98800-9467-4781-8186-24E258A626DB}"/>
-                </a:ext>
-              </a:extLst>
-            </p:cNvPr>
-            <p:cNvSpPr/>
-            <p:nvPr/>
-          </p:nvSpPr>
-          <p:spPr>
-            <a:xfrm>
-              <a:off x="6977570" y="2204864"/>
-              <a:ext cx="523116" cy="1989341"/>
-            </a:xfrm>
-            <a:prstGeom prst="rect">
-              <a:avLst/>
-            </a:prstGeom>
-            <a:noFill/>
-            <a:ln w="9525" cap="flat" cmpd="sng" algn="ctr">
-              <a:solidFill>
-                <a:schemeClr val="accent5"/>
-              </a:solidFill>
-              <a:prstDash val="solid"/>
-              <a:round/>
-              <a:headEnd type="none" w="med" len="med"/>
-              <a:tailEnd type="none" w="med" len="med"/>
-            </a:ln>
-          </p:spPr>
-          <p:style>
-            <a:lnRef idx="0">
-              <a:scrgbClr r="0" g="0" b="0"/>
-            </a:lnRef>
-            <a:fillRef idx="0">
-              <a:scrgbClr r="0" g="0" b="0"/>
-            </a:fillRef>
-            <a:effectRef idx="0">
-              <a:scrgbClr r="0" g="0" b="0"/>
-            </a:effectRef>
-            <a:fontRef idx="minor">
-              <a:schemeClr val="accent5"/>
-            </a:fontRef>
-          </p:style>
-          <p:txBody>
-            <a:bodyPr rtlCol="0" anchor="ctr"/>
-            <a:lstStyle/>
-            <a:p>
-              <a:pPr algn="ctr"/>
-              <a:r>
-                <a:rPr lang="zh-TW" altLang="en-US" dirty="0"/>
-                <a:t>回傳電子發票</a:t>
-              </a:r>
-              <a:endParaRPr lang="en-US" altLang="zh-TW" dirty="0"/>
-            </a:p>
-          </p:txBody>
-        </p:sp>
-        <p:grpSp>
-          <p:nvGrpSpPr>
-            <p:cNvPr id="24" name="群組 23">
-              <a:extLst>
-                <a:ext uri="{FF2B5EF4-FFF2-40B4-BE49-F238E27FC236}">
-                  <a16:creationId xmlns:a16="http://schemas.microsoft.com/office/drawing/2014/main" id="{90807631-7145-4380-97D5-27D2A93A25AD}"/>
-                </a:ext>
-              </a:extLst>
-            </p:cNvPr>
-            <p:cNvGrpSpPr/>
-            <p:nvPr/>
-          </p:nvGrpSpPr>
-          <p:grpSpPr>
-            <a:xfrm>
-              <a:off x="3527724" y="2759310"/>
-              <a:ext cx="1540635" cy="1339379"/>
-              <a:chOff x="-316531" y="2403016"/>
-              <a:chExt cx="2059126" cy="1815688"/>
-            </a:xfrm>
-          </p:grpSpPr>
-          <p:pic>
-            <p:nvPicPr>
-              <p:cNvPr id="21" name="圖形 20" descr="資料庫">
-                <a:extLst>
-                  <a:ext uri="{FF2B5EF4-FFF2-40B4-BE49-F238E27FC236}">
-                    <a16:creationId xmlns:a16="http://schemas.microsoft.com/office/drawing/2014/main" id="{85C286A6-CCCD-4C38-826F-0CA1E8E2DACB}"/>
-                  </a:ext>
-                </a:extLst>
-              </p:cNvPr>
-              <p:cNvPicPr>
-                <a:picLocks noChangeAspect="1"/>
-              </p:cNvPicPr>
-              <p:nvPr/>
-            </p:nvPicPr>
-            <p:blipFill>
-              <a:blip r:embed="rId2">
-                <a:extLst>
-                  <a:ext uri="{28A0092B-C50C-407E-A947-70E740481C1C}">
-                    <a14:useLocalDpi xmlns:a14="http://schemas.microsoft.com/office/drawing/2010/main" val="0"/>
-                  </a:ext>
-                  <a:ext uri="{96DAC541-7B7A-43D3-8B79-37D633B846F1}">
-                    <asvg:svgBlip xmlns:asvg="http://schemas.microsoft.com/office/drawing/2016/SVG/main" r:embed="rId3"/>
-                  </a:ext>
-                </a:extLst>
-              </a:blip>
-              <a:stretch>
-                <a:fillRect/>
-              </a:stretch>
-            </p:blipFill>
-            <p:spPr>
-              <a:xfrm>
-                <a:off x="35889" y="2403016"/>
-                <a:ext cx="1315014" cy="1315014"/>
-              </a:xfrm>
-              <a:prstGeom prst="rect">
-                <a:avLst/>
-              </a:prstGeom>
-            </p:spPr>
-          </p:pic>
-          <p:sp>
-            <p:nvSpPr>
-              <p:cNvPr id="23" name="文字方塊 22">
-                <a:extLst>
-                  <a:ext uri="{FF2B5EF4-FFF2-40B4-BE49-F238E27FC236}">
-                    <a16:creationId xmlns:a16="http://schemas.microsoft.com/office/drawing/2014/main" id="{3C4B9858-5870-4434-B378-7DFB6925CA4B}"/>
-                  </a:ext>
-                </a:extLst>
-              </p:cNvPr>
-              <p:cNvSpPr txBox="1"/>
-              <p:nvPr/>
-            </p:nvSpPr>
-            <p:spPr>
-              <a:xfrm>
-                <a:off x="-316531" y="3718030"/>
-                <a:ext cx="2059126" cy="500674"/>
-              </a:xfrm>
-              <a:prstGeom prst="rect">
-                <a:avLst/>
-              </a:prstGeom>
-              <a:noFill/>
-            </p:spPr>
-            <p:txBody>
-              <a:bodyPr wrap="square" rtlCol="0">
-                <a:spAutoFit/>
-              </a:bodyPr>
-              <a:lstStyle/>
-              <a:p>
-                <a:pPr algn="ctr"/>
-                <a:r>
-                  <a:rPr lang="zh-TW" altLang="en-US" b="1" dirty="0">
-                    <a:solidFill>
-                      <a:schemeClr val="tx2"/>
-                    </a:solidFill>
-                    <a:latin typeface="微軟正黑體" panose="020B0604030504040204" pitchFamily="34" charset="-120"/>
-                    <a:ea typeface="微軟正黑體" panose="020B0604030504040204" pitchFamily="34" charset="-120"/>
-                  </a:rPr>
-                  <a:t>雲端資料庫</a:t>
-                </a:r>
-              </a:p>
-            </p:txBody>
-          </p:sp>
-        </p:grpSp>
-        <p:sp>
-          <p:nvSpPr>
-            <p:cNvPr id="30" name="矩形 29">
-              <a:extLst>
-                <a:ext uri="{FF2B5EF4-FFF2-40B4-BE49-F238E27FC236}">
-                  <a16:creationId xmlns:a16="http://schemas.microsoft.com/office/drawing/2014/main" id="{664360C8-0E49-4A50-9381-7817A8E785A9}"/>
-                </a:ext>
-              </a:extLst>
-            </p:cNvPr>
-            <p:cNvSpPr/>
-            <p:nvPr/>
-          </p:nvSpPr>
-          <p:spPr>
-            <a:xfrm>
-              <a:off x="7785262" y="2211060"/>
-              <a:ext cx="523116" cy="1989341"/>
-            </a:xfrm>
-            <a:prstGeom prst="rect">
-              <a:avLst/>
-            </a:prstGeom>
-            <a:noFill/>
-            <a:ln w="9525" cap="flat" cmpd="sng" algn="ctr">
-              <a:solidFill>
-                <a:schemeClr val="accent5"/>
-              </a:solidFill>
-              <a:prstDash val="solid"/>
-              <a:round/>
-              <a:headEnd type="none" w="med" len="med"/>
-              <a:tailEnd type="none" w="med" len="med"/>
-            </a:ln>
-          </p:spPr>
-          <p:style>
-            <a:lnRef idx="0">
-              <a:scrgbClr r="0" g="0" b="0"/>
-            </a:lnRef>
-            <a:fillRef idx="0">
-              <a:scrgbClr r="0" g="0" b="0"/>
-            </a:fillRef>
-            <a:effectRef idx="0">
-              <a:scrgbClr r="0" g="0" b="0"/>
-            </a:effectRef>
-            <a:fontRef idx="minor">
-              <a:schemeClr val="accent5"/>
-            </a:fontRef>
-          </p:style>
-          <p:txBody>
-            <a:bodyPr rtlCol="0" anchor="ctr"/>
-            <a:lstStyle/>
-            <a:p>
-              <a:pPr algn="ctr"/>
-              <a:r>
-                <a:rPr lang="zh-TW" altLang="en-US" dirty="0"/>
-                <a:t>設定服務</a:t>
-              </a:r>
-              <a:endParaRPr lang="en-US" altLang="zh-TW" dirty="0"/>
-            </a:p>
-          </p:txBody>
-        </p:sp>
-        <p:sp>
-          <p:nvSpPr>
-            <p:cNvPr id="31" name="矩形 30">
-              <a:extLst>
-                <a:ext uri="{FF2B5EF4-FFF2-40B4-BE49-F238E27FC236}">
-                  <a16:creationId xmlns:a16="http://schemas.microsoft.com/office/drawing/2014/main" id="{BCDCCB73-643B-44EC-9DC3-329B5E4538A9}"/>
-                </a:ext>
-              </a:extLst>
-            </p:cNvPr>
-            <p:cNvSpPr/>
-            <p:nvPr/>
-          </p:nvSpPr>
-          <p:spPr>
-            <a:xfrm>
-              <a:off x="8416327" y="2211060"/>
-              <a:ext cx="523116" cy="1989341"/>
-            </a:xfrm>
-            <a:prstGeom prst="rect">
-              <a:avLst/>
-            </a:prstGeom>
-            <a:noFill/>
-            <a:ln w="9525" cap="flat" cmpd="sng" algn="ctr">
-              <a:solidFill>
-                <a:schemeClr val="accent5"/>
-              </a:solidFill>
-              <a:prstDash val="solid"/>
-              <a:round/>
-              <a:headEnd type="none" w="med" len="med"/>
-              <a:tailEnd type="none" w="med" len="med"/>
-            </a:ln>
-          </p:spPr>
-          <p:style>
-            <a:lnRef idx="0">
-              <a:scrgbClr r="0" g="0" b="0"/>
-            </a:lnRef>
-            <a:fillRef idx="0">
-              <a:scrgbClr r="0" g="0" b="0"/>
-            </a:fillRef>
-            <a:effectRef idx="0">
-              <a:scrgbClr r="0" g="0" b="0"/>
-            </a:effectRef>
-            <a:fontRef idx="minor">
-              <a:schemeClr val="accent5"/>
-            </a:fontRef>
-          </p:style>
-          <p:txBody>
-            <a:bodyPr rtlCol="0" anchor="ctr"/>
-            <a:lstStyle/>
-            <a:p>
-              <a:pPr algn="ctr"/>
-              <a:r>
-                <a:rPr lang="zh-TW" altLang="en-US" dirty="0"/>
-                <a:t>查詢服務</a:t>
-              </a:r>
-              <a:endParaRPr lang="en-US" altLang="zh-TW" dirty="0"/>
-            </a:p>
-          </p:txBody>
-        </p:sp>
-      </p:grpSp>
+            </a:solidFill>
+            <a:prstDash val="solid"/>
+            <a:round/>
+            <a:headEnd type="none" w="med" len="med"/>
+            <a:tailEnd type="none" w="med" len="med"/>
+          </a:ln>
+        </p:spPr>
+        <p:style>
+          <a:lnRef idx="0">
+            <a:scrgbClr r="0" g="0" b="0"/>
+          </a:lnRef>
+          <a:fillRef idx="0">
+            <a:scrgbClr r="0" g="0" b="0"/>
+          </a:fillRef>
+          <a:effectRef idx="0">
+            <a:scrgbClr r="0" g="0" b="0"/>
+          </a:effectRef>
+          <a:fontRef idx="minor">
+            <a:schemeClr val="accent5"/>
+          </a:fontRef>
+        </p:style>
+        <p:txBody>
+          <a:bodyPr rtlCol="0" anchor="ctr"/>
+          <a:lstStyle/>
+          <a:p>
+            <a:pPr algn="ctr"/>
+            <a:r>
+              <a:rPr lang="zh-TW" altLang="en-US" dirty="0"/>
+              <a:t>查詢服務</a:t>
+            </a:r>
+            <a:endParaRPr lang="en-US" altLang="zh-TW" dirty="0"/>
+          </a:p>
+        </p:txBody>
+      </p:sp>
     </p:spTree>
     <p:extLst>
       <p:ext uri="{BB962C8B-B14F-4D97-AF65-F5344CB8AC3E}">
@@ -5425,10 +5289,10 @@
       </p:grpSpPr>
       <p:grpSp>
         <p:nvGrpSpPr>
-          <p:cNvPr id="3" name="群組 2">
+          <p:cNvPr id="37" name="群組 36">
             <a:extLst>
               <a:ext uri="{FF2B5EF4-FFF2-40B4-BE49-F238E27FC236}">
-                <a16:creationId xmlns:a16="http://schemas.microsoft.com/office/drawing/2014/main" id="{4EE960E0-3B38-43F1-B9A3-D0693BBCA3DC}"/>
+                <a16:creationId xmlns:a16="http://schemas.microsoft.com/office/drawing/2014/main" id="{5CE04823-6D61-4631-9398-BA5008AE473B}"/>
               </a:ext>
             </a:extLst>
           </p:cNvPr>
@@ -5443,2975 +5307,2522 @@
             <a:chExt cx="9396536" cy="6876405"/>
           </a:xfrm>
         </p:grpSpPr>
-        <p:grpSp>
-          <p:nvGrpSpPr>
-            <p:cNvPr id="82" name="群組 81">
+        <p:pic>
+          <p:nvPicPr>
+            <p:cNvPr id="58" name="圖片 57">
               <a:extLst>
                 <a:ext uri="{FF2B5EF4-FFF2-40B4-BE49-F238E27FC236}">
-                  <a16:creationId xmlns:a16="http://schemas.microsoft.com/office/drawing/2014/main" id="{23EE6157-F9A3-4BE6-96F6-27E0D2815C66}"/>
+                  <a16:creationId xmlns:a16="http://schemas.microsoft.com/office/drawing/2014/main" id="{ED207D4F-7CEF-44E1-BE93-84EAE8FF1784}"/>
                 </a:ext>
               </a:extLst>
             </p:cNvPr>
-            <p:cNvGrpSpPr/>
+            <p:cNvPicPr>
+              <a:picLocks noChangeAspect="1"/>
+            </p:cNvPicPr>
             <p:nvPr/>
-          </p:nvGrpSpPr>
-          <p:grpSpPr>
+          </p:nvPicPr>
+          <p:blipFill rotWithShape="1">
+            <a:blip r:embed="rId3">
+              <a:extLst>
+                <a:ext uri="{28A0092B-C50C-407E-A947-70E740481C1C}">
+                  <a14:useLocalDpi xmlns:a14="http://schemas.microsoft.com/office/drawing/2010/main" val="0"/>
+                </a:ext>
+              </a:extLst>
+            </a:blip>
+            <a:srcRect l="13737" b="31100"/>
+            <a:stretch/>
+          </p:blipFill>
+          <p:spPr>
             <a:xfrm>
               <a:off x="-72008" y="3829512"/>
-              <a:ext cx="9396536" cy="3271896"/>
-              <a:chOff x="0" y="3829512"/>
-              <a:chExt cx="9396536" cy="3271896"/>
+              <a:ext cx="3996307" cy="3271896"/>
             </a:xfrm>
-          </p:grpSpPr>
-          <p:pic>
-            <p:nvPicPr>
-              <p:cNvPr id="58" name="圖片 57">
-                <a:extLst>
-                  <a:ext uri="{FF2B5EF4-FFF2-40B4-BE49-F238E27FC236}">
-                    <a16:creationId xmlns:a16="http://schemas.microsoft.com/office/drawing/2014/main" id="{ED207D4F-7CEF-44E1-BE93-84EAE8FF1784}"/>
-                  </a:ext>
-                </a:extLst>
-              </p:cNvPr>
-              <p:cNvPicPr>
-                <a:picLocks noChangeAspect="1"/>
-              </p:cNvPicPr>
-              <p:nvPr/>
-            </p:nvPicPr>
-            <p:blipFill rotWithShape="1">
-              <a:blip r:embed="rId3">
-                <a:extLst>
-                  <a:ext uri="{28A0092B-C50C-407E-A947-70E740481C1C}">
-                    <a14:useLocalDpi xmlns:a14="http://schemas.microsoft.com/office/drawing/2010/main" val="0"/>
-                  </a:ext>
-                </a:extLst>
-              </a:blip>
-              <a:srcRect l="13737" b="31100"/>
-              <a:stretch/>
-            </p:blipFill>
-            <p:spPr>
-              <a:xfrm>
-                <a:off x="0" y="3829512"/>
-                <a:ext cx="3996307" cy="3271896"/>
-              </a:xfrm>
-              <a:prstGeom prst="rect">
-                <a:avLst/>
-              </a:prstGeom>
-              <a:ln>
-                <a:noFill/>
-              </a:ln>
-            </p:spPr>
-          </p:pic>
-          <p:sp>
-            <p:nvSpPr>
-              <p:cNvPr id="59" name="矩形 58">
-                <a:extLst>
-                  <a:ext uri="{FF2B5EF4-FFF2-40B4-BE49-F238E27FC236}">
-                    <a16:creationId xmlns:a16="http://schemas.microsoft.com/office/drawing/2014/main" id="{2C550036-66F8-4E93-B0EB-E951F8D4EA86}"/>
-                  </a:ext>
-                </a:extLst>
-              </p:cNvPr>
-              <p:cNvSpPr/>
-              <p:nvPr/>
-            </p:nvSpPr>
-            <p:spPr>
-              <a:xfrm>
-                <a:off x="3854916" y="6583144"/>
-                <a:ext cx="5541620" cy="361167"/>
-              </a:xfrm>
-              <a:prstGeom prst="rect">
-                <a:avLst/>
-              </a:prstGeom>
+            <a:prstGeom prst="rect">
+              <a:avLst/>
+            </a:prstGeom>
+            <a:ln>
+              <a:noFill/>
+            </a:ln>
+          </p:spPr>
+        </p:pic>
+        <p:sp>
+          <p:nvSpPr>
+            <p:cNvPr id="59" name="矩形 58">
+              <a:extLst>
+                <a:ext uri="{FF2B5EF4-FFF2-40B4-BE49-F238E27FC236}">
+                  <a16:creationId xmlns:a16="http://schemas.microsoft.com/office/drawing/2014/main" id="{2C550036-66F8-4E93-B0EB-E951F8D4EA86}"/>
+                </a:ext>
+              </a:extLst>
+            </p:cNvPr>
+            <p:cNvSpPr/>
+            <p:nvPr/>
+          </p:nvSpPr>
+          <p:spPr>
+            <a:xfrm>
+              <a:off x="3782908" y="6583144"/>
+              <a:ext cx="5541620" cy="361167"/>
+            </a:xfrm>
+            <a:prstGeom prst="rect">
+              <a:avLst/>
+            </a:prstGeom>
+            <a:solidFill>
+              <a:srgbClr val="7BC8FF"/>
+            </a:solidFill>
+            <a:ln w="31750">
               <a:solidFill>
                 <a:srgbClr val="7BC8FF"/>
               </a:solidFill>
-              <a:ln w="31750">
-                <a:solidFill>
-                  <a:srgbClr val="7BC8FF"/>
-                </a:solidFill>
-              </a:ln>
-            </p:spPr>
-            <p:style>
-              <a:lnRef idx="2">
-                <a:schemeClr val="accent1">
-                  <a:shade val="50000"/>
-                </a:schemeClr>
-              </a:lnRef>
-              <a:fillRef idx="1">
-                <a:schemeClr val="accent1"/>
-              </a:fillRef>
-              <a:effectRef idx="0">
-                <a:schemeClr val="accent1"/>
-              </a:effectRef>
-              <a:fontRef idx="minor">
-                <a:schemeClr val="lt1"/>
-              </a:fontRef>
-            </p:style>
-            <p:txBody>
-              <a:bodyPr rtlCol="0" anchor="ctr"/>
-              <a:lstStyle/>
-              <a:p>
-                <a:pPr algn="ctr"/>
-                <a:endParaRPr lang="zh-TW" altLang="en-US" dirty="0"/>
-              </a:p>
-            </p:txBody>
-          </p:sp>
-        </p:grpSp>
-        <p:grpSp>
-          <p:nvGrpSpPr>
-            <p:cNvPr id="2" name="群組 1">
+            </a:ln>
+          </p:spPr>
+          <p:style>
+            <a:lnRef idx="2">
+              <a:schemeClr val="accent1">
+                <a:shade val="50000"/>
+              </a:schemeClr>
+            </a:lnRef>
+            <a:fillRef idx="1">
+              <a:schemeClr val="accent1"/>
+            </a:fillRef>
+            <a:effectRef idx="0">
+              <a:schemeClr val="accent1"/>
+            </a:effectRef>
+            <a:fontRef idx="minor">
+              <a:schemeClr val="lt1"/>
+            </a:fontRef>
+          </p:style>
+          <p:txBody>
+            <a:bodyPr rtlCol="0" anchor="ctr"/>
+            <a:lstStyle/>
+            <a:p>
+              <a:pPr algn="ctr"/>
+              <a:endParaRPr lang="zh-TW" altLang="en-US" dirty="0"/>
+            </a:p>
+          </p:txBody>
+        </p:sp>
+        <p:pic>
+          <p:nvPicPr>
+            <p:cNvPr id="56" name="圖形 55" descr="收銀機">
               <a:extLst>
                 <a:ext uri="{FF2B5EF4-FFF2-40B4-BE49-F238E27FC236}">
-                  <a16:creationId xmlns:a16="http://schemas.microsoft.com/office/drawing/2014/main" id="{9DBBD1FB-5E62-4CAA-9564-4ABD5FF14012}"/>
+                  <a16:creationId xmlns:a16="http://schemas.microsoft.com/office/drawing/2014/main" id="{36BB7872-E790-40D6-B69F-522E7167E12C}"/>
                 </a:ext>
               </a:extLst>
             </p:cNvPr>
-            <p:cNvGrpSpPr/>
+            <p:cNvPicPr>
+              <a:picLocks noChangeAspect="1"/>
+            </p:cNvPicPr>
             <p:nvPr/>
-          </p:nvGrpSpPr>
-          <p:grpSpPr>
+          </p:nvPicPr>
+          <p:blipFill>
+            <a:blip r:embed="rId4">
+              <a:extLst>
+                <a:ext uri="{28A0092B-C50C-407E-A947-70E740481C1C}">
+                  <a14:useLocalDpi xmlns:a14="http://schemas.microsoft.com/office/drawing/2010/main" val="0"/>
+                </a:ext>
+                <a:ext uri="{96DAC541-7B7A-43D3-8B79-37D633B846F1}">
+                  <asvg:svgBlip xmlns:asvg="http://schemas.microsoft.com/office/drawing/2016/SVG/main" r:embed="rId5"/>
+                </a:ext>
+              </a:extLst>
+            </a:blip>
+            <a:stretch>
+              <a:fillRect/>
+            </a:stretch>
+          </p:blipFill>
+          <p:spPr>
             <a:xfrm>
-              <a:off x="53412" y="225003"/>
-              <a:ext cx="9127100" cy="6381641"/>
-              <a:chOff x="53412" y="225003"/>
-              <a:chExt cx="9127100" cy="6381641"/>
+              <a:off x="5629851" y="4606759"/>
+              <a:ext cx="958373" cy="958372"/>
             </a:xfrm>
-          </p:grpSpPr>
-          <p:grpSp>
-            <p:nvGrpSpPr>
-              <p:cNvPr id="43" name="群組 42">
-                <a:extLst>
-                  <a:ext uri="{FF2B5EF4-FFF2-40B4-BE49-F238E27FC236}">
-                    <a16:creationId xmlns:a16="http://schemas.microsoft.com/office/drawing/2014/main" id="{97A8A377-02A2-453A-B903-71F67C32F401}"/>
-                  </a:ext>
-                </a:extLst>
-              </p:cNvPr>
-              <p:cNvGrpSpPr/>
-              <p:nvPr/>
-            </p:nvGrpSpPr>
-            <p:grpSpPr>
-              <a:xfrm>
-                <a:off x="5629851" y="4606759"/>
-                <a:ext cx="958373" cy="1138089"/>
-                <a:chOff x="6270584" y="2432728"/>
-                <a:chExt cx="1603104" cy="1903722"/>
-              </a:xfrm>
-            </p:grpSpPr>
-            <p:pic>
-              <p:nvPicPr>
-                <p:cNvPr id="56" name="圖形 55" descr="收銀機">
-                  <a:extLst>
-                    <a:ext uri="{FF2B5EF4-FFF2-40B4-BE49-F238E27FC236}">
-                      <a16:creationId xmlns:a16="http://schemas.microsoft.com/office/drawing/2014/main" id="{36BB7872-E790-40D6-B69F-522E7167E12C}"/>
-                    </a:ext>
-                  </a:extLst>
-                </p:cNvPr>
-                <p:cNvPicPr>
-                  <a:picLocks noChangeAspect="1"/>
-                </p:cNvPicPr>
-                <p:nvPr/>
-              </p:nvPicPr>
-              <p:blipFill>
-                <a:blip r:embed="rId4">
-                  <a:extLst>
-                    <a:ext uri="{28A0092B-C50C-407E-A947-70E740481C1C}">
-                      <a14:useLocalDpi xmlns:a14="http://schemas.microsoft.com/office/drawing/2010/main" val="0"/>
-                    </a:ext>
-                    <a:ext uri="{96DAC541-7B7A-43D3-8B79-37D633B846F1}">
-                      <asvg:svgBlip xmlns:asvg="http://schemas.microsoft.com/office/drawing/2016/SVG/main" r:embed="rId5"/>
-                    </a:ext>
-                  </a:extLst>
-                </a:blip>
-                <a:stretch>
-                  <a:fillRect/>
-                </a:stretch>
-              </p:blipFill>
-              <p:spPr>
-                <a:xfrm>
-                  <a:off x="6270584" y="2432728"/>
-                  <a:ext cx="1603104" cy="1603103"/>
-                </a:xfrm>
-                <a:prstGeom prst="rect">
-                  <a:avLst/>
-                </a:prstGeom>
-              </p:spPr>
-            </p:pic>
-            <p:sp>
-              <p:nvSpPr>
-                <p:cNvPr id="57" name="文字方塊 56">
-                  <a:extLst>
-                    <a:ext uri="{FF2B5EF4-FFF2-40B4-BE49-F238E27FC236}">
-                      <a16:creationId xmlns:a16="http://schemas.microsoft.com/office/drawing/2014/main" id="{F89115FC-A6CA-450A-8166-D7B534CCA270}"/>
-                    </a:ext>
-                  </a:extLst>
-                </p:cNvPr>
-                <p:cNvSpPr txBox="1"/>
-                <p:nvPr/>
-              </p:nvSpPr>
-              <p:spPr>
-                <a:xfrm>
-                  <a:off x="6384440" y="3821621"/>
-                  <a:ext cx="1320066" cy="514829"/>
-                </a:xfrm>
-                <a:prstGeom prst="rect">
-                  <a:avLst/>
-                </a:prstGeom>
-                <a:noFill/>
-              </p:spPr>
-              <p:txBody>
-                <a:bodyPr wrap="square" rtlCol="0">
-                  <a:spAutoFit/>
-                </a:bodyPr>
-                <a:lstStyle/>
-                <a:p>
-                  <a:pPr algn="ctr"/>
-                  <a:r>
-                    <a:rPr lang="zh-TW" altLang="en-US" sz="1400" dirty="0">
-                      <a:solidFill>
-                        <a:schemeClr val="tx2"/>
-                      </a:solidFill>
-                      <a:latin typeface="微軟正黑體" panose="020B0604030504040204" pitchFamily="34" charset="-120"/>
-                      <a:ea typeface="微軟正黑體" panose="020B0604030504040204" pitchFamily="34" charset="-120"/>
-                    </a:rPr>
-                    <a:t>結帳台</a:t>
-                  </a:r>
-                </a:p>
-              </p:txBody>
-            </p:sp>
-          </p:grpSp>
-          <p:grpSp>
-            <p:nvGrpSpPr>
-              <p:cNvPr id="44" name="群組 43">
-                <a:extLst>
-                  <a:ext uri="{FF2B5EF4-FFF2-40B4-BE49-F238E27FC236}">
-                    <a16:creationId xmlns:a16="http://schemas.microsoft.com/office/drawing/2014/main" id="{722033EF-C7C6-4023-85E1-DD0D51DFC646}"/>
-                  </a:ext>
-                </a:extLst>
-              </p:cNvPr>
-              <p:cNvGrpSpPr/>
-              <p:nvPr/>
-            </p:nvGrpSpPr>
-            <p:grpSpPr>
-              <a:xfrm>
-                <a:off x="3021883" y="4799963"/>
-                <a:ext cx="789166" cy="944885"/>
-                <a:chOff x="5102478" y="3912523"/>
-                <a:chExt cx="1320065" cy="1580542"/>
-              </a:xfrm>
-            </p:grpSpPr>
-            <p:pic>
-              <p:nvPicPr>
-                <p:cNvPr id="54" name="圖形 53" descr="購物籃">
-                  <a:extLst>
-                    <a:ext uri="{FF2B5EF4-FFF2-40B4-BE49-F238E27FC236}">
-                      <a16:creationId xmlns:a16="http://schemas.microsoft.com/office/drawing/2014/main" id="{CA8E1E2E-35D8-47BB-BEE1-2DF1F8E40BB8}"/>
-                    </a:ext>
-                  </a:extLst>
-                </p:cNvPr>
-                <p:cNvPicPr>
-                  <a:picLocks noChangeAspect="1"/>
-                </p:cNvPicPr>
-                <p:nvPr/>
-              </p:nvPicPr>
-              <p:blipFill>
-                <a:blip r:embed="rId6">
-                  <a:extLst>
-                    <a:ext uri="{28A0092B-C50C-407E-A947-70E740481C1C}">
-                      <a14:useLocalDpi xmlns:a14="http://schemas.microsoft.com/office/drawing/2010/main" val="0"/>
-                    </a:ext>
-                    <a:ext uri="{96DAC541-7B7A-43D3-8B79-37D633B846F1}">
-                      <asvg:svgBlip xmlns:asvg="http://schemas.microsoft.com/office/drawing/2016/SVG/main" r:embed="rId7"/>
-                    </a:ext>
-                  </a:extLst>
-                </a:blip>
-                <a:stretch>
-                  <a:fillRect/>
-                </a:stretch>
-              </p:blipFill>
-              <p:spPr>
-                <a:xfrm>
-                  <a:off x="5109428" y="3912523"/>
-                  <a:ext cx="1215876" cy="1215876"/>
-                </a:xfrm>
-                <a:prstGeom prst="rect">
-                  <a:avLst/>
-                </a:prstGeom>
-              </p:spPr>
-            </p:pic>
-            <p:sp>
-              <p:nvSpPr>
-                <p:cNvPr id="55" name="文字方塊 54">
-                  <a:extLst>
-                    <a:ext uri="{FF2B5EF4-FFF2-40B4-BE49-F238E27FC236}">
-                      <a16:creationId xmlns:a16="http://schemas.microsoft.com/office/drawing/2014/main" id="{E81B0079-5E4A-4795-9A82-DB6439E843F2}"/>
-                    </a:ext>
-                  </a:extLst>
-                </p:cNvPr>
-                <p:cNvSpPr txBox="1"/>
-                <p:nvPr/>
-              </p:nvSpPr>
-              <p:spPr>
-                <a:xfrm>
-                  <a:off x="5102478" y="4978235"/>
-                  <a:ext cx="1320065" cy="514830"/>
-                </a:xfrm>
-                <a:prstGeom prst="rect">
-                  <a:avLst/>
-                </a:prstGeom>
-                <a:noFill/>
-              </p:spPr>
-              <p:txBody>
-                <a:bodyPr wrap="square" rtlCol="0">
-                  <a:spAutoFit/>
-                </a:bodyPr>
-                <a:lstStyle/>
-                <a:p>
-                  <a:pPr algn="ctr"/>
-                  <a:r>
-                    <a:rPr lang="zh-TW" altLang="en-US" sz="1400" dirty="0">
-                      <a:solidFill>
-                        <a:schemeClr val="accent1"/>
-                      </a:solidFill>
-                      <a:latin typeface="微軟正黑體" panose="020B0604030504040204" pitchFamily="34" charset="-120"/>
-                      <a:ea typeface="微軟正黑體" panose="020B0604030504040204" pitchFamily="34" charset="-120"/>
-                    </a:rPr>
-                    <a:t>商品</a:t>
-                  </a:r>
-                </a:p>
-              </p:txBody>
-            </p:sp>
-          </p:grpSp>
-          <p:grpSp>
-            <p:nvGrpSpPr>
-              <p:cNvPr id="45" name="群組 44">
-                <a:extLst>
-                  <a:ext uri="{FF2B5EF4-FFF2-40B4-BE49-F238E27FC236}">
-                    <a16:creationId xmlns:a16="http://schemas.microsoft.com/office/drawing/2014/main" id="{FFCE5B97-C71A-44B6-9B4C-9BD184FCE60C}"/>
-                  </a:ext>
-                </a:extLst>
-              </p:cNvPr>
-              <p:cNvGrpSpPr/>
-              <p:nvPr/>
-            </p:nvGrpSpPr>
-            <p:grpSpPr>
-              <a:xfrm>
-                <a:off x="6929013" y="4789012"/>
-                <a:ext cx="1099371" cy="987116"/>
-                <a:chOff x="7888586" y="1283147"/>
-                <a:chExt cx="1838957" cy="1651183"/>
-              </a:xfrm>
-            </p:grpSpPr>
-            <p:pic>
-              <p:nvPicPr>
-                <p:cNvPr id="52" name="圖片 51">
-                  <a:extLst>
-                    <a:ext uri="{FF2B5EF4-FFF2-40B4-BE49-F238E27FC236}">
-                      <a16:creationId xmlns:a16="http://schemas.microsoft.com/office/drawing/2014/main" id="{5E7D5D6D-1AF1-4D49-ACE3-F903BB92BC8D}"/>
-                    </a:ext>
-                  </a:extLst>
-                </p:cNvPr>
-                <p:cNvPicPr>
-                  <a:picLocks noChangeAspect="1"/>
-                </p:cNvPicPr>
-                <p:nvPr/>
-              </p:nvPicPr>
-              <p:blipFill>
-                <a:blip r:embed="rId8" cstate="print">
-                  <a:duotone>
-                    <a:schemeClr val="accent5">
-                      <a:shade val="45000"/>
-                      <a:satMod val="135000"/>
-                    </a:schemeClr>
-                    <a:prstClr val="white"/>
-                  </a:duotone>
-                  <a:extLst>
-                    <a:ext uri="{28A0092B-C50C-407E-A947-70E740481C1C}">
-                      <a14:useLocalDpi xmlns:a14="http://schemas.microsoft.com/office/drawing/2010/main" val="0"/>
-                    </a:ext>
-                  </a:extLst>
-                </a:blip>
-                <a:stretch>
-                  <a:fillRect/>
-                </a:stretch>
-              </p:blipFill>
-              <p:spPr>
-                <a:xfrm>
-                  <a:off x="8171897" y="1283147"/>
-                  <a:ext cx="1036486" cy="1036486"/>
-                </a:xfrm>
-                <a:prstGeom prst="rect">
-                  <a:avLst/>
-                </a:prstGeom>
-                <a:ln>
-                  <a:noFill/>
-                </a:ln>
-              </p:spPr>
-            </p:pic>
-            <p:sp>
-              <p:nvSpPr>
-                <p:cNvPr id="53" name="文字方塊 52">
-                  <a:extLst>
-                    <a:ext uri="{FF2B5EF4-FFF2-40B4-BE49-F238E27FC236}">
-                      <a16:creationId xmlns:a16="http://schemas.microsoft.com/office/drawing/2014/main" id="{258993DB-D2EA-4A3D-8585-7CFFCED2C98A}"/>
-                    </a:ext>
-                  </a:extLst>
-                </p:cNvPr>
-                <p:cNvSpPr txBox="1"/>
-                <p:nvPr/>
-              </p:nvSpPr>
-              <p:spPr>
-                <a:xfrm>
-                  <a:off x="7888586" y="2419500"/>
-                  <a:ext cx="1838957" cy="514830"/>
-                </a:xfrm>
-                <a:prstGeom prst="rect">
-                  <a:avLst/>
-                </a:prstGeom>
-                <a:noFill/>
-              </p:spPr>
-              <p:txBody>
-                <a:bodyPr wrap="square" rtlCol="0">
-                  <a:spAutoFit/>
-                </a:bodyPr>
-                <a:lstStyle/>
-                <a:p>
-                  <a:pPr algn="ctr"/>
-                  <a:r>
-                    <a:rPr lang="zh-TW" altLang="en-US" sz="1400" dirty="0">
-                      <a:solidFill>
-                        <a:schemeClr val="accent1"/>
-                      </a:solidFill>
-                      <a:latin typeface="微軟正黑體" panose="020B0604030504040204" pitchFamily="34" charset="-120"/>
-                      <a:ea typeface="微軟正黑體" panose="020B0604030504040204" pitchFamily="34" charset="-120"/>
-                    </a:rPr>
-                    <a:t>雲端伺服器</a:t>
-                  </a:r>
-                </a:p>
-              </p:txBody>
-            </p:sp>
-          </p:grpSp>
-          <p:grpSp>
-            <p:nvGrpSpPr>
-              <p:cNvPr id="46" name="群組 45">
-                <a:extLst>
-                  <a:ext uri="{FF2B5EF4-FFF2-40B4-BE49-F238E27FC236}">
-                    <a16:creationId xmlns:a16="http://schemas.microsoft.com/office/drawing/2014/main" id="{74859B02-71A6-4048-8D39-5C732BC19B68}"/>
-                  </a:ext>
-                </a:extLst>
-              </p:cNvPr>
-              <p:cNvGrpSpPr/>
-              <p:nvPr/>
-            </p:nvGrpSpPr>
-            <p:grpSpPr>
-              <a:xfrm>
-                <a:off x="8100392" y="4783953"/>
-                <a:ext cx="757509" cy="956888"/>
-                <a:chOff x="5291337" y="1735352"/>
-                <a:chExt cx="1267112" cy="1600621"/>
-              </a:xfrm>
-            </p:grpSpPr>
-            <p:pic>
-              <p:nvPicPr>
-                <p:cNvPr id="50" name="圖片 49">
-                  <a:extLst>
-                    <a:ext uri="{FF2B5EF4-FFF2-40B4-BE49-F238E27FC236}">
-                      <a16:creationId xmlns:a16="http://schemas.microsoft.com/office/drawing/2014/main" id="{7D8F219D-A76F-4144-B1FF-2C73BBE03FC7}"/>
-                    </a:ext>
-                  </a:extLst>
-                </p:cNvPr>
-                <p:cNvPicPr>
-                  <a:picLocks noChangeAspect="1"/>
-                </p:cNvPicPr>
-                <p:nvPr/>
-              </p:nvPicPr>
-              <p:blipFill>
-                <a:blip r:embed="rId9" cstate="print">
-                  <a:clrChange>
-                    <a:clrFrom>
-                      <a:srgbClr val="000000">
-                        <a:alpha val="0"/>
-                      </a:srgbClr>
-                    </a:clrFrom>
-                    <a:clrTo>
-                      <a:srgbClr val="000000">
-                        <a:alpha val="0"/>
-                      </a:srgbClr>
-                    </a:clrTo>
-                  </a:clrChange>
-                  <a:duotone>
-                    <a:schemeClr val="accent1">
-                      <a:shade val="45000"/>
-                      <a:satMod val="135000"/>
-                    </a:schemeClr>
-                    <a:prstClr val="white"/>
-                  </a:duotone>
-                  <a:extLst>
-                    <a:ext uri="{BEBA8EAE-BF5A-486C-A8C5-ECC9F3942E4B}">
-                      <a14:imgProps xmlns:a14="http://schemas.microsoft.com/office/drawing/2010/main">
-                        <a14:imgLayer r:embed="rId10">
-                          <a14:imgEffect>
-                            <a14:colorTemperature colorTemp="11200"/>
-                          </a14:imgEffect>
-                        </a14:imgLayer>
-                      </a14:imgProps>
-                    </a:ext>
-                    <a:ext uri="{28A0092B-C50C-407E-A947-70E740481C1C}">
-                      <a14:useLocalDpi xmlns:a14="http://schemas.microsoft.com/office/drawing/2010/main" val="0"/>
-                    </a:ext>
-                  </a:extLst>
-                </a:blip>
-                <a:stretch>
-                  <a:fillRect/>
-                </a:stretch>
-              </p:blipFill>
-              <p:spPr>
-                <a:xfrm>
-                  <a:off x="5380879" y="1735352"/>
-                  <a:ext cx="1036487" cy="1036487"/>
-                </a:xfrm>
-                <a:prstGeom prst="rect">
-                  <a:avLst/>
-                </a:prstGeom>
-                <a:noFill/>
-              </p:spPr>
-            </p:pic>
-            <p:sp>
-              <p:nvSpPr>
-                <p:cNvPr id="51" name="文字方塊 50">
-                  <a:extLst>
-                    <a:ext uri="{FF2B5EF4-FFF2-40B4-BE49-F238E27FC236}">
-                      <a16:creationId xmlns:a16="http://schemas.microsoft.com/office/drawing/2014/main" id="{7F8928D7-1010-4CA7-A4C5-2A9A3429C896}"/>
-                    </a:ext>
-                  </a:extLst>
-                </p:cNvPr>
-                <p:cNvSpPr txBox="1"/>
-                <p:nvPr/>
-              </p:nvSpPr>
-              <p:spPr>
-                <a:xfrm>
-                  <a:off x="5291337" y="2821143"/>
-                  <a:ext cx="1267112" cy="514830"/>
-                </a:xfrm>
-                <a:prstGeom prst="rect">
-                  <a:avLst/>
-                </a:prstGeom>
-                <a:noFill/>
-              </p:spPr>
-              <p:txBody>
-                <a:bodyPr wrap="square" rtlCol="0">
-                  <a:spAutoFit/>
-                </a:bodyPr>
-                <a:lstStyle>
-                  <a:defPPr>
-                    <a:defRPr lang="zh-TW"/>
-                  </a:defPPr>
-                  <a:lvl1pPr algn="ctr">
-                    <a:defRPr sz="2000">
-                      <a:solidFill>
-                        <a:schemeClr val="accent1"/>
-                      </a:solidFill>
-                      <a:latin typeface="微軟正黑體" panose="020B0604030504040204" pitchFamily="34" charset="-120"/>
-                      <a:ea typeface="微軟正黑體" panose="020B0604030504040204" pitchFamily="34" charset="-120"/>
-                    </a:defRPr>
-                  </a:lvl1pPr>
-                </a:lstStyle>
-                <a:p>
-                  <a:r>
-                    <a:rPr lang="zh-TW" altLang="en-US" sz="1400" dirty="0"/>
-                    <a:t>手機</a:t>
-                  </a:r>
-                </a:p>
-              </p:txBody>
-            </p:sp>
-          </p:grpSp>
-          <p:grpSp>
-            <p:nvGrpSpPr>
-              <p:cNvPr id="47" name="群組 46">
-                <a:extLst>
-                  <a:ext uri="{FF2B5EF4-FFF2-40B4-BE49-F238E27FC236}">
-                    <a16:creationId xmlns:a16="http://schemas.microsoft.com/office/drawing/2014/main" id="{52001D2A-5824-4D29-9348-5E6C017CE202}"/>
-                  </a:ext>
-                </a:extLst>
-              </p:cNvPr>
-              <p:cNvGrpSpPr/>
-              <p:nvPr/>
-            </p:nvGrpSpPr>
-            <p:grpSpPr>
-              <a:xfrm>
-                <a:off x="4358898" y="4828954"/>
-                <a:ext cx="789166" cy="947174"/>
-                <a:chOff x="7491079" y="3963705"/>
-                <a:chExt cx="1320065" cy="1584372"/>
-              </a:xfrm>
-            </p:grpSpPr>
-            <p:pic>
-              <p:nvPicPr>
-                <p:cNvPr id="48" name="圖片 47">
-                  <a:extLst>
-                    <a:ext uri="{FF2B5EF4-FFF2-40B4-BE49-F238E27FC236}">
-                      <a16:creationId xmlns:a16="http://schemas.microsoft.com/office/drawing/2014/main" id="{F1C733F4-6F58-4B15-A849-1F0F4DCFCF59}"/>
-                    </a:ext>
-                  </a:extLst>
-                </p:cNvPr>
-                <p:cNvPicPr>
-                  <a:picLocks noChangeAspect="1"/>
-                </p:cNvPicPr>
-                <p:nvPr/>
-              </p:nvPicPr>
-              <p:blipFill>
-                <a:blip r:embed="rId11" cstate="print">
-                  <a:duotone>
-                    <a:schemeClr val="accent1">
-                      <a:shade val="45000"/>
-                      <a:satMod val="135000"/>
-                    </a:schemeClr>
-                    <a:prstClr val="white"/>
-                  </a:duotone>
-                  <a:extLst>
-                    <a:ext uri="{28A0092B-C50C-407E-A947-70E740481C1C}">
-                      <a14:useLocalDpi xmlns:a14="http://schemas.microsoft.com/office/drawing/2010/main" val="0"/>
-                    </a:ext>
-                  </a:extLst>
-                </a:blip>
-                <a:stretch>
-                  <a:fillRect/>
-                </a:stretch>
-              </p:blipFill>
-              <p:spPr>
-                <a:xfrm>
-                  <a:off x="7613186" y="3963705"/>
-                  <a:ext cx="1075852" cy="1075852"/>
-                </a:xfrm>
-                <a:prstGeom prst="rect">
-                  <a:avLst/>
-                </a:prstGeom>
-                <a:noFill/>
-              </p:spPr>
-            </p:pic>
-            <p:sp>
-              <p:nvSpPr>
-                <p:cNvPr id="49" name="文字方塊 48">
-                  <a:extLst>
-                    <a:ext uri="{FF2B5EF4-FFF2-40B4-BE49-F238E27FC236}">
-                      <a16:creationId xmlns:a16="http://schemas.microsoft.com/office/drawing/2014/main" id="{A9AE4862-CD0D-4786-A077-2F65DF540333}"/>
-                    </a:ext>
-                  </a:extLst>
-                </p:cNvPr>
-                <p:cNvSpPr txBox="1"/>
-                <p:nvPr/>
-              </p:nvSpPr>
-              <p:spPr>
-                <a:xfrm>
-                  <a:off x="7491079" y="5033248"/>
-                  <a:ext cx="1320065" cy="514829"/>
-                </a:xfrm>
-                <a:prstGeom prst="rect">
-                  <a:avLst/>
-                </a:prstGeom>
-                <a:noFill/>
-              </p:spPr>
-              <p:txBody>
-                <a:bodyPr wrap="square" rtlCol="0">
-                  <a:spAutoFit/>
-                </a:bodyPr>
-                <a:lstStyle/>
-                <a:p>
-                  <a:pPr algn="ctr"/>
-                  <a:r>
-                    <a:rPr lang="zh-TW" altLang="en-US" sz="1400" dirty="0">
-                      <a:solidFill>
-                        <a:schemeClr val="accent1"/>
-                      </a:solidFill>
-                      <a:latin typeface="微軟正黑體" panose="020B0604030504040204" pitchFamily="34" charset="-120"/>
-                      <a:ea typeface="微軟正黑體" panose="020B0604030504040204" pitchFamily="34" charset="-120"/>
-                    </a:rPr>
-                    <a:t>讀取器</a:t>
-                  </a:r>
-                </a:p>
-              </p:txBody>
-            </p:sp>
-          </p:grpSp>
-          <p:sp>
-            <p:nvSpPr>
-              <p:cNvPr id="64" name="雲朵形 63">
-                <a:extLst>
-                  <a:ext uri="{FF2B5EF4-FFF2-40B4-BE49-F238E27FC236}">
-                    <a16:creationId xmlns:a16="http://schemas.microsoft.com/office/drawing/2014/main" id="{94D8325C-31B6-4F7D-BE15-D18B55BCFD10}"/>
-                  </a:ext>
-                </a:extLst>
-              </p:cNvPr>
-              <p:cNvSpPr/>
-              <p:nvPr/>
-            </p:nvSpPr>
-            <p:spPr>
-              <a:xfrm>
-                <a:off x="995447" y="3168336"/>
-                <a:ext cx="7724484" cy="993928"/>
-              </a:xfrm>
-              <a:prstGeom prst="cloud">
+            <a:prstGeom prst="rect">
+              <a:avLst/>
+            </a:prstGeom>
+          </p:spPr>
+        </p:pic>
+        <p:sp>
+          <p:nvSpPr>
+            <p:cNvPr id="57" name="文字方塊 56">
+              <a:extLst>
+                <a:ext uri="{FF2B5EF4-FFF2-40B4-BE49-F238E27FC236}">
+                  <a16:creationId xmlns:a16="http://schemas.microsoft.com/office/drawing/2014/main" id="{F89115FC-A6CA-450A-8166-D7B534CCA270}"/>
+                </a:ext>
+              </a:extLst>
+            </p:cNvPr>
+            <p:cNvSpPr txBox="1"/>
+            <p:nvPr/>
+          </p:nvSpPr>
+          <p:spPr>
+            <a:xfrm>
+              <a:off x="5697917" y="5437071"/>
+              <a:ext cx="789166" cy="307777"/>
+            </a:xfrm>
+            <a:prstGeom prst="rect">
+              <a:avLst/>
+            </a:prstGeom>
+            <a:noFill/>
+          </p:spPr>
+          <p:txBody>
+            <a:bodyPr wrap="square" rtlCol="0">
+              <a:spAutoFit/>
+            </a:bodyPr>
+            <a:lstStyle/>
+            <a:p>
+              <a:pPr algn="ctr"/>
+              <a:r>
+                <a:rPr lang="zh-TW" altLang="en-US" sz="1400" dirty="0">
+                  <a:solidFill>
+                    <a:schemeClr val="tx2"/>
+                  </a:solidFill>
+                  <a:latin typeface="微軟正黑體" panose="020B0604030504040204" pitchFamily="34" charset="-120"/>
+                  <a:ea typeface="微軟正黑體" panose="020B0604030504040204" pitchFamily="34" charset="-120"/>
+                </a:rPr>
+                <a:t>結帳台</a:t>
+              </a:r>
+            </a:p>
+          </p:txBody>
+        </p:sp>
+        <p:pic>
+          <p:nvPicPr>
+            <p:cNvPr id="54" name="圖形 53" descr="購物籃">
+              <a:extLst>
+                <a:ext uri="{FF2B5EF4-FFF2-40B4-BE49-F238E27FC236}">
+                  <a16:creationId xmlns:a16="http://schemas.microsoft.com/office/drawing/2014/main" id="{CA8E1E2E-35D8-47BB-BEE1-2DF1F8E40BB8}"/>
+                </a:ext>
+              </a:extLst>
+            </p:cNvPr>
+            <p:cNvPicPr>
+              <a:picLocks noChangeAspect="1"/>
+            </p:cNvPicPr>
+            <p:nvPr/>
+          </p:nvPicPr>
+          <p:blipFill>
+            <a:blip r:embed="rId6">
+              <a:extLst>
+                <a:ext uri="{28A0092B-C50C-407E-A947-70E740481C1C}">
+                  <a14:useLocalDpi xmlns:a14="http://schemas.microsoft.com/office/drawing/2010/main" val="0"/>
+                </a:ext>
+                <a:ext uri="{96DAC541-7B7A-43D3-8B79-37D633B846F1}">
+                  <asvg:svgBlip xmlns:asvg="http://schemas.microsoft.com/office/drawing/2016/SVG/main" r:embed="rId7"/>
+                </a:ext>
+              </a:extLst>
+            </a:blip>
+            <a:stretch>
+              <a:fillRect/>
+            </a:stretch>
+          </p:blipFill>
+          <p:spPr>
+            <a:xfrm>
+              <a:off x="3026038" y="4799963"/>
+              <a:ext cx="726879" cy="726879"/>
+            </a:xfrm>
+            <a:prstGeom prst="rect">
+              <a:avLst/>
+            </a:prstGeom>
+          </p:spPr>
+        </p:pic>
+        <p:sp>
+          <p:nvSpPr>
+            <p:cNvPr id="55" name="文字方塊 54">
+              <a:extLst>
+                <a:ext uri="{FF2B5EF4-FFF2-40B4-BE49-F238E27FC236}">
+                  <a16:creationId xmlns:a16="http://schemas.microsoft.com/office/drawing/2014/main" id="{E81B0079-5E4A-4795-9A82-DB6439E843F2}"/>
+                </a:ext>
+              </a:extLst>
+            </p:cNvPr>
+            <p:cNvSpPr txBox="1"/>
+            <p:nvPr/>
+          </p:nvSpPr>
+          <p:spPr>
+            <a:xfrm>
+              <a:off x="3021883" y="5437071"/>
+              <a:ext cx="789166" cy="307777"/>
+            </a:xfrm>
+            <a:prstGeom prst="rect">
+              <a:avLst/>
+            </a:prstGeom>
+            <a:noFill/>
+          </p:spPr>
+          <p:txBody>
+            <a:bodyPr wrap="square" rtlCol="0">
+              <a:spAutoFit/>
+            </a:bodyPr>
+            <a:lstStyle/>
+            <a:p>
+              <a:pPr algn="ctr"/>
+              <a:r>
+                <a:rPr lang="zh-TW" altLang="en-US" sz="1400" dirty="0">
+                  <a:solidFill>
+                    <a:schemeClr val="accent1"/>
+                  </a:solidFill>
+                  <a:latin typeface="微軟正黑體" panose="020B0604030504040204" pitchFamily="34" charset="-120"/>
+                  <a:ea typeface="微軟正黑體" panose="020B0604030504040204" pitchFamily="34" charset="-120"/>
+                </a:rPr>
+                <a:t>商品</a:t>
+              </a:r>
+            </a:p>
+          </p:txBody>
+        </p:sp>
+        <p:pic>
+          <p:nvPicPr>
+            <p:cNvPr id="52" name="圖片 51">
+              <a:extLst>
+                <a:ext uri="{FF2B5EF4-FFF2-40B4-BE49-F238E27FC236}">
+                  <a16:creationId xmlns:a16="http://schemas.microsoft.com/office/drawing/2014/main" id="{5E7D5D6D-1AF1-4D49-ACE3-F903BB92BC8D}"/>
+                </a:ext>
+              </a:extLst>
+            </p:cNvPr>
+            <p:cNvPicPr>
+              <a:picLocks noChangeAspect="1"/>
+            </p:cNvPicPr>
+            <p:nvPr/>
+          </p:nvPicPr>
+          <p:blipFill>
+            <a:blip r:embed="rId8" cstate="print">
+              <a:duotone>
+                <a:schemeClr val="accent5">
+                  <a:shade val="45000"/>
+                  <a:satMod val="135000"/>
+                </a:schemeClr>
+                <a:prstClr val="white"/>
+              </a:duotone>
+              <a:extLst>
+                <a:ext uri="{28A0092B-C50C-407E-A947-70E740481C1C}">
+                  <a14:useLocalDpi xmlns:a14="http://schemas.microsoft.com/office/drawing/2010/main" val="0"/>
+                </a:ext>
+              </a:extLst>
+            </a:blip>
+            <a:stretch>
+              <a:fillRect/>
+            </a:stretch>
+          </p:blipFill>
+          <p:spPr>
+            <a:xfrm>
+              <a:off x="7098383" y="4789012"/>
+              <a:ext cx="619635" cy="619636"/>
+            </a:xfrm>
+            <a:prstGeom prst="rect">
+              <a:avLst/>
+            </a:prstGeom>
+            <a:ln>
+              <a:noFill/>
+            </a:ln>
+          </p:spPr>
+        </p:pic>
+        <p:sp>
+          <p:nvSpPr>
+            <p:cNvPr id="53" name="文字方塊 52">
+              <a:extLst>
+                <a:ext uri="{FF2B5EF4-FFF2-40B4-BE49-F238E27FC236}">
+                  <a16:creationId xmlns:a16="http://schemas.microsoft.com/office/drawing/2014/main" id="{258993DB-D2EA-4A3D-8585-7CFFCED2C98A}"/>
+                </a:ext>
+              </a:extLst>
+            </p:cNvPr>
+            <p:cNvSpPr txBox="1"/>
+            <p:nvPr/>
+          </p:nvSpPr>
+          <p:spPr>
+            <a:xfrm>
+              <a:off x="6929013" y="5468351"/>
+              <a:ext cx="1099371" cy="307777"/>
+            </a:xfrm>
+            <a:prstGeom prst="rect">
+              <a:avLst/>
+            </a:prstGeom>
+            <a:noFill/>
+          </p:spPr>
+          <p:txBody>
+            <a:bodyPr wrap="square" rtlCol="0">
+              <a:spAutoFit/>
+            </a:bodyPr>
+            <a:lstStyle/>
+            <a:p>
+              <a:pPr algn="ctr"/>
+              <a:r>
+                <a:rPr lang="zh-TW" altLang="en-US" sz="1400" dirty="0">
+                  <a:solidFill>
+                    <a:schemeClr val="accent1"/>
+                  </a:solidFill>
+                  <a:latin typeface="微軟正黑體" panose="020B0604030504040204" pitchFamily="34" charset="-120"/>
+                  <a:ea typeface="微軟正黑體" panose="020B0604030504040204" pitchFamily="34" charset="-120"/>
+                </a:rPr>
+                <a:t>雲端伺服器</a:t>
+              </a:r>
+            </a:p>
+          </p:txBody>
+        </p:sp>
+        <p:pic>
+          <p:nvPicPr>
+            <p:cNvPr id="50" name="圖片 49">
+              <a:extLst>
+                <a:ext uri="{FF2B5EF4-FFF2-40B4-BE49-F238E27FC236}">
+                  <a16:creationId xmlns:a16="http://schemas.microsoft.com/office/drawing/2014/main" id="{7D8F219D-A76F-4144-B1FF-2C73BBE03FC7}"/>
+                </a:ext>
+              </a:extLst>
+            </p:cNvPr>
+            <p:cNvPicPr>
+              <a:picLocks noChangeAspect="1"/>
+            </p:cNvPicPr>
+            <p:nvPr/>
+          </p:nvPicPr>
+          <p:blipFill>
+            <a:blip r:embed="rId9" cstate="print">
+              <a:clrChange>
+                <a:clrFrom>
+                  <a:srgbClr val="000000">
+                    <a:alpha val="0"/>
+                  </a:srgbClr>
+                </a:clrFrom>
+                <a:clrTo>
+                  <a:srgbClr val="000000">
+                    <a:alpha val="0"/>
+                  </a:srgbClr>
+                </a:clrTo>
+              </a:clrChange>
+              <a:duotone>
+                <a:schemeClr val="accent1">
+                  <a:shade val="45000"/>
+                  <a:satMod val="135000"/>
+                </a:schemeClr>
+                <a:prstClr val="white"/>
+              </a:duotone>
+              <a:extLst>
+                <a:ext uri="{BEBA8EAE-BF5A-486C-A8C5-ECC9F3942E4B}">
+                  <a14:imgProps xmlns:a14="http://schemas.microsoft.com/office/drawing/2010/main">
+                    <a14:imgLayer r:embed="rId10">
+                      <a14:imgEffect>
+                        <a14:colorTemperature colorTemp="11200"/>
+                      </a14:imgEffect>
+                    </a14:imgLayer>
+                  </a14:imgProps>
+                </a:ext>
+                <a:ext uri="{28A0092B-C50C-407E-A947-70E740481C1C}">
+                  <a14:useLocalDpi xmlns:a14="http://schemas.microsoft.com/office/drawing/2010/main" val="0"/>
+                </a:ext>
+              </a:extLst>
+            </a:blip>
+            <a:stretch>
+              <a:fillRect/>
+            </a:stretch>
+          </p:blipFill>
+          <p:spPr>
+            <a:xfrm>
+              <a:off x="8153922" y="4783953"/>
+              <a:ext cx="619636" cy="619636"/>
+            </a:xfrm>
+            <a:prstGeom prst="rect">
+              <a:avLst/>
+            </a:prstGeom>
+            <a:noFill/>
+          </p:spPr>
+        </p:pic>
+        <p:sp>
+          <p:nvSpPr>
+            <p:cNvPr id="51" name="文字方塊 50">
+              <a:extLst>
+                <a:ext uri="{FF2B5EF4-FFF2-40B4-BE49-F238E27FC236}">
+                  <a16:creationId xmlns:a16="http://schemas.microsoft.com/office/drawing/2014/main" id="{7F8928D7-1010-4CA7-A4C5-2A9A3429C896}"/>
+                </a:ext>
+              </a:extLst>
+            </p:cNvPr>
+            <p:cNvSpPr txBox="1"/>
+            <p:nvPr/>
+          </p:nvSpPr>
+          <p:spPr>
+            <a:xfrm>
+              <a:off x="8100392" y="5433064"/>
+              <a:ext cx="757509" cy="307777"/>
+            </a:xfrm>
+            <a:prstGeom prst="rect">
+              <a:avLst/>
+            </a:prstGeom>
+            <a:noFill/>
+          </p:spPr>
+          <p:txBody>
+            <a:bodyPr wrap="square" rtlCol="0">
+              <a:spAutoFit/>
+            </a:bodyPr>
+            <a:lstStyle>
+              <a:defPPr>
+                <a:defRPr lang="zh-TW"/>
+              </a:defPPr>
+              <a:lvl1pPr algn="ctr">
+                <a:defRPr sz="2000">
+                  <a:solidFill>
+                    <a:schemeClr val="accent1"/>
+                  </a:solidFill>
+                  <a:latin typeface="微軟正黑體" panose="020B0604030504040204" pitchFamily="34" charset="-120"/>
+                  <a:ea typeface="微軟正黑體" panose="020B0604030504040204" pitchFamily="34" charset="-120"/>
+                </a:defRPr>
+              </a:lvl1pPr>
+            </a:lstStyle>
+            <a:p>
+              <a:r>
+                <a:rPr lang="zh-TW" altLang="en-US" sz="1400" dirty="0"/>
+                <a:t>手機</a:t>
+              </a:r>
+            </a:p>
+          </p:txBody>
+        </p:sp>
+        <p:pic>
+          <p:nvPicPr>
+            <p:cNvPr id="48" name="圖片 47">
+              <a:extLst>
+                <a:ext uri="{FF2B5EF4-FFF2-40B4-BE49-F238E27FC236}">
+                  <a16:creationId xmlns:a16="http://schemas.microsoft.com/office/drawing/2014/main" id="{F1C733F4-6F58-4B15-A849-1F0F4DCFCF59}"/>
+                </a:ext>
+              </a:extLst>
+            </p:cNvPr>
+            <p:cNvPicPr>
+              <a:picLocks noChangeAspect="1"/>
+            </p:cNvPicPr>
+            <p:nvPr/>
+          </p:nvPicPr>
+          <p:blipFill>
+            <a:blip r:embed="rId11" cstate="print">
+              <a:duotone>
+                <a:schemeClr val="accent1">
+                  <a:shade val="45000"/>
+                  <a:satMod val="135000"/>
+                </a:schemeClr>
+                <a:prstClr val="white"/>
+              </a:duotone>
+              <a:extLst>
+                <a:ext uri="{28A0092B-C50C-407E-A947-70E740481C1C}">
+                  <a14:useLocalDpi xmlns:a14="http://schemas.microsoft.com/office/drawing/2010/main" val="0"/>
+                </a:ext>
+              </a:extLst>
+            </a:blip>
+            <a:stretch>
+              <a:fillRect/>
+            </a:stretch>
+          </p:blipFill>
+          <p:spPr>
+            <a:xfrm>
+              <a:off x="4431896" y="4828954"/>
+              <a:ext cx="643170" cy="643169"/>
+            </a:xfrm>
+            <a:prstGeom prst="rect">
+              <a:avLst/>
+            </a:prstGeom>
+            <a:noFill/>
+          </p:spPr>
+        </p:pic>
+        <p:sp>
+          <p:nvSpPr>
+            <p:cNvPr id="49" name="文字方塊 48">
+              <a:extLst>
+                <a:ext uri="{FF2B5EF4-FFF2-40B4-BE49-F238E27FC236}">
+                  <a16:creationId xmlns:a16="http://schemas.microsoft.com/office/drawing/2014/main" id="{A9AE4862-CD0D-4786-A077-2F65DF540333}"/>
+                </a:ext>
+              </a:extLst>
+            </p:cNvPr>
+            <p:cNvSpPr txBox="1"/>
+            <p:nvPr/>
+          </p:nvSpPr>
+          <p:spPr>
+            <a:xfrm>
+              <a:off x="4358898" y="5468351"/>
+              <a:ext cx="789166" cy="307777"/>
+            </a:xfrm>
+            <a:prstGeom prst="rect">
+              <a:avLst/>
+            </a:prstGeom>
+            <a:noFill/>
+          </p:spPr>
+          <p:txBody>
+            <a:bodyPr wrap="square" rtlCol="0">
+              <a:spAutoFit/>
+            </a:bodyPr>
+            <a:lstStyle/>
+            <a:p>
+              <a:pPr algn="ctr"/>
+              <a:r>
+                <a:rPr lang="zh-TW" altLang="en-US" sz="1400" dirty="0">
+                  <a:solidFill>
+                    <a:schemeClr val="accent1"/>
+                  </a:solidFill>
+                  <a:latin typeface="微軟正黑體" panose="020B0604030504040204" pitchFamily="34" charset="-120"/>
+                  <a:ea typeface="微軟正黑體" panose="020B0604030504040204" pitchFamily="34" charset="-120"/>
+                </a:rPr>
+                <a:t>讀取器</a:t>
+              </a:r>
+            </a:p>
+          </p:txBody>
+        </p:sp>
+        <p:sp>
+          <p:nvSpPr>
+            <p:cNvPr id="64" name="雲朵形 63">
+              <a:extLst>
+                <a:ext uri="{FF2B5EF4-FFF2-40B4-BE49-F238E27FC236}">
+                  <a16:creationId xmlns:a16="http://schemas.microsoft.com/office/drawing/2014/main" id="{94D8325C-31B6-4F7D-BE15-D18B55BCFD10}"/>
+                </a:ext>
+              </a:extLst>
+            </p:cNvPr>
+            <p:cNvSpPr/>
+            <p:nvPr/>
+          </p:nvSpPr>
+          <p:spPr>
+            <a:xfrm>
+              <a:off x="995447" y="3168336"/>
+              <a:ext cx="7724484" cy="993928"/>
+            </a:xfrm>
+            <a:prstGeom prst="cloud">
+              <a:avLst/>
+            </a:prstGeom>
+            <a:pattFill prst="wdUpDiag">
+              <a:fgClr>
+                <a:schemeClr val="accent1"/>
+              </a:fgClr>
+              <a:bgClr>
+                <a:schemeClr val="accent5">
+                  <a:lumMod val="75000"/>
+                </a:schemeClr>
+              </a:bgClr>
+            </a:pattFill>
+            <a:ln>
+              <a:noFill/>
+            </a:ln>
+          </p:spPr>
+          <p:style>
+            <a:lnRef idx="2">
+              <a:schemeClr val="accent1">
+                <a:shade val="50000"/>
+              </a:schemeClr>
+            </a:lnRef>
+            <a:fillRef idx="1">
+              <a:schemeClr val="accent1"/>
+            </a:fillRef>
+            <a:effectRef idx="0">
+              <a:schemeClr val="accent1"/>
+            </a:effectRef>
+            <a:fontRef idx="minor">
+              <a:schemeClr val="lt1"/>
+            </a:fontRef>
+          </p:style>
+          <p:txBody>
+            <a:bodyPr rtlCol="0" anchor="ctr"/>
+            <a:lstStyle/>
+            <a:p>
+              <a:pPr algn="ctr"/>
+              <a:endParaRPr lang="zh-TW" altLang="en-US" dirty="0"/>
+            </a:p>
+          </p:txBody>
+        </p:sp>
+        <p:sp>
+          <p:nvSpPr>
+            <p:cNvPr id="65" name="矩形 64">
+              <a:extLst>
+                <a:ext uri="{FF2B5EF4-FFF2-40B4-BE49-F238E27FC236}">
+                  <a16:creationId xmlns:a16="http://schemas.microsoft.com/office/drawing/2014/main" id="{936A6553-1B98-4947-B00A-5BCC5DAF7360}"/>
+                </a:ext>
+              </a:extLst>
+            </p:cNvPr>
+            <p:cNvSpPr/>
+            <p:nvPr/>
+          </p:nvSpPr>
+          <p:spPr>
+            <a:xfrm>
+              <a:off x="1851652" y="3164147"/>
+              <a:ext cx="5915178" cy="448611"/>
+            </a:xfrm>
+            <a:prstGeom prst="rect">
+              <a:avLst/>
+            </a:prstGeom>
+            <a:pattFill prst="narVert">
+              <a:fgClr>
+                <a:srgbClr val="002060"/>
+              </a:fgClr>
+              <a:bgClr>
+                <a:srgbClr val="002060"/>
+              </a:bgClr>
+            </a:pattFill>
+            <a:ln w="9525" cap="flat" cmpd="sng" algn="ctr">
+              <a:solidFill>
+                <a:schemeClr val="tx1"/>
+              </a:solidFill>
+              <a:prstDash val="solid"/>
+              <a:round/>
+              <a:headEnd type="none" w="med" len="med"/>
+              <a:tailEnd type="none" w="med" len="med"/>
+            </a:ln>
+          </p:spPr>
+          <p:style>
+            <a:lnRef idx="0">
+              <a:scrgbClr r="0" g="0" b="0"/>
+            </a:lnRef>
+            <a:fillRef idx="0">
+              <a:scrgbClr r="0" g="0" b="0"/>
+            </a:fillRef>
+            <a:effectRef idx="0">
+              <a:scrgbClr r="0" g="0" b="0"/>
+            </a:effectRef>
+            <a:fontRef idx="minor">
+              <a:schemeClr val="accent3"/>
+            </a:fontRef>
+          </p:style>
+          <p:txBody>
+            <a:bodyPr rot="0" spcFirstLastPara="0" vertOverflow="overflow" horzOverflow="overflow" vert="horz" wrap="square" lIns="91440" tIns="45720" rIns="91440" bIns="45720" numCol="1" spcCol="0" rtlCol="0" fromWordArt="0" anchor="ctr" anchorCtr="0" forceAA="0" compatLnSpc="1">
+              <a:prstTxWarp prst="textNoShape">
                 <a:avLst/>
-              </a:prstGeom>
-              <a:pattFill prst="wdUpDiag">
-                <a:fgClr>
-                  <a:schemeClr val="accent1"/>
-                </a:fgClr>
-                <a:bgClr>
-                  <a:schemeClr val="accent5">
-                    <a:lumMod val="75000"/>
-                  </a:schemeClr>
-                </a:bgClr>
-              </a:pattFill>
-              <a:ln>
-                <a:noFill/>
-              </a:ln>
-            </p:spPr>
-            <p:style>
-              <a:lnRef idx="2">
-                <a:schemeClr val="accent1">
-                  <a:shade val="50000"/>
-                </a:schemeClr>
-              </a:lnRef>
-              <a:fillRef idx="1">
-                <a:schemeClr val="accent1"/>
-              </a:fillRef>
-              <a:effectRef idx="0">
-                <a:schemeClr val="accent1"/>
-              </a:effectRef>
-              <a:fontRef idx="minor">
-                <a:schemeClr val="lt1"/>
-              </a:fontRef>
-            </p:style>
-            <p:txBody>
-              <a:bodyPr rtlCol="0" anchor="ctr"/>
-              <a:lstStyle/>
-              <a:p>
-                <a:pPr algn="ctr"/>
-                <a:endParaRPr lang="zh-TW" altLang="en-US" dirty="0"/>
-              </a:p>
-            </p:txBody>
-          </p:sp>
-          <p:sp>
-            <p:nvSpPr>
-              <p:cNvPr id="65" name="矩形 64">
-                <a:extLst>
-                  <a:ext uri="{FF2B5EF4-FFF2-40B4-BE49-F238E27FC236}">
-                    <a16:creationId xmlns:a16="http://schemas.microsoft.com/office/drawing/2014/main" id="{936A6553-1B98-4947-B00A-5BCC5DAF7360}"/>
-                  </a:ext>
-                </a:extLst>
-              </p:cNvPr>
-              <p:cNvSpPr/>
-              <p:nvPr/>
-            </p:nvSpPr>
-            <p:spPr>
-              <a:xfrm>
-                <a:off x="1851652" y="3164147"/>
-                <a:ext cx="5915178" cy="448611"/>
-              </a:xfrm>
-              <a:prstGeom prst="rect">
+              </a:prstTxWarp>
+              <a:noAutofit/>
+            </a:bodyPr>
+            <a:lstStyle/>
+            <a:p>
+              <a:pPr algn="ctr"/>
+              <a:r>
+                <a:rPr lang="zh-TW" altLang="en-US" sz="1600" b="1" dirty="0">
+                  <a:ln w="0"/>
+                  <a:solidFill>
+                    <a:schemeClr val="bg1"/>
+                  </a:solidFill>
+                  <a:effectLst>
+                    <a:reflection blurRad="6350" stA="53000" endA="300" endPos="35500" dir="5400000" sy="-90000" algn="bl" rotWithShape="0"/>
+                  </a:effectLst>
+                  <a:latin typeface="+mj-ea"/>
+                  <a:ea typeface="+mj-ea"/>
+                </a:rPr>
+                <a:t>無人商店雲端服務</a:t>
+              </a:r>
+            </a:p>
+          </p:txBody>
+        </p:sp>
+        <p:sp>
+          <p:nvSpPr>
+            <p:cNvPr id="66" name="矩形 65">
+              <a:extLst>
+                <a:ext uri="{FF2B5EF4-FFF2-40B4-BE49-F238E27FC236}">
+                  <a16:creationId xmlns:a16="http://schemas.microsoft.com/office/drawing/2014/main" id="{C2EE500A-8BC7-4571-B67D-4C4A9765BEC4}"/>
+                </a:ext>
+              </a:extLst>
+            </p:cNvPr>
+            <p:cNvSpPr/>
+            <p:nvPr/>
+          </p:nvSpPr>
+          <p:spPr>
+            <a:xfrm>
+              <a:off x="2026420" y="2815227"/>
+              <a:ext cx="1681484" cy="348919"/>
+            </a:xfrm>
+            <a:prstGeom prst="rect">
+              <a:avLst/>
+            </a:prstGeom>
+            <a:noFill/>
+            <a:ln w="9525" cap="flat" cmpd="sng" algn="ctr">
+              <a:solidFill>
+                <a:schemeClr val="accent6"/>
+              </a:solidFill>
+              <a:prstDash val="solid"/>
+              <a:round/>
+              <a:headEnd type="none" w="med" len="med"/>
+              <a:tailEnd type="none" w="med" len="med"/>
+            </a:ln>
+          </p:spPr>
+          <p:style>
+            <a:lnRef idx="0">
+              <a:scrgbClr r="0" g="0" b="0"/>
+            </a:lnRef>
+            <a:fillRef idx="0">
+              <a:scrgbClr r="0" g="0" b="0"/>
+            </a:fillRef>
+            <a:effectRef idx="0">
+              <a:scrgbClr r="0" g="0" b="0"/>
+            </a:effectRef>
+            <a:fontRef idx="minor">
+              <a:schemeClr val="accent6"/>
+            </a:fontRef>
+          </p:style>
+          <p:txBody>
+            <a:bodyPr rot="0" spcFirstLastPara="0" vertOverflow="overflow" horzOverflow="overflow" vert="horz" wrap="square" lIns="91440" tIns="45720" rIns="91440" bIns="45720" numCol="1" spcCol="0" rtlCol="0" fromWordArt="0" anchor="ctr" anchorCtr="0" forceAA="0" compatLnSpc="1">
+              <a:prstTxWarp prst="textNoShape">
                 <a:avLst/>
-              </a:prstGeom>
-              <a:pattFill prst="narVert">
-                <a:fgClr>
-                  <a:srgbClr val="002060"/>
-                </a:fgClr>
-                <a:bgClr>
-                  <a:srgbClr val="002060"/>
-                </a:bgClr>
-              </a:pattFill>
-              <a:ln w="9525" cap="flat" cmpd="sng" algn="ctr">
-                <a:solidFill>
-                  <a:schemeClr val="tx1"/>
-                </a:solidFill>
-                <a:prstDash val="solid"/>
-                <a:round/>
-                <a:headEnd type="none" w="med" len="med"/>
-                <a:tailEnd type="none" w="med" len="med"/>
-              </a:ln>
-            </p:spPr>
-            <p:style>
-              <a:lnRef idx="0">
-                <a:scrgbClr r="0" g="0" b="0"/>
-              </a:lnRef>
-              <a:fillRef idx="0">
-                <a:scrgbClr r="0" g="0" b="0"/>
-              </a:fillRef>
-              <a:effectRef idx="0">
-                <a:scrgbClr r="0" g="0" b="0"/>
-              </a:effectRef>
-              <a:fontRef idx="minor">
-                <a:schemeClr val="accent3"/>
-              </a:fontRef>
-            </p:style>
-            <p:txBody>
-              <a:bodyPr rot="0" spcFirstLastPara="0" vertOverflow="overflow" horzOverflow="overflow" vert="horz" wrap="square" lIns="91440" tIns="45720" rIns="91440" bIns="45720" numCol="1" spcCol="0" rtlCol="0" fromWordArt="0" anchor="ctr" anchorCtr="0" forceAA="0" compatLnSpc="1">
-                <a:prstTxWarp prst="textNoShape">
-                  <a:avLst/>
-                </a:prstTxWarp>
-                <a:noAutofit/>
-              </a:bodyPr>
-              <a:lstStyle/>
-              <a:p>
-                <a:pPr algn="ctr"/>
-                <a:r>
-                  <a:rPr lang="zh-TW" altLang="en-US" sz="1600" b="1" dirty="0">
-                    <a:ln w="0"/>
-                    <a:solidFill>
-                      <a:schemeClr val="bg1"/>
-                    </a:solidFill>
-                    <a:effectLst>
-                      <a:reflection blurRad="6350" stA="53000" endA="300" endPos="35500" dir="5400000" sy="-90000" algn="bl" rotWithShape="0"/>
-                    </a:effectLst>
-                    <a:latin typeface="+mj-ea"/>
-                    <a:ea typeface="+mj-ea"/>
-                  </a:rPr>
-                  <a:t>無人商店雲端服務</a:t>
-                </a:r>
-              </a:p>
-            </p:txBody>
-          </p:sp>
-          <p:sp>
-            <p:nvSpPr>
-              <p:cNvPr id="66" name="矩形 65">
-                <a:extLst>
-                  <a:ext uri="{FF2B5EF4-FFF2-40B4-BE49-F238E27FC236}">
-                    <a16:creationId xmlns:a16="http://schemas.microsoft.com/office/drawing/2014/main" id="{C2EE500A-8BC7-4571-B67D-4C4A9765BEC4}"/>
-                  </a:ext>
-                </a:extLst>
-              </p:cNvPr>
-              <p:cNvSpPr/>
-              <p:nvPr/>
-            </p:nvSpPr>
-            <p:spPr>
-              <a:xfrm>
-                <a:off x="1851652" y="2815227"/>
-                <a:ext cx="1969895" cy="348919"/>
-              </a:xfrm>
-              <a:prstGeom prst="rect">
+              </a:prstTxWarp>
+              <a:noAutofit/>
+            </a:bodyPr>
+            <a:lstStyle/>
+            <a:p>
+              <a:pPr algn="ctr"/>
+              <a:r>
+                <a:rPr lang="zh-TW" altLang="en-US" sz="1400" b="1" dirty="0">
+                  <a:solidFill>
+                    <a:schemeClr val="accent6"/>
+                  </a:solidFill>
+                  <a:latin typeface="微軟正黑體" panose="020B0604030504040204" pitchFamily="34" charset="-120"/>
+                  <a:ea typeface="微軟正黑體" panose="020B0604030504040204" pitchFamily="34" charset="-120"/>
+                </a:rPr>
+                <a:t>管理端服務</a:t>
+              </a:r>
+            </a:p>
+          </p:txBody>
+        </p:sp>
+        <p:sp>
+          <p:nvSpPr>
+            <p:cNvPr id="67" name="矩形 66">
+              <a:extLst>
+                <a:ext uri="{FF2B5EF4-FFF2-40B4-BE49-F238E27FC236}">
+                  <a16:creationId xmlns:a16="http://schemas.microsoft.com/office/drawing/2014/main" id="{C7EE3058-027D-4D4C-948A-D0179BA16428}"/>
+                </a:ext>
+              </a:extLst>
+            </p:cNvPr>
+            <p:cNvSpPr/>
+            <p:nvPr/>
+          </p:nvSpPr>
+          <p:spPr>
+            <a:xfrm>
+              <a:off x="5062952" y="2815227"/>
+              <a:ext cx="1453264" cy="348919"/>
+            </a:xfrm>
+            <a:prstGeom prst="rect">
+              <a:avLst/>
+            </a:prstGeom>
+            <a:noFill/>
+            <a:ln w="9525" cap="flat" cmpd="sng" algn="ctr">
+              <a:solidFill>
+                <a:schemeClr val="accent6"/>
+              </a:solidFill>
+              <a:prstDash val="solid"/>
+              <a:round/>
+              <a:headEnd type="none" w="med" len="med"/>
+              <a:tailEnd type="none" w="med" len="med"/>
+            </a:ln>
+          </p:spPr>
+          <p:style>
+            <a:lnRef idx="0">
+              <a:scrgbClr r="0" g="0" b="0"/>
+            </a:lnRef>
+            <a:fillRef idx="0">
+              <a:scrgbClr r="0" g="0" b="0"/>
+            </a:fillRef>
+            <a:effectRef idx="0">
+              <a:scrgbClr r="0" g="0" b="0"/>
+            </a:effectRef>
+            <a:fontRef idx="minor">
+              <a:schemeClr val="accent6"/>
+            </a:fontRef>
+          </p:style>
+          <p:txBody>
+            <a:bodyPr rot="0" spcFirstLastPara="0" vertOverflow="overflow" horzOverflow="overflow" vert="horz" wrap="square" lIns="91440" tIns="45720" rIns="91440" bIns="45720" numCol="1" spcCol="0" rtlCol="0" fromWordArt="0" anchor="ctr" anchorCtr="0" forceAA="0" compatLnSpc="1">
+              <a:prstTxWarp prst="textNoShape">
                 <a:avLst/>
-              </a:prstGeom>
-              <a:noFill/>
-              <a:ln w="9525" cap="flat" cmpd="sng" algn="ctr">
-                <a:solidFill>
-                  <a:schemeClr val="accent6"/>
-                </a:solidFill>
-                <a:prstDash val="solid"/>
-                <a:round/>
-                <a:headEnd type="none" w="med" len="med"/>
-                <a:tailEnd type="none" w="med" len="med"/>
-              </a:ln>
-            </p:spPr>
-            <p:style>
-              <a:lnRef idx="0">
-                <a:scrgbClr r="0" g="0" b="0"/>
-              </a:lnRef>
-              <a:fillRef idx="0">
-                <a:scrgbClr r="0" g="0" b="0"/>
-              </a:fillRef>
-              <a:effectRef idx="0">
-                <a:scrgbClr r="0" g="0" b="0"/>
-              </a:effectRef>
-              <a:fontRef idx="minor">
+              </a:prstTxWarp>
+              <a:noAutofit/>
+            </a:bodyPr>
+            <a:lstStyle/>
+            <a:p>
+              <a:pPr algn="ctr"/>
+              <a:r>
+                <a:rPr lang="zh-TW" altLang="en-US" sz="1400" b="1" dirty="0">
+                  <a:latin typeface="微軟正黑體" panose="020B0604030504040204" pitchFamily="34" charset="-120"/>
+                  <a:ea typeface="微軟正黑體" panose="020B0604030504040204" pitchFamily="34" charset="-120"/>
+                </a:rPr>
+                <a:t>商店端服務</a:t>
+              </a:r>
+            </a:p>
+          </p:txBody>
+        </p:sp>
+        <p:sp>
+          <p:nvSpPr>
+            <p:cNvPr id="68" name="矩形 67">
+              <a:extLst>
+                <a:ext uri="{FF2B5EF4-FFF2-40B4-BE49-F238E27FC236}">
+                  <a16:creationId xmlns:a16="http://schemas.microsoft.com/office/drawing/2014/main" id="{665BC44D-C60D-4DFE-9FB3-B70F585AF99F}"/>
+                </a:ext>
+              </a:extLst>
+            </p:cNvPr>
+            <p:cNvSpPr/>
+            <p:nvPr/>
+          </p:nvSpPr>
+          <p:spPr>
+            <a:xfrm>
+              <a:off x="6660232" y="2811036"/>
+              <a:ext cx="960585" cy="348919"/>
+            </a:xfrm>
+            <a:prstGeom prst="rect">
+              <a:avLst/>
+            </a:prstGeom>
+            <a:noFill/>
+            <a:ln w="9525" cap="flat" cmpd="sng" algn="ctr">
+              <a:solidFill>
                 <a:schemeClr val="accent6"/>
-              </a:fontRef>
-            </p:style>
-            <p:txBody>
-              <a:bodyPr rot="0" spcFirstLastPara="0" vertOverflow="overflow" horzOverflow="overflow" vert="horz" wrap="square" lIns="91440" tIns="45720" rIns="91440" bIns="45720" numCol="1" spcCol="0" rtlCol="0" fromWordArt="0" anchor="ctr" anchorCtr="0" forceAA="0" compatLnSpc="1">
-                <a:prstTxWarp prst="textNoShape">
-                  <a:avLst/>
-                </a:prstTxWarp>
-                <a:noAutofit/>
-              </a:bodyPr>
-              <a:lstStyle/>
-              <a:p>
-                <a:pPr algn="ctr"/>
-                <a:r>
-                  <a:rPr lang="zh-TW" altLang="en-US" sz="1400" b="1" dirty="0">
-                    <a:solidFill>
-                      <a:schemeClr val="accent6"/>
-                    </a:solidFill>
-                    <a:latin typeface="微軟正黑體" panose="020B0604030504040204" pitchFamily="34" charset="-120"/>
-                    <a:ea typeface="微軟正黑體" panose="020B0604030504040204" pitchFamily="34" charset="-120"/>
-                  </a:rPr>
-                  <a:t>管理端服務</a:t>
-                </a:r>
-              </a:p>
-            </p:txBody>
-          </p:sp>
-          <p:sp>
-            <p:nvSpPr>
-              <p:cNvPr id="67" name="矩形 66">
-                <a:extLst>
-                  <a:ext uri="{FF2B5EF4-FFF2-40B4-BE49-F238E27FC236}">
-                    <a16:creationId xmlns:a16="http://schemas.microsoft.com/office/drawing/2014/main" id="{C7EE3058-027D-4D4C-948A-D0179BA16428}"/>
-                  </a:ext>
-                </a:extLst>
-              </p:cNvPr>
-              <p:cNvSpPr/>
-              <p:nvPr/>
-            </p:nvSpPr>
-            <p:spPr>
-              <a:xfrm>
-                <a:off x="4932041" y="2815227"/>
-                <a:ext cx="1759830" cy="348919"/>
-              </a:xfrm>
-              <a:prstGeom prst="rect">
+              </a:solidFill>
+              <a:prstDash val="solid"/>
+              <a:round/>
+              <a:headEnd type="none" w="med" len="med"/>
+              <a:tailEnd type="none" w="med" len="med"/>
+            </a:ln>
+          </p:spPr>
+          <p:style>
+            <a:lnRef idx="0">
+              <a:scrgbClr r="0" g="0" b="0"/>
+            </a:lnRef>
+            <a:fillRef idx="0">
+              <a:scrgbClr r="0" g="0" b="0"/>
+            </a:fillRef>
+            <a:effectRef idx="0">
+              <a:scrgbClr r="0" g="0" b="0"/>
+            </a:effectRef>
+            <a:fontRef idx="minor">
+              <a:schemeClr val="accent6"/>
+            </a:fontRef>
+          </p:style>
+          <p:txBody>
+            <a:bodyPr rot="0" spcFirstLastPara="0" vertOverflow="overflow" horzOverflow="overflow" vert="horz" wrap="square" lIns="91440" tIns="45720" rIns="91440" bIns="45720" numCol="1" spcCol="0" rtlCol="0" fromWordArt="0" anchor="ctr" anchorCtr="0" forceAA="0" compatLnSpc="1">
+              <a:prstTxWarp prst="textNoShape">
                 <a:avLst/>
-              </a:prstGeom>
-              <a:noFill/>
-              <a:ln w="9525" cap="flat" cmpd="sng" algn="ctr">
-                <a:solidFill>
-                  <a:schemeClr val="accent6"/>
-                </a:solidFill>
-                <a:prstDash val="solid"/>
-                <a:round/>
-                <a:headEnd type="none" w="med" len="med"/>
-                <a:tailEnd type="none" w="med" len="med"/>
-              </a:ln>
-            </p:spPr>
-            <p:style>
-              <a:lnRef idx="0">
-                <a:scrgbClr r="0" g="0" b="0"/>
-              </a:lnRef>
-              <a:fillRef idx="0">
-                <a:scrgbClr r="0" g="0" b="0"/>
-              </a:fillRef>
-              <a:effectRef idx="0">
-                <a:scrgbClr r="0" g="0" b="0"/>
-              </a:effectRef>
-              <a:fontRef idx="minor">
-                <a:schemeClr val="accent6"/>
-              </a:fontRef>
-            </p:style>
-            <p:txBody>
-              <a:bodyPr rot="0" spcFirstLastPara="0" vertOverflow="overflow" horzOverflow="overflow" vert="horz" wrap="square" lIns="91440" tIns="45720" rIns="91440" bIns="45720" numCol="1" spcCol="0" rtlCol="0" fromWordArt="0" anchor="ctr" anchorCtr="0" forceAA="0" compatLnSpc="1">
-                <a:prstTxWarp prst="textNoShape">
-                  <a:avLst/>
-                </a:prstTxWarp>
-                <a:noAutofit/>
-              </a:bodyPr>
-              <a:lstStyle/>
-              <a:p>
-                <a:pPr algn="ctr"/>
-                <a:r>
-                  <a:rPr lang="zh-TW" altLang="en-US" sz="1400" b="1" dirty="0">
-                    <a:latin typeface="微軟正黑體" panose="020B0604030504040204" pitchFamily="34" charset="-120"/>
-                    <a:ea typeface="微軟正黑體" panose="020B0604030504040204" pitchFamily="34" charset="-120"/>
-                  </a:rPr>
-                  <a:t>商店端服務</a:t>
-                </a:r>
-              </a:p>
-            </p:txBody>
-          </p:sp>
-          <p:sp>
-            <p:nvSpPr>
-              <p:cNvPr id="68" name="矩形 67">
-                <a:extLst>
-                  <a:ext uri="{FF2B5EF4-FFF2-40B4-BE49-F238E27FC236}">
-                    <a16:creationId xmlns:a16="http://schemas.microsoft.com/office/drawing/2014/main" id="{665BC44D-C60D-4DFE-9FB3-B70F585AF99F}"/>
-                  </a:ext>
-                </a:extLst>
-              </p:cNvPr>
-              <p:cNvSpPr/>
-              <p:nvPr/>
-            </p:nvSpPr>
-            <p:spPr>
-              <a:xfrm>
-                <a:off x="6806245" y="2811036"/>
-                <a:ext cx="960585" cy="348919"/>
-              </a:xfrm>
-              <a:prstGeom prst="rect">
-                <a:avLst/>
-              </a:prstGeom>
-              <a:noFill/>
-              <a:ln w="9525" cap="flat" cmpd="sng" algn="ctr">
-                <a:solidFill>
-                  <a:schemeClr val="accent6"/>
-                </a:solidFill>
-                <a:prstDash val="solid"/>
-                <a:round/>
-                <a:headEnd type="none" w="med" len="med"/>
-                <a:tailEnd type="none" w="med" len="med"/>
-              </a:ln>
-            </p:spPr>
-            <p:style>
-              <a:lnRef idx="0">
-                <a:scrgbClr r="0" g="0" b="0"/>
-              </a:lnRef>
-              <a:fillRef idx="0">
-                <a:scrgbClr r="0" g="0" b="0"/>
-              </a:fillRef>
-              <a:effectRef idx="0">
-                <a:scrgbClr r="0" g="0" b="0"/>
-              </a:effectRef>
-              <a:fontRef idx="minor">
-                <a:schemeClr val="accent6"/>
-              </a:fontRef>
-            </p:style>
-            <p:txBody>
-              <a:bodyPr rot="0" spcFirstLastPara="0" vertOverflow="overflow" horzOverflow="overflow" vert="horz" wrap="square" lIns="91440" tIns="45720" rIns="91440" bIns="45720" numCol="1" spcCol="0" rtlCol="0" fromWordArt="0" anchor="ctr" anchorCtr="0" forceAA="0" compatLnSpc="1">
-                <a:prstTxWarp prst="textNoShape">
-                  <a:avLst/>
-                </a:prstTxWarp>
-                <a:noAutofit/>
-              </a:bodyPr>
-              <a:lstStyle/>
-              <a:p>
-                <a:pPr algn="ctr"/>
-                <a:r>
-                  <a:rPr lang="zh-TW" altLang="en-US" sz="1200" b="1" dirty="0">
-                    <a:latin typeface="微軟正黑體" panose="020B0604030504040204" pitchFamily="34" charset="-120"/>
-                    <a:ea typeface="微軟正黑體" panose="020B0604030504040204" pitchFamily="34" charset="-120"/>
-                  </a:rPr>
-                  <a:t>使用者手機</a:t>
-                </a:r>
-                <a:r>
-                  <a:rPr lang="en-US" altLang="zh-TW" sz="1200" b="1" dirty="0">
-                    <a:latin typeface="微軟正黑體" panose="020B0604030504040204" pitchFamily="34" charset="-120"/>
-                    <a:ea typeface="微軟正黑體" panose="020B0604030504040204" pitchFamily="34" charset="-120"/>
-                  </a:rPr>
-                  <a:t>API</a:t>
-                </a:r>
-                <a:r>
-                  <a:rPr lang="zh-TW" altLang="en-US" sz="1200" b="1" dirty="0">
-                    <a:latin typeface="微軟正黑體" panose="020B0604030504040204" pitchFamily="34" charset="-120"/>
-                    <a:ea typeface="微軟正黑體" panose="020B0604030504040204" pitchFamily="34" charset="-120"/>
-                  </a:rPr>
-                  <a:t>服務</a:t>
-                </a:r>
-              </a:p>
-            </p:txBody>
-          </p:sp>
-          <p:sp>
-            <p:nvSpPr>
-              <p:cNvPr id="69" name="矩形 68">
-                <a:extLst>
-                  <a:ext uri="{FF2B5EF4-FFF2-40B4-BE49-F238E27FC236}">
-                    <a16:creationId xmlns:a16="http://schemas.microsoft.com/office/drawing/2014/main" id="{3D49B532-66F1-4561-B98C-38A49C6048BC}"/>
-                  </a:ext>
-                </a:extLst>
-              </p:cNvPr>
-              <p:cNvSpPr/>
-              <p:nvPr/>
-            </p:nvSpPr>
-            <p:spPr>
-              <a:xfrm>
-                <a:off x="1907372" y="1465205"/>
-                <a:ext cx="353899" cy="1345833"/>
-              </a:xfrm>
-              <a:prstGeom prst="rect">
-                <a:avLst/>
-              </a:prstGeom>
-              <a:noFill/>
-              <a:ln w="9525" cap="flat" cmpd="sng" algn="ctr">
-                <a:solidFill>
-                  <a:schemeClr val="accent5"/>
-                </a:solidFill>
-                <a:prstDash val="solid"/>
-                <a:round/>
-                <a:headEnd type="none" w="med" len="med"/>
-                <a:tailEnd type="none" w="med" len="med"/>
-              </a:ln>
-            </p:spPr>
-            <p:style>
-              <a:lnRef idx="0">
-                <a:scrgbClr r="0" g="0" b="0"/>
-              </a:lnRef>
-              <a:fillRef idx="0">
-                <a:scrgbClr r="0" g="0" b="0"/>
-              </a:fillRef>
-              <a:effectRef idx="0">
-                <a:scrgbClr r="0" g="0" b="0"/>
-              </a:effectRef>
-              <a:fontRef idx="minor">
+              </a:prstTxWarp>
+              <a:noAutofit/>
+            </a:bodyPr>
+            <a:lstStyle/>
+            <a:p>
+              <a:pPr algn="ctr"/>
+              <a:r>
+                <a:rPr lang="zh-TW" altLang="en-US" sz="1200" b="1" dirty="0">
+                  <a:latin typeface="微軟正黑體" panose="020B0604030504040204" pitchFamily="34" charset="-120"/>
+                  <a:ea typeface="微軟正黑體" panose="020B0604030504040204" pitchFamily="34" charset="-120"/>
+                </a:rPr>
+                <a:t>使用者手機</a:t>
+              </a:r>
+              <a:r>
+                <a:rPr lang="en-US" altLang="zh-TW" sz="1200" b="1" dirty="0">
+                  <a:latin typeface="微軟正黑體" panose="020B0604030504040204" pitchFamily="34" charset="-120"/>
+                  <a:ea typeface="微軟正黑體" panose="020B0604030504040204" pitchFamily="34" charset="-120"/>
+                </a:rPr>
+                <a:t>API</a:t>
+              </a:r>
+              <a:r>
+                <a:rPr lang="zh-TW" altLang="en-US" sz="1200" b="1" dirty="0">
+                  <a:latin typeface="微軟正黑體" panose="020B0604030504040204" pitchFamily="34" charset="-120"/>
+                  <a:ea typeface="微軟正黑體" panose="020B0604030504040204" pitchFamily="34" charset="-120"/>
+                </a:rPr>
+                <a:t>服務</a:t>
+              </a:r>
+            </a:p>
+          </p:txBody>
+        </p:sp>
+        <p:sp>
+          <p:nvSpPr>
+            <p:cNvPr id="69" name="矩形 68">
+              <a:extLst>
+                <a:ext uri="{FF2B5EF4-FFF2-40B4-BE49-F238E27FC236}">
+                  <a16:creationId xmlns:a16="http://schemas.microsoft.com/office/drawing/2014/main" id="{3D49B532-66F1-4561-B98C-38A49C6048BC}"/>
+                </a:ext>
+              </a:extLst>
+            </p:cNvPr>
+            <p:cNvSpPr/>
+            <p:nvPr/>
+          </p:nvSpPr>
+          <p:spPr>
+            <a:xfrm>
+              <a:off x="2082139" y="1465205"/>
+              <a:ext cx="353899" cy="1345833"/>
+            </a:xfrm>
+            <a:prstGeom prst="rect">
+              <a:avLst/>
+            </a:prstGeom>
+            <a:noFill/>
+            <a:ln w="9525" cap="flat" cmpd="sng" algn="ctr">
+              <a:solidFill>
                 <a:schemeClr val="accent5"/>
-              </a:fontRef>
-            </p:style>
-            <p:txBody>
-              <a:bodyPr rtlCol="0" anchor="ctr"/>
-              <a:lstStyle/>
-              <a:p>
-                <a:pPr algn="ctr"/>
-                <a:r>
-                  <a:rPr lang="zh-TW" altLang="en-US" sz="1400" dirty="0"/>
-                  <a:t>會員管理</a:t>
-                </a:r>
-              </a:p>
-            </p:txBody>
-          </p:sp>
-          <p:sp>
-            <p:nvSpPr>
-              <p:cNvPr id="70" name="矩形 69">
-                <a:extLst>
-                  <a:ext uri="{FF2B5EF4-FFF2-40B4-BE49-F238E27FC236}">
-                    <a16:creationId xmlns:a16="http://schemas.microsoft.com/office/drawing/2014/main" id="{366C588D-ECC8-4484-906E-CECFF1D29B94}"/>
-                  </a:ext>
-                </a:extLst>
-              </p:cNvPr>
-              <p:cNvSpPr/>
-              <p:nvPr/>
-            </p:nvSpPr>
-            <p:spPr>
-              <a:xfrm>
-                <a:off x="2291875" y="1465204"/>
-                <a:ext cx="353899" cy="1345833"/>
-              </a:xfrm>
-              <a:prstGeom prst="rect">
-                <a:avLst/>
-              </a:prstGeom>
-              <a:noFill/>
-              <a:ln w="9525" cap="flat" cmpd="sng" algn="ctr">
-                <a:solidFill>
-                  <a:schemeClr val="accent5"/>
-                </a:solidFill>
-                <a:prstDash val="solid"/>
-                <a:round/>
-                <a:headEnd type="none" w="med" len="med"/>
-                <a:tailEnd type="none" w="med" len="med"/>
-              </a:ln>
-            </p:spPr>
-            <p:style>
-              <a:lnRef idx="0">
-                <a:scrgbClr r="0" g="0" b="0"/>
-              </a:lnRef>
-              <a:fillRef idx="0">
-                <a:scrgbClr r="0" g="0" b="0"/>
-              </a:fillRef>
-              <a:effectRef idx="0">
-                <a:scrgbClr r="0" g="0" b="0"/>
-              </a:effectRef>
-              <a:fontRef idx="minor">
+              </a:solidFill>
+              <a:prstDash val="solid"/>
+              <a:round/>
+              <a:headEnd type="none" w="med" len="med"/>
+              <a:tailEnd type="none" w="med" len="med"/>
+            </a:ln>
+          </p:spPr>
+          <p:style>
+            <a:lnRef idx="0">
+              <a:scrgbClr r="0" g="0" b="0"/>
+            </a:lnRef>
+            <a:fillRef idx="0">
+              <a:scrgbClr r="0" g="0" b="0"/>
+            </a:fillRef>
+            <a:effectRef idx="0">
+              <a:scrgbClr r="0" g="0" b="0"/>
+            </a:effectRef>
+            <a:fontRef idx="minor">
+              <a:schemeClr val="accent5"/>
+            </a:fontRef>
+          </p:style>
+          <p:txBody>
+            <a:bodyPr rtlCol="0" anchor="ctr"/>
+            <a:lstStyle/>
+            <a:p>
+              <a:pPr algn="ctr"/>
+              <a:r>
+                <a:rPr lang="zh-TW" altLang="en-US" sz="1400" dirty="0"/>
+                <a:t>會員管理</a:t>
+              </a:r>
+            </a:p>
+          </p:txBody>
+        </p:sp>
+        <p:sp>
+          <p:nvSpPr>
+            <p:cNvPr id="70" name="矩形 69">
+              <a:extLst>
+                <a:ext uri="{FF2B5EF4-FFF2-40B4-BE49-F238E27FC236}">
+                  <a16:creationId xmlns:a16="http://schemas.microsoft.com/office/drawing/2014/main" id="{366C588D-ECC8-4484-906E-CECFF1D29B94}"/>
+                </a:ext>
+              </a:extLst>
+            </p:cNvPr>
+            <p:cNvSpPr/>
+            <p:nvPr/>
+          </p:nvSpPr>
+          <p:spPr>
+            <a:xfrm>
+              <a:off x="2466642" y="1465204"/>
+              <a:ext cx="353899" cy="1345833"/>
+            </a:xfrm>
+            <a:prstGeom prst="rect">
+              <a:avLst/>
+            </a:prstGeom>
+            <a:noFill/>
+            <a:ln w="9525" cap="flat" cmpd="sng" algn="ctr">
+              <a:solidFill>
                 <a:schemeClr val="accent5"/>
-              </a:fontRef>
-            </p:style>
-            <p:txBody>
-              <a:bodyPr rtlCol="0" anchor="ctr"/>
-              <a:lstStyle/>
-              <a:p>
-                <a:pPr algn="ctr"/>
-                <a:r>
-                  <a:rPr lang="zh-TW" altLang="en-US" sz="1400" dirty="0"/>
-                  <a:t>商品管理</a:t>
-                </a:r>
-              </a:p>
-            </p:txBody>
-          </p:sp>
-          <p:sp>
-            <p:nvSpPr>
-              <p:cNvPr id="71" name="矩形 70">
-                <a:extLst>
-                  <a:ext uri="{FF2B5EF4-FFF2-40B4-BE49-F238E27FC236}">
-                    <a16:creationId xmlns:a16="http://schemas.microsoft.com/office/drawing/2014/main" id="{E3ED3CB4-0D02-4EE4-A14F-1DD96FCF8F27}"/>
-                  </a:ext>
-                </a:extLst>
-              </p:cNvPr>
-              <p:cNvSpPr/>
-              <p:nvPr/>
-            </p:nvSpPr>
-            <p:spPr>
-              <a:xfrm>
-                <a:off x="2676377" y="1465204"/>
-                <a:ext cx="353899" cy="1345833"/>
-              </a:xfrm>
-              <a:prstGeom prst="rect">
-                <a:avLst/>
-              </a:prstGeom>
-              <a:noFill/>
-              <a:ln w="9525" cap="flat" cmpd="sng" algn="ctr">
-                <a:solidFill>
-                  <a:schemeClr val="accent5"/>
-                </a:solidFill>
-                <a:prstDash val="solid"/>
-                <a:round/>
-                <a:headEnd type="none" w="med" len="med"/>
-                <a:tailEnd type="none" w="med" len="med"/>
-              </a:ln>
-            </p:spPr>
-            <p:style>
-              <a:lnRef idx="0">
-                <a:scrgbClr r="0" g="0" b="0"/>
-              </a:lnRef>
-              <a:fillRef idx="0">
-                <a:scrgbClr r="0" g="0" b="0"/>
-              </a:fillRef>
-              <a:effectRef idx="0">
-                <a:scrgbClr r="0" g="0" b="0"/>
-              </a:effectRef>
-              <a:fontRef idx="minor">
+              </a:solidFill>
+              <a:prstDash val="solid"/>
+              <a:round/>
+              <a:headEnd type="none" w="med" len="med"/>
+              <a:tailEnd type="none" w="med" len="med"/>
+            </a:ln>
+          </p:spPr>
+          <p:style>
+            <a:lnRef idx="0">
+              <a:scrgbClr r="0" g="0" b="0"/>
+            </a:lnRef>
+            <a:fillRef idx="0">
+              <a:scrgbClr r="0" g="0" b="0"/>
+            </a:fillRef>
+            <a:effectRef idx="0">
+              <a:scrgbClr r="0" g="0" b="0"/>
+            </a:effectRef>
+            <a:fontRef idx="minor">
+              <a:schemeClr val="accent5"/>
+            </a:fontRef>
+          </p:style>
+          <p:txBody>
+            <a:bodyPr rtlCol="0" anchor="ctr"/>
+            <a:lstStyle/>
+            <a:p>
+              <a:pPr algn="ctr"/>
+              <a:r>
+                <a:rPr lang="zh-TW" altLang="en-US" sz="1400" dirty="0"/>
+                <a:t>商品管理</a:t>
+              </a:r>
+            </a:p>
+          </p:txBody>
+        </p:sp>
+        <p:sp>
+          <p:nvSpPr>
+            <p:cNvPr id="71" name="矩形 70">
+              <a:extLst>
+                <a:ext uri="{FF2B5EF4-FFF2-40B4-BE49-F238E27FC236}">
+                  <a16:creationId xmlns:a16="http://schemas.microsoft.com/office/drawing/2014/main" id="{E3ED3CB4-0D02-4EE4-A14F-1DD96FCF8F27}"/>
+                </a:ext>
+              </a:extLst>
+            </p:cNvPr>
+            <p:cNvSpPr/>
+            <p:nvPr/>
+          </p:nvSpPr>
+          <p:spPr>
+            <a:xfrm>
+              <a:off x="2851144" y="1465204"/>
+              <a:ext cx="353899" cy="1345833"/>
+            </a:xfrm>
+            <a:prstGeom prst="rect">
+              <a:avLst/>
+            </a:prstGeom>
+            <a:noFill/>
+            <a:ln w="9525" cap="flat" cmpd="sng" algn="ctr">
+              <a:solidFill>
                 <a:schemeClr val="accent5"/>
-              </a:fontRef>
-            </p:style>
-            <p:txBody>
-              <a:bodyPr rtlCol="0" anchor="ctr"/>
-              <a:lstStyle/>
-              <a:p>
-                <a:pPr algn="ctr"/>
-                <a:r>
-                  <a:rPr lang="zh-TW" altLang="en-US" sz="1400" dirty="0"/>
-                  <a:t>新增商品</a:t>
-                </a:r>
-              </a:p>
-            </p:txBody>
-          </p:sp>
-          <p:sp>
-            <p:nvSpPr>
-              <p:cNvPr id="72" name="矩形 71">
-                <a:extLst>
-                  <a:ext uri="{FF2B5EF4-FFF2-40B4-BE49-F238E27FC236}">
-                    <a16:creationId xmlns:a16="http://schemas.microsoft.com/office/drawing/2014/main" id="{EA950C9D-137F-4A86-AA07-3BF46271E40D}"/>
-                  </a:ext>
-                </a:extLst>
-              </p:cNvPr>
-              <p:cNvSpPr/>
-              <p:nvPr/>
-            </p:nvSpPr>
-            <p:spPr>
-              <a:xfrm>
-                <a:off x="3055136" y="1465203"/>
-                <a:ext cx="353899" cy="1345833"/>
-              </a:xfrm>
-              <a:prstGeom prst="rect">
-                <a:avLst/>
-              </a:prstGeom>
-              <a:noFill/>
-              <a:ln w="9525" cap="flat" cmpd="sng" algn="ctr">
-                <a:solidFill>
-                  <a:schemeClr val="accent5"/>
-                </a:solidFill>
-                <a:prstDash val="solid"/>
-                <a:round/>
-                <a:headEnd type="none" w="med" len="med"/>
-                <a:tailEnd type="none" w="med" len="med"/>
-              </a:ln>
-            </p:spPr>
-            <p:style>
-              <a:lnRef idx="0">
-                <a:scrgbClr r="0" g="0" b="0"/>
-              </a:lnRef>
-              <a:fillRef idx="0">
-                <a:scrgbClr r="0" g="0" b="0"/>
-              </a:fillRef>
-              <a:effectRef idx="0">
-                <a:scrgbClr r="0" g="0" b="0"/>
-              </a:effectRef>
-              <a:fontRef idx="minor">
+              </a:solidFill>
+              <a:prstDash val="solid"/>
+              <a:round/>
+              <a:headEnd type="none" w="med" len="med"/>
+              <a:tailEnd type="none" w="med" len="med"/>
+            </a:ln>
+          </p:spPr>
+          <p:style>
+            <a:lnRef idx="0">
+              <a:scrgbClr r="0" g="0" b="0"/>
+            </a:lnRef>
+            <a:fillRef idx="0">
+              <a:scrgbClr r="0" g="0" b="0"/>
+            </a:fillRef>
+            <a:effectRef idx="0">
+              <a:scrgbClr r="0" g="0" b="0"/>
+            </a:effectRef>
+            <a:fontRef idx="minor">
+              <a:schemeClr val="accent5"/>
+            </a:fontRef>
+          </p:style>
+          <p:txBody>
+            <a:bodyPr rtlCol="0" anchor="ctr"/>
+            <a:lstStyle/>
+            <a:p>
+              <a:pPr algn="ctr"/>
+              <a:r>
+                <a:rPr lang="zh-TW" altLang="en-US" sz="1400" dirty="0"/>
+                <a:t>新增商品</a:t>
+              </a:r>
+            </a:p>
+          </p:txBody>
+        </p:sp>
+        <p:sp>
+          <p:nvSpPr>
+            <p:cNvPr id="72" name="矩形 71">
+              <a:extLst>
+                <a:ext uri="{FF2B5EF4-FFF2-40B4-BE49-F238E27FC236}">
+                  <a16:creationId xmlns:a16="http://schemas.microsoft.com/office/drawing/2014/main" id="{EA950C9D-137F-4A86-AA07-3BF46271E40D}"/>
+                </a:ext>
+              </a:extLst>
+            </p:cNvPr>
+            <p:cNvSpPr/>
+            <p:nvPr/>
+          </p:nvSpPr>
+          <p:spPr>
+            <a:xfrm>
+              <a:off x="3229903" y="1465203"/>
+              <a:ext cx="353899" cy="1345833"/>
+            </a:xfrm>
+            <a:prstGeom prst="rect">
+              <a:avLst/>
+            </a:prstGeom>
+            <a:noFill/>
+            <a:ln w="9525" cap="flat" cmpd="sng" algn="ctr">
+              <a:solidFill>
                 <a:schemeClr val="accent5"/>
-              </a:fontRef>
-            </p:style>
-            <p:txBody>
-              <a:bodyPr rtlCol="0" anchor="ctr"/>
-              <a:lstStyle/>
-              <a:p>
-                <a:pPr algn="ctr"/>
-                <a:r>
-                  <a:rPr lang="zh-TW" altLang="en-US" sz="1400" dirty="0"/>
-                  <a:t>交易紀錄</a:t>
-                </a:r>
-              </a:p>
-            </p:txBody>
-          </p:sp>
-          <p:sp>
-            <p:nvSpPr>
-              <p:cNvPr id="73" name="矩形 72">
-                <a:extLst>
-                  <a:ext uri="{FF2B5EF4-FFF2-40B4-BE49-F238E27FC236}">
-                    <a16:creationId xmlns:a16="http://schemas.microsoft.com/office/drawing/2014/main" id="{60844977-FB41-49CB-B84D-C7D96F70E4F0}"/>
-                  </a:ext>
-                </a:extLst>
-              </p:cNvPr>
-              <p:cNvSpPr/>
-              <p:nvPr/>
-            </p:nvSpPr>
-            <p:spPr>
-              <a:xfrm>
-                <a:off x="3448490" y="1465203"/>
-                <a:ext cx="353899" cy="1345833"/>
-              </a:xfrm>
-              <a:prstGeom prst="rect">
-                <a:avLst/>
-              </a:prstGeom>
-              <a:noFill/>
-              <a:ln w="9525" cap="flat" cmpd="sng" algn="ctr">
-                <a:solidFill>
-                  <a:schemeClr val="accent5"/>
-                </a:solidFill>
-                <a:prstDash val="solid"/>
-                <a:round/>
-                <a:headEnd type="none" w="med" len="med"/>
-                <a:tailEnd type="none" w="med" len="med"/>
-              </a:ln>
-            </p:spPr>
-            <p:style>
-              <a:lnRef idx="0">
-                <a:scrgbClr r="0" g="0" b="0"/>
-              </a:lnRef>
-              <a:fillRef idx="0">
-                <a:scrgbClr r="0" g="0" b="0"/>
-              </a:fillRef>
-              <a:effectRef idx="0">
-                <a:scrgbClr r="0" g="0" b="0"/>
-              </a:effectRef>
-              <a:fontRef idx="minor">
+              </a:solidFill>
+              <a:prstDash val="solid"/>
+              <a:round/>
+              <a:headEnd type="none" w="med" len="med"/>
+              <a:tailEnd type="none" w="med" len="med"/>
+            </a:ln>
+          </p:spPr>
+          <p:style>
+            <a:lnRef idx="0">
+              <a:scrgbClr r="0" g="0" b="0"/>
+            </a:lnRef>
+            <a:fillRef idx="0">
+              <a:scrgbClr r="0" g="0" b="0"/>
+            </a:fillRef>
+            <a:effectRef idx="0">
+              <a:scrgbClr r="0" g="0" b="0"/>
+            </a:effectRef>
+            <a:fontRef idx="minor">
+              <a:schemeClr val="accent5"/>
+            </a:fontRef>
+          </p:style>
+          <p:txBody>
+            <a:bodyPr rtlCol="0" anchor="ctr"/>
+            <a:lstStyle/>
+            <a:p>
+              <a:pPr algn="ctr"/>
+              <a:r>
+                <a:rPr lang="zh-TW" altLang="en-US" sz="1400" dirty="0"/>
+                <a:t>交易紀錄</a:t>
+              </a:r>
+            </a:p>
+          </p:txBody>
+        </p:sp>
+        <p:sp>
+          <p:nvSpPr>
+            <p:cNvPr id="74" name="矩形 73">
+              <a:extLst>
+                <a:ext uri="{FF2B5EF4-FFF2-40B4-BE49-F238E27FC236}">
+                  <a16:creationId xmlns:a16="http://schemas.microsoft.com/office/drawing/2014/main" id="{47A6AFCF-96C1-43C9-B08F-DFD196152B09}"/>
+                </a:ext>
+              </a:extLst>
+            </p:cNvPr>
+            <p:cNvSpPr/>
+            <p:nvPr/>
+          </p:nvSpPr>
+          <p:spPr>
+            <a:xfrm>
+              <a:off x="5567006" y="1468176"/>
+              <a:ext cx="353899" cy="1345833"/>
+            </a:xfrm>
+            <a:prstGeom prst="rect">
+              <a:avLst/>
+            </a:prstGeom>
+            <a:noFill/>
+            <a:ln w="9525" cap="flat" cmpd="sng" algn="ctr">
+              <a:solidFill>
                 <a:schemeClr val="accent5"/>
-              </a:fontRef>
-            </p:style>
-            <p:txBody>
-              <a:bodyPr rtlCol="0" anchor="ctr"/>
-              <a:lstStyle/>
-              <a:p>
-                <a:pPr algn="ctr"/>
-                <a:r>
-                  <a:rPr lang="zh-TW" altLang="en-US" sz="1400" dirty="0"/>
-                  <a:t>查詢商品</a:t>
-                </a:r>
-              </a:p>
-            </p:txBody>
-          </p:sp>
-          <p:sp>
-            <p:nvSpPr>
-              <p:cNvPr id="74" name="矩形 73">
-                <a:extLst>
-                  <a:ext uri="{FF2B5EF4-FFF2-40B4-BE49-F238E27FC236}">
-                    <a16:creationId xmlns:a16="http://schemas.microsoft.com/office/drawing/2014/main" id="{47A6AFCF-96C1-43C9-B08F-DFD196152B09}"/>
-                  </a:ext>
-                </a:extLst>
-              </p:cNvPr>
-              <p:cNvSpPr/>
-              <p:nvPr/>
-            </p:nvSpPr>
-            <p:spPr>
-              <a:xfrm>
-                <a:off x="5436095" y="1468176"/>
-                <a:ext cx="353899" cy="1345833"/>
-              </a:xfrm>
-              <a:prstGeom prst="rect">
-                <a:avLst/>
-              </a:prstGeom>
-              <a:noFill/>
-              <a:ln w="9525" cap="flat" cmpd="sng" algn="ctr">
-                <a:solidFill>
-                  <a:schemeClr val="accent5"/>
-                </a:solidFill>
-                <a:prstDash val="solid"/>
-                <a:round/>
-                <a:headEnd type="none" w="med" len="med"/>
-                <a:tailEnd type="none" w="med" len="med"/>
-              </a:ln>
-            </p:spPr>
-            <p:style>
-              <a:lnRef idx="0">
-                <a:scrgbClr r="0" g="0" b="0"/>
-              </a:lnRef>
-              <a:fillRef idx="0">
-                <a:scrgbClr r="0" g="0" b="0"/>
-              </a:fillRef>
-              <a:effectRef idx="0">
-                <a:scrgbClr r="0" g="0" b="0"/>
-              </a:effectRef>
-              <a:fontRef idx="minor">
+              </a:solidFill>
+              <a:prstDash val="solid"/>
+              <a:round/>
+              <a:headEnd type="none" w="med" len="med"/>
+              <a:tailEnd type="none" w="med" len="med"/>
+            </a:ln>
+          </p:spPr>
+          <p:style>
+            <a:lnRef idx="0">
+              <a:scrgbClr r="0" g="0" b="0"/>
+            </a:lnRef>
+            <a:fillRef idx="0">
+              <a:scrgbClr r="0" g="0" b="0"/>
+            </a:fillRef>
+            <a:effectRef idx="0">
+              <a:scrgbClr r="0" g="0" b="0"/>
+            </a:effectRef>
+            <a:fontRef idx="minor">
+              <a:schemeClr val="accent5"/>
+            </a:fontRef>
+          </p:style>
+          <p:txBody>
+            <a:bodyPr rtlCol="0" anchor="ctr"/>
+            <a:lstStyle/>
+            <a:p>
+              <a:pPr algn="ctr"/>
+              <a:r>
+                <a:rPr lang="zh-TW" altLang="en-US" sz="1400" dirty="0"/>
+                <a:t>會員折價</a:t>
+              </a:r>
+            </a:p>
+          </p:txBody>
+        </p:sp>
+        <p:sp>
+          <p:nvSpPr>
+            <p:cNvPr id="75" name="矩形 74">
+              <a:extLst>
+                <a:ext uri="{FF2B5EF4-FFF2-40B4-BE49-F238E27FC236}">
+                  <a16:creationId xmlns:a16="http://schemas.microsoft.com/office/drawing/2014/main" id="{2EF07214-F3F0-4F4F-A039-0AD17F687F9D}"/>
+                </a:ext>
+              </a:extLst>
+            </p:cNvPr>
+            <p:cNvSpPr/>
+            <p:nvPr/>
+          </p:nvSpPr>
+          <p:spPr>
+            <a:xfrm>
+              <a:off x="5166301" y="1468381"/>
+              <a:ext cx="353899" cy="1345833"/>
+            </a:xfrm>
+            <a:prstGeom prst="rect">
+              <a:avLst/>
+            </a:prstGeom>
+            <a:noFill/>
+            <a:ln w="9525" cap="flat" cmpd="sng" algn="ctr">
+              <a:solidFill>
                 <a:schemeClr val="accent5"/>
-              </a:fontRef>
-            </p:style>
-            <p:txBody>
-              <a:bodyPr rtlCol="0" anchor="ctr"/>
-              <a:lstStyle/>
-              <a:p>
-                <a:pPr algn="ctr"/>
-                <a:r>
-                  <a:rPr lang="zh-TW" altLang="en-US" sz="1400" dirty="0"/>
-                  <a:t>活動折價</a:t>
-                </a:r>
-              </a:p>
-            </p:txBody>
-          </p:sp>
-          <p:sp>
-            <p:nvSpPr>
-              <p:cNvPr id="75" name="矩形 74">
-                <a:extLst>
-                  <a:ext uri="{FF2B5EF4-FFF2-40B4-BE49-F238E27FC236}">
-                    <a16:creationId xmlns:a16="http://schemas.microsoft.com/office/drawing/2014/main" id="{2EF07214-F3F0-4F4F-A039-0AD17F687F9D}"/>
-                  </a:ext>
-                </a:extLst>
-              </p:cNvPr>
-              <p:cNvSpPr/>
-              <p:nvPr/>
-            </p:nvSpPr>
-            <p:spPr>
-              <a:xfrm>
-                <a:off x="5035390" y="1468381"/>
-                <a:ext cx="353899" cy="1345833"/>
-              </a:xfrm>
-              <a:prstGeom prst="rect">
-                <a:avLst/>
-              </a:prstGeom>
-              <a:noFill/>
-              <a:ln w="9525" cap="flat" cmpd="sng" algn="ctr">
-                <a:solidFill>
-                  <a:schemeClr val="accent5"/>
-                </a:solidFill>
-                <a:prstDash val="solid"/>
-                <a:round/>
-                <a:headEnd type="none" w="med" len="med"/>
-                <a:tailEnd type="none" w="med" len="med"/>
-              </a:ln>
-            </p:spPr>
-            <p:style>
-              <a:lnRef idx="0">
-                <a:scrgbClr r="0" g="0" b="0"/>
-              </a:lnRef>
-              <a:fillRef idx="0">
-                <a:scrgbClr r="0" g="0" b="0"/>
-              </a:fillRef>
-              <a:effectRef idx="0">
-                <a:scrgbClr r="0" g="0" b="0"/>
-              </a:effectRef>
-              <a:fontRef idx="minor">
+              </a:solidFill>
+              <a:prstDash val="solid"/>
+              <a:round/>
+              <a:headEnd type="none" w="med" len="med"/>
+              <a:tailEnd type="none" w="med" len="med"/>
+            </a:ln>
+          </p:spPr>
+          <p:style>
+            <a:lnRef idx="0">
+              <a:scrgbClr r="0" g="0" b="0"/>
+            </a:lnRef>
+            <a:fillRef idx="0">
+              <a:scrgbClr r="0" g="0" b="0"/>
+            </a:fillRef>
+            <a:effectRef idx="0">
+              <a:scrgbClr r="0" g="0" b="0"/>
+            </a:effectRef>
+            <a:fontRef idx="minor">
+              <a:schemeClr val="accent5"/>
+            </a:fontRef>
+          </p:style>
+          <p:txBody>
+            <a:bodyPr rtlCol="0" anchor="ctr"/>
+            <a:lstStyle/>
+            <a:p>
+              <a:pPr algn="ctr"/>
+              <a:r>
+                <a:rPr lang="zh-TW" altLang="en-US" sz="1400" dirty="0"/>
+                <a:t>計算金額</a:t>
+              </a:r>
+            </a:p>
+          </p:txBody>
+        </p:sp>
+        <p:sp>
+          <p:nvSpPr>
+            <p:cNvPr id="76" name="矩形 75">
+              <a:extLst>
+                <a:ext uri="{FF2B5EF4-FFF2-40B4-BE49-F238E27FC236}">
+                  <a16:creationId xmlns:a16="http://schemas.microsoft.com/office/drawing/2014/main" id="{65DD1409-F73D-4AD1-A14F-31F3BF778E91}"/>
+                </a:ext>
+              </a:extLst>
+            </p:cNvPr>
+            <p:cNvSpPr/>
+            <p:nvPr/>
+          </p:nvSpPr>
+          <p:spPr>
+            <a:xfrm>
+              <a:off x="5976369" y="1468176"/>
+              <a:ext cx="353899" cy="1345833"/>
+            </a:xfrm>
+            <a:prstGeom prst="rect">
+              <a:avLst/>
+            </a:prstGeom>
+            <a:noFill/>
+            <a:ln w="9525" cap="flat" cmpd="sng" algn="ctr">
+              <a:solidFill>
                 <a:schemeClr val="accent5"/>
-              </a:fontRef>
-            </p:style>
-            <p:txBody>
-              <a:bodyPr rtlCol="0" anchor="ctr"/>
-              <a:lstStyle/>
-              <a:p>
-                <a:pPr algn="ctr"/>
-                <a:r>
-                  <a:rPr lang="zh-TW" altLang="en-US" sz="1400" dirty="0"/>
-                  <a:t>計算金額</a:t>
-                </a:r>
-              </a:p>
-            </p:txBody>
-          </p:sp>
-          <p:sp>
-            <p:nvSpPr>
-              <p:cNvPr id="76" name="矩形 75">
-                <a:extLst>
-                  <a:ext uri="{FF2B5EF4-FFF2-40B4-BE49-F238E27FC236}">
-                    <a16:creationId xmlns:a16="http://schemas.microsoft.com/office/drawing/2014/main" id="{65DD1409-F73D-4AD1-A14F-31F3BF778E91}"/>
-                  </a:ext>
-                </a:extLst>
-              </p:cNvPr>
-              <p:cNvSpPr/>
-              <p:nvPr/>
-            </p:nvSpPr>
-            <p:spPr>
-              <a:xfrm>
-                <a:off x="5845458" y="1468176"/>
-                <a:ext cx="353899" cy="1345833"/>
-              </a:xfrm>
-              <a:prstGeom prst="rect">
-                <a:avLst/>
-              </a:prstGeom>
-              <a:noFill/>
-              <a:ln w="9525" cap="flat" cmpd="sng" algn="ctr">
-                <a:solidFill>
-                  <a:schemeClr val="accent5"/>
-                </a:solidFill>
-                <a:prstDash val="solid"/>
-                <a:round/>
-                <a:headEnd type="none" w="med" len="med"/>
-                <a:tailEnd type="none" w="med" len="med"/>
-              </a:ln>
-            </p:spPr>
-            <p:style>
-              <a:lnRef idx="0">
-                <a:scrgbClr r="0" g="0" b="0"/>
-              </a:lnRef>
-              <a:fillRef idx="0">
-                <a:scrgbClr r="0" g="0" b="0"/>
-              </a:fillRef>
-              <a:effectRef idx="0">
-                <a:scrgbClr r="0" g="0" b="0"/>
-              </a:effectRef>
-              <a:fontRef idx="minor">
+              </a:solidFill>
+              <a:prstDash val="solid"/>
+              <a:round/>
+              <a:headEnd type="none" w="med" len="med"/>
+              <a:tailEnd type="none" w="med" len="med"/>
+            </a:ln>
+          </p:spPr>
+          <p:style>
+            <a:lnRef idx="0">
+              <a:scrgbClr r="0" g="0" b="0"/>
+            </a:lnRef>
+            <a:fillRef idx="0">
+              <a:scrgbClr r="0" g="0" b="0"/>
+            </a:fillRef>
+            <a:effectRef idx="0">
+              <a:scrgbClr r="0" g="0" b="0"/>
+            </a:effectRef>
+            <a:fontRef idx="minor">
+              <a:schemeClr val="accent5"/>
+            </a:fontRef>
+          </p:style>
+          <p:txBody>
+            <a:bodyPr rtlCol="0" anchor="ctr"/>
+            <a:lstStyle/>
+            <a:p>
+              <a:pPr algn="ctr"/>
+              <a:r>
+                <a:rPr lang="zh-TW" altLang="en-US" sz="1400" dirty="0"/>
+                <a:t>結帳服務</a:t>
+              </a:r>
+            </a:p>
+          </p:txBody>
+        </p:sp>
+        <p:pic>
+          <p:nvPicPr>
+            <p:cNvPr id="79" name="圖形 78" descr="資料庫">
+              <a:extLst>
+                <a:ext uri="{FF2B5EF4-FFF2-40B4-BE49-F238E27FC236}">
+                  <a16:creationId xmlns:a16="http://schemas.microsoft.com/office/drawing/2014/main" id="{B5B3EB19-7A7E-4DF7-81B0-40768D1F303A}"/>
+                </a:ext>
+              </a:extLst>
+            </p:cNvPr>
+            <p:cNvPicPr>
+              <a:picLocks noChangeAspect="1"/>
+            </p:cNvPicPr>
+            <p:nvPr/>
+          </p:nvPicPr>
+          <p:blipFill>
+            <a:blip r:embed="rId12">
+              <a:extLst>
+                <a:ext uri="{28A0092B-C50C-407E-A947-70E740481C1C}">
+                  <a14:useLocalDpi xmlns:a14="http://schemas.microsoft.com/office/drawing/2010/main" val="0"/>
+                </a:ext>
+                <a:ext uri="{96DAC541-7B7A-43D3-8B79-37D633B846F1}">
+                  <asvg:svgBlip xmlns:asvg="http://schemas.microsoft.com/office/drawing/2016/SVG/main" r:embed="rId13"/>
+                </a:ext>
+              </a:extLst>
+            </a:blip>
+            <a:stretch>
+              <a:fillRect/>
+            </a:stretch>
+          </p:blipFill>
+          <p:spPr>
+            <a:xfrm>
+              <a:off x="3996144" y="1711064"/>
+              <a:ext cx="665624" cy="656257"/>
+            </a:xfrm>
+            <a:prstGeom prst="rect">
+              <a:avLst/>
+            </a:prstGeom>
+          </p:spPr>
+        </p:pic>
+        <p:sp>
+          <p:nvSpPr>
+            <p:cNvPr id="80" name="文字方塊 79">
+              <a:extLst>
+                <a:ext uri="{FF2B5EF4-FFF2-40B4-BE49-F238E27FC236}">
+                  <a16:creationId xmlns:a16="http://schemas.microsoft.com/office/drawing/2014/main" id="{87D619D0-AF1E-42F8-8076-A9047D9E9D9E}"/>
+                </a:ext>
+              </a:extLst>
+            </p:cNvPr>
+            <p:cNvSpPr txBox="1"/>
+            <p:nvPr/>
+          </p:nvSpPr>
+          <p:spPr>
+            <a:xfrm>
+              <a:off x="3817759" y="2367321"/>
+              <a:ext cx="1042273" cy="276999"/>
+            </a:xfrm>
+            <a:prstGeom prst="rect">
+              <a:avLst/>
+            </a:prstGeom>
+            <a:noFill/>
+          </p:spPr>
+          <p:txBody>
+            <a:bodyPr wrap="square" rtlCol="0">
+              <a:spAutoFit/>
+            </a:bodyPr>
+            <a:lstStyle/>
+            <a:p>
+              <a:pPr algn="ctr"/>
+              <a:r>
+                <a:rPr lang="zh-TW" altLang="en-US" sz="1200" b="1" dirty="0">
+                  <a:solidFill>
+                    <a:schemeClr val="tx2"/>
+                  </a:solidFill>
+                  <a:latin typeface="微軟正黑體" panose="020B0604030504040204" pitchFamily="34" charset="-120"/>
+                  <a:ea typeface="微軟正黑體" panose="020B0604030504040204" pitchFamily="34" charset="-120"/>
+                </a:rPr>
+                <a:t>雲端資料庫</a:t>
+              </a:r>
+            </a:p>
+          </p:txBody>
+        </p:sp>
+        <p:sp>
+          <p:nvSpPr>
+            <p:cNvPr id="62" name="矩形 61">
+              <a:extLst>
+                <a:ext uri="{FF2B5EF4-FFF2-40B4-BE49-F238E27FC236}">
+                  <a16:creationId xmlns:a16="http://schemas.microsoft.com/office/drawing/2014/main" id="{1EE0A60B-B7A8-4A2B-A676-6D67E424AEFC}"/>
+                </a:ext>
+              </a:extLst>
+            </p:cNvPr>
+            <p:cNvSpPr/>
+            <p:nvPr/>
+          </p:nvSpPr>
+          <p:spPr>
+            <a:xfrm>
+              <a:off x="6753105" y="1464744"/>
+              <a:ext cx="353899" cy="1345833"/>
+            </a:xfrm>
+            <a:prstGeom prst="rect">
+              <a:avLst/>
+            </a:prstGeom>
+            <a:noFill/>
+            <a:ln w="9525" cap="flat" cmpd="sng" algn="ctr">
+              <a:solidFill>
                 <a:schemeClr val="accent5"/>
-              </a:fontRef>
-            </p:style>
-            <p:txBody>
-              <a:bodyPr rtlCol="0" anchor="ctr"/>
-              <a:lstStyle/>
-              <a:p>
-                <a:pPr algn="ctr"/>
-                <a:r>
-                  <a:rPr lang="zh-TW" altLang="en-US" sz="1400" dirty="0"/>
-                  <a:t>結帳服務</a:t>
-                </a:r>
-              </a:p>
-            </p:txBody>
-          </p:sp>
-          <p:sp>
-            <p:nvSpPr>
-              <p:cNvPr id="77" name="矩形 76">
-                <a:extLst>
-                  <a:ext uri="{FF2B5EF4-FFF2-40B4-BE49-F238E27FC236}">
-                    <a16:creationId xmlns:a16="http://schemas.microsoft.com/office/drawing/2014/main" id="{3D51D6AB-2268-4559-B2B6-A066DF0A0B39}"/>
-                  </a:ext>
-                </a:extLst>
-              </p:cNvPr>
-              <p:cNvSpPr/>
-              <p:nvPr/>
-            </p:nvSpPr>
-            <p:spPr>
-              <a:xfrm>
-                <a:off x="6271886" y="1468381"/>
-                <a:ext cx="353899" cy="1345833"/>
-              </a:xfrm>
-              <a:prstGeom prst="rect">
-                <a:avLst/>
-              </a:prstGeom>
-              <a:noFill/>
-              <a:ln w="9525" cap="flat" cmpd="sng" algn="ctr">
-                <a:solidFill>
-                  <a:schemeClr val="accent5"/>
-                </a:solidFill>
-                <a:prstDash val="solid"/>
-                <a:round/>
-                <a:headEnd type="none" w="med" len="med"/>
-                <a:tailEnd type="none" w="med" len="med"/>
-              </a:ln>
-            </p:spPr>
-            <p:style>
-              <a:lnRef idx="0">
-                <a:scrgbClr r="0" g="0" b="0"/>
-              </a:lnRef>
-              <a:fillRef idx="0">
-                <a:scrgbClr r="0" g="0" b="0"/>
-              </a:fillRef>
-              <a:effectRef idx="0">
-                <a:scrgbClr r="0" g="0" b="0"/>
-              </a:effectRef>
-              <a:fontRef idx="minor">
+              </a:solidFill>
+              <a:prstDash val="solid"/>
+              <a:round/>
+              <a:headEnd type="none" w="med" len="med"/>
+              <a:tailEnd type="none" w="med" len="med"/>
+            </a:ln>
+          </p:spPr>
+          <p:style>
+            <a:lnRef idx="0">
+              <a:scrgbClr r="0" g="0" b="0"/>
+            </a:lnRef>
+            <a:fillRef idx="0">
+              <a:scrgbClr r="0" g="0" b="0"/>
+            </a:fillRef>
+            <a:effectRef idx="0">
+              <a:scrgbClr r="0" g="0" b="0"/>
+            </a:effectRef>
+            <a:fontRef idx="minor">
+              <a:schemeClr val="accent5"/>
+            </a:fontRef>
+          </p:style>
+          <p:txBody>
+            <a:bodyPr rtlCol="0" anchor="ctr"/>
+            <a:lstStyle/>
+            <a:p>
+              <a:pPr algn="ctr"/>
+              <a:r>
+                <a:rPr lang="zh-TW" altLang="en-US" sz="1400" dirty="0"/>
+                <a:t>設定服務</a:t>
+              </a:r>
+              <a:endParaRPr lang="en-US" altLang="zh-TW" sz="1400" dirty="0"/>
+            </a:p>
+          </p:txBody>
+        </p:sp>
+        <p:sp>
+          <p:nvSpPr>
+            <p:cNvPr id="63" name="矩形 62">
+              <a:extLst>
+                <a:ext uri="{FF2B5EF4-FFF2-40B4-BE49-F238E27FC236}">
+                  <a16:creationId xmlns:a16="http://schemas.microsoft.com/office/drawing/2014/main" id="{B11E7A19-3137-446C-A7E8-BFF4102EBA6E}"/>
+                </a:ext>
+              </a:extLst>
+            </p:cNvPr>
+            <p:cNvSpPr/>
+            <p:nvPr/>
+          </p:nvSpPr>
+          <p:spPr>
+            <a:xfrm>
+              <a:off x="7173216" y="1461011"/>
+              <a:ext cx="353899" cy="1345833"/>
+            </a:xfrm>
+            <a:prstGeom prst="rect">
+              <a:avLst/>
+            </a:prstGeom>
+            <a:noFill/>
+            <a:ln w="9525" cap="flat" cmpd="sng" algn="ctr">
+              <a:solidFill>
                 <a:schemeClr val="accent5"/>
-              </a:fontRef>
-            </p:style>
-            <p:txBody>
-              <a:bodyPr rtlCol="0" anchor="ctr"/>
-              <a:lstStyle/>
-              <a:p>
-                <a:pPr algn="ctr"/>
-                <a:r>
-                  <a:rPr lang="zh-TW" altLang="en-US" sz="1200" dirty="0"/>
-                  <a:t>回傳電子發票</a:t>
-                </a:r>
-                <a:endParaRPr lang="en-US" altLang="zh-TW" sz="1200" dirty="0"/>
-              </a:p>
-            </p:txBody>
-          </p:sp>
-          <p:grpSp>
-            <p:nvGrpSpPr>
-              <p:cNvPr id="78" name="群組 77">
-                <a:extLst>
-                  <a:ext uri="{FF2B5EF4-FFF2-40B4-BE49-F238E27FC236}">
-                    <a16:creationId xmlns:a16="http://schemas.microsoft.com/office/drawing/2014/main" id="{F26ADDC3-1006-41E4-AEE5-D84457F80387}"/>
-                  </a:ext>
-                </a:extLst>
-              </p:cNvPr>
-              <p:cNvGrpSpPr/>
-              <p:nvPr/>
-            </p:nvGrpSpPr>
-            <p:grpSpPr>
-              <a:xfrm>
-                <a:off x="3853062" y="1711064"/>
-                <a:ext cx="1042273" cy="933256"/>
-                <a:chOff x="-316531" y="2403016"/>
-                <a:chExt cx="2059126" cy="1870066"/>
-              </a:xfrm>
-            </p:grpSpPr>
-            <p:pic>
-              <p:nvPicPr>
-                <p:cNvPr id="79" name="圖形 78" descr="資料庫">
-                  <a:extLst>
-                    <a:ext uri="{FF2B5EF4-FFF2-40B4-BE49-F238E27FC236}">
-                      <a16:creationId xmlns:a16="http://schemas.microsoft.com/office/drawing/2014/main" id="{B5B3EB19-7A7E-4DF7-81B0-40768D1F303A}"/>
-                    </a:ext>
-                  </a:extLst>
-                </p:cNvPr>
-                <p:cNvPicPr>
-                  <a:picLocks noChangeAspect="1"/>
-                </p:cNvPicPr>
-                <p:nvPr/>
-              </p:nvPicPr>
-              <p:blipFill>
-                <a:blip r:embed="rId12">
-                  <a:extLst>
-                    <a:ext uri="{28A0092B-C50C-407E-A947-70E740481C1C}">
-                      <a14:useLocalDpi xmlns:a14="http://schemas.microsoft.com/office/drawing/2010/main" val="0"/>
-                    </a:ext>
-                    <a:ext uri="{96DAC541-7B7A-43D3-8B79-37D633B846F1}">
-                      <asvg:svgBlip xmlns:asvg="http://schemas.microsoft.com/office/drawing/2016/SVG/main" r:embed="rId13"/>
-                    </a:ext>
-                  </a:extLst>
-                </a:blip>
-                <a:stretch>
-                  <a:fillRect/>
-                </a:stretch>
-              </p:blipFill>
-              <p:spPr>
-                <a:xfrm>
-                  <a:off x="35889" y="2403016"/>
-                  <a:ext cx="1315014" cy="1315014"/>
-                </a:xfrm>
-                <a:prstGeom prst="rect">
-                  <a:avLst/>
-                </a:prstGeom>
-              </p:spPr>
-            </p:pic>
-            <p:sp>
-              <p:nvSpPr>
-                <p:cNvPr id="80" name="文字方塊 79">
-                  <a:extLst>
-                    <a:ext uri="{FF2B5EF4-FFF2-40B4-BE49-F238E27FC236}">
-                      <a16:creationId xmlns:a16="http://schemas.microsoft.com/office/drawing/2014/main" id="{87D619D0-AF1E-42F8-8076-A9047D9E9D9E}"/>
-                    </a:ext>
-                  </a:extLst>
-                </p:cNvPr>
-                <p:cNvSpPr txBox="1"/>
-                <p:nvPr/>
-              </p:nvSpPr>
-              <p:spPr>
-                <a:xfrm>
-                  <a:off x="-316531" y="3718029"/>
-                  <a:ext cx="2059126" cy="555053"/>
-                </a:xfrm>
-                <a:prstGeom prst="rect">
-                  <a:avLst/>
-                </a:prstGeom>
-                <a:noFill/>
-              </p:spPr>
-              <p:txBody>
-                <a:bodyPr wrap="square" rtlCol="0">
-                  <a:spAutoFit/>
-                </a:bodyPr>
-                <a:lstStyle/>
-                <a:p>
-                  <a:pPr algn="ctr"/>
-                  <a:r>
-                    <a:rPr lang="zh-TW" altLang="en-US" sz="1200" b="1" dirty="0">
-                      <a:solidFill>
-                        <a:schemeClr val="tx2"/>
-                      </a:solidFill>
-                      <a:latin typeface="微軟正黑體" panose="020B0604030504040204" pitchFamily="34" charset="-120"/>
-                      <a:ea typeface="微軟正黑體" panose="020B0604030504040204" pitchFamily="34" charset="-120"/>
-                    </a:rPr>
-                    <a:t>雲端資料庫</a:t>
-                  </a:r>
-                </a:p>
-              </p:txBody>
-            </p:sp>
-          </p:grpSp>
-          <p:sp>
-            <p:nvSpPr>
-              <p:cNvPr id="62" name="矩形 61">
-                <a:extLst>
-                  <a:ext uri="{FF2B5EF4-FFF2-40B4-BE49-F238E27FC236}">
-                    <a16:creationId xmlns:a16="http://schemas.microsoft.com/office/drawing/2014/main" id="{1EE0A60B-B7A8-4A2B-A676-6D67E424AEFC}"/>
-                  </a:ext>
-                </a:extLst>
-              </p:cNvPr>
-              <p:cNvSpPr/>
-              <p:nvPr/>
-            </p:nvSpPr>
-            <p:spPr>
-              <a:xfrm>
-                <a:off x="6899118" y="1464744"/>
-                <a:ext cx="353899" cy="1345833"/>
-              </a:xfrm>
-              <a:prstGeom prst="rect">
-                <a:avLst/>
-              </a:prstGeom>
-              <a:noFill/>
-              <a:ln w="9525" cap="flat" cmpd="sng" algn="ctr">
-                <a:solidFill>
-                  <a:schemeClr val="accent5"/>
-                </a:solidFill>
-                <a:prstDash val="solid"/>
-                <a:round/>
-                <a:headEnd type="none" w="med" len="med"/>
-                <a:tailEnd type="none" w="med" len="med"/>
-              </a:ln>
-            </p:spPr>
-            <p:style>
-              <a:lnRef idx="0">
-                <a:scrgbClr r="0" g="0" b="0"/>
-              </a:lnRef>
-              <a:fillRef idx="0">
-                <a:scrgbClr r="0" g="0" b="0"/>
-              </a:fillRef>
-              <a:effectRef idx="0">
-                <a:scrgbClr r="0" g="0" b="0"/>
-              </a:effectRef>
-              <a:fontRef idx="minor">
-                <a:schemeClr val="accent5"/>
-              </a:fontRef>
-            </p:style>
-            <p:txBody>
-              <a:bodyPr rtlCol="0" anchor="ctr"/>
-              <a:lstStyle/>
-              <a:p>
-                <a:pPr algn="ctr"/>
-                <a:r>
-                  <a:rPr lang="zh-TW" altLang="en-US" sz="1400" dirty="0"/>
-                  <a:t>設定服務</a:t>
-                </a:r>
-                <a:endParaRPr lang="en-US" altLang="zh-TW" sz="1400" dirty="0"/>
-              </a:p>
-            </p:txBody>
-          </p:sp>
-          <p:sp>
-            <p:nvSpPr>
-              <p:cNvPr id="63" name="矩形 62">
-                <a:extLst>
-                  <a:ext uri="{FF2B5EF4-FFF2-40B4-BE49-F238E27FC236}">
-                    <a16:creationId xmlns:a16="http://schemas.microsoft.com/office/drawing/2014/main" id="{B11E7A19-3137-446C-A7E8-BFF4102EBA6E}"/>
-                  </a:ext>
-                </a:extLst>
-              </p:cNvPr>
-              <p:cNvSpPr/>
-              <p:nvPr/>
-            </p:nvSpPr>
-            <p:spPr>
-              <a:xfrm>
-                <a:off x="7319229" y="1461011"/>
-                <a:ext cx="353899" cy="1345833"/>
-              </a:xfrm>
-              <a:prstGeom prst="rect">
-                <a:avLst/>
-              </a:prstGeom>
-              <a:noFill/>
-              <a:ln w="9525" cap="flat" cmpd="sng" algn="ctr">
-                <a:solidFill>
-                  <a:schemeClr val="accent5"/>
-                </a:solidFill>
-                <a:prstDash val="solid"/>
-                <a:round/>
-                <a:headEnd type="none" w="med" len="med"/>
-                <a:tailEnd type="none" w="med" len="med"/>
-              </a:ln>
-            </p:spPr>
-            <p:style>
-              <a:lnRef idx="0">
-                <a:scrgbClr r="0" g="0" b="0"/>
-              </a:lnRef>
-              <a:fillRef idx="0">
-                <a:scrgbClr r="0" g="0" b="0"/>
-              </a:fillRef>
-              <a:effectRef idx="0">
-                <a:scrgbClr r="0" g="0" b="0"/>
-              </a:effectRef>
-              <a:fontRef idx="minor">
-                <a:schemeClr val="accent5"/>
-              </a:fontRef>
-            </p:style>
-            <p:txBody>
-              <a:bodyPr rtlCol="0" anchor="ctr"/>
-              <a:lstStyle/>
-              <a:p>
-                <a:pPr algn="ctr"/>
-                <a:r>
-                  <a:rPr lang="zh-TW" altLang="en-US" sz="1400" dirty="0"/>
-                  <a:t>查詢服務</a:t>
-                </a:r>
-                <a:endParaRPr lang="en-US" altLang="zh-TW" sz="1400" dirty="0"/>
-              </a:p>
-            </p:txBody>
-          </p:sp>
-          <p:sp>
-            <p:nvSpPr>
-              <p:cNvPr id="81" name="矩形 80">
-                <a:extLst>
-                  <a:ext uri="{FF2B5EF4-FFF2-40B4-BE49-F238E27FC236}">
-                    <a16:creationId xmlns:a16="http://schemas.microsoft.com/office/drawing/2014/main" id="{F2440C40-41F5-4DC6-BD28-86E0B14FACB2}"/>
-                  </a:ext>
-                </a:extLst>
-              </p:cNvPr>
-              <p:cNvSpPr/>
-              <p:nvPr/>
-            </p:nvSpPr>
-            <p:spPr>
-              <a:xfrm>
-                <a:off x="788794" y="225003"/>
-                <a:ext cx="7520007" cy="769441"/>
-              </a:xfrm>
-              <a:prstGeom prst="rect">
-                <a:avLst/>
-              </a:prstGeom>
-              <a:noFill/>
-            </p:spPr>
-            <p:txBody>
-              <a:bodyPr wrap="none" lIns="91440" tIns="45720" rIns="91440" bIns="45720">
-                <a:spAutoFit/>
-              </a:bodyPr>
-              <a:lstStyle/>
-              <a:p>
-                <a:pPr algn="ctr"/>
-                <a:r>
-                  <a:rPr lang="zh-TW" altLang="en-US" sz="4400" dirty="0">
-                    <a:ln w="0"/>
-                    <a:gradFill>
-                      <a:gsLst>
-                        <a:gs pos="21000">
-                          <a:srgbClr val="53575C"/>
-                        </a:gs>
-                        <a:gs pos="88000">
-                          <a:schemeClr val="accent5">
-                            <a:lumMod val="75000"/>
-                          </a:schemeClr>
-                        </a:gs>
-                      </a:gsLst>
-                      <a:lin ang="5400000"/>
-                    </a:gradFill>
-                  </a:rPr>
-                  <a:t>情境模擬一：</a:t>
-                </a:r>
-                <a:r>
-                  <a:rPr lang="zh-TW" altLang="en-US" sz="4400" b="0" cap="none" spc="0" dirty="0">
-                    <a:ln w="0"/>
-                    <a:gradFill>
-                      <a:gsLst>
-                        <a:gs pos="21000">
-                          <a:srgbClr val="53575C"/>
-                        </a:gs>
-                        <a:gs pos="88000">
-                          <a:schemeClr val="accent5">
-                            <a:lumMod val="75000"/>
-                          </a:schemeClr>
-                        </a:gs>
-                      </a:gsLst>
-                      <a:lin ang="5400000"/>
-                    </a:gradFill>
-                    <a:effectLst/>
-                  </a:rPr>
-                  <a:t>使用者購買商品</a:t>
-                </a:r>
-              </a:p>
-            </p:txBody>
-          </p:sp>
-          <p:cxnSp>
-            <p:nvCxnSpPr>
-              <p:cNvPr id="84" name="直線單箭頭接點 83">
-                <a:extLst>
-                  <a:ext uri="{FF2B5EF4-FFF2-40B4-BE49-F238E27FC236}">
-                    <a16:creationId xmlns:a16="http://schemas.microsoft.com/office/drawing/2014/main" id="{80CBC23B-1DA5-45DF-9E20-D275C1228B06}"/>
-                  </a:ext>
-                </a:extLst>
-              </p:cNvPr>
-              <p:cNvCxnSpPr>
-                <a:cxnSpLocks/>
-              </p:cNvCxnSpPr>
-              <p:nvPr/>
-            </p:nvCxnSpPr>
-            <p:spPr>
-              <a:xfrm>
-                <a:off x="3752917" y="5306919"/>
-                <a:ext cx="621281" cy="0"/>
-              </a:xfrm>
-              <a:prstGeom prst="straightConnector1">
-                <a:avLst/>
-              </a:prstGeom>
-              <a:ln w="76200">
-                <a:solidFill>
-                  <a:schemeClr val="accent2"/>
-                </a:solidFill>
-                <a:tailEnd type="triangle"/>
-              </a:ln>
-            </p:spPr>
-            <p:style>
-              <a:lnRef idx="1">
-                <a:schemeClr val="accent1"/>
-              </a:lnRef>
-              <a:fillRef idx="0">
-                <a:schemeClr val="accent1"/>
-              </a:fillRef>
-              <a:effectRef idx="0">
-                <a:schemeClr val="accent1"/>
-              </a:effectRef>
-              <a:fontRef idx="minor">
-                <a:schemeClr val="tx1"/>
-              </a:fontRef>
-            </p:style>
-          </p:cxnSp>
-          <p:cxnSp>
-            <p:nvCxnSpPr>
-              <p:cNvPr id="91" name="直線單箭頭接點 90">
-                <a:extLst>
-                  <a:ext uri="{FF2B5EF4-FFF2-40B4-BE49-F238E27FC236}">
-                    <a16:creationId xmlns:a16="http://schemas.microsoft.com/office/drawing/2014/main" id="{23F5BF40-8F6A-4ABB-A491-16AE32BC9C7D}"/>
-                  </a:ext>
-                </a:extLst>
-              </p:cNvPr>
-              <p:cNvCxnSpPr>
-                <a:cxnSpLocks/>
-                <a:stCxn id="75" idx="1"/>
-              </p:cNvCxnSpPr>
-              <p:nvPr/>
-            </p:nvCxnSpPr>
-            <p:spPr>
-              <a:xfrm flipH="1" flipV="1">
-                <a:off x="4548798" y="2131104"/>
-                <a:ext cx="486592" cy="10194"/>
-              </a:xfrm>
-              <a:prstGeom prst="straightConnector1">
-                <a:avLst/>
-              </a:prstGeom>
-              <a:ln w="76200">
-                <a:solidFill>
-                  <a:schemeClr val="accent2"/>
-                </a:solidFill>
-                <a:tailEnd type="triangle"/>
-              </a:ln>
-            </p:spPr>
-            <p:style>
-              <a:lnRef idx="1">
-                <a:schemeClr val="accent1"/>
-              </a:lnRef>
-              <a:fillRef idx="0">
-                <a:schemeClr val="accent1"/>
-              </a:fillRef>
-              <a:effectRef idx="0">
-                <a:schemeClr val="accent1"/>
-              </a:effectRef>
-              <a:fontRef idx="minor">
-                <a:schemeClr val="tx1"/>
-              </a:fontRef>
-            </p:style>
-          </p:cxnSp>
-          <p:cxnSp>
-            <p:nvCxnSpPr>
-              <p:cNvPr id="103" name="直線單箭頭接點 102">
-                <a:extLst>
-                  <a:ext uri="{FF2B5EF4-FFF2-40B4-BE49-F238E27FC236}">
-                    <a16:creationId xmlns:a16="http://schemas.microsoft.com/office/drawing/2014/main" id="{CB1A7CF2-04F4-48FC-9D3A-4A7C826B46C8}"/>
-                  </a:ext>
-                </a:extLst>
-              </p:cNvPr>
-              <p:cNvCxnSpPr>
-                <a:cxnSpLocks/>
-              </p:cNvCxnSpPr>
-              <p:nvPr/>
-            </p:nvCxnSpPr>
-            <p:spPr>
-              <a:xfrm flipH="1">
-                <a:off x="4374199" y="2708920"/>
-                <a:ext cx="1697025" cy="0"/>
-              </a:xfrm>
-              <a:prstGeom prst="straightConnector1">
-                <a:avLst/>
-              </a:prstGeom>
-              <a:ln w="76200">
-                <a:solidFill>
-                  <a:schemeClr val="accent2"/>
-                </a:solidFill>
-                <a:tailEnd type="triangle"/>
-              </a:ln>
-            </p:spPr>
-            <p:style>
-              <a:lnRef idx="1">
-                <a:schemeClr val="accent1"/>
-              </a:lnRef>
-              <a:fillRef idx="0">
-                <a:schemeClr val="accent1"/>
-              </a:fillRef>
-              <a:effectRef idx="0">
-                <a:schemeClr val="accent1"/>
-              </a:effectRef>
-              <a:fontRef idx="minor">
-                <a:schemeClr val="tx1"/>
-              </a:fontRef>
-            </p:style>
-          </p:cxnSp>
-          <p:cxnSp>
-            <p:nvCxnSpPr>
-              <p:cNvPr id="111" name="接點: 肘形 110">
-                <a:extLst>
-                  <a:ext uri="{FF2B5EF4-FFF2-40B4-BE49-F238E27FC236}">
-                    <a16:creationId xmlns:a16="http://schemas.microsoft.com/office/drawing/2014/main" id="{0E42ACAD-5D1E-432B-B0BC-CAAD16B2C700}"/>
-                  </a:ext>
-                </a:extLst>
-              </p:cNvPr>
-              <p:cNvCxnSpPr>
-                <a:cxnSpLocks/>
-                <a:stCxn id="51" idx="2"/>
-                <a:endCxn id="57" idx="2"/>
-              </p:cNvCxnSpPr>
-              <p:nvPr/>
-            </p:nvCxnSpPr>
-            <p:spPr>
-              <a:xfrm rot="5400000">
-                <a:off x="7283821" y="4549521"/>
-                <a:ext cx="4007" cy="2386647"/>
-              </a:xfrm>
-              <a:prstGeom prst="bentConnector3">
-                <a:avLst>
-                  <a:gd name="adj1" fmla="val 11193087"/>
-                </a:avLst>
-              </a:prstGeom>
-              <a:ln w="76200">
-                <a:solidFill>
-                  <a:schemeClr val="accent2"/>
-                </a:solidFill>
-                <a:tailEnd type="triangle"/>
-              </a:ln>
-            </p:spPr>
-            <p:style>
-              <a:lnRef idx="1">
-                <a:schemeClr val="accent1"/>
-              </a:lnRef>
-              <a:fillRef idx="0">
-                <a:schemeClr val="accent1"/>
-              </a:fillRef>
-              <a:effectRef idx="0">
-                <a:schemeClr val="accent1"/>
-              </a:effectRef>
-              <a:fontRef idx="minor">
-                <a:schemeClr val="tx1"/>
-              </a:fontRef>
-            </p:style>
-          </p:cxnSp>
-          <p:cxnSp>
-            <p:nvCxnSpPr>
-              <p:cNvPr id="122" name="直線單箭頭接點 121">
-                <a:extLst>
-                  <a:ext uri="{FF2B5EF4-FFF2-40B4-BE49-F238E27FC236}">
-                    <a16:creationId xmlns:a16="http://schemas.microsoft.com/office/drawing/2014/main" id="{8B536500-A313-4E1A-89BF-DADA25E6D44E}"/>
-                  </a:ext>
-                </a:extLst>
-              </p:cNvPr>
-              <p:cNvCxnSpPr>
-                <a:cxnSpLocks/>
-              </p:cNvCxnSpPr>
-              <p:nvPr/>
-            </p:nvCxnSpPr>
-            <p:spPr>
-              <a:xfrm flipH="1">
-                <a:off x="6529298" y="4966272"/>
-                <a:ext cx="562982" cy="0"/>
-              </a:xfrm>
-              <a:prstGeom prst="straightConnector1">
-                <a:avLst/>
-              </a:prstGeom>
-              <a:ln w="76200">
-                <a:solidFill>
-                  <a:schemeClr val="accent2"/>
-                </a:solidFill>
-                <a:tailEnd type="triangle"/>
-              </a:ln>
-            </p:spPr>
-            <p:style>
-              <a:lnRef idx="1">
-                <a:schemeClr val="accent1"/>
-              </a:lnRef>
-              <a:fillRef idx="0">
-                <a:schemeClr val="accent1"/>
-              </a:fillRef>
-              <a:effectRef idx="0">
-                <a:schemeClr val="accent1"/>
-              </a:effectRef>
-              <a:fontRef idx="minor">
-                <a:schemeClr val="tx1"/>
-              </a:fontRef>
-            </p:style>
-          </p:cxnSp>
-          <p:cxnSp>
-            <p:nvCxnSpPr>
-              <p:cNvPr id="131" name="直線單箭頭接點 130">
-                <a:extLst>
-                  <a:ext uri="{FF2B5EF4-FFF2-40B4-BE49-F238E27FC236}">
-                    <a16:creationId xmlns:a16="http://schemas.microsoft.com/office/drawing/2014/main" id="{6B6AE598-18A0-4399-B347-F38DBCC41872}"/>
-                  </a:ext>
-                </a:extLst>
-              </p:cNvPr>
-              <p:cNvCxnSpPr>
-                <a:cxnSpLocks/>
-              </p:cNvCxnSpPr>
-              <p:nvPr/>
-            </p:nvCxnSpPr>
-            <p:spPr>
-              <a:xfrm>
-                <a:off x="6553718" y="5325708"/>
-                <a:ext cx="558177" cy="0"/>
-              </a:xfrm>
-              <a:prstGeom prst="straightConnector1">
-                <a:avLst/>
-              </a:prstGeom>
-              <a:ln w="76200">
-                <a:solidFill>
-                  <a:schemeClr val="accent2"/>
-                </a:solidFill>
-                <a:tailEnd type="triangle"/>
-              </a:ln>
-            </p:spPr>
-            <p:style>
-              <a:lnRef idx="1">
-                <a:schemeClr val="accent1"/>
-              </a:lnRef>
-              <a:fillRef idx="0">
-                <a:schemeClr val="accent1"/>
-              </a:fillRef>
-              <a:effectRef idx="0">
-                <a:schemeClr val="accent1"/>
-              </a:effectRef>
-              <a:fontRef idx="minor">
-                <a:schemeClr val="tx1"/>
-              </a:fontRef>
-            </p:style>
-          </p:cxnSp>
-          <p:sp>
-            <p:nvSpPr>
-              <p:cNvPr id="147" name="文字方塊 146">
-                <a:extLst>
-                  <a:ext uri="{FF2B5EF4-FFF2-40B4-BE49-F238E27FC236}">
-                    <a16:creationId xmlns:a16="http://schemas.microsoft.com/office/drawing/2014/main" id="{0747A187-A705-4CB5-B965-A32B2243E03E}"/>
-                  </a:ext>
-                </a:extLst>
-              </p:cNvPr>
-              <p:cNvSpPr txBox="1"/>
-              <p:nvPr/>
-            </p:nvSpPr>
-            <p:spPr>
-              <a:xfrm>
-                <a:off x="6281655" y="5752628"/>
-                <a:ext cx="1621250" cy="369332"/>
-              </a:xfrm>
-              <a:prstGeom prst="rect">
-                <a:avLst/>
-              </a:prstGeom>
-              <a:noFill/>
-            </p:spPr>
-            <p:txBody>
-              <a:bodyPr wrap="square" rtlCol="0">
-                <a:spAutoFit/>
-              </a:bodyPr>
-              <a:lstStyle/>
-              <a:p>
-                <a:r>
-                  <a:rPr lang="en-US" altLang="zh-TW" dirty="0">
-                    <a:solidFill>
-                      <a:schemeClr val="accent2"/>
-                    </a:solidFill>
-                    <a:latin typeface="微軟正黑體" panose="020B0604030504040204" pitchFamily="34" charset="-120"/>
-                    <a:ea typeface="微軟正黑體" panose="020B0604030504040204" pitchFamily="34" charset="-120"/>
-                  </a:rPr>
-                  <a:t>2.</a:t>
-                </a:r>
-                <a:r>
-                  <a:rPr lang="zh-TW" altLang="en-US" dirty="0">
-                    <a:solidFill>
-                      <a:schemeClr val="accent2"/>
-                    </a:solidFill>
-                    <a:latin typeface="微軟正黑體" panose="020B0604030504040204" pitchFamily="34" charset="-120"/>
-                    <a:ea typeface="微軟正黑體" panose="020B0604030504040204" pitchFamily="34" charset="-120"/>
-                  </a:rPr>
-                  <a:t>   結帳請求</a:t>
-                </a:r>
-                <a:endParaRPr lang="en-US" altLang="zh-TW" dirty="0">
+              </a:solidFill>
+              <a:prstDash val="solid"/>
+              <a:round/>
+              <a:headEnd type="none" w="med" len="med"/>
+              <a:tailEnd type="none" w="med" len="med"/>
+            </a:ln>
+          </p:spPr>
+          <p:style>
+            <a:lnRef idx="0">
+              <a:scrgbClr r="0" g="0" b="0"/>
+            </a:lnRef>
+            <a:fillRef idx="0">
+              <a:scrgbClr r="0" g="0" b="0"/>
+            </a:fillRef>
+            <a:effectRef idx="0">
+              <a:scrgbClr r="0" g="0" b="0"/>
+            </a:effectRef>
+            <a:fontRef idx="minor">
+              <a:schemeClr val="accent5"/>
+            </a:fontRef>
+          </p:style>
+          <p:txBody>
+            <a:bodyPr rtlCol="0" anchor="ctr"/>
+            <a:lstStyle/>
+            <a:p>
+              <a:pPr algn="ctr"/>
+              <a:r>
+                <a:rPr lang="zh-TW" altLang="en-US" sz="1400" dirty="0"/>
+                <a:t>查詢服務</a:t>
+              </a:r>
+              <a:endParaRPr lang="en-US" altLang="zh-TW" sz="1400" dirty="0"/>
+            </a:p>
+          </p:txBody>
+        </p:sp>
+        <p:sp>
+          <p:nvSpPr>
+            <p:cNvPr id="81" name="矩形 80">
+              <a:extLst>
+                <a:ext uri="{FF2B5EF4-FFF2-40B4-BE49-F238E27FC236}">
+                  <a16:creationId xmlns:a16="http://schemas.microsoft.com/office/drawing/2014/main" id="{F2440C40-41F5-4DC6-BD28-86E0B14FACB2}"/>
+                </a:ext>
+              </a:extLst>
+            </p:cNvPr>
+            <p:cNvSpPr/>
+            <p:nvPr/>
+          </p:nvSpPr>
+          <p:spPr>
+            <a:xfrm>
+              <a:off x="788794" y="225003"/>
+              <a:ext cx="7520007" cy="769441"/>
+            </a:xfrm>
+            <a:prstGeom prst="rect">
+              <a:avLst/>
+            </a:prstGeom>
+            <a:noFill/>
+          </p:spPr>
+          <p:txBody>
+            <a:bodyPr wrap="none" lIns="91440" tIns="45720" rIns="91440" bIns="45720">
+              <a:spAutoFit/>
+            </a:bodyPr>
+            <a:lstStyle/>
+            <a:p>
+              <a:pPr algn="ctr"/>
+              <a:r>
+                <a:rPr lang="zh-TW" altLang="en-US" sz="4400" dirty="0">
+                  <a:ln w="0"/>
+                  <a:gradFill>
+                    <a:gsLst>
+                      <a:gs pos="21000">
+                        <a:srgbClr val="53575C"/>
+                      </a:gs>
+                      <a:gs pos="88000">
+                        <a:schemeClr val="accent5">
+                          <a:lumMod val="75000"/>
+                        </a:schemeClr>
+                      </a:gs>
+                    </a:gsLst>
+                    <a:lin ang="5400000"/>
+                  </a:gradFill>
+                </a:rPr>
+                <a:t>情境模擬一：</a:t>
+              </a:r>
+              <a:r>
+                <a:rPr lang="zh-TW" altLang="en-US" sz="4400" b="0" cap="none" spc="0" dirty="0">
+                  <a:ln w="0"/>
+                  <a:gradFill>
+                    <a:gsLst>
+                      <a:gs pos="21000">
+                        <a:srgbClr val="53575C"/>
+                      </a:gs>
+                      <a:gs pos="88000">
+                        <a:schemeClr val="accent5">
+                          <a:lumMod val="75000"/>
+                        </a:schemeClr>
+                      </a:gs>
+                    </a:gsLst>
+                    <a:lin ang="5400000"/>
+                  </a:gradFill>
+                  <a:effectLst/>
+                </a:rPr>
+                <a:t>使用者購買商品</a:t>
+              </a:r>
+            </a:p>
+          </p:txBody>
+        </p:sp>
+        <p:cxnSp>
+          <p:nvCxnSpPr>
+            <p:cNvPr id="84" name="直線單箭頭接點 83">
+              <a:extLst>
+                <a:ext uri="{FF2B5EF4-FFF2-40B4-BE49-F238E27FC236}">
+                  <a16:creationId xmlns:a16="http://schemas.microsoft.com/office/drawing/2014/main" id="{80CBC23B-1DA5-45DF-9E20-D275C1228B06}"/>
+                </a:ext>
+              </a:extLst>
+            </p:cNvPr>
+            <p:cNvCxnSpPr>
+              <a:cxnSpLocks/>
+            </p:cNvCxnSpPr>
+            <p:nvPr/>
+          </p:nvCxnSpPr>
+          <p:spPr>
+            <a:xfrm>
+              <a:off x="3737617" y="5309934"/>
+              <a:ext cx="621281" cy="0"/>
+            </a:xfrm>
+            <a:prstGeom prst="straightConnector1">
+              <a:avLst/>
+            </a:prstGeom>
+            <a:ln w="76200">
+              <a:solidFill>
+                <a:schemeClr val="accent2"/>
+              </a:solidFill>
+              <a:tailEnd type="triangle"/>
+            </a:ln>
+          </p:spPr>
+          <p:style>
+            <a:lnRef idx="1">
+              <a:schemeClr val="accent1"/>
+            </a:lnRef>
+            <a:fillRef idx="0">
+              <a:schemeClr val="accent1"/>
+            </a:fillRef>
+            <a:effectRef idx="0">
+              <a:schemeClr val="accent1"/>
+            </a:effectRef>
+            <a:fontRef idx="minor">
+              <a:schemeClr val="tx1"/>
+            </a:fontRef>
+          </p:style>
+        </p:cxnSp>
+        <p:cxnSp>
+          <p:nvCxnSpPr>
+            <p:cNvPr id="91" name="直線單箭頭接點 90">
+              <a:extLst>
+                <a:ext uri="{FF2B5EF4-FFF2-40B4-BE49-F238E27FC236}">
+                  <a16:creationId xmlns:a16="http://schemas.microsoft.com/office/drawing/2014/main" id="{23F5BF40-8F6A-4ABB-A491-16AE32BC9C7D}"/>
+                </a:ext>
+              </a:extLst>
+            </p:cNvPr>
+            <p:cNvCxnSpPr>
+              <a:cxnSpLocks/>
+              <a:stCxn id="75" idx="1"/>
+            </p:cNvCxnSpPr>
+            <p:nvPr/>
+          </p:nvCxnSpPr>
+          <p:spPr>
+            <a:xfrm flipH="1" flipV="1">
+              <a:off x="4679709" y="2131104"/>
+              <a:ext cx="486592" cy="10194"/>
+            </a:xfrm>
+            <a:prstGeom prst="straightConnector1">
+              <a:avLst/>
+            </a:prstGeom>
+            <a:ln w="76200">
+              <a:solidFill>
+                <a:schemeClr val="accent2"/>
+              </a:solidFill>
+              <a:tailEnd type="triangle"/>
+            </a:ln>
+          </p:spPr>
+          <p:style>
+            <a:lnRef idx="1">
+              <a:schemeClr val="accent1"/>
+            </a:lnRef>
+            <a:fillRef idx="0">
+              <a:schemeClr val="accent1"/>
+            </a:fillRef>
+            <a:effectRef idx="0">
+              <a:schemeClr val="accent1"/>
+            </a:effectRef>
+            <a:fontRef idx="minor">
+              <a:schemeClr val="tx1"/>
+            </a:fontRef>
+          </p:style>
+        </p:cxnSp>
+        <p:cxnSp>
+          <p:nvCxnSpPr>
+            <p:cNvPr id="103" name="直線單箭頭接點 102">
+              <a:extLst>
+                <a:ext uri="{FF2B5EF4-FFF2-40B4-BE49-F238E27FC236}">
+                  <a16:creationId xmlns:a16="http://schemas.microsoft.com/office/drawing/2014/main" id="{CB1A7CF2-04F4-48FC-9D3A-4A7C826B46C8}"/>
+                </a:ext>
+              </a:extLst>
+            </p:cNvPr>
+            <p:cNvCxnSpPr>
+              <a:cxnSpLocks/>
+            </p:cNvCxnSpPr>
+            <p:nvPr/>
+          </p:nvCxnSpPr>
+          <p:spPr>
+            <a:xfrm flipH="1">
+              <a:off x="4374199" y="2708920"/>
+              <a:ext cx="1697025" cy="0"/>
+            </a:xfrm>
+            <a:prstGeom prst="straightConnector1">
+              <a:avLst/>
+            </a:prstGeom>
+            <a:ln w="76200">
+              <a:solidFill>
+                <a:schemeClr val="accent2"/>
+              </a:solidFill>
+              <a:tailEnd type="triangle"/>
+            </a:ln>
+          </p:spPr>
+          <p:style>
+            <a:lnRef idx="1">
+              <a:schemeClr val="accent1"/>
+            </a:lnRef>
+            <a:fillRef idx="0">
+              <a:schemeClr val="accent1"/>
+            </a:fillRef>
+            <a:effectRef idx="0">
+              <a:schemeClr val="accent1"/>
+            </a:effectRef>
+            <a:fontRef idx="minor">
+              <a:schemeClr val="tx1"/>
+            </a:fontRef>
+          </p:style>
+        </p:cxnSp>
+        <p:cxnSp>
+          <p:nvCxnSpPr>
+            <p:cNvPr id="122" name="直線單箭頭接點 121">
+              <a:extLst>
+                <a:ext uri="{FF2B5EF4-FFF2-40B4-BE49-F238E27FC236}">
+                  <a16:creationId xmlns:a16="http://schemas.microsoft.com/office/drawing/2014/main" id="{8B536500-A313-4E1A-89BF-DADA25E6D44E}"/>
+                </a:ext>
+              </a:extLst>
+            </p:cNvPr>
+            <p:cNvCxnSpPr>
+              <a:cxnSpLocks/>
+            </p:cNvCxnSpPr>
+            <p:nvPr/>
+          </p:nvCxnSpPr>
+          <p:spPr>
+            <a:xfrm flipH="1">
+              <a:off x="6529298" y="4966272"/>
+              <a:ext cx="562982" cy="0"/>
+            </a:xfrm>
+            <a:prstGeom prst="straightConnector1">
+              <a:avLst/>
+            </a:prstGeom>
+            <a:ln w="76200">
+              <a:solidFill>
+                <a:schemeClr val="accent2"/>
+              </a:solidFill>
+              <a:tailEnd type="triangle"/>
+            </a:ln>
+          </p:spPr>
+          <p:style>
+            <a:lnRef idx="1">
+              <a:schemeClr val="accent1"/>
+            </a:lnRef>
+            <a:fillRef idx="0">
+              <a:schemeClr val="accent1"/>
+            </a:fillRef>
+            <a:effectRef idx="0">
+              <a:schemeClr val="accent1"/>
+            </a:effectRef>
+            <a:fontRef idx="minor">
+              <a:schemeClr val="tx1"/>
+            </a:fontRef>
+          </p:style>
+        </p:cxnSp>
+        <p:cxnSp>
+          <p:nvCxnSpPr>
+            <p:cNvPr id="131" name="直線單箭頭接點 130">
+              <a:extLst>
+                <a:ext uri="{FF2B5EF4-FFF2-40B4-BE49-F238E27FC236}">
+                  <a16:creationId xmlns:a16="http://schemas.microsoft.com/office/drawing/2014/main" id="{6B6AE598-18A0-4399-B347-F38DBCC41872}"/>
+                </a:ext>
+              </a:extLst>
+            </p:cNvPr>
+            <p:cNvCxnSpPr>
+              <a:cxnSpLocks/>
+            </p:cNvCxnSpPr>
+            <p:nvPr/>
+          </p:nvCxnSpPr>
+          <p:spPr>
+            <a:xfrm>
+              <a:off x="6553718" y="5325708"/>
+              <a:ext cx="558177" cy="0"/>
+            </a:xfrm>
+            <a:prstGeom prst="straightConnector1">
+              <a:avLst/>
+            </a:prstGeom>
+            <a:ln w="76200">
+              <a:solidFill>
+                <a:schemeClr val="accent2"/>
+              </a:solidFill>
+              <a:tailEnd type="triangle"/>
+            </a:ln>
+          </p:spPr>
+          <p:style>
+            <a:lnRef idx="1">
+              <a:schemeClr val="accent1"/>
+            </a:lnRef>
+            <a:fillRef idx="0">
+              <a:schemeClr val="accent1"/>
+            </a:fillRef>
+            <a:effectRef idx="0">
+              <a:schemeClr val="accent1"/>
+            </a:effectRef>
+            <a:fontRef idx="minor">
+              <a:schemeClr val="tx1"/>
+            </a:fontRef>
+          </p:style>
+        </p:cxnSp>
+        <p:sp>
+          <p:nvSpPr>
+            <p:cNvPr id="147" name="文字方塊 146">
+              <a:extLst>
+                <a:ext uri="{FF2B5EF4-FFF2-40B4-BE49-F238E27FC236}">
+                  <a16:creationId xmlns:a16="http://schemas.microsoft.com/office/drawing/2014/main" id="{0747A187-A705-4CB5-B965-A32B2243E03E}"/>
+                </a:ext>
+              </a:extLst>
+            </p:cNvPr>
+            <p:cNvSpPr txBox="1"/>
+            <p:nvPr/>
+          </p:nvSpPr>
+          <p:spPr>
+            <a:xfrm>
+              <a:off x="6281655" y="5752628"/>
+              <a:ext cx="1621250" cy="369332"/>
+            </a:xfrm>
+            <a:prstGeom prst="rect">
+              <a:avLst/>
+            </a:prstGeom>
+            <a:noFill/>
+          </p:spPr>
+          <p:txBody>
+            <a:bodyPr wrap="square" rtlCol="0">
+              <a:spAutoFit/>
+            </a:bodyPr>
+            <a:lstStyle/>
+            <a:p>
+              <a:r>
+                <a:rPr lang="en-US" altLang="zh-TW" dirty="0">
                   <a:solidFill>
                     <a:schemeClr val="accent2"/>
                   </a:solidFill>
                   <a:latin typeface="微軟正黑體" panose="020B0604030504040204" pitchFamily="34" charset="-120"/>
                   <a:ea typeface="微軟正黑體" panose="020B0604030504040204" pitchFamily="34" charset="-120"/>
-                </a:endParaRPr>
-              </a:p>
-            </p:txBody>
-          </p:sp>
-          <p:sp>
-            <p:nvSpPr>
-              <p:cNvPr id="148" name="文字方塊 147">
-                <a:extLst>
-                  <a:ext uri="{FF2B5EF4-FFF2-40B4-BE49-F238E27FC236}">
-                    <a16:creationId xmlns:a16="http://schemas.microsoft.com/office/drawing/2014/main" id="{1F861205-B0D8-421A-925D-9A170D02E44F}"/>
-                  </a:ext>
-                </a:extLst>
-              </p:cNvPr>
-              <p:cNvSpPr txBox="1"/>
-              <p:nvPr/>
-            </p:nvSpPr>
-            <p:spPr>
-              <a:xfrm>
-                <a:off x="3448490" y="5760366"/>
-                <a:ext cx="1278683" cy="369332"/>
-              </a:xfrm>
-              <a:prstGeom prst="rect">
-                <a:avLst/>
-              </a:prstGeom>
-              <a:noFill/>
-            </p:spPr>
-            <p:txBody>
-              <a:bodyPr wrap="square" rtlCol="0">
-                <a:spAutoFit/>
-              </a:bodyPr>
-              <a:lstStyle/>
-              <a:p>
-                <a:r>
-                  <a:rPr lang="en-US" altLang="zh-TW" dirty="0">
-                    <a:solidFill>
-                      <a:schemeClr val="accent2"/>
-                    </a:solidFill>
-                    <a:latin typeface="微軟正黑體" panose="020B0604030504040204" pitchFamily="34" charset="-120"/>
-                    <a:ea typeface="微軟正黑體" panose="020B0604030504040204" pitchFamily="34" charset="-120"/>
-                  </a:rPr>
-                  <a:t>1.</a:t>
-                </a:r>
-                <a:r>
-                  <a:rPr lang="zh-TW" altLang="en-US" dirty="0">
-                    <a:solidFill>
-                      <a:schemeClr val="accent2"/>
-                    </a:solidFill>
-                    <a:latin typeface="微軟正黑體" panose="020B0604030504040204" pitchFamily="34" charset="-120"/>
-                    <a:ea typeface="微軟正黑體" panose="020B0604030504040204" pitchFamily="34" charset="-120"/>
-                  </a:rPr>
-                  <a:t>   掃</a:t>
-                </a:r>
-                <a:r>
-                  <a:rPr lang="en-US" altLang="zh-TW" dirty="0">
-                    <a:solidFill>
-                      <a:schemeClr val="accent2"/>
-                    </a:solidFill>
-                    <a:latin typeface="微軟正黑體" panose="020B0604030504040204" pitchFamily="34" charset="-120"/>
-                    <a:ea typeface="微軟正黑體" panose="020B0604030504040204" pitchFamily="34" charset="-120"/>
-                  </a:rPr>
-                  <a:t>RFID</a:t>
-                </a:r>
-              </a:p>
-            </p:txBody>
-          </p:sp>
-          <p:sp>
-            <p:nvSpPr>
-              <p:cNvPr id="149" name="文字方塊 148">
-                <a:extLst>
-                  <a:ext uri="{FF2B5EF4-FFF2-40B4-BE49-F238E27FC236}">
-                    <a16:creationId xmlns:a16="http://schemas.microsoft.com/office/drawing/2014/main" id="{5FAA7DF1-B98B-4501-8C33-B904313D1593}"/>
-                  </a:ext>
-                </a:extLst>
-              </p:cNvPr>
-              <p:cNvSpPr txBox="1"/>
-              <p:nvPr/>
-            </p:nvSpPr>
-            <p:spPr>
-              <a:xfrm>
-                <a:off x="280318" y="1814953"/>
-                <a:ext cx="1562344" cy="646331"/>
-              </a:xfrm>
-              <a:prstGeom prst="rect">
-                <a:avLst/>
-              </a:prstGeom>
-              <a:noFill/>
-            </p:spPr>
-            <p:txBody>
-              <a:bodyPr wrap="square" rtlCol="0">
-                <a:spAutoFit/>
-              </a:bodyPr>
-              <a:lstStyle/>
-              <a:p>
-                <a:pPr marL="342900" indent="-342900">
-                  <a:buAutoNum type="arabicPeriod" startAt="3"/>
-                </a:pPr>
-                <a:r>
-                  <a:rPr lang="zh-TW" altLang="en-US" dirty="0">
-                    <a:solidFill>
-                      <a:schemeClr val="accent2"/>
-                    </a:solidFill>
-                    <a:latin typeface="微軟正黑體" panose="020B0604030504040204" pitchFamily="34" charset="-120"/>
-                    <a:ea typeface="微軟正黑體" panose="020B0604030504040204" pitchFamily="34" charset="-120"/>
-                  </a:rPr>
-                  <a:t>查詢</a:t>
-                </a:r>
-                <a:r>
-                  <a:rPr lang="en-US" altLang="zh-TW" dirty="0">
-                    <a:solidFill>
-                      <a:schemeClr val="accent2"/>
-                    </a:solidFill>
-                    <a:latin typeface="微軟正黑體" panose="020B0604030504040204" pitchFamily="34" charset="-120"/>
-                    <a:ea typeface="微軟正黑體" panose="020B0604030504040204" pitchFamily="34" charset="-120"/>
-                  </a:rPr>
-                  <a:t>DB</a:t>
-                </a:r>
-                <a:r>
-                  <a:rPr lang="zh-TW" altLang="en-US" dirty="0">
-                    <a:solidFill>
-                      <a:schemeClr val="accent2"/>
-                    </a:solidFill>
-                    <a:latin typeface="微軟正黑體" panose="020B0604030504040204" pitchFamily="34" charset="-120"/>
-                    <a:ea typeface="微軟正黑體" panose="020B0604030504040204" pitchFamily="34" charset="-120"/>
-                  </a:rPr>
-                  <a:t>內</a:t>
-                </a:r>
-                <a:endParaRPr lang="en-US" altLang="zh-TW" dirty="0">
+                </a:rPr>
+                <a:t>2.</a:t>
+              </a:r>
+              <a:r>
+                <a:rPr lang="zh-TW" altLang="en-US" dirty="0">
                   <a:solidFill>
                     <a:schemeClr val="accent2"/>
                   </a:solidFill>
                   <a:latin typeface="微軟正黑體" panose="020B0604030504040204" pitchFamily="34" charset="-120"/>
                   <a:ea typeface="微軟正黑體" panose="020B0604030504040204" pitchFamily="34" charset="-120"/>
-                </a:endParaRPr>
-              </a:p>
-              <a:p>
-                <a:r>
-                  <a:rPr lang="en-US" altLang="zh-TW" dirty="0">
-                    <a:solidFill>
-                      <a:schemeClr val="accent2"/>
-                    </a:solidFill>
-                    <a:latin typeface="微軟正黑體" panose="020B0604030504040204" pitchFamily="34" charset="-120"/>
-                    <a:ea typeface="微軟正黑體" panose="020B0604030504040204" pitchFamily="34" charset="-120"/>
-                  </a:rPr>
-                  <a:t>      </a:t>
-                </a:r>
-                <a:r>
-                  <a:rPr lang="zh-TW" altLang="en-US" dirty="0">
-                    <a:solidFill>
-                      <a:schemeClr val="accent2"/>
-                    </a:solidFill>
-                    <a:latin typeface="微軟正黑體" panose="020B0604030504040204" pitchFamily="34" charset="-120"/>
-                    <a:ea typeface="微軟正黑體" panose="020B0604030504040204" pitchFamily="34" charset="-120"/>
-                  </a:rPr>
-                  <a:t>商品價錢</a:t>
-                </a:r>
-                <a:endParaRPr lang="en-US" altLang="zh-TW" dirty="0">
+                </a:rPr>
+                <a:t>   結帳請求</a:t>
+              </a:r>
+              <a:endParaRPr lang="en-US" altLang="zh-TW" dirty="0">
+                <a:solidFill>
+                  <a:schemeClr val="accent2"/>
+                </a:solidFill>
+                <a:latin typeface="微軟正黑體" panose="020B0604030504040204" pitchFamily="34" charset="-120"/>
+                <a:ea typeface="微軟正黑體" panose="020B0604030504040204" pitchFamily="34" charset="-120"/>
+              </a:endParaRPr>
+            </a:p>
+          </p:txBody>
+        </p:sp>
+        <p:sp>
+          <p:nvSpPr>
+            <p:cNvPr id="148" name="文字方塊 147">
+              <a:extLst>
+                <a:ext uri="{FF2B5EF4-FFF2-40B4-BE49-F238E27FC236}">
+                  <a16:creationId xmlns:a16="http://schemas.microsoft.com/office/drawing/2014/main" id="{1F861205-B0D8-421A-925D-9A170D02E44F}"/>
+                </a:ext>
+              </a:extLst>
+            </p:cNvPr>
+            <p:cNvSpPr txBox="1"/>
+            <p:nvPr/>
+          </p:nvSpPr>
+          <p:spPr>
+            <a:xfrm>
+              <a:off x="3448490" y="5760366"/>
+              <a:ext cx="1278683" cy="369332"/>
+            </a:xfrm>
+            <a:prstGeom prst="rect">
+              <a:avLst/>
+            </a:prstGeom>
+            <a:noFill/>
+          </p:spPr>
+          <p:txBody>
+            <a:bodyPr wrap="square" rtlCol="0">
+              <a:spAutoFit/>
+            </a:bodyPr>
+            <a:lstStyle/>
+            <a:p>
+              <a:r>
+                <a:rPr lang="en-US" altLang="zh-TW" dirty="0">
                   <a:solidFill>
                     <a:schemeClr val="accent2"/>
                   </a:solidFill>
                   <a:latin typeface="微軟正黑體" panose="020B0604030504040204" pitchFamily="34" charset="-120"/>
                   <a:ea typeface="微軟正黑體" panose="020B0604030504040204" pitchFamily="34" charset="-120"/>
-                </a:endParaRPr>
-              </a:p>
-            </p:txBody>
-          </p:sp>
-          <p:sp>
-            <p:nvSpPr>
-              <p:cNvPr id="150" name="文字方塊 149">
-                <a:extLst>
-                  <a:ext uri="{FF2B5EF4-FFF2-40B4-BE49-F238E27FC236}">
-                    <a16:creationId xmlns:a16="http://schemas.microsoft.com/office/drawing/2014/main" id="{43233FD9-1C25-4DA8-8D76-594864A6A4CE}"/>
-                  </a:ext>
-                </a:extLst>
-              </p:cNvPr>
-              <p:cNvSpPr txBox="1"/>
-              <p:nvPr/>
-            </p:nvSpPr>
-            <p:spPr>
-              <a:xfrm>
-                <a:off x="4170803" y="988803"/>
-                <a:ext cx="3451131" cy="369332"/>
-              </a:xfrm>
-              <a:prstGeom prst="rect">
-                <a:avLst/>
-              </a:prstGeom>
-              <a:noFill/>
-            </p:spPr>
-            <p:txBody>
-              <a:bodyPr wrap="square" rtlCol="0">
-                <a:spAutoFit/>
-              </a:bodyPr>
-              <a:lstStyle/>
-              <a:p>
-                <a:r>
-                  <a:rPr lang="en-US" altLang="zh-TW" dirty="0">
-                    <a:solidFill>
-                      <a:schemeClr val="accent2"/>
-                    </a:solidFill>
-                    <a:latin typeface="微軟正黑體" panose="020B0604030504040204" pitchFamily="34" charset="-120"/>
-                    <a:ea typeface="微軟正黑體" panose="020B0604030504040204" pitchFamily="34" charset="-120"/>
-                  </a:rPr>
-                  <a:t>4.</a:t>
-                </a:r>
-                <a:r>
-                  <a:rPr lang="zh-TW" altLang="en-US" dirty="0">
-                    <a:solidFill>
-                      <a:schemeClr val="accent2"/>
-                    </a:solidFill>
-                    <a:latin typeface="微軟正黑體" panose="020B0604030504040204" pitchFamily="34" charset="-120"/>
-                    <a:ea typeface="微軟正黑體" panose="020B0604030504040204" pitchFamily="34" charset="-120"/>
-                  </a:rPr>
-                  <a:t>   查詢商品是否有折價並計算</a:t>
-                </a:r>
-                <a:endParaRPr lang="en-US" altLang="zh-TW" dirty="0">
+                </a:rPr>
+                <a:t>1.</a:t>
+              </a:r>
+              <a:r>
+                <a:rPr lang="zh-TW" altLang="en-US" dirty="0">
                   <a:solidFill>
                     <a:schemeClr val="accent2"/>
                   </a:solidFill>
                   <a:latin typeface="微軟正黑體" panose="020B0604030504040204" pitchFamily="34" charset="-120"/>
                   <a:ea typeface="微軟正黑體" panose="020B0604030504040204" pitchFamily="34" charset="-120"/>
-                </a:endParaRPr>
-              </a:p>
-            </p:txBody>
-          </p:sp>
-          <p:sp>
-            <p:nvSpPr>
-              <p:cNvPr id="151" name="文字方塊 150">
-                <a:extLst>
-                  <a:ext uri="{FF2B5EF4-FFF2-40B4-BE49-F238E27FC236}">
-                    <a16:creationId xmlns:a16="http://schemas.microsoft.com/office/drawing/2014/main" id="{96CCCD9A-4625-47C7-BA66-0B8D7664647A}"/>
-                  </a:ext>
-                </a:extLst>
-              </p:cNvPr>
-              <p:cNvSpPr txBox="1"/>
-              <p:nvPr/>
-            </p:nvSpPr>
-            <p:spPr>
-              <a:xfrm>
-                <a:off x="5398159" y="4322219"/>
-                <a:ext cx="1928754" cy="369332"/>
-              </a:xfrm>
-              <a:prstGeom prst="rect">
-                <a:avLst/>
-              </a:prstGeom>
-              <a:noFill/>
-            </p:spPr>
-            <p:txBody>
-              <a:bodyPr wrap="square" rtlCol="0">
-                <a:spAutoFit/>
-              </a:bodyPr>
-              <a:lstStyle/>
-              <a:p>
-                <a:r>
-                  <a:rPr lang="en-US" altLang="zh-TW" dirty="0">
-                    <a:solidFill>
-                      <a:schemeClr val="accent2"/>
-                    </a:solidFill>
-                    <a:latin typeface="微軟正黑體" panose="020B0604030504040204" pitchFamily="34" charset="-120"/>
-                    <a:ea typeface="微軟正黑體" panose="020B0604030504040204" pitchFamily="34" charset="-120"/>
-                  </a:rPr>
-                  <a:t>5.</a:t>
-                </a:r>
-                <a:r>
-                  <a:rPr lang="zh-TW" altLang="en-US" dirty="0">
-                    <a:solidFill>
-                      <a:schemeClr val="accent2"/>
-                    </a:solidFill>
-                    <a:latin typeface="微軟正黑體" panose="020B0604030504040204" pitchFamily="34" charset="-120"/>
-                    <a:ea typeface="微軟正黑體" panose="020B0604030504040204" pitchFamily="34" charset="-120"/>
-                  </a:rPr>
-                  <a:t>   回傳結帳請求</a:t>
-                </a:r>
-                <a:endParaRPr lang="en-US" altLang="zh-TW" dirty="0">
+                </a:rPr>
+                <a:t>   掃</a:t>
+              </a:r>
+              <a:r>
+                <a:rPr lang="en-US" altLang="zh-TW" dirty="0">
                   <a:solidFill>
                     <a:schemeClr val="accent2"/>
                   </a:solidFill>
                   <a:latin typeface="微軟正黑體" panose="020B0604030504040204" pitchFamily="34" charset="-120"/>
                   <a:ea typeface="微軟正黑體" panose="020B0604030504040204" pitchFamily="34" charset="-120"/>
-                </a:endParaRPr>
-              </a:p>
-            </p:txBody>
-          </p:sp>
-          <p:sp>
-            <p:nvSpPr>
-              <p:cNvPr id="152" name="文字方塊 151">
-                <a:extLst>
-                  <a:ext uri="{FF2B5EF4-FFF2-40B4-BE49-F238E27FC236}">
-                    <a16:creationId xmlns:a16="http://schemas.microsoft.com/office/drawing/2014/main" id="{493216EF-D6C7-4E22-BD3C-8B34BF025BF7}"/>
-                  </a:ext>
-                </a:extLst>
-              </p:cNvPr>
-              <p:cNvSpPr txBox="1"/>
-              <p:nvPr/>
-            </p:nvSpPr>
-            <p:spPr>
-              <a:xfrm>
-                <a:off x="5810533" y="6237312"/>
-                <a:ext cx="3305925" cy="369332"/>
-              </a:xfrm>
-              <a:prstGeom prst="rect">
-                <a:avLst/>
-              </a:prstGeom>
-              <a:noFill/>
-            </p:spPr>
-            <p:txBody>
-              <a:bodyPr wrap="square" rtlCol="0">
-                <a:spAutoFit/>
-              </a:bodyPr>
-              <a:lstStyle/>
-              <a:p>
-                <a:r>
-                  <a:rPr lang="en-US" altLang="zh-TW" dirty="0">
-                    <a:solidFill>
-                      <a:schemeClr val="accent2"/>
-                    </a:solidFill>
-                    <a:latin typeface="微軟正黑體" panose="020B0604030504040204" pitchFamily="34" charset="-120"/>
-                    <a:ea typeface="微軟正黑體" panose="020B0604030504040204" pitchFamily="34" charset="-120"/>
-                  </a:rPr>
-                  <a:t>6.</a:t>
-                </a:r>
-                <a:r>
-                  <a:rPr lang="zh-TW" altLang="en-US" dirty="0">
-                    <a:solidFill>
-                      <a:schemeClr val="accent2"/>
-                    </a:solidFill>
-                    <a:latin typeface="微軟正黑體" panose="020B0604030504040204" pitchFamily="34" charset="-120"/>
-                    <a:ea typeface="微軟正黑體" panose="020B0604030504040204" pitchFamily="34" charset="-120"/>
-                  </a:rPr>
-                  <a:t>   掃</a:t>
-                </a:r>
-                <a:r>
-                  <a:rPr lang="en-US" altLang="zh-TW" dirty="0">
-                    <a:solidFill>
-                      <a:schemeClr val="accent2"/>
-                    </a:solidFill>
-                    <a:latin typeface="微軟正黑體" panose="020B0604030504040204" pitchFamily="34" charset="-120"/>
-                    <a:ea typeface="微軟正黑體" panose="020B0604030504040204" pitchFamily="34" charset="-120"/>
-                  </a:rPr>
-                  <a:t>APP</a:t>
-                </a:r>
-                <a:r>
-                  <a:rPr lang="zh-TW" altLang="en-US" dirty="0">
-                    <a:solidFill>
-                      <a:schemeClr val="accent2"/>
-                    </a:solidFill>
-                    <a:latin typeface="微軟正黑體" panose="020B0604030504040204" pitchFamily="34" charset="-120"/>
-                    <a:ea typeface="微軟正黑體" panose="020B0604030504040204" pitchFamily="34" charset="-120"/>
-                  </a:rPr>
-                  <a:t>上的</a:t>
-                </a:r>
-                <a:r>
-                  <a:rPr lang="en-US" altLang="zh-TW" dirty="0">
-                    <a:solidFill>
-                      <a:schemeClr val="accent2"/>
-                    </a:solidFill>
-                    <a:latin typeface="微軟正黑體" panose="020B0604030504040204" pitchFamily="34" charset="-120"/>
-                    <a:ea typeface="微軟正黑體" panose="020B0604030504040204" pitchFamily="34" charset="-120"/>
-                  </a:rPr>
-                  <a:t>QR</a:t>
-                </a:r>
-                <a:r>
-                  <a:rPr lang="zh-TW" altLang="en-US" dirty="0">
-                    <a:solidFill>
-                      <a:schemeClr val="accent2"/>
-                    </a:solidFill>
-                    <a:latin typeface="微軟正黑體" panose="020B0604030504040204" pitchFamily="34" charset="-120"/>
-                    <a:ea typeface="微軟正黑體" panose="020B0604030504040204" pitchFamily="34" charset="-120"/>
-                  </a:rPr>
-                  <a:t> </a:t>
-                </a:r>
-                <a:r>
-                  <a:rPr lang="en-US" altLang="zh-TW" dirty="0">
-                    <a:solidFill>
-                      <a:schemeClr val="accent2"/>
-                    </a:solidFill>
-                    <a:latin typeface="微軟正黑體" panose="020B0604030504040204" pitchFamily="34" charset="-120"/>
-                    <a:ea typeface="微軟正黑體" panose="020B0604030504040204" pitchFamily="34" charset="-120"/>
-                  </a:rPr>
-                  <a:t>code</a:t>
-                </a:r>
-                <a:r>
-                  <a:rPr lang="zh-TW" altLang="en-US" dirty="0">
-                    <a:solidFill>
-                      <a:schemeClr val="accent2"/>
-                    </a:solidFill>
-                    <a:latin typeface="微軟正黑體" panose="020B0604030504040204" pitchFamily="34" charset="-120"/>
-                    <a:ea typeface="微軟正黑體" panose="020B0604030504040204" pitchFamily="34" charset="-120"/>
-                  </a:rPr>
-                  <a:t>結帳</a:t>
-                </a:r>
-                <a:endParaRPr lang="en-US" altLang="zh-TW" dirty="0">
+                </a:rPr>
+                <a:t>RFID</a:t>
+              </a:r>
+            </a:p>
+          </p:txBody>
+        </p:sp>
+        <p:sp>
+          <p:nvSpPr>
+            <p:cNvPr id="149" name="文字方塊 148">
+              <a:extLst>
+                <a:ext uri="{FF2B5EF4-FFF2-40B4-BE49-F238E27FC236}">
+                  <a16:creationId xmlns:a16="http://schemas.microsoft.com/office/drawing/2014/main" id="{5FAA7DF1-B98B-4501-8C33-B904313D1593}"/>
+                </a:ext>
+              </a:extLst>
+            </p:cNvPr>
+            <p:cNvSpPr txBox="1"/>
+            <p:nvPr/>
+          </p:nvSpPr>
+          <p:spPr>
+            <a:xfrm>
+              <a:off x="3798089" y="1013945"/>
+              <a:ext cx="2477125" cy="369332"/>
+            </a:xfrm>
+            <a:prstGeom prst="rect">
+              <a:avLst/>
+            </a:prstGeom>
+            <a:noFill/>
+          </p:spPr>
+          <p:txBody>
+            <a:bodyPr wrap="square" rtlCol="0">
+              <a:spAutoFit/>
+            </a:bodyPr>
+            <a:lstStyle/>
+            <a:p>
+              <a:pPr marL="342900" indent="-342900">
+                <a:buAutoNum type="arabicPeriod" startAt="3"/>
+              </a:pPr>
+              <a:r>
+                <a:rPr lang="zh-TW" altLang="en-US" dirty="0">
                   <a:solidFill>
                     <a:schemeClr val="accent2"/>
                   </a:solidFill>
                   <a:latin typeface="微軟正黑體" panose="020B0604030504040204" pitchFamily="34" charset="-120"/>
                   <a:ea typeface="微軟正黑體" panose="020B0604030504040204" pitchFamily="34" charset="-120"/>
-                </a:endParaRPr>
-              </a:p>
-            </p:txBody>
-          </p:sp>
-          <p:sp>
-            <p:nvSpPr>
-              <p:cNvPr id="153" name="文字方塊 152">
-                <a:extLst>
-                  <a:ext uri="{FF2B5EF4-FFF2-40B4-BE49-F238E27FC236}">
-                    <a16:creationId xmlns:a16="http://schemas.microsoft.com/office/drawing/2014/main" id="{24A58503-10DC-441F-906C-706F2B7A3063}"/>
-                  </a:ext>
-                </a:extLst>
-              </p:cNvPr>
-              <p:cNvSpPr txBox="1"/>
-              <p:nvPr/>
-            </p:nvSpPr>
-            <p:spPr>
-              <a:xfrm>
-                <a:off x="2915816" y="4330327"/>
-                <a:ext cx="2566704" cy="369332"/>
-              </a:xfrm>
-              <a:prstGeom prst="rect">
-                <a:avLst/>
-              </a:prstGeom>
-              <a:noFill/>
-            </p:spPr>
-            <p:txBody>
-              <a:bodyPr wrap="square" rtlCol="0">
-                <a:spAutoFit/>
-              </a:bodyPr>
-              <a:lstStyle/>
-              <a:p>
-                <a:r>
-                  <a:rPr lang="en-US" altLang="zh-TW" dirty="0">
-                    <a:solidFill>
-                      <a:schemeClr val="accent2"/>
-                    </a:solidFill>
-                    <a:latin typeface="微軟正黑體" panose="020B0604030504040204" pitchFamily="34" charset="-120"/>
-                    <a:ea typeface="微軟正黑體" panose="020B0604030504040204" pitchFamily="34" charset="-120"/>
-                  </a:rPr>
-                  <a:t>7.</a:t>
-                </a:r>
-                <a:r>
-                  <a:rPr lang="zh-TW" altLang="en-US" dirty="0">
-                    <a:solidFill>
-                      <a:schemeClr val="accent2"/>
-                    </a:solidFill>
-                    <a:latin typeface="微軟正黑體" panose="020B0604030504040204" pitchFamily="34" charset="-120"/>
-                    <a:ea typeface="微軟正黑體" panose="020B0604030504040204" pitchFamily="34" charset="-120"/>
-                  </a:rPr>
-                  <a:t>   屏幕顯示交易完成</a:t>
-                </a:r>
-                <a:endParaRPr lang="en-US" altLang="zh-TW" dirty="0">
+                </a:rPr>
+                <a:t>查詢</a:t>
+              </a:r>
+              <a:r>
+                <a:rPr lang="en-US" altLang="zh-TW" dirty="0">
                   <a:solidFill>
                     <a:schemeClr val="accent2"/>
                   </a:solidFill>
                   <a:latin typeface="微軟正黑體" panose="020B0604030504040204" pitchFamily="34" charset="-120"/>
                   <a:ea typeface="微軟正黑體" panose="020B0604030504040204" pitchFamily="34" charset="-120"/>
-                </a:endParaRPr>
-              </a:p>
-            </p:txBody>
-          </p:sp>
-          <p:sp>
-            <p:nvSpPr>
-              <p:cNvPr id="154" name="文字方塊 153">
-                <a:extLst>
-                  <a:ext uri="{FF2B5EF4-FFF2-40B4-BE49-F238E27FC236}">
-                    <a16:creationId xmlns:a16="http://schemas.microsoft.com/office/drawing/2014/main" id="{97F52A4E-6CB0-4693-B9F5-6E2881BBE29A}"/>
-                  </a:ext>
-                </a:extLst>
-              </p:cNvPr>
-              <p:cNvSpPr txBox="1"/>
-              <p:nvPr/>
-            </p:nvSpPr>
-            <p:spPr>
-              <a:xfrm>
-                <a:off x="53412" y="2819419"/>
-                <a:ext cx="1969895" cy="369332"/>
-              </a:xfrm>
-              <a:prstGeom prst="rect">
-                <a:avLst/>
-              </a:prstGeom>
-              <a:noFill/>
-            </p:spPr>
-            <p:txBody>
-              <a:bodyPr wrap="square" rtlCol="0">
-                <a:spAutoFit/>
-              </a:bodyPr>
-              <a:lstStyle/>
-              <a:p>
-                <a:r>
-                  <a:rPr lang="en-US" altLang="zh-TW" dirty="0">
-                    <a:solidFill>
-                      <a:schemeClr val="accent2"/>
-                    </a:solidFill>
-                    <a:latin typeface="微軟正黑體" panose="020B0604030504040204" pitchFamily="34" charset="-120"/>
-                    <a:ea typeface="微軟正黑體" panose="020B0604030504040204" pitchFamily="34" charset="-120"/>
-                  </a:rPr>
-                  <a:t>8.</a:t>
-                </a:r>
-                <a:r>
-                  <a:rPr lang="zh-TW" altLang="en-US" dirty="0">
-                    <a:solidFill>
-                      <a:schemeClr val="accent2"/>
-                    </a:solidFill>
-                    <a:latin typeface="微軟正黑體" panose="020B0604030504040204" pitchFamily="34" charset="-120"/>
-                    <a:ea typeface="微軟正黑體" panose="020B0604030504040204" pitchFamily="34" charset="-120"/>
-                  </a:rPr>
-                  <a:t> 交易紀錄建檔</a:t>
-                </a:r>
-                <a:endParaRPr lang="en-US" altLang="zh-TW" dirty="0">
+                </a:rPr>
+                <a:t>DB</a:t>
+              </a:r>
+              <a:r>
+                <a:rPr lang="zh-TW" altLang="en-US" dirty="0">
                   <a:solidFill>
                     <a:schemeClr val="accent2"/>
                   </a:solidFill>
                   <a:latin typeface="微軟正黑體" panose="020B0604030504040204" pitchFamily="34" charset="-120"/>
                   <a:ea typeface="微軟正黑體" panose="020B0604030504040204" pitchFamily="34" charset="-120"/>
-                </a:endParaRPr>
-              </a:p>
-            </p:txBody>
-          </p:sp>
-          <p:sp>
-            <p:nvSpPr>
-              <p:cNvPr id="155" name="文字方塊 154">
-                <a:extLst>
-                  <a:ext uri="{FF2B5EF4-FFF2-40B4-BE49-F238E27FC236}">
-                    <a16:creationId xmlns:a16="http://schemas.microsoft.com/office/drawing/2014/main" id="{422C9B93-ABE0-4787-A5AB-AA992FA5EF10}"/>
-                  </a:ext>
-                </a:extLst>
-              </p:cNvPr>
-              <p:cNvSpPr txBox="1"/>
-              <p:nvPr/>
-            </p:nvSpPr>
-            <p:spPr>
-              <a:xfrm>
-                <a:off x="7251758" y="4320422"/>
-                <a:ext cx="1928754" cy="369332"/>
-              </a:xfrm>
-              <a:prstGeom prst="rect">
-                <a:avLst/>
-              </a:prstGeom>
-              <a:noFill/>
-            </p:spPr>
-            <p:txBody>
-              <a:bodyPr wrap="square" rtlCol="0">
-                <a:spAutoFit/>
-              </a:bodyPr>
-              <a:lstStyle/>
-              <a:p>
-                <a:r>
-                  <a:rPr lang="en-US" altLang="zh-TW" dirty="0">
-                    <a:solidFill>
-                      <a:schemeClr val="accent2"/>
-                    </a:solidFill>
-                    <a:latin typeface="微軟正黑體" panose="020B0604030504040204" pitchFamily="34" charset="-120"/>
-                    <a:ea typeface="微軟正黑體" panose="020B0604030504040204" pitchFamily="34" charset="-120"/>
-                  </a:rPr>
-                  <a:t>9.</a:t>
-                </a:r>
-                <a:r>
-                  <a:rPr lang="zh-TW" altLang="en-US" dirty="0">
-                    <a:solidFill>
-                      <a:schemeClr val="accent2"/>
-                    </a:solidFill>
-                    <a:latin typeface="微軟正黑體" panose="020B0604030504040204" pitchFamily="34" charset="-120"/>
-                    <a:ea typeface="微軟正黑體" panose="020B0604030504040204" pitchFamily="34" charset="-120"/>
-                  </a:rPr>
-                  <a:t>   回傳電子發票</a:t>
-                </a:r>
-                <a:endParaRPr lang="en-US" altLang="zh-TW" dirty="0">
+                </a:rPr>
+                <a:t>內商品價錢</a:t>
+              </a:r>
+              <a:endParaRPr lang="en-US" altLang="zh-TW" dirty="0">
+                <a:solidFill>
+                  <a:schemeClr val="accent2"/>
+                </a:solidFill>
+                <a:latin typeface="微軟正黑體" panose="020B0604030504040204" pitchFamily="34" charset="-120"/>
+                <a:ea typeface="微軟正黑體" panose="020B0604030504040204" pitchFamily="34" charset="-120"/>
+              </a:endParaRPr>
+            </a:p>
+          </p:txBody>
+        </p:sp>
+        <p:sp>
+          <p:nvSpPr>
+            <p:cNvPr id="151" name="文字方塊 150">
+              <a:extLst>
+                <a:ext uri="{FF2B5EF4-FFF2-40B4-BE49-F238E27FC236}">
+                  <a16:creationId xmlns:a16="http://schemas.microsoft.com/office/drawing/2014/main" id="{96CCCD9A-4625-47C7-BA66-0B8D7664647A}"/>
+                </a:ext>
+              </a:extLst>
+            </p:cNvPr>
+            <p:cNvSpPr txBox="1"/>
+            <p:nvPr/>
+          </p:nvSpPr>
+          <p:spPr>
+            <a:xfrm>
+              <a:off x="5398159" y="4322219"/>
+              <a:ext cx="1928754" cy="369332"/>
+            </a:xfrm>
+            <a:prstGeom prst="rect">
+              <a:avLst/>
+            </a:prstGeom>
+            <a:noFill/>
+          </p:spPr>
+          <p:txBody>
+            <a:bodyPr wrap="square" rtlCol="0">
+              <a:spAutoFit/>
+            </a:bodyPr>
+            <a:lstStyle/>
+            <a:p>
+              <a:r>
+                <a:rPr lang="en-US" altLang="zh-TW" dirty="0">
                   <a:solidFill>
                     <a:schemeClr val="accent2"/>
                   </a:solidFill>
                   <a:latin typeface="微軟正黑體" panose="020B0604030504040204" pitchFamily="34" charset="-120"/>
                   <a:ea typeface="微軟正黑體" panose="020B0604030504040204" pitchFamily="34" charset="-120"/>
-                </a:endParaRPr>
-              </a:p>
-            </p:txBody>
-          </p:sp>
-          <p:cxnSp>
-            <p:nvCxnSpPr>
-              <p:cNvPr id="156" name="直線單箭頭接點 155">
-                <a:extLst>
-                  <a:ext uri="{FF2B5EF4-FFF2-40B4-BE49-F238E27FC236}">
-                    <a16:creationId xmlns:a16="http://schemas.microsoft.com/office/drawing/2014/main" id="{8D893423-A81A-4D6C-9DE8-C60321AA45D8}"/>
-                  </a:ext>
-                </a:extLst>
-              </p:cNvPr>
-              <p:cNvCxnSpPr>
-                <a:cxnSpLocks/>
-              </p:cNvCxnSpPr>
-              <p:nvPr/>
-            </p:nvCxnSpPr>
-            <p:spPr>
-              <a:xfrm>
-                <a:off x="7766830" y="5098830"/>
-                <a:ext cx="549586" cy="0"/>
-              </a:xfrm>
-              <a:prstGeom prst="straightConnector1">
-                <a:avLst/>
-              </a:prstGeom>
-              <a:ln w="76200">
+                </a:rPr>
+                <a:t>4.</a:t>
+              </a:r>
+              <a:r>
+                <a:rPr lang="zh-TW" altLang="en-US" dirty="0">
+                  <a:solidFill>
+                    <a:schemeClr val="accent2"/>
+                  </a:solidFill>
+                  <a:latin typeface="微軟正黑體" panose="020B0604030504040204" pitchFamily="34" charset="-120"/>
+                  <a:ea typeface="微軟正黑體" panose="020B0604030504040204" pitchFamily="34" charset="-120"/>
+                </a:rPr>
+                <a:t>   回傳商品價格</a:t>
+              </a:r>
+              <a:endParaRPr lang="en-US" altLang="zh-TW" dirty="0">
                 <a:solidFill>
                   <a:schemeClr val="accent2"/>
                 </a:solidFill>
-                <a:tailEnd type="triangle"/>
-              </a:ln>
-            </p:spPr>
-            <p:style>
-              <a:lnRef idx="1">
-                <a:schemeClr val="accent1"/>
-              </a:lnRef>
-              <a:fillRef idx="0">
-                <a:schemeClr val="accent1"/>
-              </a:fillRef>
-              <a:effectRef idx="0">
-                <a:schemeClr val="accent1"/>
-              </a:effectRef>
-              <a:fontRef idx="minor">
-                <a:schemeClr val="tx1"/>
-              </a:fontRef>
-            </p:style>
-          </p:cxnSp>
-          <p:cxnSp>
-            <p:nvCxnSpPr>
-              <p:cNvPr id="157" name="直線單箭頭接點 156">
-                <a:extLst>
-                  <a:ext uri="{FF2B5EF4-FFF2-40B4-BE49-F238E27FC236}">
-                    <a16:creationId xmlns:a16="http://schemas.microsoft.com/office/drawing/2014/main" id="{D175BE2B-A829-4EDC-A80E-31E2B17AEAEB}"/>
-                  </a:ext>
-                </a:extLst>
-              </p:cNvPr>
-              <p:cNvCxnSpPr>
-                <a:cxnSpLocks/>
-              </p:cNvCxnSpPr>
-              <p:nvPr/>
-            </p:nvCxnSpPr>
-            <p:spPr>
-              <a:xfrm flipV="1">
-                <a:off x="5613045" y="1287814"/>
-                <a:ext cx="0" cy="370806"/>
-              </a:xfrm>
-              <a:prstGeom prst="straightConnector1">
-                <a:avLst/>
-              </a:prstGeom>
-              <a:ln w="76200">
+                <a:latin typeface="微軟正黑體" panose="020B0604030504040204" pitchFamily="34" charset="-120"/>
+                <a:ea typeface="微軟正黑體" panose="020B0604030504040204" pitchFamily="34" charset="-120"/>
+              </a:endParaRPr>
+            </a:p>
+          </p:txBody>
+        </p:sp>
+        <p:sp>
+          <p:nvSpPr>
+            <p:cNvPr id="153" name="文字方塊 152">
+              <a:extLst>
+                <a:ext uri="{FF2B5EF4-FFF2-40B4-BE49-F238E27FC236}">
+                  <a16:creationId xmlns:a16="http://schemas.microsoft.com/office/drawing/2014/main" id="{24A58503-10DC-441F-906C-706F2B7A3063}"/>
+                </a:ext>
+              </a:extLst>
+            </p:cNvPr>
+            <p:cNvSpPr txBox="1"/>
+            <p:nvPr/>
+          </p:nvSpPr>
+          <p:spPr>
+            <a:xfrm>
+              <a:off x="2393105" y="4126568"/>
+              <a:ext cx="3142768" cy="723275"/>
+            </a:xfrm>
+            <a:prstGeom prst="rect">
+              <a:avLst/>
+            </a:prstGeom>
+            <a:noFill/>
+          </p:spPr>
+          <p:txBody>
+            <a:bodyPr wrap="square" rtlCol="0">
+              <a:spAutoFit/>
+            </a:bodyPr>
+            <a:lstStyle/>
+            <a:p>
+              <a:pPr marL="342900" indent="-342900">
+                <a:spcBef>
+                  <a:spcPts val="600"/>
+                </a:spcBef>
+                <a:buAutoNum type="arabicPeriod" startAt="5"/>
+              </a:pPr>
+              <a:r>
+                <a:rPr lang="en-US" altLang="zh-TW" dirty="0">
+                  <a:solidFill>
+                    <a:schemeClr val="accent2"/>
+                  </a:solidFill>
+                  <a:latin typeface="微軟正黑體" panose="020B0604030504040204" pitchFamily="34" charset="-120"/>
+                  <a:ea typeface="微軟正黑體" panose="020B0604030504040204" pitchFamily="34" charset="-120"/>
+                </a:rPr>
+                <a:t>(a) </a:t>
+              </a:r>
+              <a:r>
+                <a:rPr lang="zh-TW" altLang="en-US" dirty="0">
+                  <a:solidFill>
+                    <a:schemeClr val="accent2"/>
+                  </a:solidFill>
+                  <a:latin typeface="微軟正黑體" panose="020B0604030504040204" pitchFamily="34" charset="-120"/>
+                  <a:ea typeface="微軟正黑體" panose="020B0604030504040204" pitchFamily="34" charset="-120"/>
+                </a:rPr>
+                <a:t>會員卡 </a:t>
+              </a:r>
+              <a:r>
+                <a:rPr lang="en-US" altLang="zh-TW" dirty="0">
+                  <a:solidFill>
+                    <a:schemeClr val="accent2"/>
+                  </a:solidFill>
+                  <a:latin typeface="微軟正黑體" panose="020B0604030504040204" pitchFamily="34" charset="-120"/>
+                  <a:ea typeface="微軟正黑體" panose="020B0604030504040204" pitchFamily="34" charset="-120"/>
+                </a:rPr>
+                <a:t>-&gt; step 6.</a:t>
+              </a:r>
+            </a:p>
+            <a:p>
+              <a:pPr>
+                <a:spcBef>
+                  <a:spcPts val="600"/>
+                </a:spcBef>
+              </a:pPr>
+              <a:r>
+                <a:rPr lang="zh-TW" altLang="en-US" dirty="0">
+                  <a:solidFill>
+                    <a:schemeClr val="accent2"/>
+                  </a:solidFill>
+                  <a:latin typeface="微軟正黑體" panose="020B0604030504040204" pitchFamily="34" charset="-120"/>
+                  <a:ea typeface="微軟正黑體" panose="020B0604030504040204" pitchFamily="34" charset="-120"/>
+                </a:rPr>
+                <a:t>      </a:t>
+              </a:r>
+              <a:r>
+                <a:rPr lang="en-US" altLang="zh-TW" dirty="0">
+                  <a:solidFill>
+                    <a:schemeClr val="accent2"/>
+                  </a:solidFill>
+                  <a:latin typeface="微軟正黑體" panose="020B0604030504040204" pitchFamily="34" charset="-120"/>
+                  <a:ea typeface="微軟正黑體" panose="020B0604030504040204" pitchFamily="34" charset="-120"/>
+                </a:rPr>
+                <a:t>(b) </a:t>
+              </a:r>
+              <a:r>
+                <a:rPr lang="zh-TW" altLang="en-US" dirty="0">
+                  <a:solidFill>
+                    <a:schemeClr val="accent2"/>
+                  </a:solidFill>
+                  <a:latin typeface="微軟正黑體" panose="020B0604030504040204" pitchFamily="34" charset="-120"/>
+                  <a:ea typeface="微軟正黑體" panose="020B0604030504040204" pitchFamily="34" charset="-120"/>
+                </a:rPr>
+                <a:t>悠遊卡 </a:t>
+              </a:r>
+              <a:r>
+                <a:rPr lang="en-US" altLang="zh-TW" dirty="0">
+                  <a:solidFill>
+                    <a:schemeClr val="accent2"/>
+                  </a:solidFill>
+                  <a:latin typeface="微軟正黑體" panose="020B0604030504040204" pitchFamily="34" charset="-120"/>
+                  <a:ea typeface="微軟正黑體" panose="020B0604030504040204" pitchFamily="34" charset="-120"/>
+                </a:rPr>
+                <a:t>-&gt; </a:t>
+              </a:r>
+              <a:r>
+                <a:rPr lang="zh-TW" altLang="en-US" dirty="0">
+                  <a:solidFill>
+                    <a:schemeClr val="accent2"/>
+                  </a:solidFill>
+                  <a:latin typeface="微軟正黑體" panose="020B0604030504040204" pitchFamily="34" charset="-120"/>
+                  <a:ea typeface="微軟正黑體" panose="020B0604030504040204" pitchFamily="34" charset="-120"/>
+                </a:rPr>
+                <a:t>交易完成</a:t>
+              </a:r>
+              <a:endParaRPr lang="en-US" altLang="zh-TW" dirty="0">
                 <a:solidFill>
                   <a:schemeClr val="accent2"/>
                 </a:solidFill>
-                <a:tailEnd type="triangle"/>
-              </a:ln>
-            </p:spPr>
-            <p:style>
-              <a:lnRef idx="1">
-                <a:schemeClr val="accent1"/>
-              </a:lnRef>
-              <a:fillRef idx="0">
-                <a:schemeClr val="accent1"/>
-              </a:fillRef>
-              <a:effectRef idx="0">
-                <a:schemeClr val="accent1"/>
-              </a:effectRef>
-              <a:fontRef idx="minor">
-                <a:schemeClr val="tx1"/>
-              </a:fontRef>
-            </p:style>
-          </p:cxnSp>
-          <p:cxnSp>
-            <p:nvCxnSpPr>
-              <p:cNvPr id="186" name="直線單箭頭接點 185">
-                <a:extLst>
-                  <a:ext uri="{FF2B5EF4-FFF2-40B4-BE49-F238E27FC236}">
-                    <a16:creationId xmlns:a16="http://schemas.microsoft.com/office/drawing/2014/main" id="{A57A143F-9A84-48B3-B100-B267E36277BF}"/>
-                  </a:ext>
-                </a:extLst>
-              </p:cNvPr>
-              <p:cNvCxnSpPr>
-                <a:cxnSpLocks/>
-              </p:cNvCxnSpPr>
-              <p:nvPr/>
-            </p:nvCxnSpPr>
-            <p:spPr>
-              <a:xfrm flipH="1" flipV="1">
-                <a:off x="5210203" y="4631893"/>
-                <a:ext cx="532236" cy="628922"/>
-              </a:xfrm>
-              <a:prstGeom prst="straightConnector1">
-                <a:avLst/>
-              </a:prstGeom>
-              <a:ln w="76200">
+                <a:latin typeface="微軟正黑體" panose="020B0604030504040204" pitchFamily="34" charset="-120"/>
+                <a:ea typeface="微軟正黑體" panose="020B0604030504040204" pitchFamily="34" charset="-120"/>
+              </a:endParaRPr>
+            </a:p>
+          </p:txBody>
+        </p:sp>
+        <p:sp>
+          <p:nvSpPr>
+            <p:cNvPr id="154" name="文字方塊 153">
+              <a:extLst>
+                <a:ext uri="{FF2B5EF4-FFF2-40B4-BE49-F238E27FC236}">
+                  <a16:creationId xmlns:a16="http://schemas.microsoft.com/office/drawing/2014/main" id="{97F52A4E-6CB0-4693-B9F5-6E2881BBE29A}"/>
+                </a:ext>
+              </a:extLst>
+            </p:cNvPr>
+            <p:cNvSpPr txBox="1"/>
+            <p:nvPr/>
+          </p:nvSpPr>
+          <p:spPr>
+            <a:xfrm>
+              <a:off x="53412" y="2819419"/>
+              <a:ext cx="1969895" cy="369332"/>
+            </a:xfrm>
+            <a:prstGeom prst="rect">
+              <a:avLst/>
+            </a:prstGeom>
+            <a:noFill/>
+          </p:spPr>
+          <p:txBody>
+            <a:bodyPr wrap="square" rtlCol="0">
+              <a:spAutoFit/>
+            </a:bodyPr>
+            <a:lstStyle/>
+            <a:p>
+              <a:r>
+                <a:rPr lang="en-US" altLang="zh-TW" dirty="0">
+                  <a:solidFill>
+                    <a:schemeClr val="accent2"/>
+                  </a:solidFill>
+                  <a:latin typeface="微軟正黑體" panose="020B0604030504040204" pitchFamily="34" charset="-120"/>
+                  <a:ea typeface="微軟正黑體" panose="020B0604030504040204" pitchFamily="34" charset="-120"/>
+                </a:rPr>
+                <a:t>7.</a:t>
+              </a:r>
+              <a:r>
+                <a:rPr lang="zh-TW" altLang="en-US" dirty="0">
+                  <a:solidFill>
+                    <a:schemeClr val="accent2"/>
+                  </a:solidFill>
+                  <a:latin typeface="微軟正黑體" panose="020B0604030504040204" pitchFamily="34" charset="-120"/>
+                  <a:ea typeface="微軟正黑體" panose="020B0604030504040204" pitchFamily="34" charset="-120"/>
+                </a:rPr>
+                <a:t>建交易紀錄檔</a:t>
+              </a:r>
+              <a:endParaRPr lang="en-US" altLang="zh-TW" dirty="0">
                 <a:solidFill>
                   <a:schemeClr val="accent2"/>
                 </a:solidFill>
-                <a:tailEnd type="triangle"/>
-              </a:ln>
-            </p:spPr>
-            <p:style>
-              <a:lnRef idx="1">
-                <a:schemeClr val="accent1"/>
-              </a:lnRef>
-              <a:fillRef idx="0">
-                <a:schemeClr val="accent1"/>
-              </a:fillRef>
-              <a:effectRef idx="0">
-                <a:schemeClr val="accent1"/>
-              </a:effectRef>
-              <a:fontRef idx="minor">
-                <a:schemeClr val="tx1"/>
-              </a:fontRef>
-            </p:style>
-          </p:cxnSp>
-          <p:cxnSp>
-            <p:nvCxnSpPr>
-              <p:cNvPr id="21" name="接點: 肘形 20">
-                <a:extLst>
-                  <a:ext uri="{FF2B5EF4-FFF2-40B4-BE49-F238E27FC236}">
-                    <a16:creationId xmlns:a16="http://schemas.microsoft.com/office/drawing/2014/main" id="{C1673B1B-47B6-499F-AF08-6909227CC38F}"/>
-                  </a:ext>
-                </a:extLst>
-              </p:cNvPr>
-              <p:cNvCxnSpPr>
-                <a:cxnSpLocks/>
-                <a:stCxn id="149" idx="0"/>
-              </p:cNvCxnSpPr>
-              <p:nvPr/>
-            </p:nvCxnSpPr>
-            <p:spPr>
-              <a:xfrm rot="16200000" flipH="1">
-                <a:off x="2820336" y="56106"/>
-                <a:ext cx="316153" cy="3833847"/>
-              </a:xfrm>
-              <a:prstGeom prst="bentConnector4">
-                <a:avLst>
-                  <a:gd name="adj1" fmla="val -127398"/>
-                  <a:gd name="adj2" fmla="val 99182"/>
-                </a:avLst>
-              </a:prstGeom>
-              <a:ln w="9525" cap="flat" cmpd="sng" algn="ctr">
+                <a:latin typeface="微軟正黑體" panose="020B0604030504040204" pitchFamily="34" charset="-120"/>
+                <a:ea typeface="微軟正黑體" panose="020B0604030504040204" pitchFamily="34" charset="-120"/>
+              </a:endParaRPr>
+            </a:p>
+          </p:txBody>
+        </p:sp>
+        <p:cxnSp>
+          <p:nvCxnSpPr>
+            <p:cNvPr id="156" name="直線單箭頭接點 155">
+              <a:extLst>
+                <a:ext uri="{FF2B5EF4-FFF2-40B4-BE49-F238E27FC236}">
+                  <a16:creationId xmlns:a16="http://schemas.microsoft.com/office/drawing/2014/main" id="{8D893423-A81A-4D6C-9DE8-C60321AA45D8}"/>
+                </a:ext>
+              </a:extLst>
+            </p:cNvPr>
+            <p:cNvCxnSpPr>
+              <a:cxnSpLocks/>
+            </p:cNvCxnSpPr>
+            <p:nvPr/>
+          </p:nvCxnSpPr>
+          <p:spPr>
+            <a:xfrm>
+              <a:off x="7766830" y="5098830"/>
+              <a:ext cx="549586" cy="0"/>
+            </a:xfrm>
+            <a:prstGeom prst="straightConnector1">
+              <a:avLst/>
+            </a:prstGeom>
+            <a:ln w="76200">
+              <a:solidFill>
+                <a:schemeClr val="accent2"/>
+              </a:solidFill>
+              <a:tailEnd type="triangle"/>
+            </a:ln>
+          </p:spPr>
+          <p:style>
+            <a:lnRef idx="1">
+              <a:schemeClr val="accent1"/>
+            </a:lnRef>
+            <a:fillRef idx="0">
+              <a:schemeClr val="accent1"/>
+            </a:fillRef>
+            <a:effectRef idx="0">
+              <a:schemeClr val="accent1"/>
+            </a:effectRef>
+            <a:fontRef idx="minor">
+              <a:schemeClr val="tx1"/>
+            </a:fontRef>
+          </p:style>
+        </p:cxnSp>
+        <p:cxnSp>
+          <p:nvCxnSpPr>
+            <p:cNvPr id="186" name="直線單箭頭接點 185">
+              <a:extLst>
+                <a:ext uri="{FF2B5EF4-FFF2-40B4-BE49-F238E27FC236}">
+                  <a16:creationId xmlns:a16="http://schemas.microsoft.com/office/drawing/2014/main" id="{A57A143F-9A84-48B3-B100-B267E36277BF}"/>
+                </a:ext>
+              </a:extLst>
+            </p:cNvPr>
+            <p:cNvCxnSpPr>
+              <a:cxnSpLocks/>
+            </p:cNvCxnSpPr>
+            <p:nvPr/>
+          </p:nvCxnSpPr>
+          <p:spPr>
+            <a:xfrm flipH="1" flipV="1">
+              <a:off x="5210203" y="4631893"/>
+              <a:ext cx="532236" cy="628922"/>
+            </a:xfrm>
+            <a:prstGeom prst="straightConnector1">
+              <a:avLst/>
+            </a:prstGeom>
+            <a:ln w="76200">
+              <a:solidFill>
+                <a:schemeClr val="accent2"/>
+              </a:solidFill>
+              <a:tailEnd type="triangle"/>
+            </a:ln>
+          </p:spPr>
+          <p:style>
+            <a:lnRef idx="1">
+              <a:schemeClr val="accent1"/>
+            </a:lnRef>
+            <a:fillRef idx="0">
+              <a:schemeClr val="accent1"/>
+            </a:fillRef>
+            <a:effectRef idx="0">
+              <a:schemeClr val="accent1"/>
+            </a:effectRef>
+            <a:fontRef idx="minor">
+              <a:schemeClr val="tx1"/>
+            </a:fontRef>
+          </p:style>
+        </p:cxnSp>
+        <p:cxnSp>
+          <p:nvCxnSpPr>
+            <p:cNvPr id="21" name="接點: 肘形 20">
+              <a:extLst>
+                <a:ext uri="{FF2B5EF4-FFF2-40B4-BE49-F238E27FC236}">
+                  <a16:creationId xmlns:a16="http://schemas.microsoft.com/office/drawing/2014/main" id="{C1673B1B-47B6-499F-AF08-6909227CC38F}"/>
+                </a:ext>
+              </a:extLst>
+            </p:cNvPr>
+            <p:cNvCxnSpPr>
+              <a:cxnSpLocks/>
+              <a:stCxn id="149" idx="2"/>
+            </p:cNvCxnSpPr>
+            <p:nvPr/>
+          </p:nvCxnSpPr>
+          <p:spPr>
+            <a:xfrm rot="5400000">
+              <a:off x="4654408" y="1765521"/>
+              <a:ext cx="764488" cy="12700"/>
+            </a:xfrm>
+            <a:prstGeom prst="bentConnector3">
+              <a:avLst>
+                <a:gd name="adj1" fmla="val 99007"/>
+              </a:avLst>
+            </a:prstGeom>
+            <a:ln w="9525" cap="flat" cmpd="sng" algn="ctr">
+              <a:solidFill>
+                <a:schemeClr val="accent2"/>
+              </a:solidFill>
+              <a:prstDash val="dash"/>
+              <a:round/>
+              <a:headEnd type="none" w="med" len="med"/>
+              <a:tailEnd type="none" w="med" len="med"/>
+            </a:ln>
+          </p:spPr>
+          <p:style>
+            <a:lnRef idx="0">
+              <a:scrgbClr r="0" g="0" b="0"/>
+            </a:lnRef>
+            <a:fillRef idx="0">
+              <a:scrgbClr r="0" g="0" b="0"/>
+            </a:fillRef>
+            <a:effectRef idx="0">
+              <a:scrgbClr r="0" g="0" b="0"/>
+            </a:effectRef>
+            <a:fontRef idx="minor">
+              <a:schemeClr val="tx1"/>
+            </a:fontRef>
+          </p:style>
+        </p:cxnSp>
+        <p:cxnSp>
+          <p:nvCxnSpPr>
+            <p:cNvPr id="126" name="接點: 肘形 125">
+              <a:extLst>
+                <a:ext uri="{FF2B5EF4-FFF2-40B4-BE49-F238E27FC236}">
+                  <a16:creationId xmlns:a16="http://schemas.microsoft.com/office/drawing/2014/main" id="{EACB2ADF-2F66-41C0-BA2F-C1CF1378CA6C}"/>
+                </a:ext>
+              </a:extLst>
+            </p:cNvPr>
+            <p:cNvCxnSpPr>
+              <a:cxnSpLocks/>
+            </p:cNvCxnSpPr>
+            <p:nvPr/>
+          </p:nvCxnSpPr>
+          <p:spPr>
+            <a:xfrm flipV="1">
+              <a:off x="1019800" y="2705606"/>
+              <a:ext cx="3845026" cy="100453"/>
+            </a:xfrm>
+            <a:prstGeom prst="bentConnector3">
+              <a:avLst>
+                <a:gd name="adj1" fmla="val 125"/>
+              </a:avLst>
+            </a:prstGeom>
+            <a:ln w="9525" cap="flat" cmpd="sng" algn="ctr">
+              <a:solidFill>
+                <a:schemeClr val="accent2"/>
+              </a:solidFill>
+              <a:prstDash val="dash"/>
+              <a:round/>
+              <a:headEnd type="none" w="med" len="med"/>
+              <a:tailEnd type="none" w="med" len="med"/>
+            </a:ln>
+          </p:spPr>
+          <p:style>
+            <a:lnRef idx="0">
+              <a:scrgbClr r="0" g="0" b="0"/>
+            </a:lnRef>
+            <a:fillRef idx="0">
+              <a:scrgbClr r="0" g="0" b="0"/>
+            </a:fillRef>
+            <a:effectRef idx="0">
+              <a:scrgbClr r="0" g="0" b="0"/>
+            </a:effectRef>
+            <a:fontRef idx="minor">
+              <a:schemeClr val="tx1"/>
+            </a:fontRef>
+          </p:style>
+        </p:cxnSp>
+        <p:sp>
+          <p:nvSpPr>
+            <p:cNvPr id="86" name="文字方塊 85">
+              <a:extLst>
+                <a:ext uri="{FF2B5EF4-FFF2-40B4-BE49-F238E27FC236}">
+                  <a16:creationId xmlns:a16="http://schemas.microsoft.com/office/drawing/2014/main" id="{E76EFFC4-0C0A-49E0-B064-154731EF55C2}"/>
+                </a:ext>
+              </a:extLst>
+            </p:cNvPr>
+            <p:cNvSpPr txBox="1"/>
+            <p:nvPr/>
+          </p:nvSpPr>
+          <p:spPr>
+            <a:xfrm>
+              <a:off x="558406" y="1043811"/>
+              <a:ext cx="2218938" cy="369332"/>
+            </a:xfrm>
+            <a:prstGeom prst="rect">
+              <a:avLst/>
+            </a:prstGeom>
+            <a:noFill/>
+          </p:spPr>
+          <p:txBody>
+            <a:bodyPr wrap="square" rtlCol="0">
+              <a:spAutoFit/>
+            </a:bodyPr>
+            <a:lstStyle/>
+            <a:p>
+              <a:r>
+                <a:rPr lang="en-US" altLang="zh-TW" dirty="0">
+                  <a:solidFill>
+                    <a:schemeClr val="accent2"/>
+                  </a:solidFill>
+                  <a:latin typeface="微軟正黑體" panose="020B0604030504040204" pitchFamily="34" charset="-120"/>
+                  <a:ea typeface="微軟正黑體" panose="020B0604030504040204" pitchFamily="34" charset="-120"/>
+                </a:rPr>
+                <a:t>6.   </a:t>
+              </a:r>
+              <a:r>
+                <a:rPr lang="zh-TW" altLang="en-US" dirty="0">
+                  <a:solidFill>
+                    <a:schemeClr val="accent2"/>
+                  </a:solidFill>
+                  <a:latin typeface="微軟正黑體" panose="020B0604030504040204" pitchFamily="34" charset="-120"/>
+                  <a:ea typeface="微軟正黑體" panose="020B0604030504040204" pitchFamily="34" charset="-120"/>
+                </a:rPr>
+                <a:t>查詢是否為會員</a:t>
+              </a:r>
+              <a:endParaRPr lang="en-US" altLang="zh-TW" dirty="0">
                 <a:solidFill>
                   <a:schemeClr val="accent2"/>
                 </a:solidFill>
-                <a:prstDash val="dash"/>
-                <a:round/>
-                <a:headEnd type="none" w="med" len="med"/>
-                <a:tailEnd type="none" w="med" len="med"/>
-              </a:ln>
-            </p:spPr>
-            <p:style>
-              <a:lnRef idx="0">
-                <a:scrgbClr r="0" g="0" b="0"/>
-              </a:lnRef>
-              <a:fillRef idx="0">
-                <a:scrgbClr r="0" g="0" b="0"/>
-              </a:fillRef>
-              <a:effectRef idx="0">
-                <a:scrgbClr r="0" g="0" b="0"/>
-              </a:effectRef>
-              <a:fontRef idx="minor">
-                <a:schemeClr val="tx1"/>
-              </a:fontRef>
-            </p:style>
-          </p:cxnSp>
-          <p:cxnSp>
-            <p:nvCxnSpPr>
-              <p:cNvPr id="126" name="接點: 肘形 125">
-                <a:extLst>
-                  <a:ext uri="{FF2B5EF4-FFF2-40B4-BE49-F238E27FC236}">
-                    <a16:creationId xmlns:a16="http://schemas.microsoft.com/office/drawing/2014/main" id="{EACB2ADF-2F66-41C0-BA2F-C1CF1378CA6C}"/>
-                  </a:ext>
-                </a:extLst>
-              </p:cNvPr>
-              <p:cNvCxnSpPr>
-                <a:cxnSpLocks/>
-              </p:cNvCxnSpPr>
-              <p:nvPr/>
-            </p:nvCxnSpPr>
-            <p:spPr>
-              <a:xfrm flipV="1">
-                <a:off x="1019800" y="2705606"/>
-                <a:ext cx="3845026" cy="100453"/>
-              </a:xfrm>
-              <a:prstGeom prst="bentConnector3">
-                <a:avLst>
-                  <a:gd name="adj1" fmla="val 125"/>
-                </a:avLst>
-              </a:prstGeom>
-              <a:ln w="9525" cap="flat" cmpd="sng" algn="ctr">
-                <a:solidFill>
-                  <a:schemeClr val="accent2"/>
-                </a:solidFill>
-                <a:prstDash val="dash"/>
-                <a:round/>
-                <a:headEnd type="none" w="med" len="med"/>
-                <a:tailEnd type="none" w="med" len="med"/>
-              </a:ln>
-            </p:spPr>
-            <p:style>
-              <a:lnRef idx="0">
-                <a:scrgbClr r="0" g="0" b="0"/>
-              </a:lnRef>
-              <a:fillRef idx="0">
-                <a:scrgbClr r="0" g="0" b="0"/>
-              </a:fillRef>
-              <a:effectRef idx="0">
-                <a:scrgbClr r="0" g="0" b="0"/>
-              </a:effectRef>
-              <a:fontRef idx="minor">
-                <a:schemeClr val="tx1"/>
-              </a:fontRef>
-            </p:style>
-          </p:cxnSp>
-        </p:grpSp>
+                <a:latin typeface="微軟正黑體" panose="020B0604030504040204" pitchFamily="34" charset="-120"/>
+                <a:ea typeface="微軟正黑體" panose="020B0604030504040204" pitchFamily="34" charset="-120"/>
+              </a:endParaRPr>
+            </a:p>
+          </p:txBody>
+        </p:sp>
+        <p:sp>
+          <p:nvSpPr>
+            <p:cNvPr id="36" name="箭號: 上彎 35">
+              <a:extLst>
+                <a:ext uri="{FF2B5EF4-FFF2-40B4-BE49-F238E27FC236}">
+                  <a16:creationId xmlns:a16="http://schemas.microsoft.com/office/drawing/2014/main" id="{9AB39DC4-831A-492D-922C-10CC2F4C223F}"/>
+                </a:ext>
+              </a:extLst>
+            </p:cNvPr>
+            <p:cNvSpPr/>
+            <p:nvPr/>
+          </p:nvSpPr>
+          <p:spPr>
+            <a:xfrm flipH="1">
+              <a:off x="1577605" y="1389627"/>
+              <a:ext cx="500519" cy="478580"/>
+            </a:xfrm>
+            <a:prstGeom prst="bentUpArrow">
+              <a:avLst>
+                <a:gd name="adj1" fmla="val 18953"/>
+                <a:gd name="adj2" fmla="val 28628"/>
+                <a:gd name="adj3" fmla="val 43139"/>
+              </a:avLst>
+            </a:prstGeom>
+            <a:solidFill>
+              <a:schemeClr val="accent2"/>
+            </a:solidFill>
+            <a:ln w="76200">
+              <a:noFill/>
+              <a:tailEnd type="triangle"/>
+            </a:ln>
+          </p:spPr>
+          <p:style>
+            <a:lnRef idx="1">
+              <a:schemeClr val="accent1"/>
+            </a:lnRef>
+            <a:fillRef idx="0">
+              <a:schemeClr val="accent1"/>
+            </a:fillRef>
+            <a:effectRef idx="0">
+              <a:schemeClr val="accent1"/>
+            </a:effectRef>
+            <a:fontRef idx="minor">
+              <a:schemeClr val="tx1"/>
+            </a:fontRef>
+          </p:style>
+          <p:txBody>
+            <a:bodyPr rtlCol="0" anchor="ctr"/>
+            <a:lstStyle/>
+            <a:p>
+              <a:pPr algn="ctr"/>
+              <a:endParaRPr lang="zh-TW" altLang="en-US"/>
+            </a:p>
+          </p:txBody>
+        </p:sp>
       </p:grpSp>
     </p:spTree>
     <p:extLst>

--- a/三下/資訊系統專題/資訊系統專題/無人商店架構圖.pptx
+++ b/三下/資訊系統專題/資訊系統專題/無人商店架構圖.pptx
@@ -5,12 +5,13 @@
     <p:sldMasterId id="2147483648" r:id="rId1"/>
   </p:sldMasterIdLst>
   <p:notesMasterIdLst>
-    <p:notesMasterId r:id="rId5"/>
+    <p:notesMasterId r:id="rId6"/>
   </p:notesMasterIdLst>
   <p:sldIdLst>
     <p:sldId id="256" r:id="rId2"/>
     <p:sldId id="257" r:id="rId3"/>
     <p:sldId id="258" r:id="rId4"/>
+    <p:sldId id="259" r:id="rId5"/>
   </p:sldIdLst>
   <p:sldSz cx="9144000" cy="6858000" type="screen4x3"/>
   <p:notesSz cx="6858000" cy="9144000"/>
@@ -210,7 +211,7 @@
           <a:p>
             <a:fld id="{C354F58A-DC15-4339-B4BB-CC730081D1D4}" type="datetimeFigureOut">
               <a:rPr lang="zh-TW" altLang="en-US" smtClean="0"/>
-              <a:t>2019/10/22</a:t>
+              <a:t>2019/10/27</a:t>
             </a:fld>
             <a:endParaRPr lang="zh-TW" altLang="en-US"/>
           </a:p>
@@ -740,7 +741,7 @@
           <a:p>
             <a:fld id="{5BBEAD13-0566-4C6C-97E7-55F17F24B09F}" type="datetimeFigureOut">
               <a:rPr lang="zh-TW" altLang="en-US" smtClean="0"/>
-              <a:t>2019/10/22</a:t>
+              <a:t>2019/10/27</a:t>
             </a:fld>
             <a:endParaRPr lang="zh-TW" altLang="en-US"/>
           </a:p>
@@ -903,7 +904,7 @@
           <a:p>
             <a:fld id="{5BBEAD13-0566-4C6C-97E7-55F17F24B09F}" type="datetimeFigureOut">
               <a:rPr lang="zh-TW" altLang="en-US" smtClean="0"/>
-              <a:t>2019/10/22</a:t>
+              <a:t>2019/10/27</a:t>
             </a:fld>
             <a:endParaRPr lang="zh-TW" altLang="en-US"/>
           </a:p>
@@ -1076,7 +1077,7 @@
           <a:p>
             <a:fld id="{5BBEAD13-0566-4C6C-97E7-55F17F24B09F}" type="datetimeFigureOut">
               <a:rPr lang="zh-TW" altLang="en-US" smtClean="0"/>
-              <a:t>2019/10/22</a:t>
+              <a:t>2019/10/27</a:t>
             </a:fld>
             <a:endParaRPr lang="zh-TW" altLang="en-US"/>
           </a:p>
@@ -1239,7 +1240,7 @@
           <a:p>
             <a:fld id="{5BBEAD13-0566-4C6C-97E7-55F17F24B09F}" type="datetimeFigureOut">
               <a:rPr lang="zh-TW" altLang="en-US" smtClean="0"/>
-              <a:t>2019/10/22</a:t>
+              <a:t>2019/10/27</a:t>
             </a:fld>
             <a:endParaRPr lang="zh-TW" altLang="en-US"/>
           </a:p>
@@ -1479,7 +1480,7 @@
           <a:p>
             <a:fld id="{5BBEAD13-0566-4C6C-97E7-55F17F24B09F}" type="datetimeFigureOut">
               <a:rPr lang="zh-TW" altLang="en-US" smtClean="0"/>
-              <a:t>2019/10/22</a:t>
+              <a:t>2019/10/27</a:t>
             </a:fld>
             <a:endParaRPr lang="zh-TW" altLang="en-US"/>
           </a:p>
@@ -1759,7 +1760,7 @@
           <a:p>
             <a:fld id="{5BBEAD13-0566-4C6C-97E7-55F17F24B09F}" type="datetimeFigureOut">
               <a:rPr lang="zh-TW" altLang="en-US" smtClean="0"/>
-              <a:t>2019/10/22</a:t>
+              <a:t>2019/10/27</a:t>
             </a:fld>
             <a:endParaRPr lang="zh-TW" altLang="en-US"/>
           </a:p>
@@ -2173,7 +2174,7 @@
           <a:p>
             <a:fld id="{5BBEAD13-0566-4C6C-97E7-55F17F24B09F}" type="datetimeFigureOut">
               <a:rPr lang="zh-TW" altLang="en-US" smtClean="0"/>
-              <a:t>2019/10/22</a:t>
+              <a:t>2019/10/27</a:t>
             </a:fld>
             <a:endParaRPr lang="zh-TW" altLang="en-US"/>
           </a:p>
@@ -2285,7 +2286,7 @@
           <a:p>
             <a:fld id="{5BBEAD13-0566-4C6C-97E7-55F17F24B09F}" type="datetimeFigureOut">
               <a:rPr lang="zh-TW" altLang="en-US" smtClean="0"/>
-              <a:t>2019/10/22</a:t>
+              <a:t>2019/10/27</a:t>
             </a:fld>
             <a:endParaRPr lang="zh-TW" altLang="en-US"/>
           </a:p>
@@ -2375,7 +2376,7 @@
           <a:p>
             <a:fld id="{5BBEAD13-0566-4C6C-97E7-55F17F24B09F}" type="datetimeFigureOut">
               <a:rPr lang="zh-TW" altLang="en-US" smtClean="0"/>
-              <a:t>2019/10/22</a:t>
+              <a:t>2019/10/27</a:t>
             </a:fld>
             <a:endParaRPr lang="zh-TW" altLang="en-US"/>
           </a:p>
@@ -2645,7 +2646,7 @@
           <a:p>
             <a:fld id="{5BBEAD13-0566-4C6C-97E7-55F17F24B09F}" type="datetimeFigureOut">
               <a:rPr lang="zh-TW" altLang="en-US" smtClean="0"/>
-              <a:t>2019/10/22</a:t>
+              <a:t>2019/10/27</a:t>
             </a:fld>
             <a:endParaRPr lang="zh-TW" altLang="en-US"/>
           </a:p>
@@ -2892,7 +2893,7 @@
           <a:p>
             <a:fld id="{5BBEAD13-0566-4C6C-97E7-55F17F24B09F}" type="datetimeFigureOut">
               <a:rPr lang="zh-TW" altLang="en-US" smtClean="0"/>
-              <a:t>2019/10/22</a:t>
+              <a:t>2019/10/27</a:t>
             </a:fld>
             <a:endParaRPr lang="zh-TW" altLang="en-US"/>
           </a:p>
@@ -3098,7 +3099,7 @@
           <a:p>
             <a:fld id="{5BBEAD13-0566-4C6C-97E7-55F17F24B09F}" type="datetimeFigureOut">
               <a:rPr lang="zh-TW" altLang="en-US" smtClean="0"/>
-              <a:t>2019/10/22</a:t>
+              <a:t>2019/10/27</a:t>
             </a:fld>
             <a:endParaRPr lang="zh-TW" altLang="en-US"/>
           </a:p>
@@ -3468,813 +3469,12 @@
           <a:chExt cx="0" cy="0"/>
         </a:xfrm>
       </p:grpSpPr>
-      <p:sp>
-        <p:nvSpPr>
-          <p:cNvPr id="29" name="矩形 28">
+      <p:grpSp>
+        <p:nvGrpSpPr>
+          <p:cNvPr id="6" name="群組 5">
             <a:extLst>
               <a:ext uri="{FF2B5EF4-FFF2-40B4-BE49-F238E27FC236}">
-                <a16:creationId xmlns:a16="http://schemas.microsoft.com/office/drawing/2014/main" id="{2A562E44-B2F2-4FB7-B350-CE15C78090BA}"/>
-              </a:ext>
-            </a:extLst>
-          </p:cNvPr>
-          <p:cNvSpPr/>
-          <p:nvPr/>
-        </p:nvSpPr>
-        <p:spPr>
-          <a:xfrm>
-            <a:off x="781713" y="385184"/>
-            <a:ext cx="7765267" cy="923330"/>
-          </a:xfrm>
-          <a:prstGeom prst="rect">
-            <a:avLst/>
-          </a:prstGeom>
-          <a:noFill/>
-        </p:spPr>
-        <p:txBody>
-          <a:bodyPr wrap="none" lIns="91440" tIns="45720" rIns="91440" bIns="45720">
-            <a:spAutoFit/>
-          </a:bodyPr>
-          <a:lstStyle/>
-          <a:p>
-            <a:pPr algn="ctr"/>
-            <a:r>
-              <a:rPr lang="zh-TW" altLang="en-US" sz="5400" b="0" cap="none" spc="0" dirty="0">
-                <a:ln w="0"/>
-                <a:gradFill>
-                  <a:gsLst>
-                    <a:gs pos="21000">
-                      <a:srgbClr val="53575C"/>
-                    </a:gs>
-                    <a:gs pos="88000">
-                      <a:schemeClr val="accent5">
-                        <a:lumMod val="75000"/>
-                      </a:schemeClr>
-                    </a:gs>
-                  </a:gsLst>
-                  <a:lin ang="5400000"/>
-                </a:gradFill>
-                <a:effectLst/>
-              </a:rPr>
-              <a:t>無人商店之雲端服務框架</a:t>
-            </a:r>
-          </a:p>
-        </p:txBody>
-      </p:sp>
-      <p:sp>
-        <p:nvSpPr>
-          <p:cNvPr id="25" name="雲朵形 24">
-            <a:extLst>
-              <a:ext uri="{FF2B5EF4-FFF2-40B4-BE49-F238E27FC236}">
-                <a16:creationId xmlns:a16="http://schemas.microsoft.com/office/drawing/2014/main" id="{259AD998-16E6-4ABF-9FEC-299198942BCA}"/>
-              </a:ext>
-            </a:extLst>
-          </p:cNvPr>
-          <p:cNvSpPr/>
-          <p:nvPr/>
-        </p:nvSpPr>
-        <p:spPr>
-          <a:xfrm>
-            <a:off x="-900608" y="4663734"/>
-            <a:ext cx="11417937" cy="1469173"/>
-          </a:xfrm>
-          <a:prstGeom prst="cloud">
-            <a:avLst/>
-          </a:prstGeom>
-          <a:pattFill prst="wdUpDiag">
-            <a:fgClr>
-              <a:schemeClr val="accent1"/>
-            </a:fgClr>
-            <a:bgClr>
-              <a:schemeClr val="accent5">
-                <a:lumMod val="75000"/>
-              </a:schemeClr>
-            </a:bgClr>
-          </a:pattFill>
-          <a:ln>
-            <a:noFill/>
-          </a:ln>
-        </p:spPr>
-        <p:style>
-          <a:lnRef idx="2">
-            <a:schemeClr val="accent1">
-              <a:shade val="50000"/>
-            </a:schemeClr>
-          </a:lnRef>
-          <a:fillRef idx="1">
-            <a:schemeClr val="accent1"/>
-          </a:fillRef>
-          <a:effectRef idx="0">
-            <a:schemeClr val="accent1"/>
-          </a:effectRef>
-          <a:fontRef idx="minor">
-            <a:schemeClr val="lt1"/>
-          </a:fontRef>
-        </p:style>
-        <p:txBody>
-          <a:bodyPr rtlCol="0" anchor="ctr"/>
-          <a:lstStyle/>
-          <a:p>
-            <a:pPr algn="ctr"/>
-            <a:endParaRPr lang="zh-TW" altLang="en-US" dirty="0"/>
-          </a:p>
-        </p:txBody>
-      </p:sp>
-      <p:sp>
-        <p:nvSpPr>
-          <p:cNvPr id="4" name="矩形 3">
-            <a:extLst>
-              <a:ext uri="{FF2B5EF4-FFF2-40B4-BE49-F238E27FC236}">
-                <a16:creationId xmlns:a16="http://schemas.microsoft.com/office/drawing/2014/main" id="{3964002A-4543-4A0A-A6BF-4CA67083888C}"/>
-              </a:ext>
-            </a:extLst>
-          </p:cNvPr>
-          <p:cNvSpPr/>
-          <p:nvPr/>
-        </p:nvSpPr>
-        <p:spPr>
-          <a:xfrm>
-            <a:off x="364991" y="4657541"/>
-            <a:ext cx="8743513" cy="663114"/>
-          </a:xfrm>
-          <a:prstGeom prst="rect">
-            <a:avLst/>
-          </a:prstGeom>
-          <a:pattFill prst="narVert">
-            <a:fgClr>
-              <a:srgbClr val="002060"/>
-            </a:fgClr>
-            <a:bgClr>
-              <a:srgbClr val="002060"/>
-            </a:bgClr>
-          </a:pattFill>
-          <a:ln w="9525" cap="flat" cmpd="sng" algn="ctr">
-            <a:solidFill>
-              <a:schemeClr val="tx1"/>
-            </a:solidFill>
-            <a:prstDash val="solid"/>
-            <a:round/>
-            <a:headEnd type="none" w="med" len="med"/>
-            <a:tailEnd type="none" w="med" len="med"/>
-          </a:ln>
-        </p:spPr>
-        <p:style>
-          <a:lnRef idx="0">
-            <a:scrgbClr r="0" g="0" b="0"/>
-          </a:lnRef>
-          <a:fillRef idx="0">
-            <a:scrgbClr r="0" g="0" b="0"/>
-          </a:fillRef>
-          <a:effectRef idx="0">
-            <a:scrgbClr r="0" g="0" b="0"/>
-          </a:effectRef>
-          <a:fontRef idx="minor">
-            <a:schemeClr val="accent3"/>
-          </a:fontRef>
-        </p:style>
-        <p:txBody>
-          <a:bodyPr rot="0" spcFirstLastPara="0" vertOverflow="overflow" horzOverflow="overflow" vert="horz" wrap="square" lIns="91440" tIns="45720" rIns="91440" bIns="45720" numCol="1" spcCol="0" rtlCol="0" fromWordArt="0" anchor="ctr" anchorCtr="0" forceAA="0" compatLnSpc="1">
-            <a:prstTxWarp prst="textNoShape">
-              <a:avLst/>
-            </a:prstTxWarp>
-            <a:noAutofit/>
-          </a:bodyPr>
-          <a:lstStyle/>
-          <a:p>
-            <a:pPr algn="ctr"/>
-            <a:r>
-              <a:rPr lang="zh-TW" altLang="en-US" sz="2400" b="1" dirty="0">
-                <a:ln w="0"/>
-                <a:solidFill>
-                  <a:schemeClr val="bg1"/>
-                </a:solidFill>
-                <a:effectLst>
-                  <a:reflection blurRad="6350" stA="53000" endA="300" endPos="35500" dir="5400000" sy="-90000" algn="bl" rotWithShape="0"/>
-                </a:effectLst>
-                <a:latin typeface="+mj-ea"/>
-                <a:ea typeface="+mj-ea"/>
-              </a:rPr>
-              <a:t>無人商店系統</a:t>
-            </a:r>
-          </a:p>
-        </p:txBody>
-      </p:sp>
-      <p:sp>
-        <p:nvSpPr>
-          <p:cNvPr id="5" name="矩形 4">
-            <a:extLst>
-              <a:ext uri="{FF2B5EF4-FFF2-40B4-BE49-F238E27FC236}">
-                <a16:creationId xmlns:a16="http://schemas.microsoft.com/office/drawing/2014/main" id="{631CD9D3-A850-43B9-898D-9E93467CEA17}"/>
-              </a:ext>
-            </a:extLst>
-          </p:cNvPr>
-          <p:cNvSpPr/>
-          <p:nvPr/>
-        </p:nvSpPr>
-        <p:spPr>
-          <a:xfrm>
-            <a:off x="663233" y="4141786"/>
-            <a:ext cx="2468607" cy="515755"/>
-          </a:xfrm>
-          <a:prstGeom prst="rect">
-            <a:avLst/>
-          </a:prstGeom>
-          <a:noFill/>
-          <a:ln w="9525" cap="flat" cmpd="sng" algn="ctr">
-            <a:solidFill>
-              <a:schemeClr val="accent6"/>
-            </a:solidFill>
-            <a:prstDash val="solid"/>
-            <a:round/>
-            <a:headEnd type="none" w="med" len="med"/>
-            <a:tailEnd type="none" w="med" len="med"/>
-          </a:ln>
-        </p:spPr>
-        <p:style>
-          <a:lnRef idx="0">
-            <a:scrgbClr r="0" g="0" b="0"/>
-          </a:lnRef>
-          <a:fillRef idx="0">
-            <a:scrgbClr r="0" g="0" b="0"/>
-          </a:fillRef>
-          <a:effectRef idx="0">
-            <a:scrgbClr r="0" g="0" b="0"/>
-          </a:effectRef>
-          <a:fontRef idx="minor">
-            <a:schemeClr val="accent6"/>
-          </a:fontRef>
-        </p:style>
-        <p:txBody>
-          <a:bodyPr rot="0" spcFirstLastPara="0" vertOverflow="overflow" horzOverflow="overflow" vert="horz" wrap="square" lIns="91440" tIns="45720" rIns="91440" bIns="45720" numCol="1" spcCol="0" rtlCol="0" fromWordArt="0" anchor="ctr" anchorCtr="0" forceAA="0" compatLnSpc="1">
-            <a:prstTxWarp prst="textNoShape">
-              <a:avLst/>
-            </a:prstTxWarp>
-            <a:noAutofit/>
-          </a:bodyPr>
-          <a:lstStyle/>
-          <a:p>
-            <a:pPr algn="ctr"/>
-            <a:r>
-              <a:rPr lang="zh-TW" altLang="en-US" b="1" dirty="0">
-                <a:solidFill>
-                  <a:schemeClr val="accent6"/>
-                </a:solidFill>
-                <a:latin typeface="微軟正黑體" panose="020B0604030504040204" pitchFamily="34" charset="-120"/>
-                <a:ea typeface="微軟正黑體" panose="020B0604030504040204" pitchFamily="34" charset="-120"/>
-              </a:rPr>
-              <a:t>管理端服務</a:t>
-            </a:r>
-          </a:p>
-        </p:txBody>
-      </p:sp>
-      <p:sp>
-        <p:nvSpPr>
-          <p:cNvPr id="7" name="矩形 6">
-            <a:extLst>
-              <a:ext uri="{FF2B5EF4-FFF2-40B4-BE49-F238E27FC236}">
-                <a16:creationId xmlns:a16="http://schemas.microsoft.com/office/drawing/2014/main" id="{A9455595-E40F-4AF3-9E1E-9E6A778545C0}"/>
-              </a:ext>
-            </a:extLst>
-          </p:cNvPr>
-          <p:cNvSpPr/>
-          <p:nvPr/>
-        </p:nvSpPr>
-        <p:spPr>
-          <a:xfrm>
-            <a:off x="4736416" y="4141786"/>
-            <a:ext cx="1995824" cy="515755"/>
-          </a:xfrm>
-          <a:prstGeom prst="rect">
-            <a:avLst/>
-          </a:prstGeom>
-          <a:noFill/>
-          <a:ln w="9525" cap="flat" cmpd="sng" algn="ctr">
-            <a:solidFill>
-              <a:schemeClr val="accent6"/>
-            </a:solidFill>
-            <a:prstDash val="solid"/>
-            <a:round/>
-            <a:headEnd type="none" w="med" len="med"/>
-            <a:tailEnd type="none" w="med" len="med"/>
-          </a:ln>
-        </p:spPr>
-        <p:style>
-          <a:lnRef idx="0">
-            <a:scrgbClr r="0" g="0" b="0"/>
-          </a:lnRef>
-          <a:fillRef idx="0">
-            <a:scrgbClr r="0" g="0" b="0"/>
-          </a:fillRef>
-          <a:effectRef idx="0">
-            <a:scrgbClr r="0" g="0" b="0"/>
-          </a:effectRef>
-          <a:fontRef idx="minor">
-            <a:schemeClr val="accent6"/>
-          </a:fontRef>
-        </p:style>
-        <p:txBody>
-          <a:bodyPr rot="0" spcFirstLastPara="0" vertOverflow="overflow" horzOverflow="overflow" vert="horz" wrap="square" lIns="91440" tIns="45720" rIns="91440" bIns="45720" numCol="1" spcCol="0" rtlCol="0" fromWordArt="0" anchor="ctr" anchorCtr="0" forceAA="0" compatLnSpc="1">
-            <a:prstTxWarp prst="textNoShape">
-              <a:avLst/>
-            </a:prstTxWarp>
-            <a:noAutofit/>
-          </a:bodyPr>
-          <a:lstStyle/>
-          <a:p>
-            <a:pPr algn="ctr"/>
-            <a:r>
-              <a:rPr lang="zh-TW" altLang="en-US" b="1" dirty="0">
-                <a:latin typeface="微軟正黑體" panose="020B0604030504040204" pitchFamily="34" charset="-120"/>
-                <a:ea typeface="微軟正黑體" panose="020B0604030504040204" pitchFamily="34" charset="-120"/>
-              </a:rPr>
-              <a:t>商店端服務</a:t>
-            </a:r>
-          </a:p>
-        </p:txBody>
-      </p:sp>
-      <p:sp>
-        <p:nvSpPr>
-          <p:cNvPr id="8" name="矩形 7">
-            <a:extLst>
-              <a:ext uri="{FF2B5EF4-FFF2-40B4-BE49-F238E27FC236}">
-                <a16:creationId xmlns:a16="http://schemas.microsoft.com/office/drawing/2014/main" id="{F6F2C94B-2A9E-422E-977A-E11E82296222}"/>
-              </a:ext>
-            </a:extLst>
-          </p:cNvPr>
-          <p:cNvSpPr/>
-          <p:nvPr/>
-        </p:nvSpPr>
-        <p:spPr>
-          <a:xfrm>
-            <a:off x="7092280" y="4135590"/>
-            <a:ext cx="1419887" cy="515755"/>
-          </a:xfrm>
-          <a:prstGeom prst="rect">
-            <a:avLst/>
-          </a:prstGeom>
-          <a:noFill/>
-          <a:ln w="9525" cap="flat" cmpd="sng" algn="ctr">
-            <a:solidFill>
-              <a:schemeClr val="accent6"/>
-            </a:solidFill>
-            <a:prstDash val="solid"/>
-            <a:round/>
-            <a:headEnd type="none" w="med" len="med"/>
-            <a:tailEnd type="none" w="med" len="med"/>
-          </a:ln>
-        </p:spPr>
-        <p:style>
-          <a:lnRef idx="0">
-            <a:scrgbClr r="0" g="0" b="0"/>
-          </a:lnRef>
-          <a:fillRef idx="0">
-            <a:scrgbClr r="0" g="0" b="0"/>
-          </a:fillRef>
-          <a:effectRef idx="0">
-            <a:scrgbClr r="0" g="0" b="0"/>
-          </a:effectRef>
-          <a:fontRef idx="minor">
-            <a:schemeClr val="accent6"/>
-          </a:fontRef>
-        </p:style>
-        <p:txBody>
-          <a:bodyPr rot="0" spcFirstLastPara="0" vertOverflow="overflow" horzOverflow="overflow" vert="horz" wrap="square" lIns="91440" tIns="45720" rIns="91440" bIns="45720" numCol="1" spcCol="0" rtlCol="0" fromWordArt="0" anchor="ctr" anchorCtr="0" forceAA="0" compatLnSpc="1">
-            <a:prstTxWarp prst="textNoShape">
-              <a:avLst/>
-            </a:prstTxWarp>
-            <a:noAutofit/>
-          </a:bodyPr>
-          <a:lstStyle/>
-          <a:p>
-            <a:pPr algn="ctr"/>
-            <a:r>
-              <a:rPr lang="zh-TW" altLang="en-US" sz="1600" b="1" dirty="0">
-                <a:latin typeface="微軟正黑體" panose="020B0604030504040204" pitchFamily="34" charset="-120"/>
-                <a:ea typeface="微軟正黑體" panose="020B0604030504040204" pitchFamily="34" charset="-120"/>
-              </a:rPr>
-              <a:t>使用者手機</a:t>
-            </a:r>
-            <a:r>
-              <a:rPr lang="en-US" altLang="zh-TW" sz="1600" b="1" dirty="0">
-                <a:latin typeface="微軟正黑體" panose="020B0604030504040204" pitchFamily="34" charset="-120"/>
-                <a:ea typeface="微軟正黑體" panose="020B0604030504040204" pitchFamily="34" charset="-120"/>
-              </a:rPr>
-              <a:t>APP</a:t>
-            </a:r>
-            <a:r>
-              <a:rPr lang="zh-TW" altLang="en-US" sz="1600" b="1" dirty="0">
-                <a:latin typeface="微軟正黑體" panose="020B0604030504040204" pitchFamily="34" charset="-120"/>
-                <a:ea typeface="微軟正黑體" panose="020B0604030504040204" pitchFamily="34" charset="-120"/>
-              </a:rPr>
-              <a:t>服務</a:t>
-            </a:r>
-          </a:p>
-        </p:txBody>
-      </p:sp>
-      <p:sp>
-        <p:nvSpPr>
-          <p:cNvPr id="10" name="矩形 9">
-            <a:extLst>
-              <a:ext uri="{FF2B5EF4-FFF2-40B4-BE49-F238E27FC236}">
-                <a16:creationId xmlns:a16="http://schemas.microsoft.com/office/drawing/2014/main" id="{42CD4FAF-D7A4-48A0-877D-29376187F47D}"/>
-              </a:ext>
-            </a:extLst>
-          </p:cNvPr>
-          <p:cNvSpPr/>
-          <p:nvPr/>
-        </p:nvSpPr>
-        <p:spPr>
-          <a:xfrm>
-            <a:off x="745595" y="2146252"/>
-            <a:ext cx="523116" cy="1989341"/>
-          </a:xfrm>
-          <a:prstGeom prst="rect">
-            <a:avLst/>
-          </a:prstGeom>
-          <a:noFill/>
-          <a:ln w="9525" cap="flat" cmpd="sng" algn="ctr">
-            <a:solidFill>
-              <a:schemeClr val="accent5"/>
-            </a:solidFill>
-            <a:prstDash val="solid"/>
-            <a:round/>
-            <a:headEnd type="none" w="med" len="med"/>
-            <a:tailEnd type="none" w="med" len="med"/>
-          </a:ln>
-        </p:spPr>
-        <p:style>
-          <a:lnRef idx="0">
-            <a:scrgbClr r="0" g="0" b="0"/>
-          </a:lnRef>
-          <a:fillRef idx="0">
-            <a:scrgbClr r="0" g="0" b="0"/>
-          </a:fillRef>
-          <a:effectRef idx="0">
-            <a:scrgbClr r="0" g="0" b="0"/>
-          </a:effectRef>
-          <a:fontRef idx="minor">
-            <a:schemeClr val="accent5"/>
-          </a:fontRef>
-        </p:style>
-        <p:txBody>
-          <a:bodyPr rtlCol="0" anchor="ctr"/>
-          <a:lstStyle/>
-          <a:p>
-            <a:pPr algn="ctr"/>
-            <a:r>
-              <a:rPr lang="zh-TW" altLang="en-US" dirty="0"/>
-              <a:t>會員管理</a:t>
-            </a:r>
-          </a:p>
-        </p:txBody>
-      </p:sp>
-      <p:sp>
-        <p:nvSpPr>
-          <p:cNvPr id="11" name="矩形 10">
-            <a:extLst>
-              <a:ext uri="{FF2B5EF4-FFF2-40B4-BE49-F238E27FC236}">
-                <a16:creationId xmlns:a16="http://schemas.microsoft.com/office/drawing/2014/main" id="{4C55EB54-4C79-4E5A-BFB7-53DC859A2640}"/>
-              </a:ext>
-            </a:extLst>
-          </p:cNvPr>
-          <p:cNvSpPr/>
-          <p:nvPr/>
-        </p:nvSpPr>
-        <p:spPr>
-          <a:xfrm>
-            <a:off x="1313947" y="2146251"/>
-            <a:ext cx="523116" cy="1989341"/>
-          </a:xfrm>
-          <a:prstGeom prst="rect">
-            <a:avLst/>
-          </a:prstGeom>
-          <a:noFill/>
-          <a:ln w="9525" cap="flat" cmpd="sng" algn="ctr">
-            <a:solidFill>
-              <a:schemeClr val="accent5"/>
-            </a:solidFill>
-            <a:prstDash val="solid"/>
-            <a:round/>
-            <a:headEnd type="none" w="med" len="med"/>
-            <a:tailEnd type="none" w="med" len="med"/>
-          </a:ln>
-        </p:spPr>
-        <p:style>
-          <a:lnRef idx="0">
-            <a:scrgbClr r="0" g="0" b="0"/>
-          </a:lnRef>
-          <a:fillRef idx="0">
-            <a:scrgbClr r="0" g="0" b="0"/>
-          </a:fillRef>
-          <a:effectRef idx="0">
-            <a:scrgbClr r="0" g="0" b="0"/>
-          </a:effectRef>
-          <a:fontRef idx="minor">
-            <a:schemeClr val="accent5"/>
-          </a:fontRef>
-        </p:style>
-        <p:txBody>
-          <a:bodyPr rtlCol="0" anchor="ctr"/>
-          <a:lstStyle/>
-          <a:p>
-            <a:pPr algn="ctr"/>
-            <a:r>
-              <a:rPr lang="zh-TW" altLang="en-US" dirty="0"/>
-              <a:t>商品管理</a:t>
-            </a:r>
-          </a:p>
-        </p:txBody>
-      </p:sp>
-      <p:sp>
-        <p:nvSpPr>
-          <p:cNvPr id="13" name="矩形 12">
-            <a:extLst>
-              <a:ext uri="{FF2B5EF4-FFF2-40B4-BE49-F238E27FC236}">
-                <a16:creationId xmlns:a16="http://schemas.microsoft.com/office/drawing/2014/main" id="{3CEE7AC4-EF78-4388-847C-FBAEBA01F8AB}"/>
-              </a:ext>
-            </a:extLst>
-          </p:cNvPr>
-          <p:cNvSpPr/>
-          <p:nvPr/>
-        </p:nvSpPr>
-        <p:spPr>
-          <a:xfrm>
-            <a:off x="1882299" y="2146251"/>
-            <a:ext cx="523116" cy="1989341"/>
-          </a:xfrm>
-          <a:prstGeom prst="rect">
-            <a:avLst/>
-          </a:prstGeom>
-          <a:noFill/>
-          <a:ln w="9525" cap="flat" cmpd="sng" algn="ctr">
-            <a:solidFill>
-              <a:schemeClr val="accent5"/>
-            </a:solidFill>
-            <a:prstDash val="solid"/>
-            <a:round/>
-            <a:headEnd type="none" w="med" len="med"/>
-            <a:tailEnd type="none" w="med" len="med"/>
-          </a:ln>
-        </p:spPr>
-        <p:style>
-          <a:lnRef idx="0">
-            <a:scrgbClr r="0" g="0" b="0"/>
-          </a:lnRef>
-          <a:fillRef idx="0">
-            <a:scrgbClr r="0" g="0" b="0"/>
-          </a:fillRef>
-          <a:effectRef idx="0">
-            <a:scrgbClr r="0" g="0" b="0"/>
-          </a:effectRef>
-          <a:fontRef idx="minor">
-            <a:schemeClr val="accent5"/>
-          </a:fontRef>
-        </p:style>
-        <p:txBody>
-          <a:bodyPr rtlCol="0" anchor="ctr"/>
-          <a:lstStyle/>
-          <a:p>
-            <a:pPr algn="ctr"/>
-            <a:r>
-              <a:rPr lang="zh-TW" altLang="en-US" dirty="0"/>
-              <a:t>新增商品</a:t>
-            </a:r>
-          </a:p>
-        </p:txBody>
-      </p:sp>
-      <p:sp>
-        <p:nvSpPr>
-          <p:cNvPr id="14" name="矩形 13">
-            <a:extLst>
-              <a:ext uri="{FF2B5EF4-FFF2-40B4-BE49-F238E27FC236}">
-                <a16:creationId xmlns:a16="http://schemas.microsoft.com/office/drawing/2014/main" id="{B482634A-7412-446A-B31C-CB501243B344}"/>
-              </a:ext>
-            </a:extLst>
-          </p:cNvPr>
-          <p:cNvSpPr/>
-          <p:nvPr/>
-        </p:nvSpPr>
-        <p:spPr>
-          <a:xfrm>
-            <a:off x="2442161" y="2146249"/>
-            <a:ext cx="523116" cy="1989341"/>
-          </a:xfrm>
-          <a:prstGeom prst="rect">
-            <a:avLst/>
-          </a:prstGeom>
-          <a:noFill/>
-          <a:ln w="9525" cap="flat" cmpd="sng" algn="ctr">
-            <a:solidFill>
-              <a:schemeClr val="accent5"/>
-            </a:solidFill>
-            <a:prstDash val="solid"/>
-            <a:round/>
-            <a:headEnd type="none" w="med" len="med"/>
-            <a:tailEnd type="none" w="med" len="med"/>
-          </a:ln>
-        </p:spPr>
-        <p:style>
-          <a:lnRef idx="0">
-            <a:scrgbClr r="0" g="0" b="0"/>
-          </a:lnRef>
-          <a:fillRef idx="0">
-            <a:scrgbClr r="0" g="0" b="0"/>
-          </a:fillRef>
-          <a:effectRef idx="0">
-            <a:scrgbClr r="0" g="0" b="0"/>
-          </a:effectRef>
-          <a:fontRef idx="minor">
-            <a:schemeClr val="accent5"/>
-          </a:fontRef>
-        </p:style>
-        <p:txBody>
-          <a:bodyPr rtlCol="0" anchor="ctr"/>
-          <a:lstStyle/>
-          <a:p>
-            <a:pPr algn="ctr"/>
-            <a:r>
-              <a:rPr lang="zh-TW" altLang="en-US" dirty="0"/>
-              <a:t>交易紀錄</a:t>
-            </a:r>
-          </a:p>
-        </p:txBody>
-      </p:sp>
-      <p:sp>
-        <p:nvSpPr>
-          <p:cNvPr id="16" name="矩形 15">
-            <a:extLst>
-              <a:ext uri="{FF2B5EF4-FFF2-40B4-BE49-F238E27FC236}">
-                <a16:creationId xmlns:a16="http://schemas.microsoft.com/office/drawing/2014/main" id="{258CFD63-B975-4227-A250-BD4B325C0CAB}"/>
-              </a:ext>
-            </a:extLst>
-          </p:cNvPr>
-          <p:cNvSpPr/>
-          <p:nvPr/>
-        </p:nvSpPr>
-        <p:spPr>
-          <a:xfrm>
-            <a:off x="4894929" y="2146248"/>
-            <a:ext cx="523116" cy="1989341"/>
-          </a:xfrm>
-          <a:prstGeom prst="rect">
-            <a:avLst/>
-          </a:prstGeom>
-          <a:noFill/>
-          <a:ln w="9525" cap="flat" cmpd="sng" algn="ctr">
-            <a:solidFill>
-              <a:schemeClr val="accent5"/>
-            </a:solidFill>
-            <a:prstDash val="solid"/>
-            <a:round/>
-            <a:headEnd type="none" w="med" len="med"/>
-            <a:tailEnd type="none" w="med" len="med"/>
-          </a:ln>
-        </p:spPr>
-        <p:style>
-          <a:lnRef idx="0">
-            <a:scrgbClr r="0" g="0" b="0"/>
-          </a:lnRef>
-          <a:fillRef idx="0">
-            <a:scrgbClr r="0" g="0" b="0"/>
-          </a:fillRef>
-          <a:effectRef idx="0">
-            <a:scrgbClr r="0" g="0" b="0"/>
-          </a:effectRef>
-          <a:fontRef idx="minor">
-            <a:schemeClr val="accent5"/>
-          </a:fontRef>
-        </p:style>
-        <p:txBody>
-          <a:bodyPr rtlCol="0" anchor="ctr"/>
-          <a:lstStyle/>
-          <a:p>
-            <a:pPr algn="ctr"/>
-            <a:r>
-              <a:rPr lang="zh-TW" altLang="en-US" dirty="0"/>
-              <a:t>會員折價</a:t>
-            </a:r>
-          </a:p>
-        </p:txBody>
-      </p:sp>
-      <p:sp>
-        <p:nvSpPr>
-          <p:cNvPr id="17" name="矩形 16">
-            <a:extLst>
-              <a:ext uri="{FF2B5EF4-FFF2-40B4-BE49-F238E27FC236}">
-                <a16:creationId xmlns:a16="http://schemas.microsoft.com/office/drawing/2014/main" id="{8C96EF0C-CC8F-45A9-9964-978186BE0BE2}"/>
-              </a:ext>
-            </a:extLst>
-          </p:cNvPr>
-          <p:cNvSpPr/>
-          <p:nvPr/>
-        </p:nvSpPr>
-        <p:spPr>
-          <a:xfrm>
-            <a:off x="5463281" y="2146249"/>
-            <a:ext cx="523116" cy="1989341"/>
-          </a:xfrm>
-          <a:prstGeom prst="rect">
-            <a:avLst/>
-          </a:prstGeom>
-          <a:noFill/>
-          <a:ln w="9525" cap="flat" cmpd="sng" algn="ctr">
-            <a:solidFill>
-              <a:schemeClr val="accent5"/>
-            </a:solidFill>
-            <a:prstDash val="solid"/>
-            <a:round/>
-            <a:headEnd type="none" w="med" len="med"/>
-            <a:tailEnd type="none" w="med" len="med"/>
-          </a:ln>
-        </p:spPr>
-        <p:style>
-          <a:lnRef idx="0">
-            <a:scrgbClr r="0" g="0" b="0"/>
-          </a:lnRef>
-          <a:fillRef idx="0">
-            <a:scrgbClr r="0" g="0" b="0"/>
-          </a:fillRef>
-          <a:effectRef idx="0">
-            <a:scrgbClr r="0" g="0" b="0"/>
-          </a:effectRef>
-          <a:fontRef idx="minor">
-            <a:schemeClr val="accent5"/>
-          </a:fontRef>
-        </p:style>
-        <p:txBody>
-          <a:bodyPr rtlCol="0" anchor="ctr"/>
-          <a:lstStyle/>
-          <a:p>
-            <a:pPr algn="ctr"/>
-            <a:r>
-              <a:rPr lang="zh-TW" altLang="en-US" dirty="0"/>
-              <a:t>計算金額</a:t>
-            </a:r>
-          </a:p>
-        </p:txBody>
-      </p:sp>
-      <p:sp>
-        <p:nvSpPr>
-          <p:cNvPr id="18" name="矩形 17">
-            <a:extLst>
-              <a:ext uri="{FF2B5EF4-FFF2-40B4-BE49-F238E27FC236}">
-                <a16:creationId xmlns:a16="http://schemas.microsoft.com/office/drawing/2014/main" id="{ED6AE475-6C1E-4B4E-A428-FF34553754E0}"/>
-              </a:ext>
-            </a:extLst>
-          </p:cNvPr>
-          <p:cNvSpPr/>
-          <p:nvPr/>
-        </p:nvSpPr>
-        <p:spPr>
-          <a:xfrm>
-            <a:off x="6025613" y="2146249"/>
-            <a:ext cx="523116" cy="1989341"/>
-          </a:xfrm>
-          <a:prstGeom prst="rect">
-            <a:avLst/>
-          </a:prstGeom>
-          <a:noFill/>
-          <a:ln w="9525" cap="flat" cmpd="sng" algn="ctr">
-            <a:solidFill>
-              <a:schemeClr val="accent5"/>
-            </a:solidFill>
-            <a:prstDash val="solid"/>
-            <a:round/>
-            <a:headEnd type="none" w="med" len="med"/>
-            <a:tailEnd type="none" w="med" len="med"/>
-          </a:ln>
-        </p:spPr>
-        <p:style>
-          <a:lnRef idx="0">
-            <a:scrgbClr r="0" g="0" b="0"/>
-          </a:lnRef>
-          <a:fillRef idx="0">
-            <a:scrgbClr r="0" g="0" b="0"/>
-          </a:fillRef>
-          <a:effectRef idx="0">
-            <a:scrgbClr r="0" g="0" b="0"/>
-          </a:effectRef>
-          <a:fontRef idx="minor">
-            <a:schemeClr val="accent5"/>
-          </a:fontRef>
-        </p:style>
-        <p:txBody>
-          <a:bodyPr rtlCol="0" anchor="ctr"/>
-          <a:lstStyle/>
-          <a:p>
-            <a:pPr algn="ctr"/>
-            <a:r>
-              <a:rPr lang="zh-TW" altLang="en-US" dirty="0"/>
-              <a:t>結帳服務</a:t>
-            </a:r>
-          </a:p>
-        </p:txBody>
-      </p:sp>
-      <p:grpSp>
-        <p:nvGrpSpPr>
-          <p:cNvPr id="24" name="群組 23">
-            <a:extLst>
-              <a:ext uri="{FF2B5EF4-FFF2-40B4-BE49-F238E27FC236}">
-                <a16:creationId xmlns:a16="http://schemas.microsoft.com/office/drawing/2014/main" id="{90807631-7145-4380-97D5-27D2A93A25AD}"/>
+                <a16:creationId xmlns:a16="http://schemas.microsoft.com/office/drawing/2014/main" id="{7726BA7A-535A-4A85-9E20-1F8E3DA5F6D4}"/>
               </a:ext>
             </a:extLst>
           </p:cNvPr>
@@ -4283,67 +3483,28 @@
         </p:nvGrpSpPr>
         <p:grpSpPr>
           <a:xfrm>
-            <a:off x="3175381" y="2759310"/>
-            <a:ext cx="1540635" cy="1339379"/>
-            <a:chOff x="-316531" y="2403016"/>
-            <a:chExt cx="2059126" cy="1815688"/>
+            <a:off x="-900608" y="347477"/>
+            <a:ext cx="11417937" cy="5747723"/>
+            <a:chOff x="-900608" y="347477"/>
+            <a:chExt cx="11417937" cy="5747723"/>
           </a:xfrm>
         </p:grpSpPr>
-        <p:pic>
-          <p:nvPicPr>
-            <p:cNvPr id="21" name="圖形 20" descr="資料庫">
+        <p:sp>
+          <p:nvSpPr>
+            <p:cNvPr id="29" name="矩形 28">
               <a:extLst>
                 <a:ext uri="{FF2B5EF4-FFF2-40B4-BE49-F238E27FC236}">
-                  <a16:creationId xmlns:a16="http://schemas.microsoft.com/office/drawing/2014/main" id="{85C286A6-CCCD-4C38-826F-0CA1E8E2DACB}"/>
+                  <a16:creationId xmlns:a16="http://schemas.microsoft.com/office/drawing/2014/main" id="{2A562E44-B2F2-4FB7-B350-CE15C78090BA}"/>
                 </a:ext>
               </a:extLst>
             </p:cNvPr>
-            <p:cNvPicPr>
-              <a:picLocks noChangeAspect="1"/>
-            </p:cNvPicPr>
-            <p:nvPr/>
-          </p:nvPicPr>
-          <p:blipFill>
-            <a:blip r:embed="rId2">
-              <a:extLst>
-                <a:ext uri="{28A0092B-C50C-407E-A947-70E740481C1C}">
-                  <a14:useLocalDpi xmlns:a14="http://schemas.microsoft.com/office/drawing/2010/main" val="0"/>
-                </a:ext>
-                <a:ext uri="{96DAC541-7B7A-43D3-8B79-37D633B846F1}">
-                  <asvg:svgBlip xmlns:asvg="http://schemas.microsoft.com/office/drawing/2016/SVG/main" r:embed="rId3"/>
-                </a:ext>
-              </a:extLst>
-            </a:blip>
-            <a:stretch>
-              <a:fillRect/>
-            </a:stretch>
-          </p:blipFill>
-          <p:spPr>
-            <a:xfrm>
-              <a:off x="35889" y="2403016"/>
-              <a:ext cx="1315014" cy="1315014"/>
-            </a:xfrm>
-            <a:prstGeom prst="rect">
-              <a:avLst/>
-            </a:prstGeom>
-          </p:spPr>
-        </p:pic>
-        <p:sp>
-          <p:nvSpPr>
-            <p:cNvPr id="23" name="文字方塊 22">
-              <a:extLst>
-                <a:ext uri="{FF2B5EF4-FFF2-40B4-BE49-F238E27FC236}">
-                  <a16:creationId xmlns:a16="http://schemas.microsoft.com/office/drawing/2014/main" id="{3C4B9858-5870-4434-B378-7DFB6925CA4B}"/>
-                </a:ext>
-              </a:extLst>
-            </p:cNvPr>
-            <p:cNvSpPr txBox="1"/>
+            <p:cNvSpPr/>
             <p:nvPr/>
           </p:nvSpPr>
           <p:spPr>
             <a:xfrm>
-              <a:off x="-316531" y="3718030"/>
-              <a:ext cx="2059126" cy="500674"/>
+              <a:off x="781713" y="347477"/>
+              <a:ext cx="7765267" cy="923330"/>
             </a:xfrm>
             <a:prstGeom prst="rect">
               <a:avLst/>
@@ -4351,142 +3512,1024 @@
             <a:noFill/>
           </p:spPr>
           <p:txBody>
-            <a:bodyPr wrap="square" rtlCol="0">
+            <a:bodyPr wrap="none" lIns="91440" tIns="45720" rIns="91440" bIns="45720">
               <a:spAutoFit/>
             </a:bodyPr>
             <a:lstStyle/>
             <a:p>
               <a:pPr algn="ctr"/>
               <a:r>
-                <a:rPr lang="zh-TW" altLang="en-US" b="1" dirty="0">
-                  <a:solidFill>
-                    <a:schemeClr val="tx2"/>
-                  </a:solidFill>
-                  <a:latin typeface="微軟正黑體" panose="020B0604030504040204" pitchFamily="34" charset="-120"/>
-                  <a:ea typeface="微軟正黑體" panose="020B0604030504040204" pitchFamily="34" charset="-120"/>
+                <a:rPr lang="zh-TW" altLang="en-US" sz="5400" b="0" cap="none" spc="0" dirty="0">
+                  <a:ln w="0"/>
+                  <a:gradFill>
+                    <a:gsLst>
+                      <a:gs pos="21000">
+                        <a:srgbClr val="53575C"/>
+                      </a:gs>
+                      <a:gs pos="88000">
+                        <a:schemeClr val="accent5">
+                          <a:lumMod val="75000"/>
+                        </a:schemeClr>
+                      </a:gs>
+                    </a:gsLst>
+                    <a:lin ang="5400000"/>
+                  </a:gradFill>
+                  <a:effectLst/>
                 </a:rPr>
-                <a:t>雲端資料庫</a:t>
+                <a:t>無人商店之雲端服務框架</a:t>
               </a:r>
             </a:p>
           </p:txBody>
         </p:sp>
+        <p:grpSp>
+          <p:nvGrpSpPr>
+            <p:cNvPr id="3" name="群組 2">
+              <a:extLst>
+                <a:ext uri="{FF2B5EF4-FFF2-40B4-BE49-F238E27FC236}">
+                  <a16:creationId xmlns:a16="http://schemas.microsoft.com/office/drawing/2014/main" id="{6D01A9BF-148B-45B3-9BAD-A5D9DBECC778}"/>
+                </a:ext>
+              </a:extLst>
+            </p:cNvPr>
+            <p:cNvGrpSpPr/>
+            <p:nvPr/>
+          </p:nvGrpSpPr>
+          <p:grpSpPr>
+            <a:xfrm>
+              <a:off x="-900608" y="2108541"/>
+              <a:ext cx="11417937" cy="3986659"/>
+              <a:chOff x="-900608" y="2108541"/>
+              <a:chExt cx="11417937" cy="3986659"/>
+            </a:xfrm>
+          </p:grpSpPr>
+          <p:sp>
+            <p:nvSpPr>
+              <p:cNvPr id="25" name="雲朵形 24">
+                <a:extLst>
+                  <a:ext uri="{FF2B5EF4-FFF2-40B4-BE49-F238E27FC236}">
+                    <a16:creationId xmlns:a16="http://schemas.microsoft.com/office/drawing/2014/main" id="{259AD998-16E6-4ABF-9FEC-299198942BCA}"/>
+                  </a:ext>
+                </a:extLst>
+              </p:cNvPr>
+              <p:cNvSpPr/>
+              <p:nvPr/>
+            </p:nvSpPr>
+            <p:spPr>
+              <a:xfrm>
+                <a:off x="-900608" y="4626027"/>
+                <a:ext cx="11417937" cy="1469173"/>
+              </a:xfrm>
+              <a:prstGeom prst="cloud">
+                <a:avLst/>
+              </a:prstGeom>
+              <a:pattFill prst="wdUpDiag">
+                <a:fgClr>
+                  <a:schemeClr val="accent1"/>
+                </a:fgClr>
+                <a:bgClr>
+                  <a:schemeClr val="accent5">
+                    <a:lumMod val="75000"/>
+                  </a:schemeClr>
+                </a:bgClr>
+              </a:pattFill>
+              <a:ln>
+                <a:noFill/>
+              </a:ln>
+            </p:spPr>
+            <p:style>
+              <a:lnRef idx="2">
+                <a:schemeClr val="accent1">
+                  <a:shade val="50000"/>
+                </a:schemeClr>
+              </a:lnRef>
+              <a:fillRef idx="1">
+                <a:schemeClr val="accent1"/>
+              </a:fillRef>
+              <a:effectRef idx="0">
+                <a:schemeClr val="accent1"/>
+              </a:effectRef>
+              <a:fontRef idx="minor">
+                <a:schemeClr val="lt1"/>
+              </a:fontRef>
+            </p:style>
+            <p:txBody>
+              <a:bodyPr rtlCol="0" anchor="ctr"/>
+              <a:lstStyle/>
+              <a:p>
+                <a:pPr algn="ctr"/>
+                <a:endParaRPr lang="zh-TW" altLang="en-US" dirty="0"/>
+              </a:p>
+            </p:txBody>
+          </p:sp>
+          <p:sp>
+            <p:nvSpPr>
+              <p:cNvPr id="4" name="矩形 3">
+                <a:extLst>
+                  <a:ext uri="{FF2B5EF4-FFF2-40B4-BE49-F238E27FC236}">
+                    <a16:creationId xmlns:a16="http://schemas.microsoft.com/office/drawing/2014/main" id="{3964002A-4543-4A0A-A6BF-4CA67083888C}"/>
+                  </a:ext>
+                </a:extLst>
+              </p:cNvPr>
+              <p:cNvSpPr/>
+              <p:nvPr/>
+            </p:nvSpPr>
+            <p:spPr>
+              <a:xfrm>
+                <a:off x="364991" y="4619834"/>
+                <a:ext cx="8743513" cy="663114"/>
+              </a:xfrm>
+              <a:prstGeom prst="rect">
+                <a:avLst/>
+              </a:prstGeom>
+              <a:pattFill prst="narVert">
+                <a:fgClr>
+                  <a:srgbClr val="002060"/>
+                </a:fgClr>
+                <a:bgClr>
+                  <a:srgbClr val="002060"/>
+                </a:bgClr>
+              </a:pattFill>
+              <a:ln w="9525" cap="flat" cmpd="sng" algn="ctr">
+                <a:solidFill>
+                  <a:schemeClr val="tx1"/>
+                </a:solidFill>
+                <a:prstDash val="solid"/>
+                <a:round/>
+                <a:headEnd type="none" w="med" len="med"/>
+                <a:tailEnd type="none" w="med" len="med"/>
+              </a:ln>
+            </p:spPr>
+            <p:style>
+              <a:lnRef idx="0">
+                <a:scrgbClr r="0" g="0" b="0"/>
+              </a:lnRef>
+              <a:fillRef idx="0">
+                <a:scrgbClr r="0" g="0" b="0"/>
+              </a:fillRef>
+              <a:effectRef idx="0">
+                <a:scrgbClr r="0" g="0" b="0"/>
+              </a:effectRef>
+              <a:fontRef idx="minor">
+                <a:schemeClr val="accent3"/>
+              </a:fontRef>
+            </p:style>
+            <p:txBody>
+              <a:bodyPr rot="0" spcFirstLastPara="0" vertOverflow="overflow" horzOverflow="overflow" vert="horz" wrap="square" lIns="91440" tIns="45720" rIns="91440" bIns="45720" numCol="1" spcCol="0" rtlCol="0" fromWordArt="0" anchor="ctr" anchorCtr="0" forceAA="0" compatLnSpc="1">
+                <a:prstTxWarp prst="textNoShape">
+                  <a:avLst/>
+                </a:prstTxWarp>
+                <a:noAutofit/>
+              </a:bodyPr>
+              <a:lstStyle/>
+              <a:p>
+                <a:pPr algn="ctr"/>
+                <a:r>
+                  <a:rPr lang="zh-TW" altLang="en-US" sz="2400" b="1" dirty="0">
+                    <a:ln w="0"/>
+                    <a:solidFill>
+                      <a:schemeClr val="bg1"/>
+                    </a:solidFill>
+                    <a:effectLst>
+                      <a:reflection blurRad="6350" stA="53000" endA="300" endPos="35500" dir="5400000" sy="-90000" algn="bl" rotWithShape="0"/>
+                    </a:effectLst>
+                    <a:latin typeface="+mj-ea"/>
+                    <a:ea typeface="+mj-ea"/>
+                  </a:rPr>
+                  <a:t>無人商店系統</a:t>
+                </a:r>
+              </a:p>
+            </p:txBody>
+          </p:sp>
+          <p:sp>
+            <p:nvSpPr>
+              <p:cNvPr id="5" name="矩形 4">
+                <a:extLst>
+                  <a:ext uri="{FF2B5EF4-FFF2-40B4-BE49-F238E27FC236}">
+                    <a16:creationId xmlns:a16="http://schemas.microsoft.com/office/drawing/2014/main" id="{631CD9D3-A850-43B9-898D-9E93467CEA17}"/>
+                  </a:ext>
+                </a:extLst>
+              </p:cNvPr>
+              <p:cNvSpPr/>
+              <p:nvPr/>
+            </p:nvSpPr>
+            <p:spPr>
+              <a:xfrm>
+                <a:off x="663233" y="4104079"/>
+                <a:ext cx="2468607" cy="515755"/>
+              </a:xfrm>
+              <a:prstGeom prst="rect">
+                <a:avLst/>
+              </a:prstGeom>
+              <a:noFill/>
+              <a:ln w="9525" cap="flat" cmpd="sng" algn="ctr">
+                <a:solidFill>
+                  <a:schemeClr val="accent6"/>
+                </a:solidFill>
+                <a:prstDash val="solid"/>
+                <a:round/>
+                <a:headEnd type="none" w="med" len="med"/>
+                <a:tailEnd type="none" w="med" len="med"/>
+              </a:ln>
+            </p:spPr>
+            <p:style>
+              <a:lnRef idx="0">
+                <a:scrgbClr r="0" g="0" b="0"/>
+              </a:lnRef>
+              <a:fillRef idx="0">
+                <a:scrgbClr r="0" g="0" b="0"/>
+              </a:fillRef>
+              <a:effectRef idx="0">
+                <a:scrgbClr r="0" g="0" b="0"/>
+              </a:effectRef>
+              <a:fontRef idx="minor">
+                <a:schemeClr val="accent6"/>
+              </a:fontRef>
+            </p:style>
+            <p:txBody>
+              <a:bodyPr rot="0" spcFirstLastPara="0" vertOverflow="overflow" horzOverflow="overflow" vert="horz" wrap="square" lIns="91440" tIns="45720" rIns="91440" bIns="45720" numCol="1" spcCol="0" rtlCol="0" fromWordArt="0" anchor="ctr" anchorCtr="0" forceAA="0" compatLnSpc="1">
+                <a:prstTxWarp prst="textNoShape">
+                  <a:avLst/>
+                </a:prstTxWarp>
+                <a:noAutofit/>
+              </a:bodyPr>
+              <a:lstStyle/>
+              <a:p>
+                <a:pPr algn="ctr"/>
+                <a:r>
+                  <a:rPr lang="zh-TW" altLang="en-US" b="1" dirty="0">
+                    <a:solidFill>
+                      <a:schemeClr val="accent6"/>
+                    </a:solidFill>
+                    <a:latin typeface="微軟正黑體" panose="020B0604030504040204" pitchFamily="34" charset="-120"/>
+                    <a:ea typeface="微軟正黑體" panose="020B0604030504040204" pitchFamily="34" charset="-120"/>
+                  </a:rPr>
+                  <a:t>管理端服務</a:t>
+                </a:r>
+              </a:p>
+            </p:txBody>
+          </p:sp>
+          <p:sp>
+            <p:nvSpPr>
+              <p:cNvPr id="7" name="矩形 6">
+                <a:extLst>
+                  <a:ext uri="{FF2B5EF4-FFF2-40B4-BE49-F238E27FC236}">
+                    <a16:creationId xmlns:a16="http://schemas.microsoft.com/office/drawing/2014/main" id="{A9455595-E40F-4AF3-9E1E-9E6A778545C0}"/>
+                  </a:ext>
+                </a:extLst>
+              </p:cNvPr>
+              <p:cNvSpPr/>
+              <p:nvPr/>
+            </p:nvSpPr>
+            <p:spPr>
+              <a:xfrm>
+                <a:off x="4736416" y="4104079"/>
+                <a:ext cx="1995824" cy="515755"/>
+              </a:xfrm>
+              <a:prstGeom prst="rect">
+                <a:avLst/>
+              </a:prstGeom>
+              <a:noFill/>
+              <a:ln w="9525" cap="flat" cmpd="sng" algn="ctr">
+                <a:solidFill>
+                  <a:schemeClr val="accent6"/>
+                </a:solidFill>
+                <a:prstDash val="solid"/>
+                <a:round/>
+                <a:headEnd type="none" w="med" len="med"/>
+                <a:tailEnd type="none" w="med" len="med"/>
+              </a:ln>
+            </p:spPr>
+            <p:style>
+              <a:lnRef idx="0">
+                <a:scrgbClr r="0" g="0" b="0"/>
+              </a:lnRef>
+              <a:fillRef idx="0">
+                <a:scrgbClr r="0" g="0" b="0"/>
+              </a:fillRef>
+              <a:effectRef idx="0">
+                <a:scrgbClr r="0" g="0" b="0"/>
+              </a:effectRef>
+              <a:fontRef idx="minor">
+                <a:schemeClr val="accent6"/>
+              </a:fontRef>
+            </p:style>
+            <p:txBody>
+              <a:bodyPr rot="0" spcFirstLastPara="0" vertOverflow="overflow" horzOverflow="overflow" vert="horz" wrap="square" lIns="91440" tIns="45720" rIns="91440" bIns="45720" numCol="1" spcCol="0" rtlCol="0" fromWordArt="0" anchor="ctr" anchorCtr="0" forceAA="0" compatLnSpc="1">
+                <a:prstTxWarp prst="textNoShape">
+                  <a:avLst/>
+                </a:prstTxWarp>
+                <a:noAutofit/>
+              </a:bodyPr>
+              <a:lstStyle/>
+              <a:p>
+                <a:pPr algn="ctr"/>
+                <a:r>
+                  <a:rPr lang="zh-TW" altLang="en-US" b="1" dirty="0">
+                    <a:latin typeface="微軟正黑體" panose="020B0604030504040204" pitchFamily="34" charset="-120"/>
+                    <a:ea typeface="微軟正黑體" panose="020B0604030504040204" pitchFamily="34" charset="-120"/>
+                  </a:rPr>
+                  <a:t>商店端服務</a:t>
+                </a:r>
+              </a:p>
+            </p:txBody>
+          </p:sp>
+          <p:sp>
+            <p:nvSpPr>
+              <p:cNvPr id="8" name="矩形 7">
+                <a:extLst>
+                  <a:ext uri="{FF2B5EF4-FFF2-40B4-BE49-F238E27FC236}">
+                    <a16:creationId xmlns:a16="http://schemas.microsoft.com/office/drawing/2014/main" id="{F6F2C94B-2A9E-422E-977A-E11E82296222}"/>
+                  </a:ext>
+                </a:extLst>
+              </p:cNvPr>
+              <p:cNvSpPr/>
+              <p:nvPr/>
+            </p:nvSpPr>
+            <p:spPr>
+              <a:xfrm>
+                <a:off x="7092280" y="4097883"/>
+                <a:ext cx="1419887" cy="515755"/>
+              </a:xfrm>
+              <a:prstGeom prst="rect">
+                <a:avLst/>
+              </a:prstGeom>
+              <a:noFill/>
+              <a:ln w="9525" cap="flat" cmpd="sng" algn="ctr">
+                <a:solidFill>
+                  <a:schemeClr val="accent6"/>
+                </a:solidFill>
+                <a:prstDash val="solid"/>
+                <a:round/>
+                <a:headEnd type="none" w="med" len="med"/>
+                <a:tailEnd type="none" w="med" len="med"/>
+              </a:ln>
+            </p:spPr>
+            <p:style>
+              <a:lnRef idx="0">
+                <a:scrgbClr r="0" g="0" b="0"/>
+              </a:lnRef>
+              <a:fillRef idx="0">
+                <a:scrgbClr r="0" g="0" b="0"/>
+              </a:fillRef>
+              <a:effectRef idx="0">
+                <a:scrgbClr r="0" g="0" b="0"/>
+              </a:effectRef>
+              <a:fontRef idx="minor">
+                <a:schemeClr val="accent6"/>
+              </a:fontRef>
+            </p:style>
+            <p:txBody>
+              <a:bodyPr rot="0" spcFirstLastPara="0" vertOverflow="overflow" horzOverflow="overflow" vert="horz" wrap="square" lIns="91440" tIns="45720" rIns="91440" bIns="45720" numCol="1" spcCol="0" rtlCol="0" fromWordArt="0" anchor="ctr" anchorCtr="0" forceAA="0" compatLnSpc="1">
+                <a:prstTxWarp prst="textNoShape">
+                  <a:avLst/>
+                </a:prstTxWarp>
+                <a:noAutofit/>
+              </a:bodyPr>
+              <a:lstStyle/>
+              <a:p>
+                <a:pPr algn="ctr"/>
+                <a:r>
+                  <a:rPr lang="zh-TW" altLang="en-US" sz="1600" b="1" dirty="0">
+                    <a:latin typeface="微軟正黑體" panose="020B0604030504040204" pitchFamily="34" charset="-120"/>
+                    <a:ea typeface="微軟正黑體" panose="020B0604030504040204" pitchFamily="34" charset="-120"/>
+                  </a:rPr>
+                  <a:t>使用者手機</a:t>
+                </a:r>
+                <a:r>
+                  <a:rPr lang="en-US" altLang="zh-TW" sz="1600" b="1" dirty="0">
+                    <a:latin typeface="微軟正黑體" panose="020B0604030504040204" pitchFamily="34" charset="-120"/>
+                    <a:ea typeface="微軟正黑體" panose="020B0604030504040204" pitchFamily="34" charset="-120"/>
+                  </a:rPr>
+                  <a:t>APP</a:t>
+                </a:r>
+                <a:r>
+                  <a:rPr lang="zh-TW" altLang="en-US" sz="1600" b="1" dirty="0">
+                    <a:latin typeface="微軟正黑體" panose="020B0604030504040204" pitchFamily="34" charset="-120"/>
+                    <a:ea typeface="微軟正黑體" panose="020B0604030504040204" pitchFamily="34" charset="-120"/>
+                  </a:rPr>
+                  <a:t>服務</a:t>
+                </a:r>
+              </a:p>
+            </p:txBody>
+          </p:sp>
+          <p:sp>
+            <p:nvSpPr>
+              <p:cNvPr id="10" name="矩形 9">
+                <a:extLst>
+                  <a:ext uri="{FF2B5EF4-FFF2-40B4-BE49-F238E27FC236}">
+                    <a16:creationId xmlns:a16="http://schemas.microsoft.com/office/drawing/2014/main" id="{42CD4FAF-D7A4-48A0-877D-29376187F47D}"/>
+                  </a:ext>
+                </a:extLst>
+              </p:cNvPr>
+              <p:cNvSpPr/>
+              <p:nvPr/>
+            </p:nvSpPr>
+            <p:spPr>
+              <a:xfrm>
+                <a:off x="745595" y="2108545"/>
+                <a:ext cx="523116" cy="1989341"/>
+              </a:xfrm>
+              <a:prstGeom prst="rect">
+                <a:avLst/>
+              </a:prstGeom>
+              <a:noFill/>
+              <a:ln w="9525" cap="flat" cmpd="sng" algn="ctr">
+                <a:solidFill>
+                  <a:schemeClr val="accent5"/>
+                </a:solidFill>
+                <a:prstDash val="solid"/>
+                <a:round/>
+                <a:headEnd type="none" w="med" len="med"/>
+                <a:tailEnd type="none" w="med" len="med"/>
+              </a:ln>
+            </p:spPr>
+            <p:style>
+              <a:lnRef idx="0">
+                <a:scrgbClr r="0" g="0" b="0"/>
+              </a:lnRef>
+              <a:fillRef idx="0">
+                <a:scrgbClr r="0" g="0" b="0"/>
+              </a:fillRef>
+              <a:effectRef idx="0">
+                <a:scrgbClr r="0" g="0" b="0"/>
+              </a:effectRef>
+              <a:fontRef idx="minor">
+                <a:schemeClr val="accent5"/>
+              </a:fontRef>
+            </p:style>
+            <p:txBody>
+              <a:bodyPr rtlCol="0" anchor="ctr"/>
+              <a:lstStyle/>
+              <a:p>
+                <a:pPr algn="ctr"/>
+                <a:r>
+                  <a:rPr lang="zh-TW" altLang="en-US" dirty="0"/>
+                  <a:t>會員管理</a:t>
+                </a:r>
+              </a:p>
+            </p:txBody>
+          </p:sp>
+          <p:sp>
+            <p:nvSpPr>
+              <p:cNvPr id="11" name="矩形 10">
+                <a:extLst>
+                  <a:ext uri="{FF2B5EF4-FFF2-40B4-BE49-F238E27FC236}">
+                    <a16:creationId xmlns:a16="http://schemas.microsoft.com/office/drawing/2014/main" id="{4C55EB54-4C79-4E5A-BFB7-53DC859A2640}"/>
+                  </a:ext>
+                </a:extLst>
+              </p:cNvPr>
+              <p:cNvSpPr/>
+              <p:nvPr/>
+            </p:nvSpPr>
+            <p:spPr>
+              <a:xfrm>
+                <a:off x="1313947" y="2108544"/>
+                <a:ext cx="523116" cy="1989341"/>
+              </a:xfrm>
+              <a:prstGeom prst="rect">
+                <a:avLst/>
+              </a:prstGeom>
+              <a:noFill/>
+              <a:ln w="9525" cap="flat" cmpd="sng" algn="ctr">
+                <a:solidFill>
+                  <a:schemeClr val="accent5"/>
+                </a:solidFill>
+                <a:prstDash val="solid"/>
+                <a:round/>
+                <a:headEnd type="none" w="med" len="med"/>
+                <a:tailEnd type="none" w="med" len="med"/>
+              </a:ln>
+            </p:spPr>
+            <p:style>
+              <a:lnRef idx="0">
+                <a:scrgbClr r="0" g="0" b="0"/>
+              </a:lnRef>
+              <a:fillRef idx="0">
+                <a:scrgbClr r="0" g="0" b="0"/>
+              </a:fillRef>
+              <a:effectRef idx="0">
+                <a:scrgbClr r="0" g="0" b="0"/>
+              </a:effectRef>
+              <a:fontRef idx="minor">
+                <a:schemeClr val="accent5"/>
+              </a:fontRef>
+            </p:style>
+            <p:txBody>
+              <a:bodyPr rtlCol="0" anchor="ctr"/>
+              <a:lstStyle/>
+              <a:p>
+                <a:pPr algn="ctr"/>
+                <a:r>
+                  <a:rPr lang="zh-TW" altLang="en-US" dirty="0"/>
+                  <a:t>商品管理</a:t>
+                </a:r>
+              </a:p>
+            </p:txBody>
+          </p:sp>
+          <p:sp>
+            <p:nvSpPr>
+              <p:cNvPr id="13" name="矩形 12">
+                <a:extLst>
+                  <a:ext uri="{FF2B5EF4-FFF2-40B4-BE49-F238E27FC236}">
+                    <a16:creationId xmlns:a16="http://schemas.microsoft.com/office/drawing/2014/main" id="{3CEE7AC4-EF78-4388-847C-FBAEBA01F8AB}"/>
+                  </a:ext>
+                </a:extLst>
+              </p:cNvPr>
+              <p:cNvSpPr/>
+              <p:nvPr/>
+            </p:nvSpPr>
+            <p:spPr>
+              <a:xfrm>
+                <a:off x="1882299" y="2108544"/>
+                <a:ext cx="523116" cy="1989341"/>
+              </a:xfrm>
+              <a:prstGeom prst="rect">
+                <a:avLst/>
+              </a:prstGeom>
+              <a:noFill/>
+              <a:ln w="9525" cap="flat" cmpd="sng" algn="ctr">
+                <a:solidFill>
+                  <a:schemeClr val="accent5"/>
+                </a:solidFill>
+                <a:prstDash val="solid"/>
+                <a:round/>
+                <a:headEnd type="none" w="med" len="med"/>
+                <a:tailEnd type="none" w="med" len="med"/>
+              </a:ln>
+            </p:spPr>
+            <p:style>
+              <a:lnRef idx="0">
+                <a:scrgbClr r="0" g="0" b="0"/>
+              </a:lnRef>
+              <a:fillRef idx="0">
+                <a:scrgbClr r="0" g="0" b="0"/>
+              </a:fillRef>
+              <a:effectRef idx="0">
+                <a:scrgbClr r="0" g="0" b="0"/>
+              </a:effectRef>
+              <a:fontRef idx="minor">
+                <a:schemeClr val="accent5"/>
+              </a:fontRef>
+            </p:style>
+            <p:txBody>
+              <a:bodyPr rtlCol="0" anchor="ctr"/>
+              <a:lstStyle/>
+              <a:p>
+                <a:pPr algn="ctr"/>
+                <a:r>
+                  <a:rPr lang="zh-TW" altLang="en-US" dirty="0"/>
+                  <a:t>新增商品</a:t>
+                </a:r>
+              </a:p>
+            </p:txBody>
+          </p:sp>
+          <p:sp>
+            <p:nvSpPr>
+              <p:cNvPr id="14" name="矩形 13">
+                <a:extLst>
+                  <a:ext uri="{FF2B5EF4-FFF2-40B4-BE49-F238E27FC236}">
+                    <a16:creationId xmlns:a16="http://schemas.microsoft.com/office/drawing/2014/main" id="{B482634A-7412-446A-B31C-CB501243B344}"/>
+                  </a:ext>
+                </a:extLst>
+              </p:cNvPr>
+              <p:cNvSpPr/>
+              <p:nvPr/>
+            </p:nvSpPr>
+            <p:spPr>
+              <a:xfrm>
+                <a:off x="2442161" y="2108542"/>
+                <a:ext cx="523116" cy="1989341"/>
+              </a:xfrm>
+              <a:prstGeom prst="rect">
+                <a:avLst/>
+              </a:prstGeom>
+              <a:noFill/>
+              <a:ln w="9525" cap="flat" cmpd="sng" algn="ctr">
+                <a:solidFill>
+                  <a:schemeClr val="accent5"/>
+                </a:solidFill>
+                <a:prstDash val="solid"/>
+                <a:round/>
+                <a:headEnd type="none" w="med" len="med"/>
+                <a:tailEnd type="none" w="med" len="med"/>
+              </a:ln>
+            </p:spPr>
+            <p:style>
+              <a:lnRef idx="0">
+                <a:scrgbClr r="0" g="0" b="0"/>
+              </a:lnRef>
+              <a:fillRef idx="0">
+                <a:scrgbClr r="0" g="0" b="0"/>
+              </a:fillRef>
+              <a:effectRef idx="0">
+                <a:scrgbClr r="0" g="0" b="0"/>
+              </a:effectRef>
+              <a:fontRef idx="minor">
+                <a:schemeClr val="accent5"/>
+              </a:fontRef>
+            </p:style>
+            <p:txBody>
+              <a:bodyPr rtlCol="0" anchor="ctr"/>
+              <a:lstStyle/>
+              <a:p>
+                <a:pPr algn="ctr"/>
+                <a:r>
+                  <a:rPr lang="zh-TW" altLang="en-US" dirty="0"/>
+                  <a:t>交易紀錄</a:t>
+                </a:r>
+              </a:p>
+            </p:txBody>
+          </p:sp>
+          <p:sp>
+            <p:nvSpPr>
+              <p:cNvPr id="16" name="矩形 15">
+                <a:extLst>
+                  <a:ext uri="{FF2B5EF4-FFF2-40B4-BE49-F238E27FC236}">
+                    <a16:creationId xmlns:a16="http://schemas.microsoft.com/office/drawing/2014/main" id="{258CFD63-B975-4227-A250-BD4B325C0CAB}"/>
+                  </a:ext>
+                </a:extLst>
+              </p:cNvPr>
+              <p:cNvSpPr/>
+              <p:nvPr/>
+            </p:nvSpPr>
+            <p:spPr>
+              <a:xfrm>
+                <a:off x="4894929" y="2108541"/>
+                <a:ext cx="523116" cy="1989341"/>
+              </a:xfrm>
+              <a:prstGeom prst="rect">
+                <a:avLst/>
+              </a:prstGeom>
+              <a:noFill/>
+              <a:ln w="9525" cap="flat" cmpd="sng" algn="ctr">
+                <a:solidFill>
+                  <a:schemeClr val="accent5"/>
+                </a:solidFill>
+                <a:prstDash val="solid"/>
+                <a:round/>
+                <a:headEnd type="none" w="med" len="med"/>
+                <a:tailEnd type="none" w="med" len="med"/>
+              </a:ln>
+            </p:spPr>
+            <p:style>
+              <a:lnRef idx="0">
+                <a:scrgbClr r="0" g="0" b="0"/>
+              </a:lnRef>
+              <a:fillRef idx="0">
+                <a:scrgbClr r="0" g="0" b="0"/>
+              </a:fillRef>
+              <a:effectRef idx="0">
+                <a:scrgbClr r="0" g="0" b="0"/>
+              </a:effectRef>
+              <a:fontRef idx="minor">
+                <a:schemeClr val="accent5"/>
+              </a:fontRef>
+            </p:style>
+            <p:txBody>
+              <a:bodyPr rtlCol="0" anchor="ctr"/>
+              <a:lstStyle/>
+              <a:p>
+                <a:pPr algn="ctr"/>
+                <a:r>
+                  <a:rPr lang="zh-TW" altLang="en-US" dirty="0"/>
+                  <a:t>會員折價</a:t>
+                </a:r>
+              </a:p>
+            </p:txBody>
+          </p:sp>
+          <p:sp>
+            <p:nvSpPr>
+              <p:cNvPr id="17" name="矩形 16">
+                <a:extLst>
+                  <a:ext uri="{FF2B5EF4-FFF2-40B4-BE49-F238E27FC236}">
+                    <a16:creationId xmlns:a16="http://schemas.microsoft.com/office/drawing/2014/main" id="{8C96EF0C-CC8F-45A9-9964-978186BE0BE2}"/>
+                  </a:ext>
+                </a:extLst>
+              </p:cNvPr>
+              <p:cNvSpPr/>
+              <p:nvPr/>
+            </p:nvSpPr>
+            <p:spPr>
+              <a:xfrm>
+                <a:off x="5463281" y="2108542"/>
+                <a:ext cx="523116" cy="1989341"/>
+              </a:xfrm>
+              <a:prstGeom prst="rect">
+                <a:avLst/>
+              </a:prstGeom>
+              <a:noFill/>
+              <a:ln w="9525" cap="flat" cmpd="sng" algn="ctr">
+                <a:solidFill>
+                  <a:schemeClr val="accent5"/>
+                </a:solidFill>
+                <a:prstDash val="solid"/>
+                <a:round/>
+                <a:headEnd type="none" w="med" len="med"/>
+                <a:tailEnd type="none" w="med" len="med"/>
+              </a:ln>
+            </p:spPr>
+            <p:style>
+              <a:lnRef idx="0">
+                <a:scrgbClr r="0" g="0" b="0"/>
+              </a:lnRef>
+              <a:fillRef idx="0">
+                <a:scrgbClr r="0" g="0" b="0"/>
+              </a:fillRef>
+              <a:effectRef idx="0">
+                <a:scrgbClr r="0" g="0" b="0"/>
+              </a:effectRef>
+              <a:fontRef idx="minor">
+                <a:schemeClr val="accent5"/>
+              </a:fontRef>
+            </p:style>
+            <p:txBody>
+              <a:bodyPr rtlCol="0" anchor="ctr"/>
+              <a:lstStyle/>
+              <a:p>
+                <a:pPr algn="ctr"/>
+                <a:r>
+                  <a:rPr lang="zh-TW" altLang="en-US" dirty="0"/>
+                  <a:t>計算金額</a:t>
+                </a:r>
+              </a:p>
+            </p:txBody>
+          </p:sp>
+          <p:sp>
+            <p:nvSpPr>
+              <p:cNvPr id="18" name="矩形 17">
+                <a:extLst>
+                  <a:ext uri="{FF2B5EF4-FFF2-40B4-BE49-F238E27FC236}">
+                    <a16:creationId xmlns:a16="http://schemas.microsoft.com/office/drawing/2014/main" id="{ED6AE475-6C1E-4B4E-A428-FF34553754E0}"/>
+                  </a:ext>
+                </a:extLst>
+              </p:cNvPr>
+              <p:cNvSpPr/>
+              <p:nvPr/>
+            </p:nvSpPr>
+            <p:spPr>
+              <a:xfrm>
+                <a:off x="6025613" y="2108542"/>
+                <a:ext cx="523116" cy="1989341"/>
+              </a:xfrm>
+              <a:prstGeom prst="rect">
+                <a:avLst/>
+              </a:prstGeom>
+              <a:noFill/>
+              <a:ln w="9525" cap="flat" cmpd="sng" algn="ctr">
+                <a:solidFill>
+                  <a:schemeClr val="accent5"/>
+                </a:solidFill>
+                <a:prstDash val="solid"/>
+                <a:round/>
+                <a:headEnd type="none" w="med" len="med"/>
+                <a:tailEnd type="none" w="med" len="med"/>
+              </a:ln>
+            </p:spPr>
+            <p:style>
+              <a:lnRef idx="0">
+                <a:scrgbClr r="0" g="0" b="0"/>
+              </a:lnRef>
+              <a:fillRef idx="0">
+                <a:scrgbClr r="0" g="0" b="0"/>
+              </a:fillRef>
+              <a:effectRef idx="0">
+                <a:scrgbClr r="0" g="0" b="0"/>
+              </a:effectRef>
+              <a:fontRef idx="minor">
+                <a:schemeClr val="accent5"/>
+              </a:fontRef>
+            </p:style>
+            <p:txBody>
+              <a:bodyPr rtlCol="0" anchor="ctr"/>
+              <a:lstStyle/>
+              <a:p>
+                <a:pPr algn="ctr"/>
+                <a:r>
+                  <a:rPr lang="zh-TW" altLang="en-US" dirty="0"/>
+                  <a:t>結帳服務</a:t>
+                </a:r>
+              </a:p>
+            </p:txBody>
+          </p:sp>
+          <p:grpSp>
+            <p:nvGrpSpPr>
+              <p:cNvPr id="24" name="群組 23">
+                <a:extLst>
+                  <a:ext uri="{FF2B5EF4-FFF2-40B4-BE49-F238E27FC236}">
+                    <a16:creationId xmlns:a16="http://schemas.microsoft.com/office/drawing/2014/main" id="{90807631-7145-4380-97D5-27D2A93A25AD}"/>
+                  </a:ext>
+                </a:extLst>
+              </p:cNvPr>
+              <p:cNvGrpSpPr/>
+              <p:nvPr/>
+            </p:nvGrpSpPr>
+            <p:grpSpPr>
+              <a:xfrm>
+                <a:off x="3175381" y="2721603"/>
+                <a:ext cx="1540635" cy="1339379"/>
+                <a:chOff x="-316531" y="2403016"/>
+                <a:chExt cx="2059126" cy="1815688"/>
+              </a:xfrm>
+            </p:grpSpPr>
+            <p:pic>
+              <p:nvPicPr>
+                <p:cNvPr id="21" name="圖形 20" descr="資料庫">
+                  <a:extLst>
+                    <a:ext uri="{FF2B5EF4-FFF2-40B4-BE49-F238E27FC236}">
+                      <a16:creationId xmlns:a16="http://schemas.microsoft.com/office/drawing/2014/main" id="{85C286A6-CCCD-4C38-826F-0CA1E8E2DACB}"/>
+                    </a:ext>
+                  </a:extLst>
+                </p:cNvPr>
+                <p:cNvPicPr>
+                  <a:picLocks noChangeAspect="1"/>
+                </p:cNvPicPr>
+                <p:nvPr/>
+              </p:nvPicPr>
+              <p:blipFill>
+                <a:blip r:embed="rId2">
+                  <a:extLst>
+                    <a:ext uri="{28A0092B-C50C-407E-A947-70E740481C1C}">
+                      <a14:useLocalDpi xmlns:a14="http://schemas.microsoft.com/office/drawing/2010/main" val="0"/>
+                    </a:ext>
+                    <a:ext uri="{96DAC541-7B7A-43D3-8B79-37D633B846F1}">
+                      <asvg:svgBlip xmlns:asvg="http://schemas.microsoft.com/office/drawing/2016/SVG/main" r:embed="rId3"/>
+                    </a:ext>
+                  </a:extLst>
+                </a:blip>
+                <a:stretch>
+                  <a:fillRect/>
+                </a:stretch>
+              </p:blipFill>
+              <p:spPr>
+                <a:xfrm>
+                  <a:off x="35889" y="2403016"/>
+                  <a:ext cx="1315014" cy="1315014"/>
+                </a:xfrm>
+                <a:prstGeom prst="rect">
+                  <a:avLst/>
+                </a:prstGeom>
+              </p:spPr>
+            </p:pic>
+            <p:sp>
+              <p:nvSpPr>
+                <p:cNvPr id="23" name="文字方塊 22">
+                  <a:extLst>
+                    <a:ext uri="{FF2B5EF4-FFF2-40B4-BE49-F238E27FC236}">
+                      <a16:creationId xmlns:a16="http://schemas.microsoft.com/office/drawing/2014/main" id="{3C4B9858-5870-4434-B378-7DFB6925CA4B}"/>
+                    </a:ext>
+                  </a:extLst>
+                </p:cNvPr>
+                <p:cNvSpPr txBox="1"/>
+                <p:nvPr/>
+              </p:nvSpPr>
+              <p:spPr>
+                <a:xfrm>
+                  <a:off x="-316531" y="3718030"/>
+                  <a:ext cx="2059126" cy="500674"/>
+                </a:xfrm>
+                <a:prstGeom prst="rect">
+                  <a:avLst/>
+                </a:prstGeom>
+                <a:noFill/>
+              </p:spPr>
+              <p:txBody>
+                <a:bodyPr wrap="square" rtlCol="0">
+                  <a:spAutoFit/>
+                </a:bodyPr>
+                <a:lstStyle/>
+                <a:p>
+                  <a:pPr algn="ctr"/>
+                  <a:r>
+                    <a:rPr lang="zh-TW" altLang="en-US" b="1" dirty="0">
+                      <a:solidFill>
+                        <a:schemeClr val="tx2"/>
+                      </a:solidFill>
+                      <a:latin typeface="微軟正黑體" panose="020B0604030504040204" pitchFamily="34" charset="-120"/>
+                      <a:ea typeface="微軟正黑體" panose="020B0604030504040204" pitchFamily="34" charset="-120"/>
+                    </a:rPr>
+                    <a:t>雲端資料庫</a:t>
+                  </a:r>
+                </a:p>
+              </p:txBody>
+            </p:sp>
+          </p:grpSp>
+          <p:sp>
+            <p:nvSpPr>
+              <p:cNvPr id="30" name="矩形 29">
+                <a:extLst>
+                  <a:ext uri="{FF2B5EF4-FFF2-40B4-BE49-F238E27FC236}">
+                    <a16:creationId xmlns:a16="http://schemas.microsoft.com/office/drawing/2014/main" id="{664360C8-0E49-4A50-9381-7817A8E785A9}"/>
+                  </a:ext>
+                </a:extLst>
+              </p:cNvPr>
+              <p:cNvSpPr/>
+              <p:nvPr/>
+            </p:nvSpPr>
+            <p:spPr>
+              <a:xfrm>
+                <a:off x="7188925" y="2114738"/>
+                <a:ext cx="523116" cy="1989341"/>
+              </a:xfrm>
+              <a:prstGeom prst="rect">
+                <a:avLst/>
+              </a:prstGeom>
+              <a:noFill/>
+              <a:ln w="9525" cap="flat" cmpd="sng" algn="ctr">
+                <a:solidFill>
+                  <a:schemeClr val="accent5"/>
+                </a:solidFill>
+                <a:prstDash val="solid"/>
+                <a:round/>
+                <a:headEnd type="none" w="med" len="med"/>
+                <a:tailEnd type="none" w="med" len="med"/>
+              </a:ln>
+            </p:spPr>
+            <p:style>
+              <a:lnRef idx="0">
+                <a:scrgbClr r="0" g="0" b="0"/>
+              </a:lnRef>
+              <a:fillRef idx="0">
+                <a:scrgbClr r="0" g="0" b="0"/>
+              </a:fillRef>
+              <a:effectRef idx="0">
+                <a:scrgbClr r="0" g="0" b="0"/>
+              </a:effectRef>
+              <a:fontRef idx="minor">
+                <a:schemeClr val="accent5"/>
+              </a:fontRef>
+            </p:style>
+            <p:txBody>
+              <a:bodyPr rtlCol="0" anchor="ctr"/>
+              <a:lstStyle/>
+              <a:p>
+                <a:pPr algn="ctr"/>
+                <a:r>
+                  <a:rPr lang="zh-TW" altLang="en-US" dirty="0"/>
+                  <a:t>設定服務</a:t>
+                </a:r>
+                <a:endParaRPr lang="en-US" altLang="zh-TW" dirty="0"/>
+              </a:p>
+            </p:txBody>
+          </p:sp>
+          <p:sp>
+            <p:nvSpPr>
+              <p:cNvPr id="31" name="矩形 30">
+                <a:extLst>
+                  <a:ext uri="{FF2B5EF4-FFF2-40B4-BE49-F238E27FC236}">
+                    <a16:creationId xmlns:a16="http://schemas.microsoft.com/office/drawing/2014/main" id="{BCDCCB73-643B-44EC-9DC3-329B5E4538A9}"/>
+                  </a:ext>
+                </a:extLst>
+              </p:cNvPr>
+              <p:cNvSpPr/>
+              <p:nvPr/>
+            </p:nvSpPr>
+            <p:spPr>
+              <a:xfrm>
+                <a:off x="7819990" y="2114738"/>
+                <a:ext cx="523116" cy="1989341"/>
+              </a:xfrm>
+              <a:prstGeom prst="rect">
+                <a:avLst/>
+              </a:prstGeom>
+              <a:noFill/>
+              <a:ln w="9525" cap="flat" cmpd="sng" algn="ctr">
+                <a:solidFill>
+                  <a:schemeClr val="accent5"/>
+                </a:solidFill>
+                <a:prstDash val="solid"/>
+                <a:round/>
+                <a:headEnd type="none" w="med" len="med"/>
+                <a:tailEnd type="none" w="med" len="med"/>
+              </a:ln>
+            </p:spPr>
+            <p:style>
+              <a:lnRef idx="0">
+                <a:scrgbClr r="0" g="0" b="0"/>
+              </a:lnRef>
+              <a:fillRef idx="0">
+                <a:scrgbClr r="0" g="0" b="0"/>
+              </a:fillRef>
+              <a:effectRef idx="0">
+                <a:scrgbClr r="0" g="0" b="0"/>
+              </a:effectRef>
+              <a:fontRef idx="minor">
+                <a:schemeClr val="accent5"/>
+              </a:fontRef>
+            </p:style>
+            <p:txBody>
+              <a:bodyPr rtlCol="0" anchor="ctr"/>
+              <a:lstStyle/>
+              <a:p>
+                <a:pPr algn="ctr"/>
+                <a:r>
+                  <a:rPr lang="zh-TW" altLang="en-US" dirty="0"/>
+                  <a:t>查詢服務</a:t>
+                </a:r>
+                <a:endParaRPr lang="en-US" altLang="zh-TW" dirty="0"/>
+              </a:p>
+            </p:txBody>
+          </p:sp>
+        </p:grpSp>
       </p:grpSp>
-      <p:sp>
-        <p:nvSpPr>
-          <p:cNvPr id="30" name="矩形 29">
-            <a:extLst>
-              <a:ext uri="{FF2B5EF4-FFF2-40B4-BE49-F238E27FC236}">
-                <a16:creationId xmlns:a16="http://schemas.microsoft.com/office/drawing/2014/main" id="{664360C8-0E49-4A50-9381-7817A8E785A9}"/>
-              </a:ext>
-            </a:extLst>
-          </p:cNvPr>
-          <p:cNvSpPr/>
-          <p:nvPr/>
-        </p:nvSpPr>
-        <p:spPr>
-          <a:xfrm>
-            <a:off x="7188925" y="2152445"/>
-            <a:ext cx="523116" cy="1989341"/>
-          </a:xfrm>
-          <a:prstGeom prst="rect">
-            <a:avLst/>
-          </a:prstGeom>
-          <a:noFill/>
-          <a:ln w="9525" cap="flat" cmpd="sng" algn="ctr">
-            <a:solidFill>
-              <a:schemeClr val="accent5"/>
-            </a:solidFill>
-            <a:prstDash val="solid"/>
-            <a:round/>
-            <a:headEnd type="none" w="med" len="med"/>
-            <a:tailEnd type="none" w="med" len="med"/>
-          </a:ln>
-        </p:spPr>
-        <p:style>
-          <a:lnRef idx="0">
-            <a:scrgbClr r="0" g="0" b="0"/>
-          </a:lnRef>
-          <a:fillRef idx="0">
-            <a:scrgbClr r="0" g="0" b="0"/>
-          </a:fillRef>
-          <a:effectRef idx="0">
-            <a:scrgbClr r="0" g="0" b="0"/>
-          </a:effectRef>
-          <a:fontRef idx="minor">
-            <a:schemeClr val="accent5"/>
-          </a:fontRef>
-        </p:style>
-        <p:txBody>
-          <a:bodyPr rtlCol="0" anchor="ctr"/>
-          <a:lstStyle/>
-          <a:p>
-            <a:pPr algn="ctr"/>
-            <a:r>
-              <a:rPr lang="zh-TW" altLang="en-US" dirty="0"/>
-              <a:t>設定服務</a:t>
-            </a:r>
-            <a:endParaRPr lang="en-US" altLang="zh-TW" dirty="0"/>
-          </a:p>
-        </p:txBody>
-      </p:sp>
-      <p:sp>
-        <p:nvSpPr>
-          <p:cNvPr id="31" name="矩形 30">
-            <a:extLst>
-              <a:ext uri="{FF2B5EF4-FFF2-40B4-BE49-F238E27FC236}">
-                <a16:creationId xmlns:a16="http://schemas.microsoft.com/office/drawing/2014/main" id="{BCDCCB73-643B-44EC-9DC3-329B5E4538A9}"/>
-              </a:ext>
-            </a:extLst>
-          </p:cNvPr>
-          <p:cNvSpPr/>
-          <p:nvPr/>
-        </p:nvSpPr>
-        <p:spPr>
-          <a:xfrm>
-            <a:off x="7819990" y="2152445"/>
-            <a:ext cx="523116" cy="1989341"/>
-          </a:xfrm>
-          <a:prstGeom prst="rect">
-            <a:avLst/>
-          </a:prstGeom>
-          <a:noFill/>
-          <a:ln w="9525" cap="flat" cmpd="sng" algn="ctr">
-            <a:solidFill>
-              <a:schemeClr val="accent5"/>
-            </a:solidFill>
-            <a:prstDash val="solid"/>
-            <a:round/>
-            <a:headEnd type="none" w="med" len="med"/>
-            <a:tailEnd type="none" w="med" len="med"/>
-          </a:ln>
-        </p:spPr>
-        <p:style>
-          <a:lnRef idx="0">
-            <a:scrgbClr r="0" g="0" b="0"/>
-          </a:lnRef>
-          <a:fillRef idx="0">
-            <a:scrgbClr r="0" g="0" b="0"/>
-          </a:fillRef>
-          <a:effectRef idx="0">
-            <a:scrgbClr r="0" g="0" b="0"/>
-          </a:effectRef>
-          <a:fontRef idx="minor">
-            <a:schemeClr val="accent5"/>
-          </a:fontRef>
-        </p:style>
-        <p:txBody>
-          <a:bodyPr rtlCol="0" anchor="ctr"/>
-          <a:lstStyle/>
-          <a:p>
-            <a:pPr algn="ctr"/>
-            <a:r>
-              <a:rPr lang="zh-TW" altLang="en-US" dirty="0"/>
-              <a:t>查詢服務</a:t>
-            </a:r>
-            <a:endParaRPr lang="en-US" altLang="zh-TW" dirty="0"/>
-          </a:p>
-        </p:txBody>
-      </p:sp>
     </p:spTree>
     <p:extLst>
       <p:ext uri="{BB962C8B-B14F-4D97-AF65-F5344CB8AC3E}">
@@ -4519,10 +4562,10 @@
       </p:grpSpPr>
       <p:grpSp>
         <p:nvGrpSpPr>
-          <p:cNvPr id="3" name="群組 2">
+          <p:cNvPr id="6" name="群組 5">
             <a:extLst>
               <a:ext uri="{FF2B5EF4-FFF2-40B4-BE49-F238E27FC236}">
-                <a16:creationId xmlns:a16="http://schemas.microsoft.com/office/drawing/2014/main" id="{3836636A-BF2A-4B40-AE85-536020000609}"/>
+                <a16:creationId xmlns:a16="http://schemas.microsoft.com/office/drawing/2014/main" id="{257047F3-E886-40D9-9DA1-31ABA65BD248}"/>
               </a:ext>
             </a:extLst>
           </p:cNvPr>
@@ -4537,119 +4580,6 @@
             <a:chExt cx="9040542" cy="6910730"/>
           </a:xfrm>
         </p:grpSpPr>
-        <p:grpSp>
-          <p:nvGrpSpPr>
-            <p:cNvPr id="19" name="群組 18">
-              <a:extLst>
-                <a:ext uri="{FF2B5EF4-FFF2-40B4-BE49-F238E27FC236}">
-                  <a16:creationId xmlns:a16="http://schemas.microsoft.com/office/drawing/2014/main" id="{D2E2C220-6B65-4CD7-ABC6-83FA4371C3CE}"/>
-                </a:ext>
-              </a:extLst>
-            </p:cNvPr>
-            <p:cNvGrpSpPr/>
-            <p:nvPr/>
-          </p:nvGrpSpPr>
-          <p:grpSpPr>
-            <a:xfrm>
-              <a:off x="103458" y="1825876"/>
-              <a:ext cx="9040542" cy="5473016"/>
-              <a:chOff x="130742" y="964649"/>
-              <a:chExt cx="9040542" cy="5473016"/>
-            </a:xfrm>
-          </p:grpSpPr>
-          <p:pic>
-            <p:nvPicPr>
-              <p:cNvPr id="9" name="圖片 8">
-                <a:extLst>
-                  <a:ext uri="{FF2B5EF4-FFF2-40B4-BE49-F238E27FC236}">
-                    <a16:creationId xmlns:a16="http://schemas.microsoft.com/office/drawing/2014/main" id="{9FDA69D2-0B31-4A51-AAC5-842D6C0F6D7F}"/>
-                  </a:ext>
-                </a:extLst>
-              </p:cNvPr>
-              <p:cNvPicPr>
-                <a:picLocks noChangeAspect="1"/>
-              </p:cNvPicPr>
-              <p:nvPr/>
-            </p:nvPicPr>
-            <p:blipFill rotWithShape="1">
-              <a:blip r:embed="rId2">
-                <a:extLst>
-                  <a:ext uri="{28A0092B-C50C-407E-A947-70E740481C1C}">
-                    <a14:useLocalDpi xmlns:a14="http://schemas.microsoft.com/office/drawing/2010/main" val="0"/>
-                  </a:ext>
-                </a:extLst>
-              </a:blip>
-              <a:srcRect l="13737" b="31100"/>
-              <a:stretch/>
-            </p:blipFill>
-            <p:spPr>
-              <a:xfrm>
-                <a:off x="130742" y="964649"/>
-                <a:ext cx="6684764" cy="5473016"/>
-              </a:xfrm>
-              <a:prstGeom prst="rect">
-                <a:avLst/>
-              </a:prstGeom>
-              <a:ln>
-                <a:noFill/>
-              </a:ln>
-            </p:spPr>
-          </p:pic>
-          <p:sp>
-            <p:nvSpPr>
-              <p:cNvPr id="16" name="矩形 15">
-                <a:extLst>
-                  <a:ext uri="{FF2B5EF4-FFF2-40B4-BE49-F238E27FC236}">
-                    <a16:creationId xmlns:a16="http://schemas.microsoft.com/office/drawing/2014/main" id="{C6575DE9-9B76-40E8-ACA0-B8E2279A7010}"/>
-                  </a:ext>
-                </a:extLst>
-              </p:cNvPr>
-              <p:cNvSpPr/>
-              <p:nvPr/>
-            </p:nvSpPr>
-            <p:spPr>
-              <a:xfrm>
-                <a:off x="6578996" y="5570747"/>
-                <a:ext cx="2592288" cy="525418"/>
-              </a:xfrm>
-              <a:prstGeom prst="rect">
-                <a:avLst/>
-              </a:prstGeom>
-              <a:solidFill>
-                <a:srgbClr val="7BC8FF"/>
-              </a:solidFill>
-              <a:ln w="31750">
-                <a:solidFill>
-                  <a:srgbClr val="7BC8FF"/>
-                </a:solidFill>
-              </a:ln>
-            </p:spPr>
-            <p:style>
-              <a:lnRef idx="2">
-                <a:schemeClr val="accent1">
-                  <a:shade val="50000"/>
-                </a:schemeClr>
-              </a:lnRef>
-              <a:fillRef idx="1">
-                <a:schemeClr val="accent1"/>
-              </a:fillRef>
-              <a:effectRef idx="0">
-                <a:schemeClr val="accent1"/>
-              </a:effectRef>
-              <a:fontRef idx="minor">
-                <a:schemeClr val="lt1"/>
-              </a:fontRef>
-            </p:style>
-            <p:txBody>
-              <a:bodyPr rtlCol="0" anchor="ctr"/>
-              <a:lstStyle/>
-              <a:p>
-                <a:pPr algn="ctr"/>
-                <a:endParaRPr lang="zh-TW" altLang="en-US" dirty="0"/>
-              </a:p>
-            </p:txBody>
-          </p:sp>
-        </p:grpSp>
         <p:sp>
           <p:nvSpPr>
             <p:cNvPr id="31" name="矩形 30">
@@ -4704,10 +4634,10 @@
         </p:sp>
         <p:grpSp>
           <p:nvGrpSpPr>
-            <p:cNvPr id="26" name="群組 25">
+            <p:cNvPr id="4" name="群組 3">
               <a:extLst>
                 <a:ext uri="{FF2B5EF4-FFF2-40B4-BE49-F238E27FC236}">
-                  <a16:creationId xmlns:a16="http://schemas.microsoft.com/office/drawing/2014/main" id="{107BCE0A-AA4F-4DB4-A1AA-63083037E8EB}"/>
+                  <a16:creationId xmlns:a16="http://schemas.microsoft.com/office/drawing/2014/main" id="{1ECF337D-745D-41CE-AADC-F35917B82B0C}"/>
                 </a:ext>
               </a:extLst>
             </p:cNvPr>
@@ -4716,545 +4646,679 @@
           </p:nvGrpSpPr>
           <p:grpSpPr>
             <a:xfrm>
-              <a:off x="7246377" y="1844823"/>
-              <a:ext cx="1619317" cy="1807099"/>
-              <a:chOff x="6179221" y="2509521"/>
-              <a:chExt cx="1603104" cy="1789006"/>
+              <a:off x="103458" y="1825876"/>
+              <a:ext cx="9040542" cy="5473016"/>
+              <a:chOff x="103458" y="1825876"/>
+              <a:chExt cx="9040542" cy="5473016"/>
             </a:xfrm>
           </p:grpSpPr>
-          <p:pic>
-            <p:nvPicPr>
-              <p:cNvPr id="5" name="圖形 4" descr="收銀機">
+          <p:grpSp>
+            <p:nvGrpSpPr>
+              <p:cNvPr id="19" name="群組 18">
                 <a:extLst>
                   <a:ext uri="{FF2B5EF4-FFF2-40B4-BE49-F238E27FC236}">
-                    <a16:creationId xmlns:a16="http://schemas.microsoft.com/office/drawing/2014/main" id="{D67C7A9C-67B6-4A9A-89C9-F7BCBAE56CE9}"/>
+                    <a16:creationId xmlns:a16="http://schemas.microsoft.com/office/drawing/2014/main" id="{D2E2C220-6B65-4CD7-ABC6-83FA4371C3CE}"/>
                   </a:ext>
                 </a:extLst>
               </p:cNvPr>
-              <p:cNvPicPr>
-                <a:picLocks noChangeAspect="1"/>
-              </p:cNvPicPr>
+              <p:cNvGrpSpPr/>
               <p:nvPr/>
-            </p:nvPicPr>
-            <p:blipFill>
-              <a:blip r:embed="rId3">
-                <a:extLst>
-                  <a:ext uri="{28A0092B-C50C-407E-A947-70E740481C1C}">
-                    <a14:useLocalDpi xmlns:a14="http://schemas.microsoft.com/office/drawing/2010/main" val="0"/>
-                  </a:ext>
-                  <a:ext uri="{96DAC541-7B7A-43D3-8B79-37D633B846F1}">
-                    <asvg:svgBlip xmlns:asvg="http://schemas.microsoft.com/office/drawing/2016/SVG/main" r:embed="rId4"/>
-                  </a:ext>
-                </a:extLst>
-              </a:blip>
-              <a:stretch>
-                <a:fillRect/>
-              </a:stretch>
-            </p:blipFill>
-            <p:spPr>
+            </p:nvGrpSpPr>
+            <p:grpSpPr>
               <a:xfrm>
-                <a:off x="6179221" y="2509521"/>
-                <a:ext cx="1603104" cy="1603104"/>
+                <a:off x="103458" y="1825876"/>
+                <a:ext cx="9040542" cy="5473016"/>
+                <a:chOff x="130742" y="964649"/>
+                <a:chExt cx="9040542" cy="5473016"/>
               </a:xfrm>
-              <a:prstGeom prst="rect">
-                <a:avLst/>
-              </a:prstGeom>
-            </p:spPr>
-          </p:pic>
-          <p:sp>
-            <p:nvSpPr>
-              <p:cNvPr id="20" name="文字方塊 19">
+            </p:grpSpPr>
+            <p:pic>
+              <p:nvPicPr>
+                <p:cNvPr id="9" name="圖片 8">
+                  <a:extLst>
+                    <a:ext uri="{FF2B5EF4-FFF2-40B4-BE49-F238E27FC236}">
+                      <a16:creationId xmlns:a16="http://schemas.microsoft.com/office/drawing/2014/main" id="{9FDA69D2-0B31-4A51-AAC5-842D6C0F6D7F}"/>
+                    </a:ext>
+                  </a:extLst>
+                </p:cNvPr>
+                <p:cNvPicPr>
+                  <a:picLocks noChangeAspect="1"/>
+                </p:cNvPicPr>
+                <p:nvPr/>
+              </p:nvPicPr>
+              <p:blipFill rotWithShape="1">
+                <a:blip r:embed="rId2">
+                  <a:extLst>
+                    <a:ext uri="{28A0092B-C50C-407E-A947-70E740481C1C}">
+                      <a14:useLocalDpi xmlns:a14="http://schemas.microsoft.com/office/drawing/2010/main" val="0"/>
+                    </a:ext>
+                  </a:extLst>
+                </a:blip>
+                <a:srcRect l="13737" b="31100"/>
+                <a:stretch/>
+              </p:blipFill>
+              <p:spPr>
+                <a:xfrm>
+                  <a:off x="130742" y="964649"/>
+                  <a:ext cx="6684764" cy="5473016"/>
+                </a:xfrm>
+                <a:prstGeom prst="rect">
+                  <a:avLst/>
+                </a:prstGeom>
+                <a:ln>
+                  <a:noFill/>
+                </a:ln>
+              </p:spPr>
+            </p:pic>
+            <p:sp>
+              <p:nvSpPr>
+                <p:cNvPr id="16" name="矩形 15">
+                  <a:extLst>
+                    <a:ext uri="{FF2B5EF4-FFF2-40B4-BE49-F238E27FC236}">
+                      <a16:creationId xmlns:a16="http://schemas.microsoft.com/office/drawing/2014/main" id="{C6575DE9-9B76-40E8-ACA0-B8E2279A7010}"/>
+                    </a:ext>
+                  </a:extLst>
+                </p:cNvPr>
+                <p:cNvSpPr/>
+                <p:nvPr/>
+              </p:nvSpPr>
+              <p:spPr>
+                <a:xfrm>
+                  <a:off x="6578996" y="5570747"/>
+                  <a:ext cx="2592288" cy="525418"/>
+                </a:xfrm>
+                <a:prstGeom prst="rect">
+                  <a:avLst/>
+                </a:prstGeom>
+                <a:solidFill>
+                  <a:srgbClr val="7BC8FF"/>
+                </a:solidFill>
+                <a:ln w="31750">
+                  <a:solidFill>
+                    <a:srgbClr val="7BC8FF"/>
+                  </a:solidFill>
+                </a:ln>
+              </p:spPr>
+              <p:style>
+                <a:lnRef idx="2">
+                  <a:schemeClr val="accent1">
+                    <a:shade val="50000"/>
+                  </a:schemeClr>
+                </a:lnRef>
+                <a:fillRef idx="1">
+                  <a:schemeClr val="accent1"/>
+                </a:fillRef>
+                <a:effectRef idx="0">
+                  <a:schemeClr val="accent1"/>
+                </a:effectRef>
+                <a:fontRef idx="minor">
+                  <a:schemeClr val="lt1"/>
+                </a:fontRef>
+              </p:style>
+              <p:txBody>
+                <a:bodyPr rtlCol="0" anchor="ctr"/>
+                <a:lstStyle/>
+                <a:p>
+                  <a:pPr algn="ctr"/>
+                  <a:endParaRPr lang="zh-TW" altLang="en-US" dirty="0"/>
+                </a:p>
+              </p:txBody>
+            </p:sp>
+          </p:grpSp>
+          <p:grpSp>
+            <p:nvGrpSpPr>
+              <p:cNvPr id="26" name="群組 25">
                 <a:extLst>
                   <a:ext uri="{FF2B5EF4-FFF2-40B4-BE49-F238E27FC236}">
-                    <a16:creationId xmlns:a16="http://schemas.microsoft.com/office/drawing/2014/main" id="{71226397-B8FE-4357-B0F7-89FD3B761BA9}"/>
+                    <a16:creationId xmlns:a16="http://schemas.microsoft.com/office/drawing/2014/main" id="{107BCE0A-AA4F-4DB4-A1AA-63083037E8EB}"/>
                   </a:ext>
                 </a:extLst>
               </p:cNvPr>
-              <p:cNvSpPr txBox="1"/>
+              <p:cNvGrpSpPr/>
               <p:nvPr/>
-            </p:nvSpPr>
-            <p:spPr>
+            </p:nvGrpSpPr>
+            <p:grpSpPr>
               <a:xfrm>
-                <a:off x="6293078" y="3898417"/>
-                <a:ext cx="1320065" cy="400110"/>
+                <a:off x="7246377" y="1844823"/>
+                <a:ext cx="1619317" cy="1807099"/>
+                <a:chOff x="6179221" y="2509521"/>
+                <a:chExt cx="1603104" cy="1789006"/>
               </a:xfrm>
-              <a:prstGeom prst="rect">
-                <a:avLst/>
-              </a:prstGeom>
-              <a:noFill/>
-            </p:spPr>
-            <p:txBody>
-              <a:bodyPr wrap="square" rtlCol="0">
-                <a:spAutoFit/>
-              </a:bodyPr>
-              <a:lstStyle/>
-              <a:p>
-                <a:pPr algn="ctr"/>
-                <a:r>
-                  <a:rPr lang="zh-TW" altLang="en-US" sz="2000" dirty="0">
-                    <a:solidFill>
-                      <a:schemeClr val="tx2"/>
-                    </a:solidFill>
-                    <a:latin typeface="微軟正黑體" panose="020B0604030504040204" pitchFamily="34" charset="-120"/>
-                    <a:ea typeface="微軟正黑體" panose="020B0604030504040204" pitchFamily="34" charset="-120"/>
-                  </a:rPr>
-                  <a:t>結帳台</a:t>
-                </a:r>
-              </a:p>
-            </p:txBody>
-          </p:sp>
-        </p:grpSp>
-        <p:grpSp>
-          <p:nvGrpSpPr>
-            <p:cNvPr id="28" name="群組 27">
-              <a:extLst>
-                <a:ext uri="{FF2B5EF4-FFF2-40B4-BE49-F238E27FC236}">
-                  <a16:creationId xmlns:a16="http://schemas.microsoft.com/office/drawing/2014/main" id="{23AC093F-3549-4C3F-8257-B4379CDE9093}"/>
-                </a:ext>
-              </a:extLst>
-            </p:cNvPr>
-            <p:cNvGrpSpPr/>
-            <p:nvPr/>
-          </p:nvGrpSpPr>
-          <p:grpSpPr>
-            <a:xfrm>
-              <a:off x="5392348" y="4342361"/>
-              <a:ext cx="1320065" cy="1465822"/>
-              <a:chOff x="5102478" y="3912523"/>
-              <a:chExt cx="1320065" cy="1465822"/>
-            </a:xfrm>
-          </p:grpSpPr>
-          <p:pic>
-            <p:nvPicPr>
-              <p:cNvPr id="7" name="圖形 6" descr="購物籃">
+            </p:grpSpPr>
+            <p:pic>
+              <p:nvPicPr>
+                <p:cNvPr id="5" name="圖形 4" descr="收銀機">
+                  <a:extLst>
+                    <a:ext uri="{FF2B5EF4-FFF2-40B4-BE49-F238E27FC236}">
+                      <a16:creationId xmlns:a16="http://schemas.microsoft.com/office/drawing/2014/main" id="{D67C7A9C-67B6-4A9A-89C9-F7BCBAE56CE9}"/>
+                    </a:ext>
+                  </a:extLst>
+                </p:cNvPr>
+                <p:cNvPicPr>
+                  <a:picLocks noChangeAspect="1"/>
+                </p:cNvPicPr>
+                <p:nvPr/>
+              </p:nvPicPr>
+              <p:blipFill>
+                <a:blip r:embed="rId3">
+                  <a:extLst>
+                    <a:ext uri="{28A0092B-C50C-407E-A947-70E740481C1C}">
+                      <a14:useLocalDpi xmlns:a14="http://schemas.microsoft.com/office/drawing/2010/main" val="0"/>
+                    </a:ext>
+                    <a:ext uri="{96DAC541-7B7A-43D3-8B79-37D633B846F1}">
+                      <asvg:svgBlip xmlns:asvg="http://schemas.microsoft.com/office/drawing/2016/SVG/main" r:embed="rId4"/>
+                    </a:ext>
+                  </a:extLst>
+                </a:blip>
+                <a:stretch>
+                  <a:fillRect/>
+                </a:stretch>
+              </p:blipFill>
+              <p:spPr>
+                <a:xfrm>
+                  <a:off x="6179221" y="2509521"/>
+                  <a:ext cx="1603104" cy="1603104"/>
+                </a:xfrm>
+                <a:prstGeom prst="rect">
+                  <a:avLst/>
+                </a:prstGeom>
+              </p:spPr>
+            </p:pic>
+            <p:sp>
+              <p:nvSpPr>
+                <p:cNvPr id="20" name="文字方塊 19">
+                  <a:extLst>
+                    <a:ext uri="{FF2B5EF4-FFF2-40B4-BE49-F238E27FC236}">
+                      <a16:creationId xmlns:a16="http://schemas.microsoft.com/office/drawing/2014/main" id="{71226397-B8FE-4357-B0F7-89FD3B761BA9}"/>
+                    </a:ext>
+                  </a:extLst>
+                </p:cNvPr>
+                <p:cNvSpPr txBox="1"/>
+                <p:nvPr/>
+              </p:nvSpPr>
+              <p:spPr>
+                <a:xfrm>
+                  <a:off x="6293078" y="3898417"/>
+                  <a:ext cx="1320065" cy="400110"/>
+                </a:xfrm>
+                <a:prstGeom prst="rect">
+                  <a:avLst/>
+                </a:prstGeom>
+                <a:noFill/>
+              </p:spPr>
+              <p:txBody>
+                <a:bodyPr wrap="square" rtlCol="0">
+                  <a:spAutoFit/>
+                </a:bodyPr>
+                <a:lstStyle/>
+                <a:p>
+                  <a:pPr algn="ctr"/>
+                  <a:r>
+                    <a:rPr lang="zh-TW" altLang="en-US" sz="2000" dirty="0">
+                      <a:solidFill>
+                        <a:schemeClr val="tx2"/>
+                      </a:solidFill>
+                      <a:latin typeface="微軟正黑體" panose="020B0604030504040204" pitchFamily="34" charset="-120"/>
+                      <a:ea typeface="微軟正黑體" panose="020B0604030504040204" pitchFamily="34" charset="-120"/>
+                    </a:rPr>
+                    <a:t>結帳台</a:t>
+                  </a:r>
+                </a:p>
+              </p:txBody>
+            </p:sp>
+          </p:grpSp>
+          <p:grpSp>
+            <p:nvGrpSpPr>
+              <p:cNvPr id="28" name="群組 27">
                 <a:extLst>
                   <a:ext uri="{FF2B5EF4-FFF2-40B4-BE49-F238E27FC236}">
-                    <a16:creationId xmlns:a16="http://schemas.microsoft.com/office/drawing/2014/main" id="{787005E2-752B-4145-8831-148D762C03C1}"/>
+                    <a16:creationId xmlns:a16="http://schemas.microsoft.com/office/drawing/2014/main" id="{23AC093F-3549-4C3F-8257-B4379CDE9093}"/>
                   </a:ext>
                 </a:extLst>
               </p:cNvPr>
-              <p:cNvPicPr>
-                <a:picLocks noChangeAspect="1"/>
-              </p:cNvPicPr>
+              <p:cNvGrpSpPr/>
               <p:nvPr/>
-            </p:nvPicPr>
-            <p:blipFill>
-              <a:blip r:embed="rId5">
-                <a:extLst>
-                  <a:ext uri="{28A0092B-C50C-407E-A947-70E740481C1C}">
-                    <a14:useLocalDpi xmlns:a14="http://schemas.microsoft.com/office/drawing/2010/main" val="0"/>
-                  </a:ext>
-                  <a:ext uri="{96DAC541-7B7A-43D3-8B79-37D633B846F1}">
-                    <asvg:svgBlip xmlns:asvg="http://schemas.microsoft.com/office/drawing/2016/SVG/main" r:embed="rId6"/>
-                  </a:ext>
-                </a:extLst>
-              </a:blip>
-              <a:stretch>
-                <a:fillRect/>
-              </a:stretch>
-            </p:blipFill>
-            <p:spPr>
+            </p:nvGrpSpPr>
+            <p:grpSpPr>
               <a:xfrm>
-                <a:off x="5109428" y="3912523"/>
-                <a:ext cx="1215876" cy="1215876"/>
+                <a:off x="5392348" y="4342361"/>
+                <a:ext cx="1320065" cy="1465822"/>
+                <a:chOff x="5102478" y="3912523"/>
+                <a:chExt cx="1320065" cy="1465822"/>
               </a:xfrm>
-              <a:prstGeom prst="rect">
-                <a:avLst/>
-              </a:prstGeom>
-            </p:spPr>
-          </p:pic>
-          <p:sp>
-            <p:nvSpPr>
-              <p:cNvPr id="21" name="文字方塊 20">
+            </p:grpSpPr>
+            <p:pic>
+              <p:nvPicPr>
+                <p:cNvPr id="7" name="圖形 6" descr="購物籃">
+                  <a:extLst>
+                    <a:ext uri="{FF2B5EF4-FFF2-40B4-BE49-F238E27FC236}">
+                      <a16:creationId xmlns:a16="http://schemas.microsoft.com/office/drawing/2014/main" id="{787005E2-752B-4145-8831-148D762C03C1}"/>
+                    </a:ext>
+                  </a:extLst>
+                </p:cNvPr>
+                <p:cNvPicPr>
+                  <a:picLocks noChangeAspect="1"/>
+                </p:cNvPicPr>
+                <p:nvPr/>
+              </p:nvPicPr>
+              <p:blipFill>
+                <a:blip r:embed="rId5">
+                  <a:extLst>
+                    <a:ext uri="{28A0092B-C50C-407E-A947-70E740481C1C}">
+                      <a14:useLocalDpi xmlns:a14="http://schemas.microsoft.com/office/drawing/2010/main" val="0"/>
+                    </a:ext>
+                    <a:ext uri="{96DAC541-7B7A-43D3-8B79-37D633B846F1}">
+                      <asvg:svgBlip xmlns:asvg="http://schemas.microsoft.com/office/drawing/2016/SVG/main" r:embed="rId6"/>
+                    </a:ext>
+                  </a:extLst>
+                </a:blip>
+                <a:stretch>
+                  <a:fillRect/>
+                </a:stretch>
+              </p:blipFill>
+              <p:spPr>
+                <a:xfrm>
+                  <a:off x="5109428" y="3912523"/>
+                  <a:ext cx="1215876" cy="1215876"/>
+                </a:xfrm>
+                <a:prstGeom prst="rect">
+                  <a:avLst/>
+                </a:prstGeom>
+              </p:spPr>
+            </p:pic>
+            <p:sp>
+              <p:nvSpPr>
+                <p:cNvPr id="21" name="文字方塊 20">
+                  <a:extLst>
+                    <a:ext uri="{FF2B5EF4-FFF2-40B4-BE49-F238E27FC236}">
+                      <a16:creationId xmlns:a16="http://schemas.microsoft.com/office/drawing/2014/main" id="{FCBB7B5F-88C1-46D4-BC10-00A6864EFF8D}"/>
+                    </a:ext>
+                  </a:extLst>
+                </p:cNvPr>
+                <p:cNvSpPr txBox="1"/>
+                <p:nvPr/>
+              </p:nvSpPr>
+              <p:spPr>
+                <a:xfrm>
+                  <a:off x="5102478" y="4978235"/>
+                  <a:ext cx="1320065" cy="400110"/>
+                </a:xfrm>
+                <a:prstGeom prst="rect">
+                  <a:avLst/>
+                </a:prstGeom>
+                <a:noFill/>
+              </p:spPr>
+              <p:txBody>
+                <a:bodyPr wrap="square" rtlCol="0">
+                  <a:spAutoFit/>
+                </a:bodyPr>
+                <a:lstStyle/>
+                <a:p>
+                  <a:pPr algn="ctr"/>
+                  <a:r>
+                    <a:rPr lang="zh-TW" altLang="en-US" sz="2000" dirty="0">
+                      <a:solidFill>
+                        <a:schemeClr val="accent1"/>
+                      </a:solidFill>
+                      <a:latin typeface="微軟正黑體" panose="020B0604030504040204" pitchFamily="34" charset="-120"/>
+                      <a:ea typeface="微軟正黑體" panose="020B0604030504040204" pitchFamily="34" charset="-120"/>
+                    </a:rPr>
+                    <a:t>商品</a:t>
+                  </a:r>
+                </a:p>
+              </p:txBody>
+            </p:sp>
+          </p:grpSp>
+          <p:grpSp>
+            <p:nvGrpSpPr>
+              <p:cNvPr id="25" name="群組 24">
                 <a:extLst>
                   <a:ext uri="{FF2B5EF4-FFF2-40B4-BE49-F238E27FC236}">
-                    <a16:creationId xmlns:a16="http://schemas.microsoft.com/office/drawing/2014/main" id="{FCBB7B5F-88C1-46D4-BC10-00A6864EFF8D}"/>
+                    <a16:creationId xmlns:a16="http://schemas.microsoft.com/office/drawing/2014/main" id="{445F5C67-4210-48E3-A38C-E76A64EDDE8D}"/>
                   </a:ext>
                 </a:extLst>
               </p:cNvPr>
-              <p:cNvSpPr txBox="1"/>
+              <p:cNvGrpSpPr/>
               <p:nvPr/>
-            </p:nvSpPr>
-            <p:spPr>
+            </p:nvGrpSpPr>
+            <p:grpSpPr>
               <a:xfrm>
-                <a:off x="5102478" y="4978235"/>
-                <a:ext cx="1320065" cy="400110"/>
+                <a:off x="5212151" y="2115459"/>
+                <a:ext cx="1603103" cy="1536463"/>
+                <a:chOff x="7888588" y="1283147"/>
+                <a:chExt cx="1603103" cy="1536463"/>
               </a:xfrm>
-              <a:prstGeom prst="rect">
-                <a:avLst/>
-              </a:prstGeom>
-              <a:noFill/>
-            </p:spPr>
-            <p:txBody>
-              <a:bodyPr wrap="square" rtlCol="0">
-                <a:spAutoFit/>
-              </a:bodyPr>
-              <a:lstStyle/>
-              <a:p>
-                <a:pPr algn="ctr"/>
-                <a:r>
-                  <a:rPr lang="zh-TW" altLang="en-US" sz="2000" dirty="0">
-                    <a:solidFill>
-                      <a:schemeClr val="accent1"/>
-                    </a:solidFill>
-                    <a:latin typeface="微軟正黑體" panose="020B0604030504040204" pitchFamily="34" charset="-120"/>
-                    <a:ea typeface="微軟正黑體" panose="020B0604030504040204" pitchFamily="34" charset="-120"/>
-                  </a:rPr>
-                  <a:t>商品</a:t>
-                </a:r>
-              </a:p>
-            </p:txBody>
-          </p:sp>
-        </p:grpSp>
-        <p:grpSp>
-          <p:nvGrpSpPr>
-            <p:cNvPr id="25" name="群組 24">
-              <a:extLst>
-                <a:ext uri="{FF2B5EF4-FFF2-40B4-BE49-F238E27FC236}">
-                  <a16:creationId xmlns:a16="http://schemas.microsoft.com/office/drawing/2014/main" id="{445F5C67-4210-48E3-A38C-E76A64EDDE8D}"/>
-                </a:ext>
-              </a:extLst>
-            </p:cNvPr>
-            <p:cNvGrpSpPr/>
-            <p:nvPr/>
-          </p:nvGrpSpPr>
-          <p:grpSpPr>
-            <a:xfrm>
-              <a:off x="5212151" y="2115459"/>
-              <a:ext cx="1603103" cy="1536463"/>
-              <a:chOff x="7888588" y="1283147"/>
-              <a:chExt cx="1603103" cy="1536463"/>
-            </a:xfrm>
-          </p:grpSpPr>
-          <p:pic>
-            <p:nvPicPr>
-              <p:cNvPr id="15" name="圖片 14">
+            </p:grpSpPr>
+            <p:pic>
+              <p:nvPicPr>
+                <p:cNvPr id="15" name="圖片 14">
+                  <a:extLst>
+                    <a:ext uri="{FF2B5EF4-FFF2-40B4-BE49-F238E27FC236}">
+                      <a16:creationId xmlns:a16="http://schemas.microsoft.com/office/drawing/2014/main" id="{28F02D8A-9472-400E-95F6-A77A4BE74A09}"/>
+                    </a:ext>
+                  </a:extLst>
+                </p:cNvPr>
+                <p:cNvPicPr>
+                  <a:picLocks noChangeAspect="1"/>
+                </p:cNvPicPr>
+                <p:nvPr/>
+              </p:nvPicPr>
+              <p:blipFill>
+                <a:blip r:embed="rId7" cstate="print">
+                  <a:duotone>
+                    <a:schemeClr val="accent5">
+                      <a:shade val="45000"/>
+                      <a:satMod val="135000"/>
+                    </a:schemeClr>
+                    <a:prstClr val="white"/>
+                  </a:duotone>
+                  <a:extLst>
+                    <a:ext uri="{28A0092B-C50C-407E-A947-70E740481C1C}">
+                      <a14:useLocalDpi xmlns:a14="http://schemas.microsoft.com/office/drawing/2010/main" val="0"/>
+                    </a:ext>
+                  </a:extLst>
+                </a:blip>
+                <a:stretch>
+                  <a:fillRect/>
+                </a:stretch>
+              </p:blipFill>
+              <p:spPr>
+                <a:xfrm>
+                  <a:off x="8171897" y="1283147"/>
+                  <a:ext cx="1036486" cy="1036486"/>
+                </a:xfrm>
+                <a:prstGeom prst="rect">
+                  <a:avLst/>
+                </a:prstGeom>
+                <a:ln>
+                  <a:noFill/>
+                </a:ln>
+              </p:spPr>
+            </p:pic>
+            <p:sp>
+              <p:nvSpPr>
+                <p:cNvPr id="22" name="文字方塊 21">
+                  <a:extLst>
+                    <a:ext uri="{FF2B5EF4-FFF2-40B4-BE49-F238E27FC236}">
+                      <a16:creationId xmlns:a16="http://schemas.microsoft.com/office/drawing/2014/main" id="{843A904E-A618-4352-8D51-EA3B669AB9D6}"/>
+                    </a:ext>
+                  </a:extLst>
+                </p:cNvPr>
+                <p:cNvSpPr txBox="1"/>
+                <p:nvPr/>
+              </p:nvSpPr>
+              <p:spPr>
+                <a:xfrm>
+                  <a:off x="7888588" y="2419500"/>
+                  <a:ext cx="1603103" cy="400110"/>
+                </a:xfrm>
+                <a:prstGeom prst="rect">
+                  <a:avLst/>
+                </a:prstGeom>
+                <a:noFill/>
+              </p:spPr>
+              <p:txBody>
+                <a:bodyPr wrap="square" rtlCol="0">
+                  <a:spAutoFit/>
+                </a:bodyPr>
+                <a:lstStyle/>
+                <a:p>
+                  <a:pPr algn="ctr"/>
+                  <a:r>
+                    <a:rPr lang="zh-TW" altLang="en-US" sz="2000" dirty="0">
+                      <a:solidFill>
+                        <a:schemeClr val="accent1"/>
+                      </a:solidFill>
+                      <a:latin typeface="微軟正黑體" panose="020B0604030504040204" pitchFamily="34" charset="-120"/>
+                      <a:ea typeface="微軟正黑體" panose="020B0604030504040204" pitchFamily="34" charset="-120"/>
+                    </a:rPr>
+                    <a:t>雲端伺服器</a:t>
+                  </a:r>
+                </a:p>
+              </p:txBody>
+            </p:sp>
+          </p:grpSp>
+          <p:grpSp>
+            <p:nvGrpSpPr>
+              <p:cNvPr id="2" name="群組 1">
                 <a:extLst>
                   <a:ext uri="{FF2B5EF4-FFF2-40B4-BE49-F238E27FC236}">
-                    <a16:creationId xmlns:a16="http://schemas.microsoft.com/office/drawing/2014/main" id="{28F02D8A-9472-400E-95F6-A77A4BE74A09}"/>
+                    <a16:creationId xmlns:a16="http://schemas.microsoft.com/office/drawing/2014/main" id="{071B991C-F06E-4CFB-A937-9EABE79087FF}"/>
                   </a:ext>
                 </a:extLst>
               </p:cNvPr>
-              <p:cNvPicPr>
-                <a:picLocks noChangeAspect="1"/>
-              </p:cNvPicPr>
+              <p:cNvGrpSpPr/>
               <p:nvPr/>
-            </p:nvPicPr>
-            <p:blipFill>
-              <a:blip r:embed="rId7" cstate="print">
-                <a:duotone>
-                  <a:schemeClr val="accent5">
-                    <a:shade val="45000"/>
-                    <a:satMod val="135000"/>
-                  </a:schemeClr>
-                  <a:prstClr val="white"/>
-                </a:duotone>
-                <a:extLst>
-                  <a:ext uri="{28A0092B-C50C-407E-A947-70E740481C1C}">
-                    <a14:useLocalDpi xmlns:a14="http://schemas.microsoft.com/office/drawing/2010/main" val="0"/>
-                  </a:ext>
-                </a:extLst>
-              </a:blip>
-              <a:stretch>
-                <a:fillRect/>
-              </a:stretch>
-            </p:blipFill>
-            <p:spPr>
+            </p:nvGrpSpPr>
+            <p:grpSpPr>
               <a:xfrm>
-                <a:off x="8171897" y="1283147"/>
-                <a:ext cx="1036486" cy="1036486"/>
+                <a:off x="3563888" y="2130042"/>
+                <a:ext cx="1267112" cy="1485901"/>
+                <a:chOff x="3563888" y="2130042"/>
+                <a:chExt cx="1267112" cy="1485901"/>
               </a:xfrm>
-              <a:prstGeom prst="rect">
-                <a:avLst/>
-              </a:prstGeom>
-              <a:ln>
+            </p:grpSpPr>
+            <p:pic>
+              <p:nvPicPr>
+                <p:cNvPr id="11" name="圖片 10">
+                  <a:extLst>
+                    <a:ext uri="{FF2B5EF4-FFF2-40B4-BE49-F238E27FC236}">
+                      <a16:creationId xmlns:a16="http://schemas.microsoft.com/office/drawing/2014/main" id="{1087730D-38E9-4BFB-A9C7-9BE07B949DB7}"/>
+                    </a:ext>
+                  </a:extLst>
+                </p:cNvPr>
+                <p:cNvPicPr>
+                  <a:picLocks noChangeAspect="1"/>
+                </p:cNvPicPr>
+                <p:nvPr/>
+              </p:nvPicPr>
+              <p:blipFill>
+                <a:blip r:embed="rId8" cstate="print">
+                  <a:clrChange>
+                    <a:clrFrom>
+                      <a:srgbClr val="000000">
+                        <a:alpha val="0"/>
+                      </a:srgbClr>
+                    </a:clrFrom>
+                    <a:clrTo>
+                      <a:srgbClr val="000000">
+                        <a:alpha val="0"/>
+                      </a:srgbClr>
+                    </a:clrTo>
+                  </a:clrChange>
+                  <a:duotone>
+                    <a:schemeClr val="accent1">
+                      <a:shade val="45000"/>
+                      <a:satMod val="135000"/>
+                    </a:schemeClr>
+                    <a:prstClr val="white"/>
+                  </a:duotone>
+                  <a:extLst>
+                    <a:ext uri="{BEBA8EAE-BF5A-486C-A8C5-ECC9F3942E4B}">
+                      <a14:imgProps xmlns:a14="http://schemas.microsoft.com/office/drawing/2010/main">
+                        <a14:imgLayer r:embed="rId9">
+                          <a14:imgEffect>
+                            <a14:colorTemperature colorTemp="11200"/>
+                          </a14:imgEffect>
+                        </a14:imgLayer>
+                      </a14:imgProps>
+                    </a:ext>
+                    <a:ext uri="{28A0092B-C50C-407E-A947-70E740481C1C}">
+                      <a14:useLocalDpi xmlns:a14="http://schemas.microsoft.com/office/drawing/2010/main" val="0"/>
+                    </a:ext>
+                  </a:extLst>
+                </a:blip>
+                <a:stretch>
+                  <a:fillRect/>
+                </a:stretch>
+              </p:blipFill>
+              <p:spPr>
+                <a:xfrm>
+                  <a:off x="3653430" y="2130042"/>
+                  <a:ext cx="1036487" cy="1036487"/>
+                </a:xfrm>
+                <a:prstGeom prst="rect">
+                  <a:avLst/>
+                </a:prstGeom>
                 <a:noFill/>
-              </a:ln>
-            </p:spPr>
-          </p:pic>
-          <p:sp>
-            <p:nvSpPr>
-              <p:cNvPr id="22" name="文字方塊 21">
+              </p:spPr>
+            </p:pic>
+            <p:sp>
+              <p:nvSpPr>
+                <p:cNvPr id="23" name="文字方塊 22">
+                  <a:extLst>
+                    <a:ext uri="{FF2B5EF4-FFF2-40B4-BE49-F238E27FC236}">
+                      <a16:creationId xmlns:a16="http://schemas.microsoft.com/office/drawing/2014/main" id="{4CFE8F7D-4A5E-4A51-B300-5421D9C14397}"/>
+                    </a:ext>
+                  </a:extLst>
+                </p:cNvPr>
+                <p:cNvSpPr txBox="1"/>
+                <p:nvPr/>
+              </p:nvSpPr>
+              <p:spPr>
+                <a:xfrm>
+                  <a:off x="3563888" y="3215833"/>
+                  <a:ext cx="1267112" cy="400110"/>
+                </a:xfrm>
+                <a:prstGeom prst="rect">
+                  <a:avLst/>
+                </a:prstGeom>
+                <a:noFill/>
+              </p:spPr>
+              <p:txBody>
+                <a:bodyPr wrap="square" rtlCol="0">
+                  <a:spAutoFit/>
+                </a:bodyPr>
+                <a:lstStyle>
+                  <a:defPPr>
+                    <a:defRPr lang="zh-TW"/>
+                  </a:defPPr>
+                  <a:lvl1pPr algn="ctr">
+                    <a:defRPr sz="2000">
+                      <a:solidFill>
+                        <a:schemeClr val="accent1"/>
+                      </a:solidFill>
+                      <a:latin typeface="微軟正黑體" panose="020B0604030504040204" pitchFamily="34" charset="-120"/>
+                      <a:ea typeface="微軟正黑體" panose="020B0604030504040204" pitchFamily="34" charset="-120"/>
+                    </a:defRPr>
+                  </a:lvl1pPr>
+                </a:lstStyle>
+                <a:p>
+                  <a:r>
+                    <a:rPr lang="zh-TW" altLang="en-US" dirty="0"/>
+                    <a:t>手機</a:t>
+                  </a:r>
+                </a:p>
+              </p:txBody>
+            </p:sp>
+          </p:grpSp>
+          <p:grpSp>
+            <p:nvGrpSpPr>
+              <p:cNvPr id="27" name="群組 26">
                 <a:extLst>
                   <a:ext uri="{FF2B5EF4-FFF2-40B4-BE49-F238E27FC236}">
-                    <a16:creationId xmlns:a16="http://schemas.microsoft.com/office/drawing/2014/main" id="{843A904E-A618-4352-8D51-EA3B669AB9D6}"/>
+                    <a16:creationId xmlns:a16="http://schemas.microsoft.com/office/drawing/2014/main" id="{67C24515-D0AA-4148-8490-77203CD7C3A1}"/>
                   </a:ext>
                 </a:extLst>
               </p:cNvPr>
-              <p:cNvSpPr txBox="1"/>
+              <p:cNvGrpSpPr/>
               <p:nvPr/>
-            </p:nvSpPr>
-            <p:spPr>
+            </p:nvGrpSpPr>
+            <p:grpSpPr>
               <a:xfrm>
-                <a:off x="7888588" y="2419500"/>
-                <a:ext cx="1603103" cy="400110"/>
+                <a:off x="7396004" y="4390856"/>
+                <a:ext cx="1320065" cy="1469653"/>
+                <a:chOff x="7491079" y="3963705"/>
+                <a:chExt cx="1320065" cy="1469653"/>
               </a:xfrm>
-              <a:prstGeom prst="rect">
-                <a:avLst/>
-              </a:prstGeom>
-              <a:noFill/>
-            </p:spPr>
-            <p:txBody>
-              <a:bodyPr wrap="square" rtlCol="0">
-                <a:spAutoFit/>
-              </a:bodyPr>
-              <a:lstStyle/>
-              <a:p>
-                <a:pPr algn="ctr"/>
-                <a:r>
-                  <a:rPr lang="zh-TW" altLang="en-US" sz="2000" dirty="0">
-                    <a:solidFill>
-                      <a:schemeClr val="accent1"/>
-                    </a:solidFill>
-                    <a:latin typeface="微軟正黑體" panose="020B0604030504040204" pitchFamily="34" charset="-120"/>
-                    <a:ea typeface="微軟正黑體" panose="020B0604030504040204" pitchFamily="34" charset="-120"/>
-                  </a:rPr>
-                  <a:t>雲端伺服器</a:t>
-                </a:r>
-              </a:p>
-            </p:txBody>
-          </p:sp>
-        </p:grpSp>
-        <p:grpSp>
-          <p:nvGrpSpPr>
-            <p:cNvPr id="2" name="群組 1">
-              <a:extLst>
-                <a:ext uri="{FF2B5EF4-FFF2-40B4-BE49-F238E27FC236}">
-                  <a16:creationId xmlns:a16="http://schemas.microsoft.com/office/drawing/2014/main" id="{071B991C-F06E-4CFB-A937-9EABE79087FF}"/>
-                </a:ext>
-              </a:extLst>
-            </p:cNvPr>
-            <p:cNvGrpSpPr/>
-            <p:nvPr/>
-          </p:nvGrpSpPr>
-          <p:grpSpPr>
-            <a:xfrm>
-              <a:off x="3563888" y="2130042"/>
-              <a:ext cx="1267112" cy="1485901"/>
-              <a:chOff x="3563888" y="2130042"/>
-              <a:chExt cx="1267112" cy="1485901"/>
-            </a:xfrm>
-          </p:grpSpPr>
-          <p:pic>
-            <p:nvPicPr>
-              <p:cNvPr id="11" name="圖片 10">
-                <a:extLst>
-                  <a:ext uri="{FF2B5EF4-FFF2-40B4-BE49-F238E27FC236}">
-                    <a16:creationId xmlns:a16="http://schemas.microsoft.com/office/drawing/2014/main" id="{1087730D-38E9-4BFB-A9C7-9BE07B949DB7}"/>
-                  </a:ext>
-                </a:extLst>
-              </p:cNvPr>
-              <p:cNvPicPr>
-                <a:picLocks noChangeAspect="1"/>
-              </p:cNvPicPr>
-              <p:nvPr/>
-            </p:nvPicPr>
-            <p:blipFill>
-              <a:blip r:embed="rId8" cstate="print">
-                <a:clrChange>
-                  <a:clrFrom>
-                    <a:srgbClr val="000000">
-                      <a:alpha val="0"/>
-                    </a:srgbClr>
-                  </a:clrFrom>
-                  <a:clrTo>
-                    <a:srgbClr val="000000">
-                      <a:alpha val="0"/>
-                    </a:srgbClr>
-                  </a:clrTo>
-                </a:clrChange>
-                <a:duotone>
-                  <a:schemeClr val="accent1">
-                    <a:shade val="45000"/>
-                    <a:satMod val="135000"/>
-                  </a:schemeClr>
-                  <a:prstClr val="white"/>
-                </a:duotone>
-                <a:extLst>
-                  <a:ext uri="{BEBA8EAE-BF5A-486C-A8C5-ECC9F3942E4B}">
-                    <a14:imgProps xmlns:a14="http://schemas.microsoft.com/office/drawing/2010/main">
-                      <a14:imgLayer r:embed="rId9">
-                        <a14:imgEffect>
-                          <a14:colorTemperature colorTemp="11200"/>
-                        </a14:imgEffect>
-                      </a14:imgLayer>
-                    </a14:imgProps>
-                  </a:ext>
-                  <a:ext uri="{28A0092B-C50C-407E-A947-70E740481C1C}">
-                    <a14:useLocalDpi xmlns:a14="http://schemas.microsoft.com/office/drawing/2010/main" val="0"/>
-                  </a:ext>
-                </a:extLst>
-              </a:blip>
-              <a:stretch>
-                <a:fillRect/>
-              </a:stretch>
-            </p:blipFill>
-            <p:spPr>
-              <a:xfrm>
-                <a:off x="3653430" y="2130042"/>
-                <a:ext cx="1036487" cy="1036487"/>
-              </a:xfrm>
-              <a:prstGeom prst="rect">
-                <a:avLst/>
-              </a:prstGeom>
-              <a:noFill/>
-            </p:spPr>
-          </p:pic>
-          <p:sp>
-            <p:nvSpPr>
-              <p:cNvPr id="23" name="文字方塊 22">
-                <a:extLst>
-                  <a:ext uri="{FF2B5EF4-FFF2-40B4-BE49-F238E27FC236}">
-                    <a16:creationId xmlns:a16="http://schemas.microsoft.com/office/drawing/2014/main" id="{4CFE8F7D-4A5E-4A51-B300-5421D9C14397}"/>
-                  </a:ext>
-                </a:extLst>
-              </p:cNvPr>
-              <p:cNvSpPr txBox="1"/>
-              <p:nvPr/>
-            </p:nvSpPr>
-            <p:spPr>
-              <a:xfrm>
-                <a:off x="3563888" y="3215833"/>
-                <a:ext cx="1267112" cy="400110"/>
-              </a:xfrm>
-              <a:prstGeom prst="rect">
-                <a:avLst/>
-              </a:prstGeom>
-              <a:noFill/>
-            </p:spPr>
-            <p:txBody>
-              <a:bodyPr wrap="square" rtlCol="0">
-                <a:spAutoFit/>
-              </a:bodyPr>
-              <a:lstStyle>
-                <a:defPPr>
-                  <a:defRPr lang="zh-TW"/>
-                </a:defPPr>
-                <a:lvl1pPr algn="ctr">
-                  <a:defRPr sz="2000">
-                    <a:solidFill>
-                      <a:schemeClr val="accent1"/>
-                    </a:solidFill>
-                    <a:latin typeface="微軟正黑體" panose="020B0604030504040204" pitchFamily="34" charset="-120"/>
-                    <a:ea typeface="微軟正黑體" panose="020B0604030504040204" pitchFamily="34" charset="-120"/>
-                  </a:defRPr>
-                </a:lvl1pPr>
-              </a:lstStyle>
-              <a:p>
-                <a:r>
-                  <a:rPr lang="zh-TW" altLang="en-US" dirty="0"/>
-                  <a:t>手機</a:t>
-                </a:r>
-              </a:p>
-            </p:txBody>
-          </p:sp>
-        </p:grpSp>
-        <p:grpSp>
-          <p:nvGrpSpPr>
-            <p:cNvPr id="27" name="群組 26">
-              <a:extLst>
-                <a:ext uri="{FF2B5EF4-FFF2-40B4-BE49-F238E27FC236}">
-                  <a16:creationId xmlns:a16="http://schemas.microsoft.com/office/drawing/2014/main" id="{67C24515-D0AA-4148-8490-77203CD7C3A1}"/>
-                </a:ext>
-              </a:extLst>
-            </p:cNvPr>
-            <p:cNvGrpSpPr/>
-            <p:nvPr/>
-          </p:nvGrpSpPr>
-          <p:grpSpPr>
-            <a:xfrm>
-              <a:off x="7396004" y="4390856"/>
-              <a:ext cx="1320065" cy="1469653"/>
-              <a:chOff x="7491079" y="3963705"/>
-              <a:chExt cx="1320065" cy="1469653"/>
-            </a:xfrm>
-          </p:grpSpPr>
-          <p:pic>
-            <p:nvPicPr>
-              <p:cNvPr id="18" name="圖片 17">
-                <a:extLst>
-                  <a:ext uri="{FF2B5EF4-FFF2-40B4-BE49-F238E27FC236}">
-                    <a16:creationId xmlns:a16="http://schemas.microsoft.com/office/drawing/2014/main" id="{A0E0800F-28F3-45B0-9CC9-DECA0A8ADC63}"/>
-                  </a:ext>
-                </a:extLst>
-              </p:cNvPr>
-              <p:cNvPicPr>
-                <a:picLocks noChangeAspect="1"/>
-              </p:cNvPicPr>
-              <p:nvPr/>
-            </p:nvPicPr>
-            <p:blipFill>
-              <a:blip r:embed="rId10" cstate="print">
-                <a:duotone>
-                  <a:schemeClr val="accent1">
-                    <a:shade val="45000"/>
-                    <a:satMod val="135000"/>
-                  </a:schemeClr>
-                  <a:prstClr val="white"/>
-                </a:duotone>
-                <a:extLst>
-                  <a:ext uri="{28A0092B-C50C-407E-A947-70E740481C1C}">
-                    <a14:useLocalDpi xmlns:a14="http://schemas.microsoft.com/office/drawing/2010/main" val="0"/>
-                  </a:ext>
-                </a:extLst>
-              </a:blip>
-              <a:stretch>
-                <a:fillRect/>
-              </a:stretch>
-            </p:blipFill>
-            <p:spPr>
-              <a:xfrm>
-                <a:off x="7613186" y="3963705"/>
-                <a:ext cx="1075852" cy="1075852"/>
-              </a:xfrm>
-              <a:prstGeom prst="rect">
-                <a:avLst/>
-              </a:prstGeom>
-              <a:noFill/>
-            </p:spPr>
-          </p:pic>
-          <p:sp>
-            <p:nvSpPr>
-              <p:cNvPr id="24" name="文字方塊 23">
-                <a:extLst>
-                  <a:ext uri="{FF2B5EF4-FFF2-40B4-BE49-F238E27FC236}">
-                    <a16:creationId xmlns:a16="http://schemas.microsoft.com/office/drawing/2014/main" id="{BFC98D66-86C8-4383-8EE6-ACBF9DAC7F4B}"/>
-                  </a:ext>
-                </a:extLst>
-              </p:cNvPr>
-              <p:cNvSpPr txBox="1"/>
-              <p:nvPr/>
-            </p:nvSpPr>
-            <p:spPr>
-              <a:xfrm>
-                <a:off x="7491079" y="5033248"/>
-                <a:ext cx="1320065" cy="400110"/>
-              </a:xfrm>
-              <a:prstGeom prst="rect">
-                <a:avLst/>
-              </a:prstGeom>
-              <a:noFill/>
-            </p:spPr>
-            <p:txBody>
-              <a:bodyPr wrap="square" rtlCol="0">
-                <a:spAutoFit/>
-              </a:bodyPr>
-              <a:lstStyle/>
-              <a:p>
-                <a:pPr algn="ctr"/>
-                <a:r>
-                  <a:rPr lang="zh-TW" altLang="en-US" sz="2000" dirty="0">
-                    <a:solidFill>
-                      <a:schemeClr val="accent1"/>
-                    </a:solidFill>
-                    <a:latin typeface="微軟正黑體" panose="020B0604030504040204" pitchFamily="34" charset="-120"/>
-                    <a:ea typeface="微軟正黑體" panose="020B0604030504040204" pitchFamily="34" charset="-120"/>
-                  </a:rPr>
-                  <a:t>讀取器</a:t>
-                </a:r>
-              </a:p>
-            </p:txBody>
-          </p:sp>
+            </p:grpSpPr>
+            <p:pic>
+              <p:nvPicPr>
+                <p:cNvPr id="18" name="圖片 17">
+                  <a:extLst>
+                    <a:ext uri="{FF2B5EF4-FFF2-40B4-BE49-F238E27FC236}">
+                      <a16:creationId xmlns:a16="http://schemas.microsoft.com/office/drawing/2014/main" id="{A0E0800F-28F3-45B0-9CC9-DECA0A8ADC63}"/>
+                    </a:ext>
+                  </a:extLst>
+                </p:cNvPr>
+                <p:cNvPicPr>
+                  <a:picLocks noChangeAspect="1"/>
+                </p:cNvPicPr>
+                <p:nvPr/>
+              </p:nvPicPr>
+              <p:blipFill>
+                <a:blip r:embed="rId10" cstate="print">
+                  <a:duotone>
+                    <a:schemeClr val="accent1">
+                      <a:shade val="45000"/>
+                      <a:satMod val="135000"/>
+                    </a:schemeClr>
+                    <a:prstClr val="white"/>
+                  </a:duotone>
+                  <a:extLst>
+                    <a:ext uri="{28A0092B-C50C-407E-A947-70E740481C1C}">
+                      <a14:useLocalDpi xmlns:a14="http://schemas.microsoft.com/office/drawing/2010/main" val="0"/>
+                    </a:ext>
+                  </a:extLst>
+                </a:blip>
+                <a:stretch>
+                  <a:fillRect/>
+                </a:stretch>
+              </p:blipFill>
+              <p:spPr>
+                <a:xfrm>
+                  <a:off x="7613186" y="3963705"/>
+                  <a:ext cx="1075852" cy="1075852"/>
+                </a:xfrm>
+                <a:prstGeom prst="rect">
+                  <a:avLst/>
+                </a:prstGeom>
+                <a:noFill/>
+              </p:spPr>
+            </p:pic>
+            <p:sp>
+              <p:nvSpPr>
+                <p:cNvPr id="24" name="文字方塊 23">
+                  <a:extLst>
+                    <a:ext uri="{FF2B5EF4-FFF2-40B4-BE49-F238E27FC236}">
+                      <a16:creationId xmlns:a16="http://schemas.microsoft.com/office/drawing/2014/main" id="{BFC98D66-86C8-4383-8EE6-ACBF9DAC7F4B}"/>
+                    </a:ext>
+                  </a:extLst>
+                </p:cNvPr>
+                <p:cNvSpPr txBox="1"/>
+                <p:nvPr/>
+              </p:nvSpPr>
+              <p:spPr>
+                <a:xfrm>
+                  <a:off x="7491079" y="5033248"/>
+                  <a:ext cx="1320065" cy="400110"/>
+                </a:xfrm>
+                <a:prstGeom prst="rect">
+                  <a:avLst/>
+                </a:prstGeom>
+                <a:noFill/>
+              </p:spPr>
+              <p:txBody>
+                <a:bodyPr wrap="square" rtlCol="0">
+                  <a:spAutoFit/>
+                </a:bodyPr>
+                <a:lstStyle/>
+                <a:p>
+                  <a:pPr algn="ctr"/>
+                  <a:r>
+                    <a:rPr lang="zh-TW" altLang="en-US" sz="2000" dirty="0">
+                      <a:solidFill>
+                        <a:schemeClr val="accent1"/>
+                      </a:solidFill>
+                      <a:latin typeface="微軟正黑體" panose="020B0604030504040204" pitchFamily="34" charset="-120"/>
+                      <a:ea typeface="微軟正黑體" panose="020B0604030504040204" pitchFamily="34" charset="-120"/>
+                    </a:rPr>
+                    <a:t>讀取器</a:t>
+                  </a:r>
+                </a:p>
+              </p:txBody>
+            </p:sp>
+          </p:grpSp>
         </p:grpSp>
       </p:grpSp>
     </p:spTree>
@@ -7837,6 +7901,1650 @@
 </p:sld>
 </file>
 
+<file path=ppt/slides/slide4.xml><?xml version="1.0" encoding="utf-8"?>
+<p:sld xmlns:a="http://schemas.openxmlformats.org/drawingml/2006/main" xmlns:r="http://schemas.openxmlformats.org/officeDocument/2006/relationships" xmlns:p="http://schemas.openxmlformats.org/presentationml/2006/main">
+  <p:cSld>
+    <p:spTree>
+      <p:nvGrpSpPr>
+        <p:cNvPr id="1" name=""/>
+        <p:cNvGrpSpPr/>
+        <p:nvPr/>
+      </p:nvGrpSpPr>
+      <p:grpSpPr>
+        <a:xfrm>
+          <a:off x="0" y="0"/>
+          <a:ext cx="0" cy="0"/>
+          <a:chOff x="0" y="0"/>
+          <a:chExt cx="0" cy="0"/>
+        </a:xfrm>
+      </p:grpSpPr>
+      <p:grpSp>
+        <p:nvGrpSpPr>
+          <p:cNvPr id="74" name="群組 73">
+            <a:extLst>
+              <a:ext uri="{FF2B5EF4-FFF2-40B4-BE49-F238E27FC236}">
+                <a16:creationId xmlns:a16="http://schemas.microsoft.com/office/drawing/2014/main" id="{F5E24F6C-A2E4-4727-90E8-C04DF6F1E916}"/>
+              </a:ext>
+            </a:extLst>
+          </p:cNvPr>
+          <p:cNvGrpSpPr/>
+          <p:nvPr/>
+        </p:nvGrpSpPr>
+        <p:grpSpPr>
+          <a:xfrm>
+            <a:off x="-180528" y="250297"/>
+            <a:ext cx="10153128" cy="5760639"/>
+            <a:chOff x="-180528" y="365800"/>
+            <a:chExt cx="10153128" cy="5760639"/>
+          </a:xfrm>
+        </p:grpSpPr>
+        <p:pic>
+          <p:nvPicPr>
+            <p:cNvPr id="23" name="圖片 22">
+              <a:extLst>
+                <a:ext uri="{FF2B5EF4-FFF2-40B4-BE49-F238E27FC236}">
+                  <a16:creationId xmlns:a16="http://schemas.microsoft.com/office/drawing/2014/main" id="{6DAAEAAA-24C0-4D39-9DEB-CC731A3D0F99}"/>
+                </a:ext>
+              </a:extLst>
+            </p:cNvPr>
+            <p:cNvPicPr>
+              <a:picLocks noChangeAspect="1"/>
+            </p:cNvPicPr>
+            <p:nvPr/>
+          </p:nvPicPr>
+          <p:blipFill rotWithShape="1">
+            <a:blip r:embed="rId2">
+              <a:extLst>
+                <a:ext uri="{28A0092B-C50C-407E-A947-70E740481C1C}">
+                  <a14:useLocalDpi xmlns:a14="http://schemas.microsoft.com/office/drawing/2010/main" val="0"/>
+                </a:ext>
+              </a:extLst>
+            </a:blip>
+            <a:srcRect l="13737" b="31100"/>
+            <a:stretch/>
+          </p:blipFill>
+          <p:spPr>
+            <a:xfrm>
+              <a:off x="126554" y="2734301"/>
+              <a:ext cx="3996307" cy="3271896"/>
+            </a:xfrm>
+            <a:prstGeom prst="rect">
+              <a:avLst/>
+            </a:prstGeom>
+            <a:ln>
+              <a:noFill/>
+            </a:ln>
+          </p:spPr>
+        </p:pic>
+        <p:sp>
+          <p:nvSpPr>
+            <p:cNvPr id="24" name="矩形 23">
+              <a:extLst>
+                <a:ext uri="{FF2B5EF4-FFF2-40B4-BE49-F238E27FC236}">
+                  <a16:creationId xmlns:a16="http://schemas.microsoft.com/office/drawing/2014/main" id="{B14F2EF0-37BD-4C86-ABE9-0DF205287A9B}"/>
+                </a:ext>
+              </a:extLst>
+            </p:cNvPr>
+            <p:cNvSpPr/>
+            <p:nvPr/>
+          </p:nvSpPr>
+          <p:spPr>
+            <a:xfrm>
+              <a:off x="3981470" y="5487933"/>
+              <a:ext cx="5541620" cy="361167"/>
+            </a:xfrm>
+            <a:prstGeom prst="rect">
+              <a:avLst/>
+            </a:prstGeom>
+            <a:solidFill>
+              <a:srgbClr val="7BC8FF"/>
+            </a:solidFill>
+            <a:ln w="31750">
+              <a:solidFill>
+                <a:srgbClr val="7BC8FF"/>
+              </a:solidFill>
+            </a:ln>
+          </p:spPr>
+          <p:style>
+            <a:lnRef idx="2">
+              <a:schemeClr val="accent1">
+                <a:shade val="50000"/>
+              </a:schemeClr>
+            </a:lnRef>
+            <a:fillRef idx="1">
+              <a:schemeClr val="accent1"/>
+            </a:fillRef>
+            <a:effectRef idx="0">
+              <a:schemeClr val="accent1"/>
+            </a:effectRef>
+            <a:fontRef idx="minor">
+              <a:schemeClr val="lt1"/>
+            </a:fontRef>
+          </p:style>
+          <p:txBody>
+            <a:bodyPr rtlCol="0" anchor="ctr"/>
+            <a:lstStyle/>
+            <a:p>
+              <a:pPr algn="ctr"/>
+              <a:endParaRPr lang="zh-TW" altLang="en-US" dirty="0"/>
+            </a:p>
+          </p:txBody>
+        </p:sp>
+        <p:pic>
+          <p:nvPicPr>
+            <p:cNvPr id="25" name="圖形 24" descr="收銀機">
+              <a:extLst>
+                <a:ext uri="{FF2B5EF4-FFF2-40B4-BE49-F238E27FC236}">
+                  <a16:creationId xmlns:a16="http://schemas.microsoft.com/office/drawing/2014/main" id="{B1240901-00D7-4D8F-8C9F-14E84B614515}"/>
+                </a:ext>
+              </a:extLst>
+            </p:cNvPr>
+            <p:cNvPicPr>
+              <a:picLocks noChangeAspect="1"/>
+            </p:cNvPicPr>
+            <p:nvPr/>
+          </p:nvPicPr>
+          <p:blipFill>
+            <a:blip r:embed="rId3">
+              <a:extLst>
+                <a:ext uri="{28A0092B-C50C-407E-A947-70E740481C1C}">
+                  <a14:useLocalDpi xmlns:a14="http://schemas.microsoft.com/office/drawing/2010/main" val="0"/>
+                </a:ext>
+                <a:ext uri="{96DAC541-7B7A-43D3-8B79-37D633B846F1}">
+                  <asvg:svgBlip xmlns:asvg="http://schemas.microsoft.com/office/drawing/2016/SVG/main" r:embed="rId4"/>
+                </a:ext>
+              </a:extLst>
+            </a:blip>
+            <a:stretch>
+              <a:fillRect/>
+            </a:stretch>
+          </p:blipFill>
+          <p:spPr>
+            <a:xfrm>
+              <a:off x="5828413" y="3511548"/>
+              <a:ext cx="958373" cy="958372"/>
+            </a:xfrm>
+            <a:prstGeom prst="rect">
+              <a:avLst/>
+            </a:prstGeom>
+          </p:spPr>
+        </p:pic>
+        <p:sp>
+          <p:nvSpPr>
+            <p:cNvPr id="26" name="文字方塊 25">
+              <a:extLst>
+                <a:ext uri="{FF2B5EF4-FFF2-40B4-BE49-F238E27FC236}">
+                  <a16:creationId xmlns:a16="http://schemas.microsoft.com/office/drawing/2014/main" id="{B305190C-9C48-4485-8ACB-F4364B7EC7E6}"/>
+                </a:ext>
+              </a:extLst>
+            </p:cNvPr>
+            <p:cNvSpPr txBox="1"/>
+            <p:nvPr/>
+          </p:nvSpPr>
+          <p:spPr>
+            <a:xfrm>
+              <a:off x="5896479" y="4341860"/>
+              <a:ext cx="789166" cy="307777"/>
+            </a:xfrm>
+            <a:prstGeom prst="rect">
+              <a:avLst/>
+            </a:prstGeom>
+            <a:noFill/>
+          </p:spPr>
+          <p:txBody>
+            <a:bodyPr wrap="square" rtlCol="0">
+              <a:spAutoFit/>
+            </a:bodyPr>
+            <a:lstStyle/>
+            <a:p>
+              <a:pPr algn="ctr"/>
+              <a:r>
+                <a:rPr lang="zh-TW" altLang="en-US" sz="1400" dirty="0">
+                  <a:solidFill>
+                    <a:schemeClr val="tx2"/>
+                  </a:solidFill>
+                  <a:latin typeface="微軟正黑體" panose="020B0604030504040204" pitchFamily="34" charset="-120"/>
+                  <a:ea typeface="微軟正黑體" panose="020B0604030504040204" pitchFamily="34" charset="-120"/>
+                </a:rPr>
+                <a:t>結帳台</a:t>
+              </a:r>
+            </a:p>
+          </p:txBody>
+        </p:sp>
+        <p:pic>
+          <p:nvPicPr>
+            <p:cNvPr id="27" name="圖形 26" descr="購物籃">
+              <a:extLst>
+                <a:ext uri="{FF2B5EF4-FFF2-40B4-BE49-F238E27FC236}">
+                  <a16:creationId xmlns:a16="http://schemas.microsoft.com/office/drawing/2014/main" id="{5B2BA550-3D57-433B-A513-3C19EA2480E7}"/>
+                </a:ext>
+              </a:extLst>
+            </p:cNvPr>
+            <p:cNvPicPr>
+              <a:picLocks noChangeAspect="1"/>
+            </p:cNvPicPr>
+            <p:nvPr/>
+          </p:nvPicPr>
+          <p:blipFill>
+            <a:blip r:embed="rId5">
+              <a:extLst>
+                <a:ext uri="{28A0092B-C50C-407E-A947-70E740481C1C}">
+                  <a14:useLocalDpi xmlns:a14="http://schemas.microsoft.com/office/drawing/2010/main" val="0"/>
+                </a:ext>
+                <a:ext uri="{96DAC541-7B7A-43D3-8B79-37D633B846F1}">
+                  <asvg:svgBlip xmlns:asvg="http://schemas.microsoft.com/office/drawing/2016/SVG/main" r:embed="rId6"/>
+                </a:ext>
+              </a:extLst>
+            </a:blip>
+            <a:stretch>
+              <a:fillRect/>
+            </a:stretch>
+          </p:blipFill>
+          <p:spPr>
+            <a:xfrm>
+              <a:off x="3224600" y="3704752"/>
+              <a:ext cx="726879" cy="726879"/>
+            </a:xfrm>
+            <a:prstGeom prst="rect">
+              <a:avLst/>
+            </a:prstGeom>
+          </p:spPr>
+        </p:pic>
+        <p:sp>
+          <p:nvSpPr>
+            <p:cNvPr id="28" name="文字方塊 27">
+              <a:extLst>
+                <a:ext uri="{FF2B5EF4-FFF2-40B4-BE49-F238E27FC236}">
+                  <a16:creationId xmlns:a16="http://schemas.microsoft.com/office/drawing/2014/main" id="{760E3913-D7FD-4BC9-B23B-B3682B5D4E5D}"/>
+                </a:ext>
+              </a:extLst>
+            </p:cNvPr>
+            <p:cNvSpPr txBox="1"/>
+            <p:nvPr/>
+          </p:nvSpPr>
+          <p:spPr>
+            <a:xfrm>
+              <a:off x="3220445" y="4341860"/>
+              <a:ext cx="789166" cy="307777"/>
+            </a:xfrm>
+            <a:prstGeom prst="rect">
+              <a:avLst/>
+            </a:prstGeom>
+            <a:noFill/>
+          </p:spPr>
+          <p:txBody>
+            <a:bodyPr wrap="square" rtlCol="0">
+              <a:spAutoFit/>
+            </a:bodyPr>
+            <a:lstStyle/>
+            <a:p>
+              <a:pPr algn="ctr"/>
+              <a:r>
+                <a:rPr lang="zh-TW" altLang="en-US" sz="1400" dirty="0">
+                  <a:solidFill>
+                    <a:schemeClr val="accent1"/>
+                  </a:solidFill>
+                  <a:latin typeface="微軟正黑體" panose="020B0604030504040204" pitchFamily="34" charset="-120"/>
+                  <a:ea typeface="微軟正黑體" panose="020B0604030504040204" pitchFamily="34" charset="-120"/>
+                </a:rPr>
+                <a:t>商品</a:t>
+              </a:r>
+            </a:p>
+          </p:txBody>
+        </p:sp>
+        <p:pic>
+          <p:nvPicPr>
+            <p:cNvPr id="29" name="圖片 28">
+              <a:extLst>
+                <a:ext uri="{FF2B5EF4-FFF2-40B4-BE49-F238E27FC236}">
+                  <a16:creationId xmlns:a16="http://schemas.microsoft.com/office/drawing/2014/main" id="{DFFF23DD-6B2E-44B5-A463-7E0A802438D0}"/>
+                </a:ext>
+              </a:extLst>
+            </p:cNvPr>
+            <p:cNvPicPr>
+              <a:picLocks noChangeAspect="1"/>
+            </p:cNvPicPr>
+            <p:nvPr/>
+          </p:nvPicPr>
+          <p:blipFill>
+            <a:blip r:embed="rId7" cstate="print">
+              <a:duotone>
+                <a:schemeClr val="accent5">
+                  <a:shade val="45000"/>
+                  <a:satMod val="135000"/>
+                </a:schemeClr>
+                <a:prstClr val="white"/>
+              </a:duotone>
+              <a:extLst>
+                <a:ext uri="{28A0092B-C50C-407E-A947-70E740481C1C}">
+                  <a14:useLocalDpi xmlns:a14="http://schemas.microsoft.com/office/drawing/2010/main" val="0"/>
+                </a:ext>
+              </a:extLst>
+            </a:blip>
+            <a:stretch>
+              <a:fillRect/>
+            </a:stretch>
+          </p:blipFill>
+          <p:spPr>
+            <a:xfrm>
+              <a:off x="7296945" y="3693801"/>
+              <a:ext cx="619635" cy="619636"/>
+            </a:xfrm>
+            <a:prstGeom prst="rect">
+              <a:avLst/>
+            </a:prstGeom>
+            <a:ln>
+              <a:noFill/>
+            </a:ln>
+          </p:spPr>
+        </p:pic>
+        <p:sp>
+          <p:nvSpPr>
+            <p:cNvPr id="30" name="文字方塊 29">
+              <a:extLst>
+                <a:ext uri="{FF2B5EF4-FFF2-40B4-BE49-F238E27FC236}">
+                  <a16:creationId xmlns:a16="http://schemas.microsoft.com/office/drawing/2014/main" id="{6D559293-1AC5-4054-87EF-CBF6FE0EF554}"/>
+                </a:ext>
+              </a:extLst>
+            </p:cNvPr>
+            <p:cNvSpPr txBox="1"/>
+            <p:nvPr/>
+          </p:nvSpPr>
+          <p:spPr>
+            <a:xfrm>
+              <a:off x="7127575" y="4373140"/>
+              <a:ext cx="1099371" cy="307777"/>
+            </a:xfrm>
+            <a:prstGeom prst="rect">
+              <a:avLst/>
+            </a:prstGeom>
+            <a:noFill/>
+          </p:spPr>
+          <p:txBody>
+            <a:bodyPr wrap="square" rtlCol="0">
+              <a:spAutoFit/>
+            </a:bodyPr>
+            <a:lstStyle/>
+            <a:p>
+              <a:pPr algn="ctr"/>
+              <a:r>
+                <a:rPr lang="zh-TW" altLang="en-US" sz="1400" dirty="0">
+                  <a:solidFill>
+                    <a:schemeClr val="accent1"/>
+                  </a:solidFill>
+                  <a:latin typeface="微軟正黑體" panose="020B0604030504040204" pitchFamily="34" charset="-120"/>
+                  <a:ea typeface="微軟正黑體" panose="020B0604030504040204" pitchFamily="34" charset="-120"/>
+                </a:rPr>
+                <a:t>雲端伺服器</a:t>
+              </a:r>
+            </a:p>
+          </p:txBody>
+        </p:sp>
+        <p:pic>
+          <p:nvPicPr>
+            <p:cNvPr id="31" name="圖片 30">
+              <a:extLst>
+                <a:ext uri="{FF2B5EF4-FFF2-40B4-BE49-F238E27FC236}">
+                  <a16:creationId xmlns:a16="http://schemas.microsoft.com/office/drawing/2014/main" id="{4BCEE91D-A2A5-4F97-8F06-B1AB058A525B}"/>
+                </a:ext>
+              </a:extLst>
+            </p:cNvPr>
+            <p:cNvPicPr>
+              <a:picLocks noChangeAspect="1"/>
+            </p:cNvPicPr>
+            <p:nvPr/>
+          </p:nvPicPr>
+          <p:blipFill>
+            <a:blip r:embed="rId8" cstate="print">
+              <a:clrChange>
+                <a:clrFrom>
+                  <a:srgbClr val="000000">
+                    <a:alpha val="0"/>
+                  </a:srgbClr>
+                </a:clrFrom>
+                <a:clrTo>
+                  <a:srgbClr val="000000">
+                    <a:alpha val="0"/>
+                  </a:srgbClr>
+                </a:clrTo>
+              </a:clrChange>
+              <a:duotone>
+                <a:schemeClr val="accent1">
+                  <a:shade val="45000"/>
+                  <a:satMod val="135000"/>
+                </a:schemeClr>
+                <a:prstClr val="white"/>
+              </a:duotone>
+              <a:extLst>
+                <a:ext uri="{BEBA8EAE-BF5A-486C-A8C5-ECC9F3942E4B}">
+                  <a14:imgProps xmlns:a14="http://schemas.microsoft.com/office/drawing/2010/main">
+                    <a14:imgLayer r:embed="rId9">
+                      <a14:imgEffect>
+                        <a14:colorTemperature colorTemp="11200"/>
+                      </a14:imgEffect>
+                    </a14:imgLayer>
+                  </a14:imgProps>
+                </a:ext>
+                <a:ext uri="{28A0092B-C50C-407E-A947-70E740481C1C}">
+                  <a14:useLocalDpi xmlns:a14="http://schemas.microsoft.com/office/drawing/2010/main" val="0"/>
+                </a:ext>
+              </a:extLst>
+            </a:blip>
+            <a:stretch>
+              <a:fillRect/>
+            </a:stretch>
+          </p:blipFill>
+          <p:spPr>
+            <a:xfrm>
+              <a:off x="8352484" y="3688742"/>
+              <a:ext cx="619636" cy="619636"/>
+            </a:xfrm>
+            <a:prstGeom prst="rect">
+              <a:avLst/>
+            </a:prstGeom>
+            <a:noFill/>
+          </p:spPr>
+        </p:pic>
+        <p:sp>
+          <p:nvSpPr>
+            <p:cNvPr id="32" name="文字方塊 31">
+              <a:extLst>
+                <a:ext uri="{FF2B5EF4-FFF2-40B4-BE49-F238E27FC236}">
+                  <a16:creationId xmlns:a16="http://schemas.microsoft.com/office/drawing/2014/main" id="{C563CADB-ACDF-461E-9B23-AE47FF2D4DA9}"/>
+                </a:ext>
+              </a:extLst>
+            </p:cNvPr>
+            <p:cNvSpPr txBox="1"/>
+            <p:nvPr/>
+          </p:nvSpPr>
+          <p:spPr>
+            <a:xfrm>
+              <a:off x="8298954" y="4337853"/>
+              <a:ext cx="757509" cy="307777"/>
+            </a:xfrm>
+            <a:prstGeom prst="rect">
+              <a:avLst/>
+            </a:prstGeom>
+            <a:noFill/>
+          </p:spPr>
+          <p:txBody>
+            <a:bodyPr wrap="square" rtlCol="0">
+              <a:spAutoFit/>
+            </a:bodyPr>
+            <a:lstStyle>
+              <a:defPPr>
+                <a:defRPr lang="zh-TW"/>
+              </a:defPPr>
+              <a:lvl1pPr algn="ctr">
+                <a:defRPr sz="2000">
+                  <a:solidFill>
+                    <a:schemeClr val="accent1"/>
+                  </a:solidFill>
+                  <a:latin typeface="微軟正黑體" panose="020B0604030504040204" pitchFamily="34" charset="-120"/>
+                  <a:ea typeface="微軟正黑體" panose="020B0604030504040204" pitchFamily="34" charset="-120"/>
+                </a:defRPr>
+              </a:lvl1pPr>
+            </a:lstStyle>
+            <a:p>
+              <a:r>
+                <a:rPr lang="zh-TW" altLang="en-US" sz="1400" dirty="0"/>
+                <a:t>手機</a:t>
+              </a:r>
+            </a:p>
+          </p:txBody>
+        </p:sp>
+        <p:pic>
+          <p:nvPicPr>
+            <p:cNvPr id="33" name="圖片 32">
+              <a:extLst>
+                <a:ext uri="{FF2B5EF4-FFF2-40B4-BE49-F238E27FC236}">
+                  <a16:creationId xmlns:a16="http://schemas.microsoft.com/office/drawing/2014/main" id="{08298D88-A65C-46ED-8161-DA3C6AED1B9E}"/>
+                </a:ext>
+              </a:extLst>
+            </p:cNvPr>
+            <p:cNvPicPr>
+              <a:picLocks noChangeAspect="1"/>
+            </p:cNvPicPr>
+            <p:nvPr/>
+          </p:nvPicPr>
+          <p:blipFill>
+            <a:blip r:embed="rId10" cstate="print">
+              <a:duotone>
+                <a:schemeClr val="accent1">
+                  <a:shade val="45000"/>
+                  <a:satMod val="135000"/>
+                </a:schemeClr>
+                <a:prstClr val="white"/>
+              </a:duotone>
+              <a:extLst>
+                <a:ext uri="{28A0092B-C50C-407E-A947-70E740481C1C}">
+                  <a14:useLocalDpi xmlns:a14="http://schemas.microsoft.com/office/drawing/2010/main" val="0"/>
+                </a:ext>
+              </a:extLst>
+            </a:blip>
+            <a:stretch>
+              <a:fillRect/>
+            </a:stretch>
+          </p:blipFill>
+          <p:spPr>
+            <a:xfrm>
+              <a:off x="4630458" y="3733743"/>
+              <a:ext cx="643170" cy="643169"/>
+            </a:xfrm>
+            <a:prstGeom prst="rect">
+              <a:avLst/>
+            </a:prstGeom>
+            <a:noFill/>
+          </p:spPr>
+        </p:pic>
+        <p:sp>
+          <p:nvSpPr>
+            <p:cNvPr id="34" name="文字方塊 33">
+              <a:extLst>
+                <a:ext uri="{FF2B5EF4-FFF2-40B4-BE49-F238E27FC236}">
+                  <a16:creationId xmlns:a16="http://schemas.microsoft.com/office/drawing/2014/main" id="{AC92E5C1-3E8F-4CDE-A921-724BF22325BF}"/>
+                </a:ext>
+              </a:extLst>
+            </p:cNvPr>
+            <p:cNvSpPr txBox="1"/>
+            <p:nvPr/>
+          </p:nvSpPr>
+          <p:spPr>
+            <a:xfrm>
+              <a:off x="4557460" y="4373140"/>
+              <a:ext cx="789166" cy="307777"/>
+            </a:xfrm>
+            <a:prstGeom prst="rect">
+              <a:avLst/>
+            </a:prstGeom>
+            <a:noFill/>
+          </p:spPr>
+          <p:txBody>
+            <a:bodyPr wrap="square" rtlCol="0">
+              <a:spAutoFit/>
+            </a:bodyPr>
+            <a:lstStyle/>
+            <a:p>
+              <a:pPr algn="ctr"/>
+              <a:r>
+                <a:rPr lang="zh-TW" altLang="en-US" sz="1400" dirty="0">
+                  <a:solidFill>
+                    <a:schemeClr val="accent1"/>
+                  </a:solidFill>
+                  <a:latin typeface="微軟正黑體" panose="020B0604030504040204" pitchFamily="34" charset="-120"/>
+                  <a:ea typeface="微軟正黑體" panose="020B0604030504040204" pitchFamily="34" charset="-120"/>
+                </a:rPr>
+                <a:t>讀取器</a:t>
+              </a:r>
+            </a:p>
+          </p:txBody>
+        </p:sp>
+        <p:sp>
+          <p:nvSpPr>
+            <p:cNvPr id="35" name="雲朵形 34">
+              <a:extLst>
+                <a:ext uri="{FF2B5EF4-FFF2-40B4-BE49-F238E27FC236}">
+                  <a16:creationId xmlns:a16="http://schemas.microsoft.com/office/drawing/2014/main" id="{67D38667-B92A-40D9-A7C0-5802164C6499}"/>
+                </a:ext>
+              </a:extLst>
+            </p:cNvPr>
+            <p:cNvSpPr/>
+            <p:nvPr/>
+          </p:nvSpPr>
+          <p:spPr>
+            <a:xfrm>
+              <a:off x="879964" y="2073125"/>
+              <a:ext cx="7724484" cy="993928"/>
+            </a:xfrm>
+            <a:prstGeom prst="cloud">
+              <a:avLst/>
+            </a:prstGeom>
+            <a:pattFill prst="wdUpDiag">
+              <a:fgClr>
+                <a:schemeClr val="accent1"/>
+              </a:fgClr>
+              <a:bgClr>
+                <a:schemeClr val="accent5">
+                  <a:lumMod val="75000"/>
+                </a:schemeClr>
+              </a:bgClr>
+            </a:pattFill>
+            <a:ln>
+              <a:noFill/>
+            </a:ln>
+          </p:spPr>
+          <p:style>
+            <a:lnRef idx="2">
+              <a:schemeClr val="accent1">
+                <a:shade val="50000"/>
+              </a:schemeClr>
+            </a:lnRef>
+            <a:fillRef idx="1">
+              <a:schemeClr val="accent1"/>
+            </a:fillRef>
+            <a:effectRef idx="0">
+              <a:schemeClr val="accent1"/>
+            </a:effectRef>
+            <a:fontRef idx="minor">
+              <a:schemeClr val="lt1"/>
+            </a:fontRef>
+          </p:style>
+          <p:txBody>
+            <a:bodyPr rtlCol="0" anchor="ctr"/>
+            <a:lstStyle/>
+            <a:p>
+              <a:pPr algn="ctr"/>
+              <a:endParaRPr lang="zh-TW" altLang="en-US" dirty="0"/>
+            </a:p>
+          </p:txBody>
+        </p:sp>
+        <p:sp>
+          <p:nvSpPr>
+            <p:cNvPr id="36" name="矩形 35">
+              <a:extLst>
+                <a:ext uri="{FF2B5EF4-FFF2-40B4-BE49-F238E27FC236}">
+                  <a16:creationId xmlns:a16="http://schemas.microsoft.com/office/drawing/2014/main" id="{B3D086B3-3A7A-46BA-A452-49AD663ED5C0}"/>
+                </a:ext>
+              </a:extLst>
+            </p:cNvPr>
+            <p:cNvSpPr/>
+            <p:nvPr/>
+          </p:nvSpPr>
+          <p:spPr>
+            <a:xfrm>
+              <a:off x="1736169" y="2068936"/>
+              <a:ext cx="5915178" cy="448611"/>
+            </a:xfrm>
+            <a:prstGeom prst="rect">
+              <a:avLst/>
+            </a:prstGeom>
+            <a:pattFill prst="narVert">
+              <a:fgClr>
+                <a:srgbClr val="002060"/>
+              </a:fgClr>
+              <a:bgClr>
+                <a:srgbClr val="002060"/>
+              </a:bgClr>
+            </a:pattFill>
+            <a:ln w="9525" cap="flat" cmpd="sng" algn="ctr">
+              <a:solidFill>
+                <a:schemeClr val="tx1"/>
+              </a:solidFill>
+              <a:prstDash val="solid"/>
+              <a:round/>
+              <a:headEnd type="none" w="med" len="med"/>
+              <a:tailEnd type="none" w="med" len="med"/>
+            </a:ln>
+          </p:spPr>
+          <p:style>
+            <a:lnRef idx="0">
+              <a:scrgbClr r="0" g="0" b="0"/>
+            </a:lnRef>
+            <a:fillRef idx="0">
+              <a:scrgbClr r="0" g="0" b="0"/>
+            </a:fillRef>
+            <a:effectRef idx="0">
+              <a:scrgbClr r="0" g="0" b="0"/>
+            </a:effectRef>
+            <a:fontRef idx="minor">
+              <a:schemeClr val="accent3"/>
+            </a:fontRef>
+          </p:style>
+          <p:txBody>
+            <a:bodyPr rot="0" spcFirstLastPara="0" vertOverflow="overflow" horzOverflow="overflow" vert="horz" wrap="square" lIns="91440" tIns="45720" rIns="91440" bIns="45720" numCol="1" spcCol="0" rtlCol="0" fromWordArt="0" anchor="ctr" anchorCtr="0" forceAA="0" compatLnSpc="1">
+              <a:prstTxWarp prst="textNoShape">
+                <a:avLst/>
+              </a:prstTxWarp>
+              <a:noAutofit/>
+            </a:bodyPr>
+            <a:lstStyle/>
+            <a:p>
+              <a:pPr algn="ctr"/>
+              <a:r>
+                <a:rPr lang="zh-TW" altLang="en-US" sz="1600" b="1" dirty="0">
+                  <a:ln w="0"/>
+                  <a:solidFill>
+                    <a:schemeClr val="bg1"/>
+                  </a:solidFill>
+                  <a:effectLst>
+                    <a:reflection blurRad="6350" stA="53000" endA="300" endPos="35500" dir="5400000" sy="-90000" algn="bl" rotWithShape="0"/>
+                  </a:effectLst>
+                  <a:latin typeface="+mj-ea"/>
+                  <a:ea typeface="+mj-ea"/>
+                </a:rPr>
+                <a:t>無人商店雲端服務</a:t>
+              </a:r>
+            </a:p>
+          </p:txBody>
+        </p:sp>
+        <p:sp>
+          <p:nvSpPr>
+            <p:cNvPr id="37" name="矩形 36">
+              <a:extLst>
+                <a:ext uri="{FF2B5EF4-FFF2-40B4-BE49-F238E27FC236}">
+                  <a16:creationId xmlns:a16="http://schemas.microsoft.com/office/drawing/2014/main" id="{F42931DC-A1E7-4AAA-B0E2-8D5AB9042BAD}"/>
+                </a:ext>
+              </a:extLst>
+            </p:cNvPr>
+            <p:cNvSpPr/>
+            <p:nvPr/>
+          </p:nvSpPr>
+          <p:spPr>
+            <a:xfrm>
+              <a:off x="1910937" y="1720016"/>
+              <a:ext cx="1681484" cy="348919"/>
+            </a:xfrm>
+            <a:prstGeom prst="rect">
+              <a:avLst/>
+            </a:prstGeom>
+            <a:noFill/>
+            <a:ln w="9525" cap="flat" cmpd="sng" algn="ctr">
+              <a:solidFill>
+                <a:schemeClr val="accent6"/>
+              </a:solidFill>
+              <a:prstDash val="solid"/>
+              <a:round/>
+              <a:headEnd type="none" w="med" len="med"/>
+              <a:tailEnd type="none" w="med" len="med"/>
+            </a:ln>
+          </p:spPr>
+          <p:style>
+            <a:lnRef idx="0">
+              <a:scrgbClr r="0" g="0" b="0"/>
+            </a:lnRef>
+            <a:fillRef idx="0">
+              <a:scrgbClr r="0" g="0" b="0"/>
+            </a:fillRef>
+            <a:effectRef idx="0">
+              <a:scrgbClr r="0" g="0" b="0"/>
+            </a:effectRef>
+            <a:fontRef idx="minor">
+              <a:schemeClr val="accent6"/>
+            </a:fontRef>
+          </p:style>
+          <p:txBody>
+            <a:bodyPr rot="0" spcFirstLastPara="0" vertOverflow="overflow" horzOverflow="overflow" vert="horz" wrap="square" lIns="91440" tIns="45720" rIns="91440" bIns="45720" numCol="1" spcCol="0" rtlCol="0" fromWordArt="0" anchor="ctr" anchorCtr="0" forceAA="0" compatLnSpc="1">
+              <a:prstTxWarp prst="textNoShape">
+                <a:avLst/>
+              </a:prstTxWarp>
+              <a:noAutofit/>
+            </a:bodyPr>
+            <a:lstStyle/>
+            <a:p>
+              <a:pPr algn="ctr"/>
+              <a:r>
+                <a:rPr lang="zh-TW" altLang="en-US" sz="1400" b="1" dirty="0">
+                  <a:solidFill>
+                    <a:schemeClr val="accent6"/>
+                  </a:solidFill>
+                  <a:latin typeface="微軟正黑體" panose="020B0604030504040204" pitchFamily="34" charset="-120"/>
+                  <a:ea typeface="微軟正黑體" panose="020B0604030504040204" pitchFamily="34" charset="-120"/>
+                </a:rPr>
+                <a:t>管理端服務</a:t>
+              </a:r>
+            </a:p>
+          </p:txBody>
+        </p:sp>
+        <p:sp>
+          <p:nvSpPr>
+            <p:cNvPr id="38" name="矩形 37">
+              <a:extLst>
+                <a:ext uri="{FF2B5EF4-FFF2-40B4-BE49-F238E27FC236}">
+                  <a16:creationId xmlns:a16="http://schemas.microsoft.com/office/drawing/2014/main" id="{767B8DCD-4A14-4772-B087-52FCC2413858}"/>
+                </a:ext>
+              </a:extLst>
+            </p:cNvPr>
+            <p:cNvSpPr/>
+            <p:nvPr/>
+          </p:nvSpPr>
+          <p:spPr>
+            <a:xfrm>
+              <a:off x="4947469" y="1720016"/>
+              <a:ext cx="1453264" cy="348919"/>
+            </a:xfrm>
+            <a:prstGeom prst="rect">
+              <a:avLst/>
+            </a:prstGeom>
+            <a:noFill/>
+            <a:ln w="9525" cap="flat" cmpd="sng" algn="ctr">
+              <a:solidFill>
+                <a:schemeClr val="accent6"/>
+              </a:solidFill>
+              <a:prstDash val="solid"/>
+              <a:round/>
+              <a:headEnd type="none" w="med" len="med"/>
+              <a:tailEnd type="none" w="med" len="med"/>
+            </a:ln>
+          </p:spPr>
+          <p:style>
+            <a:lnRef idx="0">
+              <a:scrgbClr r="0" g="0" b="0"/>
+            </a:lnRef>
+            <a:fillRef idx="0">
+              <a:scrgbClr r="0" g="0" b="0"/>
+            </a:fillRef>
+            <a:effectRef idx="0">
+              <a:scrgbClr r="0" g="0" b="0"/>
+            </a:effectRef>
+            <a:fontRef idx="minor">
+              <a:schemeClr val="accent6"/>
+            </a:fontRef>
+          </p:style>
+          <p:txBody>
+            <a:bodyPr rot="0" spcFirstLastPara="0" vertOverflow="overflow" horzOverflow="overflow" vert="horz" wrap="square" lIns="91440" tIns="45720" rIns="91440" bIns="45720" numCol="1" spcCol="0" rtlCol="0" fromWordArt="0" anchor="ctr" anchorCtr="0" forceAA="0" compatLnSpc="1">
+              <a:prstTxWarp prst="textNoShape">
+                <a:avLst/>
+              </a:prstTxWarp>
+              <a:noAutofit/>
+            </a:bodyPr>
+            <a:lstStyle/>
+            <a:p>
+              <a:pPr algn="ctr"/>
+              <a:r>
+                <a:rPr lang="zh-TW" altLang="en-US" sz="1400" b="1" dirty="0">
+                  <a:latin typeface="微軟正黑體" panose="020B0604030504040204" pitchFamily="34" charset="-120"/>
+                  <a:ea typeface="微軟正黑體" panose="020B0604030504040204" pitchFamily="34" charset="-120"/>
+                </a:rPr>
+                <a:t>商店端服務</a:t>
+              </a:r>
+            </a:p>
+          </p:txBody>
+        </p:sp>
+        <p:sp>
+          <p:nvSpPr>
+            <p:cNvPr id="39" name="矩形 38">
+              <a:extLst>
+                <a:ext uri="{FF2B5EF4-FFF2-40B4-BE49-F238E27FC236}">
+                  <a16:creationId xmlns:a16="http://schemas.microsoft.com/office/drawing/2014/main" id="{A11A6A66-C18B-45C7-9764-D718B55F2947}"/>
+                </a:ext>
+              </a:extLst>
+            </p:cNvPr>
+            <p:cNvSpPr/>
+            <p:nvPr/>
+          </p:nvSpPr>
+          <p:spPr>
+            <a:xfrm>
+              <a:off x="6544749" y="1715825"/>
+              <a:ext cx="960585" cy="348919"/>
+            </a:xfrm>
+            <a:prstGeom prst="rect">
+              <a:avLst/>
+            </a:prstGeom>
+            <a:noFill/>
+            <a:ln w="9525" cap="flat" cmpd="sng" algn="ctr">
+              <a:solidFill>
+                <a:schemeClr val="accent6"/>
+              </a:solidFill>
+              <a:prstDash val="solid"/>
+              <a:round/>
+              <a:headEnd type="none" w="med" len="med"/>
+              <a:tailEnd type="none" w="med" len="med"/>
+            </a:ln>
+          </p:spPr>
+          <p:style>
+            <a:lnRef idx="0">
+              <a:scrgbClr r="0" g="0" b="0"/>
+            </a:lnRef>
+            <a:fillRef idx="0">
+              <a:scrgbClr r="0" g="0" b="0"/>
+            </a:fillRef>
+            <a:effectRef idx="0">
+              <a:scrgbClr r="0" g="0" b="0"/>
+            </a:effectRef>
+            <a:fontRef idx="minor">
+              <a:schemeClr val="accent6"/>
+            </a:fontRef>
+          </p:style>
+          <p:txBody>
+            <a:bodyPr rot="0" spcFirstLastPara="0" vertOverflow="overflow" horzOverflow="overflow" vert="horz" wrap="square" lIns="91440" tIns="45720" rIns="91440" bIns="45720" numCol="1" spcCol="0" rtlCol="0" fromWordArt="0" anchor="ctr" anchorCtr="0" forceAA="0" compatLnSpc="1">
+              <a:prstTxWarp prst="textNoShape">
+                <a:avLst/>
+              </a:prstTxWarp>
+              <a:noAutofit/>
+            </a:bodyPr>
+            <a:lstStyle/>
+            <a:p>
+              <a:pPr algn="ctr"/>
+              <a:r>
+                <a:rPr lang="zh-TW" altLang="en-US" sz="1200" b="1" dirty="0">
+                  <a:latin typeface="微軟正黑體" panose="020B0604030504040204" pitchFamily="34" charset="-120"/>
+                  <a:ea typeface="微軟正黑體" panose="020B0604030504040204" pitchFamily="34" charset="-120"/>
+                </a:rPr>
+                <a:t>使用者手機</a:t>
+              </a:r>
+              <a:r>
+                <a:rPr lang="en-US" altLang="zh-TW" sz="1200" b="1" dirty="0">
+                  <a:latin typeface="微軟正黑體" panose="020B0604030504040204" pitchFamily="34" charset="-120"/>
+                  <a:ea typeface="微軟正黑體" panose="020B0604030504040204" pitchFamily="34" charset="-120"/>
+                </a:rPr>
+                <a:t>API</a:t>
+              </a:r>
+              <a:r>
+                <a:rPr lang="zh-TW" altLang="en-US" sz="1200" b="1" dirty="0">
+                  <a:latin typeface="微軟正黑體" panose="020B0604030504040204" pitchFamily="34" charset="-120"/>
+                  <a:ea typeface="微軟正黑體" panose="020B0604030504040204" pitchFamily="34" charset="-120"/>
+                </a:rPr>
+                <a:t>服務</a:t>
+              </a:r>
+            </a:p>
+          </p:txBody>
+        </p:sp>
+        <p:sp>
+          <p:nvSpPr>
+            <p:cNvPr id="40" name="矩形 39">
+              <a:extLst>
+                <a:ext uri="{FF2B5EF4-FFF2-40B4-BE49-F238E27FC236}">
+                  <a16:creationId xmlns:a16="http://schemas.microsoft.com/office/drawing/2014/main" id="{BF1F5B0C-C298-441F-B567-8E4917B4D8A2}"/>
+                </a:ext>
+              </a:extLst>
+            </p:cNvPr>
+            <p:cNvSpPr/>
+            <p:nvPr/>
+          </p:nvSpPr>
+          <p:spPr>
+            <a:xfrm>
+              <a:off x="1966656" y="369994"/>
+              <a:ext cx="353899" cy="1345833"/>
+            </a:xfrm>
+            <a:prstGeom prst="rect">
+              <a:avLst/>
+            </a:prstGeom>
+            <a:noFill/>
+            <a:ln w="9525" cap="flat" cmpd="sng" algn="ctr">
+              <a:solidFill>
+                <a:schemeClr val="accent5"/>
+              </a:solidFill>
+              <a:prstDash val="solid"/>
+              <a:round/>
+              <a:headEnd type="none" w="med" len="med"/>
+              <a:tailEnd type="none" w="med" len="med"/>
+            </a:ln>
+          </p:spPr>
+          <p:style>
+            <a:lnRef idx="0">
+              <a:scrgbClr r="0" g="0" b="0"/>
+            </a:lnRef>
+            <a:fillRef idx="0">
+              <a:scrgbClr r="0" g="0" b="0"/>
+            </a:fillRef>
+            <a:effectRef idx="0">
+              <a:scrgbClr r="0" g="0" b="0"/>
+            </a:effectRef>
+            <a:fontRef idx="minor">
+              <a:schemeClr val="accent5"/>
+            </a:fontRef>
+          </p:style>
+          <p:txBody>
+            <a:bodyPr rtlCol="0" anchor="ctr"/>
+            <a:lstStyle/>
+            <a:p>
+              <a:pPr algn="ctr"/>
+              <a:r>
+                <a:rPr lang="zh-TW" altLang="en-US" sz="1400" dirty="0"/>
+                <a:t>會員管理</a:t>
+              </a:r>
+            </a:p>
+          </p:txBody>
+        </p:sp>
+        <p:sp>
+          <p:nvSpPr>
+            <p:cNvPr id="41" name="矩形 40">
+              <a:extLst>
+                <a:ext uri="{FF2B5EF4-FFF2-40B4-BE49-F238E27FC236}">
+                  <a16:creationId xmlns:a16="http://schemas.microsoft.com/office/drawing/2014/main" id="{386625D4-E92E-4924-AF60-87FD185E3E12}"/>
+                </a:ext>
+              </a:extLst>
+            </p:cNvPr>
+            <p:cNvSpPr/>
+            <p:nvPr/>
+          </p:nvSpPr>
+          <p:spPr>
+            <a:xfrm>
+              <a:off x="2351159" y="369993"/>
+              <a:ext cx="353899" cy="1345833"/>
+            </a:xfrm>
+            <a:prstGeom prst="rect">
+              <a:avLst/>
+            </a:prstGeom>
+            <a:noFill/>
+            <a:ln w="9525" cap="flat" cmpd="sng" algn="ctr">
+              <a:solidFill>
+                <a:schemeClr val="accent5"/>
+              </a:solidFill>
+              <a:prstDash val="solid"/>
+              <a:round/>
+              <a:headEnd type="none" w="med" len="med"/>
+              <a:tailEnd type="none" w="med" len="med"/>
+            </a:ln>
+          </p:spPr>
+          <p:style>
+            <a:lnRef idx="0">
+              <a:scrgbClr r="0" g="0" b="0"/>
+            </a:lnRef>
+            <a:fillRef idx="0">
+              <a:scrgbClr r="0" g="0" b="0"/>
+            </a:fillRef>
+            <a:effectRef idx="0">
+              <a:scrgbClr r="0" g="0" b="0"/>
+            </a:effectRef>
+            <a:fontRef idx="minor">
+              <a:schemeClr val="accent5"/>
+            </a:fontRef>
+          </p:style>
+          <p:txBody>
+            <a:bodyPr rtlCol="0" anchor="ctr"/>
+            <a:lstStyle/>
+            <a:p>
+              <a:pPr algn="ctr"/>
+              <a:r>
+                <a:rPr lang="zh-TW" altLang="en-US" sz="1400" dirty="0"/>
+                <a:t>商品管理</a:t>
+              </a:r>
+            </a:p>
+          </p:txBody>
+        </p:sp>
+        <p:sp>
+          <p:nvSpPr>
+            <p:cNvPr id="42" name="矩形 41">
+              <a:extLst>
+                <a:ext uri="{FF2B5EF4-FFF2-40B4-BE49-F238E27FC236}">
+                  <a16:creationId xmlns:a16="http://schemas.microsoft.com/office/drawing/2014/main" id="{ED375BCF-D348-4C66-9494-5EE49E85CDC9}"/>
+                </a:ext>
+              </a:extLst>
+            </p:cNvPr>
+            <p:cNvSpPr/>
+            <p:nvPr/>
+          </p:nvSpPr>
+          <p:spPr>
+            <a:xfrm>
+              <a:off x="2735661" y="369993"/>
+              <a:ext cx="353899" cy="1345833"/>
+            </a:xfrm>
+            <a:prstGeom prst="rect">
+              <a:avLst/>
+            </a:prstGeom>
+            <a:noFill/>
+            <a:ln w="9525" cap="flat" cmpd="sng" algn="ctr">
+              <a:solidFill>
+                <a:schemeClr val="accent5"/>
+              </a:solidFill>
+              <a:prstDash val="solid"/>
+              <a:round/>
+              <a:headEnd type="none" w="med" len="med"/>
+              <a:tailEnd type="none" w="med" len="med"/>
+            </a:ln>
+          </p:spPr>
+          <p:style>
+            <a:lnRef idx="0">
+              <a:scrgbClr r="0" g="0" b="0"/>
+            </a:lnRef>
+            <a:fillRef idx="0">
+              <a:scrgbClr r="0" g="0" b="0"/>
+            </a:fillRef>
+            <a:effectRef idx="0">
+              <a:scrgbClr r="0" g="0" b="0"/>
+            </a:effectRef>
+            <a:fontRef idx="minor">
+              <a:schemeClr val="accent5"/>
+            </a:fontRef>
+          </p:style>
+          <p:txBody>
+            <a:bodyPr rtlCol="0" anchor="ctr"/>
+            <a:lstStyle/>
+            <a:p>
+              <a:pPr algn="ctr"/>
+              <a:r>
+                <a:rPr lang="zh-TW" altLang="en-US" sz="1400" dirty="0"/>
+                <a:t>新增商品</a:t>
+              </a:r>
+            </a:p>
+          </p:txBody>
+        </p:sp>
+        <p:sp>
+          <p:nvSpPr>
+            <p:cNvPr id="43" name="矩形 42">
+              <a:extLst>
+                <a:ext uri="{FF2B5EF4-FFF2-40B4-BE49-F238E27FC236}">
+                  <a16:creationId xmlns:a16="http://schemas.microsoft.com/office/drawing/2014/main" id="{8EF10659-1D29-4C98-9BA4-CFA08189A6E6}"/>
+                </a:ext>
+              </a:extLst>
+            </p:cNvPr>
+            <p:cNvSpPr/>
+            <p:nvPr/>
+          </p:nvSpPr>
+          <p:spPr>
+            <a:xfrm>
+              <a:off x="3114420" y="369992"/>
+              <a:ext cx="353899" cy="1345833"/>
+            </a:xfrm>
+            <a:prstGeom prst="rect">
+              <a:avLst/>
+            </a:prstGeom>
+            <a:noFill/>
+            <a:ln w="9525" cap="flat" cmpd="sng" algn="ctr">
+              <a:solidFill>
+                <a:schemeClr val="accent5"/>
+              </a:solidFill>
+              <a:prstDash val="solid"/>
+              <a:round/>
+              <a:headEnd type="none" w="med" len="med"/>
+              <a:tailEnd type="none" w="med" len="med"/>
+            </a:ln>
+          </p:spPr>
+          <p:style>
+            <a:lnRef idx="0">
+              <a:scrgbClr r="0" g="0" b="0"/>
+            </a:lnRef>
+            <a:fillRef idx="0">
+              <a:scrgbClr r="0" g="0" b="0"/>
+            </a:fillRef>
+            <a:effectRef idx="0">
+              <a:scrgbClr r="0" g="0" b="0"/>
+            </a:effectRef>
+            <a:fontRef idx="minor">
+              <a:schemeClr val="accent5"/>
+            </a:fontRef>
+          </p:style>
+          <p:txBody>
+            <a:bodyPr rtlCol="0" anchor="ctr"/>
+            <a:lstStyle/>
+            <a:p>
+              <a:pPr algn="ctr"/>
+              <a:r>
+                <a:rPr lang="zh-TW" altLang="en-US" sz="1400" dirty="0"/>
+                <a:t>交易紀錄</a:t>
+              </a:r>
+            </a:p>
+          </p:txBody>
+        </p:sp>
+        <p:sp>
+          <p:nvSpPr>
+            <p:cNvPr id="44" name="矩形 43">
+              <a:extLst>
+                <a:ext uri="{FF2B5EF4-FFF2-40B4-BE49-F238E27FC236}">
+                  <a16:creationId xmlns:a16="http://schemas.microsoft.com/office/drawing/2014/main" id="{7CDEE7D1-D978-454F-98B8-8EBAC5EDF402}"/>
+                </a:ext>
+              </a:extLst>
+            </p:cNvPr>
+            <p:cNvSpPr/>
+            <p:nvPr/>
+          </p:nvSpPr>
+          <p:spPr>
+            <a:xfrm>
+              <a:off x="5451523" y="372965"/>
+              <a:ext cx="353899" cy="1345833"/>
+            </a:xfrm>
+            <a:prstGeom prst="rect">
+              <a:avLst/>
+            </a:prstGeom>
+            <a:noFill/>
+            <a:ln w="9525" cap="flat" cmpd="sng" algn="ctr">
+              <a:solidFill>
+                <a:schemeClr val="accent5"/>
+              </a:solidFill>
+              <a:prstDash val="solid"/>
+              <a:round/>
+              <a:headEnd type="none" w="med" len="med"/>
+              <a:tailEnd type="none" w="med" len="med"/>
+            </a:ln>
+          </p:spPr>
+          <p:style>
+            <a:lnRef idx="0">
+              <a:scrgbClr r="0" g="0" b="0"/>
+            </a:lnRef>
+            <a:fillRef idx="0">
+              <a:scrgbClr r="0" g="0" b="0"/>
+            </a:fillRef>
+            <a:effectRef idx="0">
+              <a:scrgbClr r="0" g="0" b="0"/>
+            </a:effectRef>
+            <a:fontRef idx="minor">
+              <a:schemeClr val="accent5"/>
+            </a:fontRef>
+          </p:style>
+          <p:txBody>
+            <a:bodyPr rtlCol="0" anchor="ctr"/>
+            <a:lstStyle/>
+            <a:p>
+              <a:pPr algn="ctr"/>
+              <a:r>
+                <a:rPr lang="zh-TW" altLang="en-US" sz="1400" dirty="0"/>
+                <a:t>會員折價</a:t>
+              </a:r>
+            </a:p>
+          </p:txBody>
+        </p:sp>
+        <p:sp>
+          <p:nvSpPr>
+            <p:cNvPr id="45" name="矩形 44">
+              <a:extLst>
+                <a:ext uri="{FF2B5EF4-FFF2-40B4-BE49-F238E27FC236}">
+                  <a16:creationId xmlns:a16="http://schemas.microsoft.com/office/drawing/2014/main" id="{52BB7E23-D2A3-48B1-A8BA-7BF1204FC6A6}"/>
+                </a:ext>
+              </a:extLst>
+            </p:cNvPr>
+            <p:cNvSpPr/>
+            <p:nvPr/>
+          </p:nvSpPr>
+          <p:spPr>
+            <a:xfrm>
+              <a:off x="5050818" y="373170"/>
+              <a:ext cx="353899" cy="1345833"/>
+            </a:xfrm>
+            <a:prstGeom prst="rect">
+              <a:avLst/>
+            </a:prstGeom>
+            <a:noFill/>
+            <a:ln w="9525" cap="flat" cmpd="sng" algn="ctr">
+              <a:solidFill>
+                <a:schemeClr val="accent5"/>
+              </a:solidFill>
+              <a:prstDash val="solid"/>
+              <a:round/>
+              <a:headEnd type="none" w="med" len="med"/>
+              <a:tailEnd type="none" w="med" len="med"/>
+            </a:ln>
+          </p:spPr>
+          <p:style>
+            <a:lnRef idx="0">
+              <a:scrgbClr r="0" g="0" b="0"/>
+            </a:lnRef>
+            <a:fillRef idx="0">
+              <a:scrgbClr r="0" g="0" b="0"/>
+            </a:fillRef>
+            <a:effectRef idx="0">
+              <a:scrgbClr r="0" g="0" b="0"/>
+            </a:effectRef>
+            <a:fontRef idx="minor">
+              <a:schemeClr val="accent5"/>
+            </a:fontRef>
+          </p:style>
+          <p:txBody>
+            <a:bodyPr rtlCol="0" anchor="ctr"/>
+            <a:lstStyle/>
+            <a:p>
+              <a:pPr algn="ctr"/>
+              <a:r>
+                <a:rPr lang="zh-TW" altLang="en-US" sz="1400" dirty="0"/>
+                <a:t>計算金額</a:t>
+              </a:r>
+            </a:p>
+          </p:txBody>
+        </p:sp>
+        <p:sp>
+          <p:nvSpPr>
+            <p:cNvPr id="46" name="矩形 45">
+              <a:extLst>
+                <a:ext uri="{FF2B5EF4-FFF2-40B4-BE49-F238E27FC236}">
+                  <a16:creationId xmlns:a16="http://schemas.microsoft.com/office/drawing/2014/main" id="{C8704ED9-91B7-4D4B-8D15-169D1F6D8F59}"/>
+                </a:ext>
+              </a:extLst>
+            </p:cNvPr>
+            <p:cNvSpPr/>
+            <p:nvPr/>
+          </p:nvSpPr>
+          <p:spPr>
+            <a:xfrm>
+              <a:off x="5860886" y="372965"/>
+              <a:ext cx="353899" cy="1345833"/>
+            </a:xfrm>
+            <a:prstGeom prst="rect">
+              <a:avLst/>
+            </a:prstGeom>
+            <a:noFill/>
+            <a:ln w="9525" cap="flat" cmpd="sng" algn="ctr">
+              <a:solidFill>
+                <a:schemeClr val="accent5"/>
+              </a:solidFill>
+              <a:prstDash val="solid"/>
+              <a:round/>
+              <a:headEnd type="none" w="med" len="med"/>
+              <a:tailEnd type="none" w="med" len="med"/>
+            </a:ln>
+          </p:spPr>
+          <p:style>
+            <a:lnRef idx="0">
+              <a:scrgbClr r="0" g="0" b="0"/>
+            </a:lnRef>
+            <a:fillRef idx="0">
+              <a:scrgbClr r="0" g="0" b="0"/>
+            </a:fillRef>
+            <a:effectRef idx="0">
+              <a:scrgbClr r="0" g="0" b="0"/>
+            </a:effectRef>
+            <a:fontRef idx="minor">
+              <a:schemeClr val="accent5"/>
+            </a:fontRef>
+          </p:style>
+          <p:txBody>
+            <a:bodyPr rtlCol="0" anchor="ctr"/>
+            <a:lstStyle/>
+            <a:p>
+              <a:pPr algn="ctr"/>
+              <a:r>
+                <a:rPr lang="zh-TW" altLang="en-US" sz="1400" dirty="0"/>
+                <a:t>結帳服務</a:t>
+              </a:r>
+            </a:p>
+          </p:txBody>
+        </p:sp>
+        <p:pic>
+          <p:nvPicPr>
+            <p:cNvPr id="47" name="圖形 46" descr="資料庫">
+              <a:extLst>
+                <a:ext uri="{FF2B5EF4-FFF2-40B4-BE49-F238E27FC236}">
+                  <a16:creationId xmlns:a16="http://schemas.microsoft.com/office/drawing/2014/main" id="{A36C3D53-EE1A-4773-97FA-329FA09AD368}"/>
+                </a:ext>
+              </a:extLst>
+            </p:cNvPr>
+            <p:cNvPicPr>
+              <a:picLocks noChangeAspect="1"/>
+            </p:cNvPicPr>
+            <p:nvPr/>
+          </p:nvPicPr>
+          <p:blipFill>
+            <a:blip r:embed="rId11">
+              <a:extLst>
+                <a:ext uri="{28A0092B-C50C-407E-A947-70E740481C1C}">
+                  <a14:useLocalDpi xmlns:a14="http://schemas.microsoft.com/office/drawing/2010/main" val="0"/>
+                </a:ext>
+                <a:ext uri="{96DAC541-7B7A-43D3-8B79-37D633B846F1}">
+                  <asvg:svgBlip xmlns:asvg="http://schemas.microsoft.com/office/drawing/2016/SVG/main" r:embed="rId12"/>
+                </a:ext>
+              </a:extLst>
+            </a:blip>
+            <a:stretch>
+              <a:fillRect/>
+            </a:stretch>
+          </p:blipFill>
+          <p:spPr>
+            <a:xfrm>
+              <a:off x="3880661" y="615853"/>
+              <a:ext cx="665624" cy="656257"/>
+            </a:xfrm>
+            <a:prstGeom prst="rect">
+              <a:avLst/>
+            </a:prstGeom>
+          </p:spPr>
+        </p:pic>
+        <p:sp>
+          <p:nvSpPr>
+            <p:cNvPr id="48" name="文字方塊 47">
+              <a:extLst>
+                <a:ext uri="{FF2B5EF4-FFF2-40B4-BE49-F238E27FC236}">
+                  <a16:creationId xmlns:a16="http://schemas.microsoft.com/office/drawing/2014/main" id="{A371D6BE-4B09-4A00-941C-2100DE73F23F}"/>
+                </a:ext>
+              </a:extLst>
+            </p:cNvPr>
+            <p:cNvSpPr txBox="1"/>
+            <p:nvPr/>
+          </p:nvSpPr>
+          <p:spPr>
+            <a:xfrm>
+              <a:off x="3702276" y="1272110"/>
+              <a:ext cx="1042273" cy="276999"/>
+            </a:xfrm>
+            <a:prstGeom prst="rect">
+              <a:avLst/>
+            </a:prstGeom>
+            <a:noFill/>
+          </p:spPr>
+          <p:txBody>
+            <a:bodyPr wrap="square" rtlCol="0">
+              <a:spAutoFit/>
+            </a:bodyPr>
+            <a:lstStyle/>
+            <a:p>
+              <a:pPr algn="ctr"/>
+              <a:r>
+                <a:rPr lang="zh-TW" altLang="en-US" sz="1200" b="1" dirty="0">
+                  <a:solidFill>
+                    <a:schemeClr val="tx2"/>
+                  </a:solidFill>
+                  <a:latin typeface="微軟正黑體" panose="020B0604030504040204" pitchFamily="34" charset="-120"/>
+                  <a:ea typeface="微軟正黑體" panose="020B0604030504040204" pitchFamily="34" charset="-120"/>
+                </a:rPr>
+                <a:t>雲端資料庫</a:t>
+              </a:r>
+            </a:p>
+          </p:txBody>
+        </p:sp>
+        <p:sp>
+          <p:nvSpPr>
+            <p:cNvPr id="49" name="矩形 48">
+              <a:extLst>
+                <a:ext uri="{FF2B5EF4-FFF2-40B4-BE49-F238E27FC236}">
+                  <a16:creationId xmlns:a16="http://schemas.microsoft.com/office/drawing/2014/main" id="{430B5EBB-F02F-4E11-A22C-EFE16FA53CDC}"/>
+                </a:ext>
+              </a:extLst>
+            </p:cNvPr>
+            <p:cNvSpPr/>
+            <p:nvPr/>
+          </p:nvSpPr>
+          <p:spPr>
+            <a:xfrm>
+              <a:off x="6637622" y="369533"/>
+              <a:ext cx="353899" cy="1345833"/>
+            </a:xfrm>
+            <a:prstGeom prst="rect">
+              <a:avLst/>
+            </a:prstGeom>
+            <a:noFill/>
+            <a:ln w="9525" cap="flat" cmpd="sng" algn="ctr">
+              <a:solidFill>
+                <a:schemeClr val="accent5"/>
+              </a:solidFill>
+              <a:prstDash val="solid"/>
+              <a:round/>
+              <a:headEnd type="none" w="med" len="med"/>
+              <a:tailEnd type="none" w="med" len="med"/>
+            </a:ln>
+          </p:spPr>
+          <p:style>
+            <a:lnRef idx="0">
+              <a:scrgbClr r="0" g="0" b="0"/>
+            </a:lnRef>
+            <a:fillRef idx="0">
+              <a:scrgbClr r="0" g="0" b="0"/>
+            </a:fillRef>
+            <a:effectRef idx="0">
+              <a:scrgbClr r="0" g="0" b="0"/>
+            </a:effectRef>
+            <a:fontRef idx="minor">
+              <a:schemeClr val="accent5"/>
+            </a:fontRef>
+          </p:style>
+          <p:txBody>
+            <a:bodyPr rtlCol="0" anchor="ctr"/>
+            <a:lstStyle/>
+            <a:p>
+              <a:pPr algn="ctr"/>
+              <a:r>
+                <a:rPr lang="zh-TW" altLang="en-US" sz="1400" dirty="0"/>
+                <a:t>設定服務</a:t>
+              </a:r>
+              <a:endParaRPr lang="en-US" altLang="zh-TW" sz="1400" dirty="0"/>
+            </a:p>
+          </p:txBody>
+        </p:sp>
+        <p:sp>
+          <p:nvSpPr>
+            <p:cNvPr id="50" name="矩形 49">
+              <a:extLst>
+                <a:ext uri="{FF2B5EF4-FFF2-40B4-BE49-F238E27FC236}">
+                  <a16:creationId xmlns:a16="http://schemas.microsoft.com/office/drawing/2014/main" id="{3BB4244C-1A18-4263-B039-70DB9F26D25E}"/>
+                </a:ext>
+              </a:extLst>
+            </p:cNvPr>
+            <p:cNvSpPr/>
+            <p:nvPr/>
+          </p:nvSpPr>
+          <p:spPr>
+            <a:xfrm>
+              <a:off x="7057733" y="365800"/>
+              <a:ext cx="353899" cy="1345833"/>
+            </a:xfrm>
+            <a:prstGeom prst="rect">
+              <a:avLst/>
+            </a:prstGeom>
+            <a:noFill/>
+            <a:ln w="9525" cap="flat" cmpd="sng" algn="ctr">
+              <a:solidFill>
+                <a:schemeClr val="accent5"/>
+              </a:solidFill>
+              <a:prstDash val="solid"/>
+              <a:round/>
+              <a:headEnd type="none" w="med" len="med"/>
+              <a:tailEnd type="none" w="med" len="med"/>
+            </a:ln>
+          </p:spPr>
+          <p:style>
+            <a:lnRef idx="0">
+              <a:scrgbClr r="0" g="0" b="0"/>
+            </a:lnRef>
+            <a:fillRef idx="0">
+              <a:scrgbClr r="0" g="0" b="0"/>
+            </a:fillRef>
+            <a:effectRef idx="0">
+              <a:scrgbClr r="0" g="0" b="0"/>
+            </a:effectRef>
+            <a:fontRef idx="minor">
+              <a:schemeClr val="accent5"/>
+            </a:fontRef>
+          </p:style>
+          <p:txBody>
+            <a:bodyPr rtlCol="0" anchor="ctr"/>
+            <a:lstStyle/>
+            <a:p>
+              <a:pPr algn="ctr"/>
+              <a:r>
+                <a:rPr lang="zh-TW" altLang="en-US" sz="1400" dirty="0"/>
+                <a:t>查詢服務</a:t>
+              </a:r>
+              <a:endParaRPr lang="en-US" altLang="zh-TW" sz="1400" dirty="0"/>
+            </a:p>
+          </p:txBody>
+        </p:sp>
+        <p:sp>
+          <p:nvSpPr>
+            <p:cNvPr id="71" name="矩形 70">
+              <a:extLst>
+                <a:ext uri="{FF2B5EF4-FFF2-40B4-BE49-F238E27FC236}">
+                  <a16:creationId xmlns:a16="http://schemas.microsoft.com/office/drawing/2014/main" id="{CED93F6E-B44E-45D9-B816-C8E62D3404A8}"/>
+                </a:ext>
+              </a:extLst>
+            </p:cNvPr>
+            <p:cNvSpPr/>
+            <p:nvPr/>
+          </p:nvSpPr>
+          <p:spPr>
+            <a:xfrm>
+              <a:off x="-180528" y="5698420"/>
+              <a:ext cx="10153128" cy="428019"/>
+            </a:xfrm>
+            <a:prstGeom prst="rect">
+              <a:avLst/>
+            </a:prstGeom>
+            <a:solidFill>
+              <a:srgbClr val="7BC8FF"/>
+            </a:solidFill>
+            <a:ln>
+              <a:noFill/>
+            </a:ln>
+          </p:spPr>
+          <p:style>
+            <a:lnRef idx="2">
+              <a:schemeClr val="accent1">
+                <a:shade val="50000"/>
+              </a:schemeClr>
+            </a:lnRef>
+            <a:fillRef idx="1">
+              <a:schemeClr val="accent1"/>
+            </a:fillRef>
+            <a:effectRef idx="0">
+              <a:schemeClr val="accent1"/>
+            </a:effectRef>
+            <a:fontRef idx="minor">
+              <a:schemeClr val="lt1"/>
+            </a:fontRef>
+          </p:style>
+          <p:txBody>
+            <a:bodyPr rtlCol="0" anchor="ctr"/>
+            <a:lstStyle/>
+            <a:p>
+              <a:pPr algn="ctr"/>
+              <a:endParaRPr lang="zh-TW" altLang="en-US"/>
+            </a:p>
+          </p:txBody>
+        </p:sp>
+        <p:sp>
+          <p:nvSpPr>
+            <p:cNvPr id="72" name="矩形 71">
+              <a:extLst>
+                <a:ext uri="{FF2B5EF4-FFF2-40B4-BE49-F238E27FC236}">
+                  <a16:creationId xmlns:a16="http://schemas.microsoft.com/office/drawing/2014/main" id="{E17A580D-6AD2-408E-A843-42737901DD28}"/>
+                </a:ext>
+              </a:extLst>
+            </p:cNvPr>
+            <p:cNvSpPr/>
+            <p:nvPr/>
+          </p:nvSpPr>
+          <p:spPr>
+            <a:xfrm>
+              <a:off x="-180528" y="5480414"/>
+              <a:ext cx="1138234" cy="430002"/>
+            </a:xfrm>
+            <a:prstGeom prst="rect">
+              <a:avLst/>
+            </a:prstGeom>
+            <a:solidFill>
+              <a:srgbClr val="7BC8FF"/>
+            </a:solidFill>
+            <a:ln w="15875">
+              <a:solidFill>
+                <a:srgbClr val="7BC8FF"/>
+              </a:solidFill>
+            </a:ln>
+          </p:spPr>
+          <p:style>
+            <a:lnRef idx="2">
+              <a:schemeClr val="accent1">
+                <a:shade val="50000"/>
+              </a:schemeClr>
+            </a:lnRef>
+            <a:fillRef idx="1">
+              <a:schemeClr val="accent1"/>
+            </a:fillRef>
+            <a:effectRef idx="0">
+              <a:schemeClr val="accent1"/>
+            </a:effectRef>
+            <a:fontRef idx="minor">
+              <a:schemeClr val="lt1"/>
+            </a:fontRef>
+          </p:style>
+          <p:txBody>
+            <a:bodyPr rtlCol="0" anchor="ctr"/>
+            <a:lstStyle/>
+            <a:p>
+              <a:pPr algn="ctr"/>
+              <a:endParaRPr lang="zh-TW" altLang="en-US"/>
+            </a:p>
+          </p:txBody>
+        </p:sp>
+      </p:grpSp>
+    </p:spTree>
+    <p:extLst>
+      <p:ext uri="{BB962C8B-B14F-4D97-AF65-F5344CB8AC3E}">
+        <p14:creationId xmlns:p14="http://schemas.microsoft.com/office/powerpoint/2010/main" val="3689811105"/>
+      </p:ext>
+    </p:extLst>
+  </p:cSld>
+  <p:clrMapOvr>
+    <a:masterClrMapping/>
+  </p:clrMapOvr>
+</p:sld>
+</file>
+
 <file path=ppt/theme/theme1.xml><?xml version="1.0" encoding="utf-8"?>
 <a:theme xmlns:a="http://schemas.openxmlformats.org/drawingml/2006/main" name="Office 佈景主題">
   <a:themeElements>
